--- a/juri_sunum.pptx
+++ b/juri_sunum.pptx
@@ -5,17 +5,20 @@
     <p:sldMasterId id="2147483886" r:id="rId1"/>
   </p:sldMasterIdLst>
   <p:notesMasterIdLst>
-    <p:notesMasterId r:id="rId7"/>
+    <p:notesMasterId r:id="rId10"/>
   </p:notesMasterIdLst>
   <p:handoutMasterIdLst>
-    <p:handoutMasterId r:id="rId8"/>
+    <p:handoutMasterId r:id="rId11"/>
   </p:handoutMasterIdLst>
   <p:sldIdLst>
     <p:sldId id="299" r:id="rId2"/>
     <p:sldId id="300" r:id="rId3"/>
     <p:sldId id="301" r:id="rId4"/>
-    <p:sldId id="302" r:id="rId5"/>
-    <p:sldId id="303" r:id="rId6"/>
+    <p:sldId id="304" r:id="rId5"/>
+    <p:sldId id="306" r:id="rId6"/>
+    <p:sldId id="307" r:id="rId7"/>
+    <p:sldId id="305" r:id="rId8"/>
+    <p:sldId id="303" r:id="rId9"/>
   </p:sldIdLst>
   <p:sldSz cx="9144000" cy="6858000" type="screen4x3"/>
   <p:notesSz cx="6858000" cy="9144000"/>
@@ -146,7 +149,7 @@
   </p:defaultTextStyle>
   <p:extLst>
     <p:ext uri="{EFAFB233-063F-42B5-8137-9DF3F51BA10A}">
-      <p15:sldGuideLst xmlns="" xmlns:p15="http://schemas.microsoft.com/office/powerpoint/2012/main">
+      <p15:sldGuideLst xmlns:p15="http://schemas.microsoft.com/office/powerpoint/2012/main" xmlns="">
         <p15:guide id="1" orient="horz" pos="2160">
           <p15:clr>
             <a:srgbClr val="A4A3A4"/>
@@ -368,7 +371,7 @@
     </p:spTree>
     <p:extLst>
       <p:ext uri="{BB962C8B-B14F-4D97-AF65-F5344CB8AC3E}">
-        <p14:creationId xmlns:p14="http://schemas.microsoft.com/office/powerpoint/2010/main" xmlns="" val="2307124841"/>
+        <p14:creationId xmlns="" xmlns:p14="http://schemas.microsoft.com/office/powerpoint/2010/main" val="2307124841"/>
       </p:ext>
     </p:extLst>
   </p:cSld>
@@ -678,7 +681,7 @@
     </p:spTree>
     <p:extLst>
       <p:ext uri="{BB962C8B-B14F-4D97-AF65-F5344CB8AC3E}">
-        <p14:creationId xmlns:p14="http://schemas.microsoft.com/office/powerpoint/2010/main" xmlns="" val="733486758"/>
+        <p14:creationId xmlns="" xmlns:p14="http://schemas.microsoft.com/office/powerpoint/2010/main" val="733486758"/>
       </p:ext>
     </p:extLst>
   </p:cSld>
@@ -840,14 +843,14 @@
           <a:noFill/>
           <a:extLst>
             <a:ext uri="{909E8E84-426E-40DD-AFC4-6F175D3DCCD1}">
-              <a14:hiddenFill xmlns:a14="http://schemas.microsoft.com/office/drawing/2010/main" xmlns="">
+              <a14:hiddenFill xmlns="" xmlns:a14="http://schemas.microsoft.com/office/drawing/2010/main">
                 <a:solidFill>
                   <a:srgbClr val="FFFFFF"/>
                 </a:solidFill>
               </a14:hiddenFill>
             </a:ext>
             <a:ext uri="{91240B29-F687-4F45-9708-019B960494DF}">
-              <a14:hiddenLine xmlns:a14="http://schemas.microsoft.com/office/drawing/2010/main" xmlns="" w="9525">
+              <a14:hiddenLine xmlns="" xmlns:a14="http://schemas.microsoft.com/office/drawing/2010/main" w="9525">
                 <a:solidFill>
                   <a:srgbClr val="000000"/>
                 </a:solidFill>
@@ -994,7 +997,7 @@
           </a:ln>
           <a:extLst>
             <a:ext uri="{909E8E84-426E-40DD-AFC4-6F175D3DCCD1}">
-              <a14:hiddenFill xmlns:a14="http://schemas.microsoft.com/office/drawing/2010/main" xmlns="">
+              <a14:hiddenFill xmlns="" xmlns:a14="http://schemas.microsoft.com/office/drawing/2010/main">
                 <a:solidFill>
                   <a:srgbClr val="FFFFFF"/>
                 </a:solidFill>
@@ -1017,14 +1020,14 @@
           <a:noFill/>
           <a:extLst>
             <a:ext uri="{909E8E84-426E-40DD-AFC4-6F175D3DCCD1}">
-              <a14:hiddenFill xmlns:a14="http://schemas.microsoft.com/office/drawing/2010/main" xmlns="">
+              <a14:hiddenFill xmlns="" xmlns:a14="http://schemas.microsoft.com/office/drawing/2010/main">
                 <a:solidFill>
                   <a:srgbClr val="FFFFFF"/>
                 </a:solidFill>
               </a14:hiddenFill>
             </a:ext>
             <a:ext uri="{91240B29-F687-4F45-9708-019B960494DF}">
-              <a14:hiddenLine xmlns:a14="http://schemas.microsoft.com/office/drawing/2010/main" xmlns="" w="9525">
+              <a14:hiddenLine xmlns="" xmlns:a14="http://schemas.microsoft.com/office/drawing/2010/main" w="9525">
                 <a:solidFill>
                   <a:srgbClr val="000000"/>
                 </a:solidFill>
@@ -1059,7 +1062,7 @@
     </p:spTree>
     <p:extLst>
       <p:ext uri="{BB962C8B-B14F-4D97-AF65-F5344CB8AC3E}">
-        <p14:creationId xmlns:p14="http://schemas.microsoft.com/office/powerpoint/2010/main" xmlns="" val="1831345199"/>
+        <p14:creationId xmlns="" xmlns:p14="http://schemas.microsoft.com/office/powerpoint/2010/main" val="1831345199"/>
       </p:ext>
     </p:extLst>
   </p:cSld>
@@ -1098,7 +1101,7 @@
           <a:blip r:embed="rId2">
             <a:extLst>
               <a:ext uri="{28A0092B-C50C-407E-A947-70E740481C1C}">
-                <a14:useLocalDpi xmlns:a14="http://schemas.microsoft.com/office/drawing/2010/main" xmlns="" val="0"/>
+                <a14:useLocalDpi xmlns="" xmlns:a14="http://schemas.microsoft.com/office/drawing/2010/main" val="0"/>
               </a:ext>
             </a:extLst>
           </a:blip>
@@ -1121,14 +1124,14 @@
           </a:ln>
           <a:extLst>
             <a:ext uri="{909E8E84-426E-40DD-AFC4-6F175D3DCCD1}">
-              <a14:hiddenFill xmlns:a14="http://schemas.microsoft.com/office/drawing/2010/main" xmlns="">
+              <a14:hiddenFill xmlns="" xmlns:a14="http://schemas.microsoft.com/office/drawing/2010/main">
                 <a:solidFill>
                   <a:srgbClr val="FFFFFF"/>
                 </a:solidFill>
               </a14:hiddenFill>
             </a:ext>
             <a:ext uri="{91240B29-F687-4F45-9708-019B960494DF}">
-              <a14:hiddenLine xmlns:a14="http://schemas.microsoft.com/office/drawing/2010/main" xmlns="" w="9525">
+              <a14:hiddenLine xmlns="" xmlns:a14="http://schemas.microsoft.com/office/drawing/2010/main" w="9525">
                 <a:solidFill>
                   <a:srgbClr val="000000"/>
                 </a:solidFill>
@@ -1151,7 +1154,7 @@
         <p:spPr bwMode="auto">
           <a:xfrm>
             <a:off x="4953000" y="2179796"/>
-            <a:ext cx="3962400" cy="4524315"/>
+            <a:ext cx="3962400" cy="4247317"/>
           </a:xfrm>
           <a:prstGeom prst="rect">
             <a:avLst/>
@@ -1267,54 +1270,36 @@
             </a:lvl9pPr>
           </a:lstStyle>
           <a:p>
-            <a:pPr eaLnBrk="1" hangingPunct="1">
-              <a:defRPr/>
-            </a:pPr>
-            <a:r>
-              <a:rPr lang="tr-TR" b="1" dirty="0" smtClean="0">
+            <a:r>
+              <a:rPr lang="en-US" sz="1800" kern="1200" baseline="0" dirty="0" smtClean="0">
                 <a:solidFill>
                   <a:schemeClr val="bg1"/>
                 </a:solidFill>
-                <a:latin typeface="Century Gothic" panose="020B0502020202020204" pitchFamily="34" charset="0"/>
+                <a:latin typeface="Constantia" panose="02030602050306030303" pitchFamily="18" charset="0"/>
+                <a:ea typeface="+mn-ea"/>
+                <a:cs typeface="+mn-cs"/>
               </a:rPr>
-              <a:t>TITLE</a:t>
-            </a:r>
-            <a:r>
-              <a:rPr lang="tr-TR" b="1" baseline="0" dirty="0" smtClean="0">
+              <a:t>DYNAMIC FORMATION CONTROL WITH HETEROGENOUS MOBILE</a:t>
+            </a:r>
+          </a:p>
+          <a:p>
+            <a:r>
+              <a:rPr lang="tr-TR" sz="1800" kern="1200" baseline="0" dirty="0" smtClean="0">
                 <a:solidFill>
                   <a:schemeClr val="bg1"/>
                 </a:solidFill>
-                <a:latin typeface="Century Gothic" panose="020B0502020202020204" pitchFamily="34" charset="0"/>
+                <a:latin typeface="Constantia" panose="02030602050306030303" pitchFamily="18" charset="0"/>
+                <a:ea typeface="+mn-ea"/>
+                <a:cs typeface="+mn-cs"/>
               </a:rPr>
-              <a:t> </a:t>
-            </a:r>
-            <a:r>
-              <a:rPr lang="tr-TR" b="1" dirty="0" smtClean="0">
-                <a:solidFill>
-                  <a:schemeClr val="bg1"/>
-                </a:solidFill>
-                <a:latin typeface="Century Gothic" panose="020B0502020202020204" pitchFamily="34" charset="0"/>
-              </a:rPr>
-              <a:t>CENTURY GOTHIC</a:t>
-            </a:r>
-            <a:r>
-              <a:rPr lang="tr-TR" b="1" baseline="0" dirty="0" smtClean="0">
-                <a:solidFill>
-                  <a:schemeClr val="bg1"/>
-                </a:solidFill>
-                <a:latin typeface="Century Gothic" panose="020B0502020202020204" pitchFamily="34" charset="0"/>
-              </a:rPr>
-              <a:t> </a:t>
-            </a:r>
-            <a:r>
-              <a:rPr lang="en-US" b="1" dirty="0" smtClean="0">
-                <a:solidFill>
-                  <a:schemeClr val="bg1"/>
-                </a:solidFill>
-                <a:latin typeface="Century Gothic" panose="020B0502020202020204" pitchFamily="34" charset="0"/>
-              </a:rPr>
-              <a:t>BOLD 18 PUNTO</a:t>
-            </a:r>
+              <a:t>ROBOTS</a:t>
+            </a:r>
+            <a:endParaRPr lang="tr-TR" b="1" dirty="0" smtClean="0">
+              <a:solidFill>
+                <a:schemeClr val="bg1"/>
+              </a:solidFill>
+              <a:latin typeface="Century Gothic" panose="020B0502020202020204" pitchFamily="34" charset="0"/>
+            </a:endParaRPr>
           </a:p>
           <a:p>
             <a:pPr eaLnBrk="1" hangingPunct="1">
@@ -1331,7 +1316,7 @@
             <a:pPr eaLnBrk="1" hangingPunct="1">
               <a:defRPr/>
             </a:pPr>
-            <a:endParaRPr lang="tr-TR" b="1" dirty="0" smtClean="0">
+            <a:endParaRPr lang="en-US" b="1" dirty="0" smtClean="0">
               <a:solidFill>
                 <a:schemeClr val="bg1"/>
               </a:solidFill>
@@ -1353,17 +1338,6 @@
             <a:pPr eaLnBrk="1" hangingPunct="1">
               <a:defRPr/>
             </a:pPr>
-            <a:endParaRPr lang="en-US" b="1" dirty="0" smtClean="0">
-              <a:solidFill>
-                <a:schemeClr val="bg1"/>
-              </a:solidFill>
-              <a:latin typeface="Century Gothic" panose="020B0502020202020204" pitchFamily="34" charset="0"/>
-            </a:endParaRPr>
-          </a:p>
-          <a:p>
-            <a:pPr eaLnBrk="1" hangingPunct="1">
-              <a:defRPr/>
-            </a:pPr>
             <a:r>
               <a:rPr lang="tr-TR" sz="1400" b="1" dirty="0" smtClean="0">
                 <a:solidFill>
@@ -1371,44 +1345,14 @@
                 </a:solidFill>
                 <a:latin typeface="Century Gothic" panose="020B0502020202020204" pitchFamily="34" charset="0"/>
               </a:rPr>
-              <a:t>Presenter or</a:t>
-            </a:r>
-            <a:r>
-              <a:rPr lang="en-US" sz="1400" b="1" dirty="0" smtClean="0">
-                <a:solidFill>
-                  <a:schemeClr val="bg1"/>
-                </a:solidFill>
-                <a:latin typeface="Century Gothic" panose="020B0502020202020204" pitchFamily="34" charset="0"/>
-              </a:rPr>
-              <a:t> </a:t>
-            </a:r>
-            <a:r>
-              <a:rPr lang="tr-TR" sz="1400" b="1" dirty="0" smtClean="0">
-                <a:solidFill>
-                  <a:schemeClr val="bg1"/>
-                </a:solidFill>
-                <a:latin typeface="Century Gothic" panose="020B0502020202020204" pitchFamily="34" charset="0"/>
-              </a:rPr>
-              <a:t>METU EEE Century Gothic</a:t>
-            </a:r>
-            <a:r>
-              <a:rPr lang="tr-TR" sz="1400" b="1" baseline="0" dirty="0" smtClean="0">
-                <a:solidFill>
-                  <a:schemeClr val="bg1"/>
-                </a:solidFill>
-                <a:latin typeface="Century Gothic" panose="020B0502020202020204" pitchFamily="34" charset="0"/>
-              </a:rPr>
-              <a:t> </a:t>
-            </a:r>
-            <a:r>
-              <a:rPr lang="en-US" sz="1400" b="1" dirty="0" smtClean="0">
-                <a:solidFill>
-                  <a:schemeClr val="bg1"/>
-                </a:solidFill>
-                <a:latin typeface="Century Gothic" panose="020B0502020202020204" pitchFamily="34" charset="0"/>
-              </a:rPr>
-              <a:t>Regular 14 Punto</a:t>
-            </a:r>
+              <a:t>Kadir ÇİMENCİ</a:t>
+            </a:r>
+            <a:endParaRPr lang="en-US" sz="1400" b="1" dirty="0" smtClean="0">
+              <a:solidFill>
+                <a:schemeClr val="bg1"/>
+              </a:solidFill>
+              <a:latin typeface="Century Gothic" panose="020B0502020202020204" pitchFamily="34" charset="0"/>
+            </a:endParaRPr>
           </a:p>
           <a:p>
             <a:pPr eaLnBrk="1" hangingPunct="1">
@@ -1481,19 +1425,23 @@
               <a:defRPr/>
             </a:pPr>
             <a:r>
+              <a:rPr lang="tr-TR" sz="1400" b="1" dirty="0" smtClean="0">
+                <a:solidFill>
+                  <a:schemeClr val="bg1"/>
+                </a:solidFill>
+                <a:latin typeface="Century Gothic" panose="020B0502020202020204" pitchFamily="34" charset="0"/>
+              </a:rPr>
+              <a:t>June 27</a:t>
+            </a:r>
+            <a:r>
               <a:rPr lang="en-US" sz="1400" b="1" dirty="0" smtClean="0">
                 <a:solidFill>
                   <a:schemeClr val="bg1"/>
                 </a:solidFill>
                 <a:latin typeface="Century Gothic" panose="020B0502020202020204" pitchFamily="34" charset="0"/>
               </a:rPr>
-              <a:t>April 29, 2014</a:t>
-            </a:r>
-          </a:p>
-          <a:p>
-            <a:pPr eaLnBrk="1" hangingPunct="1">
-              <a:defRPr/>
-            </a:pPr>
+              <a:t>, 201</a:t>
+            </a:r>
             <a:r>
               <a:rPr lang="tr-TR" sz="1400" b="1" dirty="0" smtClean="0">
                 <a:solidFill>
@@ -1501,7 +1449,27 @@
                 </a:solidFill>
                 <a:latin typeface="Century Gothic" panose="020B0502020202020204" pitchFamily="34" charset="0"/>
               </a:rPr>
-              <a:t>Place</a:t>
+              <a:t>6</a:t>
+            </a:r>
+            <a:endParaRPr lang="en-US" sz="1400" b="1" dirty="0" smtClean="0">
+              <a:solidFill>
+                <a:schemeClr val="bg1"/>
+              </a:solidFill>
+              <a:latin typeface="Century Gothic" panose="020B0502020202020204" pitchFamily="34" charset="0"/>
+            </a:endParaRPr>
+          </a:p>
+          <a:p>
+            <a:pPr eaLnBrk="1" hangingPunct="1">
+              <a:defRPr/>
+            </a:pPr>
+            <a:r>
+              <a:rPr lang="tr-TR" sz="1400" b="1" dirty="0" smtClean="0">
+                <a:solidFill>
+                  <a:schemeClr val="bg1"/>
+                </a:solidFill>
+                <a:latin typeface="Century Gothic" panose="020B0502020202020204" pitchFamily="34" charset="0"/>
+              </a:rPr>
+              <a:t>Ankara</a:t>
             </a:r>
             <a:endParaRPr lang="en-US" b="1" dirty="0" smtClean="0">
               <a:solidFill>
@@ -1529,7 +1497,7 @@
     </p:spTree>
     <p:extLst>
       <p:ext uri="{BB962C8B-B14F-4D97-AF65-F5344CB8AC3E}">
-        <p14:creationId xmlns:p14="http://schemas.microsoft.com/office/powerpoint/2010/main" xmlns="" val="4044641051"/>
+        <p14:creationId xmlns="" xmlns:p14="http://schemas.microsoft.com/office/powerpoint/2010/main" val="4044641051"/>
       </p:ext>
     </p:extLst>
   </p:cSld>
@@ -1847,7 +1815,7 @@
     </p:spTree>
     <p:extLst>
       <p:ext uri="{BB962C8B-B14F-4D97-AF65-F5344CB8AC3E}">
-        <p14:creationId xmlns:p14="http://schemas.microsoft.com/office/powerpoint/2010/main" xmlns="" val="43940600"/>
+        <p14:creationId xmlns="" xmlns:p14="http://schemas.microsoft.com/office/powerpoint/2010/main" val="43940600"/>
       </p:ext>
     </p:extLst>
   </p:cSld>
@@ -2232,7 +2200,7 @@
     </p:spTree>
     <p:extLst>
       <p:ext uri="{BB962C8B-B14F-4D97-AF65-F5344CB8AC3E}">
-        <p14:creationId xmlns:p14="http://schemas.microsoft.com/office/powerpoint/2010/main" xmlns="" val="4116636478"/>
+        <p14:creationId xmlns="" xmlns:p14="http://schemas.microsoft.com/office/powerpoint/2010/main" val="4116636478"/>
       </p:ext>
     </p:extLst>
   </p:cSld>
@@ -2639,7 +2607,7 @@
     </p:spTree>
     <p:extLst>
       <p:ext uri="{BB962C8B-B14F-4D97-AF65-F5344CB8AC3E}">
-        <p14:creationId xmlns:p14="http://schemas.microsoft.com/office/powerpoint/2010/main" xmlns="" val="4111024574"/>
+        <p14:creationId xmlns="" xmlns:p14="http://schemas.microsoft.com/office/powerpoint/2010/main" val="4111024574"/>
       </p:ext>
     </p:extLst>
   </p:cSld>
@@ -2818,7 +2786,7 @@
     </p:spTree>
     <p:extLst>
       <p:ext uri="{BB962C8B-B14F-4D97-AF65-F5344CB8AC3E}">
-        <p14:creationId xmlns:p14="http://schemas.microsoft.com/office/powerpoint/2010/main" xmlns="" val="2069476619"/>
+        <p14:creationId xmlns="" xmlns:p14="http://schemas.microsoft.com/office/powerpoint/2010/main" val="2069476619"/>
       </p:ext>
     </p:extLst>
   </p:cSld>
@@ -2937,7 +2905,7 @@
     </p:spTree>
     <p:extLst>
       <p:ext uri="{BB962C8B-B14F-4D97-AF65-F5344CB8AC3E}">
-        <p14:creationId xmlns:p14="http://schemas.microsoft.com/office/powerpoint/2010/main" xmlns="" val="1462183360"/>
+        <p14:creationId xmlns="" xmlns:p14="http://schemas.microsoft.com/office/powerpoint/2010/main" val="1462183360"/>
       </p:ext>
     </p:extLst>
   </p:cSld>
@@ -2983,7 +2951,7 @@
           <a:blip r:embed="rId2">
             <a:extLst>
               <a:ext uri="{28A0092B-C50C-407E-A947-70E740481C1C}">
-                <a14:useLocalDpi xmlns:a14="http://schemas.microsoft.com/office/drawing/2010/main" xmlns="" val="0"/>
+                <a14:useLocalDpi xmlns="" xmlns:a14="http://schemas.microsoft.com/office/drawing/2010/main" val="0"/>
               </a:ext>
             </a:extLst>
           </a:blip>
@@ -3006,14 +2974,14 @@
           </a:ln>
           <a:extLst>
             <a:ext uri="{909E8E84-426E-40DD-AFC4-6F175D3DCCD1}">
-              <a14:hiddenFill xmlns:a14="http://schemas.microsoft.com/office/drawing/2010/main" xmlns="">
+              <a14:hiddenFill xmlns="" xmlns:a14="http://schemas.microsoft.com/office/drawing/2010/main">
                 <a:solidFill>
                   <a:srgbClr val="FFFFFF"/>
                 </a:solidFill>
               </a14:hiddenFill>
             </a:ext>
             <a:ext uri="{91240B29-F687-4F45-9708-019B960494DF}">
-              <a14:hiddenLine xmlns:a14="http://schemas.microsoft.com/office/drawing/2010/main" xmlns="" w="9525">
+              <a14:hiddenLine xmlns="" xmlns:a14="http://schemas.microsoft.com/office/drawing/2010/main" w="9525">
                 <a:solidFill>
                   <a:srgbClr val="000000"/>
                 </a:solidFill>
@@ -3047,14 +3015,14 @@
           </a:ln>
           <a:extLst>
             <a:ext uri="{909E8E84-426E-40DD-AFC4-6F175D3DCCD1}">
-              <a14:hiddenFill xmlns:a14="http://schemas.microsoft.com/office/drawing/2010/main" xmlns="">
+              <a14:hiddenFill xmlns="" xmlns:a14="http://schemas.microsoft.com/office/drawing/2010/main">
                 <a:solidFill>
                   <a:srgbClr val="FFFFFF"/>
                 </a:solidFill>
               </a14:hiddenFill>
             </a:ext>
             <a:ext uri="{91240B29-F687-4F45-9708-019B960494DF}">
-              <a14:hiddenLine xmlns:a14="http://schemas.microsoft.com/office/drawing/2010/main" xmlns="" w="9525">
+              <a14:hiddenLine xmlns="" xmlns:a14="http://schemas.microsoft.com/office/drawing/2010/main" w="9525">
                 <a:solidFill>
                   <a:srgbClr val="000000"/>
                 </a:solidFill>
@@ -3202,7 +3170,7 @@
     </p:spTree>
     <p:extLst>
       <p:ext uri="{BB962C8B-B14F-4D97-AF65-F5344CB8AC3E}">
-        <p14:creationId xmlns:p14="http://schemas.microsoft.com/office/powerpoint/2010/main" xmlns="" val="3245506927"/>
+        <p14:creationId xmlns="" xmlns:p14="http://schemas.microsoft.com/office/powerpoint/2010/main" val="3245506927"/>
       </p:ext>
     </p:extLst>
   </p:cSld>
@@ -3321,7 +3289,7 @@
             <a:blip r:embed="rId9">
               <a:extLst>
                 <a:ext uri="{28A0092B-C50C-407E-A947-70E740481C1C}">
-                  <a14:useLocalDpi xmlns:a14="http://schemas.microsoft.com/office/drawing/2010/main" xmlns="" val="0"/>
+                  <a14:useLocalDpi xmlns="" xmlns:a14="http://schemas.microsoft.com/office/drawing/2010/main" val="0"/>
                 </a:ext>
               </a:extLst>
             </a:blip>
@@ -3344,14 +3312,14 @@
             </a:ln>
             <a:extLst>
               <a:ext uri="{909E8E84-426E-40DD-AFC4-6F175D3DCCD1}">
-                <a14:hiddenFill xmlns:a14="http://schemas.microsoft.com/office/drawing/2010/main" xmlns="">
+                <a14:hiddenFill xmlns="" xmlns:a14="http://schemas.microsoft.com/office/drawing/2010/main">
                   <a:solidFill>
                     <a:srgbClr val="FFFFFF"/>
                   </a:solidFill>
                 </a14:hiddenFill>
               </a:ext>
               <a:ext uri="{91240B29-F687-4F45-9708-019B960494DF}">
-                <a14:hiddenLine xmlns:a14="http://schemas.microsoft.com/office/drawing/2010/main" xmlns="" w="9525">
+                <a14:hiddenLine xmlns="" xmlns:a14="http://schemas.microsoft.com/office/drawing/2010/main" w="9525">
                   <a:solidFill>
                     <a:srgbClr val="000000"/>
                   </a:solidFill>
@@ -3520,14 +3488,14 @@
           </a:ln>
           <a:extLst>
             <a:ext uri="{909E8E84-426E-40DD-AFC4-6F175D3DCCD1}">
-              <a14:hiddenFill xmlns:a14="http://schemas.microsoft.com/office/drawing/2010/main" xmlns="">
+              <a14:hiddenFill xmlns="" xmlns:a14="http://schemas.microsoft.com/office/drawing/2010/main">
                 <a:solidFill>
                   <a:srgbClr val="FFFFFF"/>
                 </a:solidFill>
               </a14:hiddenFill>
             </a:ext>
             <a:ext uri="{91240B29-F687-4F45-9708-019B960494DF}">
-              <a14:hiddenLine xmlns:a14="http://schemas.microsoft.com/office/drawing/2010/main" xmlns="" w="9525">
+              <a14:hiddenLine xmlns="" xmlns:a14="http://schemas.microsoft.com/office/drawing/2010/main" w="9525">
                 <a:solidFill>
                   <a:srgbClr val="000000"/>
                 </a:solidFill>
@@ -3611,14 +3579,14 @@
           </a:ln>
           <a:extLst>
             <a:ext uri="{909E8E84-426E-40DD-AFC4-6F175D3DCCD1}">
-              <a14:hiddenFill xmlns:a14="http://schemas.microsoft.com/office/drawing/2010/main" xmlns="">
+              <a14:hiddenFill xmlns="" xmlns:a14="http://schemas.microsoft.com/office/drawing/2010/main">
                 <a:solidFill>
                   <a:srgbClr val="FFFFFF"/>
                 </a:solidFill>
               </a14:hiddenFill>
             </a:ext>
             <a:ext uri="{91240B29-F687-4F45-9708-019B960494DF}">
-              <a14:hiddenLine xmlns:a14="http://schemas.microsoft.com/office/drawing/2010/main" xmlns="" w="9525">
+              <a14:hiddenLine xmlns="" xmlns:a14="http://schemas.microsoft.com/office/drawing/2010/main" w="9525">
                 <a:solidFill>
                   <a:srgbClr val="000000"/>
                 </a:solidFill>
@@ -4265,7 +4233,7 @@
           <a:blip r:embed="rId3">
             <a:extLst>
               <a:ext uri="{28A0092B-C50C-407E-A947-70E740481C1C}">
-                <a14:useLocalDpi xmlns:a14="http://schemas.microsoft.com/office/drawing/2010/main" xmlns="" val="0"/>
+                <a14:useLocalDpi xmlns="" xmlns:a14="http://schemas.microsoft.com/office/drawing/2010/main" val="0"/>
               </a:ext>
             </a:extLst>
           </a:blip>
@@ -4288,14 +4256,14 @@
           </a:ln>
           <a:extLst>
             <a:ext uri="{909E8E84-426E-40DD-AFC4-6F175D3DCCD1}">
-              <a14:hiddenFill xmlns:a14="http://schemas.microsoft.com/office/drawing/2010/main" xmlns="">
+              <a14:hiddenFill xmlns="" xmlns:a14="http://schemas.microsoft.com/office/drawing/2010/main">
                 <a:solidFill>
                   <a:srgbClr val="FFFFFF"/>
                 </a:solidFill>
               </a14:hiddenFill>
             </a:ext>
             <a:ext uri="{91240B29-F687-4F45-9708-019B960494DF}">
-              <a14:hiddenLine xmlns:a14="http://schemas.microsoft.com/office/drawing/2010/main" xmlns="" w="9525">
+              <a14:hiddenLine xmlns="" xmlns:a14="http://schemas.microsoft.com/office/drawing/2010/main" w="9525">
                 <a:solidFill>
                   <a:srgbClr val="000000"/>
                 </a:solidFill>
@@ -4342,7 +4310,7 @@
     </p:spTree>
     <p:extLst>
       <p:ext uri="{BB962C8B-B14F-4D97-AF65-F5344CB8AC3E}">
-        <p14:creationId xmlns:p14="http://schemas.microsoft.com/office/powerpoint/2010/main" xmlns="" val="1031498753"/>
+        <p14:creationId xmlns="" xmlns:p14="http://schemas.microsoft.com/office/powerpoint/2010/main" val="1031498753"/>
       </p:ext>
     </p:extLst>
   </p:cSld>
@@ -4384,7 +4352,11 @@
           <a:bodyPr/>
           <a:lstStyle/>
           <a:p>
-            <a:endParaRPr lang="tr-TR"/>
+            <a:r>
+              <a:rPr lang="tr-TR" dirty="0" smtClean="0"/>
+              <a:t>Outline</a:t>
+            </a:r>
+            <a:endParaRPr lang="tr-TR" dirty="0"/>
           </a:p>
         </p:txBody>
       </p:sp>
@@ -4403,7 +4375,75 @@
           <a:bodyPr/>
           <a:lstStyle/>
           <a:p>
-            <a:endParaRPr lang="tr-TR"/>
+            <a:pPr>
+              <a:buFont typeface="Arial" pitchFamily="34" charset="0"/>
+              <a:buChar char="•"/>
+            </a:pPr>
+            <a:r>
+              <a:rPr lang="tr-TR" dirty="0" smtClean="0"/>
+              <a:t>Introduction</a:t>
+            </a:r>
+          </a:p>
+          <a:p>
+            <a:pPr>
+              <a:buFont typeface="Arial" pitchFamily="34" charset="0"/>
+              <a:buChar char="•"/>
+            </a:pPr>
+            <a:r>
+              <a:rPr lang="tr-TR" dirty="0" smtClean="0"/>
+              <a:t>Motivation</a:t>
+            </a:r>
+          </a:p>
+          <a:p>
+            <a:pPr>
+              <a:buFont typeface="Arial" pitchFamily="34" charset="0"/>
+              <a:buChar char="•"/>
+            </a:pPr>
+            <a:r>
+              <a:rPr lang="tr-TR" dirty="0" smtClean="0"/>
+              <a:t>Local Positioning System Design</a:t>
+            </a:r>
+          </a:p>
+          <a:p>
+            <a:pPr>
+              <a:buFont typeface="Arial" pitchFamily="34" charset="0"/>
+              <a:buChar char="•"/>
+            </a:pPr>
+            <a:r>
+              <a:rPr lang="tr-TR" dirty="0" smtClean="0"/>
+              <a:t>Formation Control System Design</a:t>
+            </a:r>
+          </a:p>
+          <a:p>
+            <a:pPr>
+              <a:buFont typeface="Arial" pitchFamily="34" charset="0"/>
+              <a:buChar char="•"/>
+            </a:pPr>
+            <a:r>
+              <a:rPr lang="tr-TR" dirty="0" smtClean="0"/>
+              <a:t>Results</a:t>
+            </a:r>
+          </a:p>
+          <a:p>
+            <a:pPr>
+              <a:buFont typeface="Arial" pitchFamily="34" charset="0"/>
+              <a:buChar char="•"/>
+            </a:pPr>
+            <a:r>
+              <a:rPr lang="tr-TR" dirty="0" smtClean="0"/>
+              <a:t>Conclusion and Future Works</a:t>
+            </a:r>
+          </a:p>
+          <a:p>
+            <a:pPr>
+              <a:buFont typeface="Arial" pitchFamily="34" charset="0"/>
+              <a:buChar char="•"/>
+            </a:pPr>
+            <a:r>
+              <a:rPr lang="tr-TR" dirty="0" smtClean="0"/>
+              <a:t>References</a:t>
+            </a:r>
+            <a:endParaRPr lang="tr-TR" dirty="0"/>
           </a:p>
         </p:txBody>
       </p:sp>
@@ -4465,7 +4505,7 @@
     </p:spTree>
     <p:extLst>
       <p:ext uri="{BB962C8B-B14F-4D97-AF65-F5344CB8AC3E}">
-        <p14:creationId xmlns:p14="http://schemas.microsoft.com/office/powerpoint/2010/main" xmlns="" val="1601229741"/>
+        <p14:creationId xmlns="" xmlns:p14="http://schemas.microsoft.com/office/powerpoint/2010/main" val="1601229741"/>
       </p:ext>
     </p:extLst>
   </p:cSld>
@@ -4507,18 +4547,22 @@
           <a:bodyPr/>
           <a:lstStyle/>
           <a:p>
-            <a:endParaRPr lang="tr-TR"/>
+            <a:r>
+              <a:rPr lang="tr-TR" dirty="0" smtClean="0"/>
+              <a:t>Introduction</a:t>
+            </a:r>
+            <a:endParaRPr lang="tr-TR" dirty="0"/>
           </a:p>
         </p:txBody>
       </p:sp>
       <p:sp>
         <p:nvSpPr>
-          <p:cNvPr id="3" name="Text Placeholder 2"/>
+          <p:cNvPr id="3" name="Content Placeholder 2"/>
           <p:cNvSpPr>
             <a:spLocks noGrp="1"/>
           </p:cNvSpPr>
           <p:nvPr>
-            <p:ph type="body" idx="1"/>
+            <p:ph idx="1"/>
           </p:nvPr>
         </p:nvSpPr>
         <p:spPr/>
@@ -4526,70 +4570,41 @@
           <a:bodyPr/>
           <a:lstStyle/>
           <a:p>
-            <a:endParaRPr lang="tr-TR"/>
+            <a:r>
+              <a:rPr lang="en-US" dirty="0" smtClean="0"/>
+              <a:t>This thesis work focuses on dynamic adaptation to achieve changes in formation </a:t>
+            </a:r>
+            <a:r>
+              <a:rPr lang="en-US" dirty="0" smtClean="0"/>
+              <a:t>of</a:t>
+            </a:r>
+            <a:r>
+              <a:rPr lang="tr-TR" dirty="0" smtClean="0"/>
+              <a:t> </a:t>
+            </a:r>
+            <a:r>
+              <a:rPr lang="en-US" dirty="0" smtClean="0"/>
+              <a:t>swarms </a:t>
+            </a:r>
+            <a:r>
+              <a:rPr lang="en-US" dirty="0" smtClean="0"/>
+              <a:t>consisting of </a:t>
+            </a:r>
+            <a:r>
+              <a:rPr lang="en-US" dirty="0" err="1" smtClean="0"/>
+              <a:t>heterogenous</a:t>
+            </a:r>
+            <a:r>
+              <a:rPr lang="en-US" dirty="0" smtClean="0"/>
+              <a:t> mobile robots</a:t>
+            </a:r>
+            <a:endParaRPr lang="tr-TR" dirty="0"/>
           </a:p>
         </p:txBody>
       </p:sp>
       <p:sp>
         <p:nvSpPr>
-          <p:cNvPr id="4" name="Text Placeholder 3"/>
-          <p:cNvSpPr>
-            <a:spLocks noGrp="1"/>
-          </p:cNvSpPr>
-          <p:nvPr>
-            <p:ph type="body" sz="half" idx="3"/>
-          </p:nvPr>
-        </p:nvSpPr>
-        <p:spPr/>
-        <p:txBody>
-          <a:bodyPr/>
-          <a:lstStyle/>
-          <a:p>
-            <a:endParaRPr lang="tr-TR"/>
-          </a:p>
-        </p:txBody>
-      </p:sp>
-      <p:sp>
-        <p:nvSpPr>
-          <p:cNvPr id="5" name="Content Placeholder 4"/>
-          <p:cNvSpPr>
-            <a:spLocks noGrp="1"/>
-          </p:cNvSpPr>
-          <p:nvPr>
-            <p:ph sz="quarter" idx="2"/>
-          </p:nvPr>
-        </p:nvSpPr>
-        <p:spPr/>
-        <p:txBody>
-          <a:bodyPr/>
-          <a:lstStyle/>
-          <a:p>
-            <a:endParaRPr lang="tr-TR"/>
-          </a:p>
-        </p:txBody>
-      </p:sp>
-      <p:sp>
-        <p:nvSpPr>
-          <p:cNvPr id="6" name="Content Placeholder 5"/>
-          <p:cNvSpPr>
-            <a:spLocks noGrp="1"/>
-          </p:cNvSpPr>
-          <p:nvPr>
-            <p:ph sz="quarter" idx="4"/>
-          </p:nvPr>
-        </p:nvSpPr>
-        <p:spPr/>
-        <p:txBody>
-          <a:bodyPr/>
-          <a:lstStyle/>
-          <a:p>
-            <a:endParaRPr lang="tr-TR"/>
-          </a:p>
-        </p:txBody>
-      </p:sp>
-      <p:sp>
-        <p:nvSpPr>
-          <p:cNvPr id="7" name="Slide Number Placeholder 6"/>
+          <p:cNvPr id="4" name="Slide Number Placeholder 3"/>
           <p:cNvSpPr>
             <a:spLocks noGrp="1"/>
           </p:cNvSpPr>
@@ -4605,25 +4620,25 @@
             <a:pPr>
               <a:defRPr/>
             </a:pPr>
-            <a:fld id="{B5012164-718A-4733-A653-425A1A482A4D}" type="slidenum">
+            <a:fld id="{C878F797-6006-4DDA-AFE9-456F280FE6C5}" type="slidenum">
               <a:rPr lang="en-US" smtClean="0"/>
               <a:pPr>
                 <a:defRPr/>
               </a:pPr>
               <a:t>4</a:t>
             </a:fld>
-            <a:endParaRPr lang="en-US"/>
+            <a:endParaRPr lang="en-US" dirty="0"/>
           </a:p>
         </p:txBody>
       </p:sp>
       <p:sp>
         <p:nvSpPr>
-          <p:cNvPr id="8" name="Date Placeholder 7"/>
+          <p:cNvPr id="5" name="Date Placeholder 4"/>
           <p:cNvSpPr>
             <a:spLocks noGrp="1"/>
           </p:cNvSpPr>
           <p:nvPr>
-            <p:ph type="dt" sz="half" idx="13"/>
+            <p:ph type="dt" sz="half" idx="2"/>
           </p:nvPr>
         </p:nvSpPr>
         <p:spPr/>
@@ -4642,16 +4657,200 @@
           </a:p>
         </p:txBody>
       </p:sp>
+      <p:pic>
+        <p:nvPicPr>
+          <p:cNvPr id="6" name="Picture"/>
+          <p:cNvPicPr/>
+          <p:nvPr/>
+        </p:nvPicPr>
+        <p:blipFill>
+          <a:blip r:embed="rId2" cstate="print"/>
+          <a:stretch>
+            <a:fillRect/>
+          </a:stretch>
+        </p:blipFill>
+        <p:spPr bwMode="auto">
+          <a:xfrm>
+            <a:off x="101599" y="2857499"/>
+            <a:ext cx="3262312" cy="1897063"/>
+          </a:xfrm>
+          <a:prstGeom prst="rect">
+            <a:avLst/>
+          </a:prstGeom>
+          <a:noFill/>
+          <a:ln w="9525">
+            <a:noFill/>
+            <a:miter lim="800000"/>
+            <a:headEnd/>
+            <a:tailEnd/>
+          </a:ln>
+        </p:spPr>
+      </p:pic>
+      <p:pic>
+        <p:nvPicPr>
+          <p:cNvPr id="7" name="Picture"/>
+          <p:cNvPicPr/>
+          <p:nvPr/>
+        </p:nvPicPr>
+        <p:blipFill>
+          <a:blip r:embed="rId3"/>
+          <a:stretch>
+            <a:fillRect/>
+          </a:stretch>
+        </p:blipFill>
+        <p:spPr bwMode="auto">
+          <a:xfrm>
+            <a:off x="6100762" y="2857499"/>
+            <a:ext cx="2967038" cy="1897063"/>
+          </a:xfrm>
+          <a:prstGeom prst="rect">
+            <a:avLst/>
+          </a:prstGeom>
+          <a:noFill/>
+          <a:ln w="9525">
+            <a:noFill/>
+            <a:miter lim="800000"/>
+            <a:headEnd/>
+            <a:tailEnd/>
+          </a:ln>
+        </p:spPr>
+      </p:pic>
+      <p:pic>
+        <p:nvPicPr>
+          <p:cNvPr id="8" name="Picture"/>
+          <p:cNvPicPr/>
+          <p:nvPr/>
+        </p:nvPicPr>
+        <p:blipFill>
+          <a:blip r:embed="rId4"/>
+          <a:stretch>
+            <a:fillRect/>
+          </a:stretch>
+        </p:blipFill>
+        <p:spPr bwMode="auto">
+          <a:xfrm>
+            <a:off x="3699621" y="2857499"/>
+            <a:ext cx="2097182" cy="1897063"/>
+          </a:xfrm>
+          <a:prstGeom prst="rect">
+            <a:avLst/>
+          </a:prstGeom>
+          <a:noFill/>
+          <a:ln w="9525">
+            <a:noFill/>
+            <a:miter lim="800000"/>
+            <a:headEnd/>
+            <a:tailEnd/>
+          </a:ln>
+        </p:spPr>
+      </p:pic>
+      <p:sp>
+        <p:nvSpPr>
+          <p:cNvPr id="9" name="TextBox 8"/>
+          <p:cNvSpPr txBox="1"/>
+          <p:nvPr/>
+        </p:nvSpPr>
+        <p:spPr>
+          <a:xfrm>
+            <a:off x="101599" y="4492952"/>
+            <a:ext cx="325730" cy="261610"/>
+          </a:xfrm>
+          <a:prstGeom prst="rect">
+            <a:avLst/>
+          </a:prstGeom>
+          <a:noFill/>
+        </p:spPr>
+        <p:txBody>
+          <a:bodyPr wrap="none" rtlCol="0">
+            <a:spAutoFit/>
+          </a:bodyPr>
+          <a:lstStyle/>
+          <a:p>
+            <a:r>
+              <a:rPr lang="tr-TR" sz="1050" dirty="0" smtClean="0"/>
+              <a:t>[1]</a:t>
+            </a:r>
+            <a:endParaRPr lang="tr-TR" sz="1050" dirty="0"/>
+          </a:p>
+        </p:txBody>
+      </p:sp>
+      <p:sp>
+        <p:nvSpPr>
+          <p:cNvPr id="10" name="TextBox 9"/>
+          <p:cNvSpPr txBox="1"/>
+          <p:nvPr/>
+        </p:nvSpPr>
+        <p:spPr>
+          <a:xfrm>
+            <a:off x="3699621" y="4492952"/>
+            <a:ext cx="343364" cy="253916"/>
+          </a:xfrm>
+          <a:prstGeom prst="rect">
+            <a:avLst/>
+          </a:prstGeom>
+          <a:noFill/>
+        </p:spPr>
+        <p:txBody>
+          <a:bodyPr wrap="none" rtlCol="0">
+            <a:spAutoFit/>
+          </a:bodyPr>
+          <a:lstStyle/>
+          <a:p>
+            <a:r>
+              <a:rPr lang="tr-TR" sz="1050" dirty="0" smtClean="0"/>
+              <a:t>[2]</a:t>
+            </a:r>
+            <a:endParaRPr lang="tr-TR" sz="1050" dirty="0"/>
+          </a:p>
+        </p:txBody>
+      </p:sp>
+      <p:sp>
+        <p:nvSpPr>
+          <p:cNvPr id="11" name="TextBox 10"/>
+          <p:cNvSpPr txBox="1"/>
+          <p:nvPr/>
+        </p:nvSpPr>
+        <p:spPr>
+          <a:xfrm>
+            <a:off x="6100762" y="4477563"/>
+            <a:ext cx="338554" cy="253916"/>
+          </a:xfrm>
+          <a:prstGeom prst="rect">
+            <a:avLst/>
+          </a:prstGeom>
+          <a:noFill/>
+        </p:spPr>
+        <p:txBody>
+          <a:bodyPr wrap="none" rtlCol="0">
+            <a:spAutoFit/>
+          </a:bodyPr>
+          <a:lstStyle/>
+          <a:p>
+            <a:r>
+              <a:rPr lang="tr-TR" sz="1050" dirty="0" smtClean="0"/>
+              <a:t>[3]</a:t>
+            </a:r>
+            <a:endParaRPr lang="tr-TR" sz="1050" dirty="0"/>
+          </a:p>
+        </p:txBody>
+      </p:sp>
     </p:spTree>
     <p:extLst>
       <p:ext uri="{BB962C8B-B14F-4D97-AF65-F5344CB8AC3E}">
-        <p14:creationId xmlns:p14="http://schemas.microsoft.com/office/powerpoint/2010/main" xmlns="" val="4196449028"/>
+        <p14:creationId xmlns="" xmlns:p14="http://schemas.microsoft.com/office/powerpoint/2010/main" val="1601229741"/>
       </p:ext>
     </p:extLst>
   </p:cSld>
   <p:clrMapOvr>
     <a:masterClrMapping/>
   </p:clrMapOvr>
+  <p:timing>
+    <p:tnLst>
+      <p:par>
+        <p:cTn id="1" dur="indefinite" restart="never" nodeType="tmRoot"/>
+      </p:par>
+    </p:tnLst>
+  </p:timing>
 </p:sld>
 </file>
 
@@ -4672,10 +4871,1027 @@
           <a:chExt cx="0" cy="0"/>
         </a:xfrm>
       </p:grpSpPr>
+      <p:sp>
+        <p:nvSpPr>
+          <p:cNvPr id="2" name="Title 1"/>
+          <p:cNvSpPr>
+            <a:spLocks noGrp="1"/>
+          </p:cNvSpPr>
+          <p:nvPr>
+            <p:ph type="title"/>
+          </p:nvPr>
+        </p:nvSpPr>
+        <p:spPr/>
+        <p:txBody>
+          <a:bodyPr/>
+          <a:lstStyle/>
+          <a:p>
+            <a:r>
+              <a:rPr lang="tr-TR" dirty="0" smtClean="0"/>
+              <a:t>Motivation</a:t>
+            </a:r>
+            <a:endParaRPr lang="tr-TR" dirty="0"/>
+          </a:p>
+        </p:txBody>
+      </p:sp>
+      <p:sp>
+        <p:nvSpPr>
+          <p:cNvPr id="3" name="Content Placeholder 2"/>
+          <p:cNvSpPr>
+            <a:spLocks noGrp="1"/>
+          </p:cNvSpPr>
+          <p:nvPr>
+            <p:ph idx="1"/>
+          </p:nvPr>
+        </p:nvSpPr>
+        <p:spPr/>
+        <p:txBody>
+          <a:bodyPr/>
+          <a:lstStyle/>
+          <a:p>
+            <a:r>
+              <a:rPr lang="tr-TR" dirty="0" smtClean="0"/>
+              <a:t>The research about the formation control, mainly focuses on swarms with homogenous agents.</a:t>
+            </a:r>
+            <a:endParaRPr lang="tr-TR" dirty="0"/>
+          </a:p>
+        </p:txBody>
+      </p:sp>
+      <p:sp>
+        <p:nvSpPr>
+          <p:cNvPr id="4" name="Slide Number Placeholder 3"/>
+          <p:cNvSpPr>
+            <a:spLocks noGrp="1"/>
+          </p:cNvSpPr>
+          <p:nvPr>
+            <p:ph type="sldNum" sz="quarter" idx="12"/>
+          </p:nvPr>
+        </p:nvSpPr>
+        <p:spPr/>
+        <p:txBody>
+          <a:bodyPr/>
+          <a:lstStyle/>
+          <a:p>
+            <a:pPr>
+              <a:defRPr/>
+            </a:pPr>
+            <a:fld id="{C878F797-6006-4DDA-AFE9-456F280FE6C5}" type="slidenum">
+              <a:rPr lang="en-US" smtClean="0"/>
+              <a:pPr>
+                <a:defRPr/>
+              </a:pPr>
+              <a:t>5</a:t>
+            </a:fld>
+            <a:endParaRPr lang="en-US" dirty="0"/>
+          </a:p>
+        </p:txBody>
+      </p:sp>
+      <p:sp>
+        <p:nvSpPr>
+          <p:cNvPr id="5" name="Date Placeholder 4"/>
+          <p:cNvSpPr>
+            <a:spLocks noGrp="1"/>
+          </p:cNvSpPr>
+          <p:nvPr>
+            <p:ph type="dt" sz="half" idx="2"/>
+          </p:nvPr>
+        </p:nvSpPr>
+        <p:spPr/>
+        <p:txBody>
+          <a:bodyPr/>
+          <a:lstStyle/>
+          <a:p>
+            <a:pPr>
+              <a:defRPr/>
+            </a:pPr>
+            <a:r>
+              <a:rPr lang="tr-TR" smtClean="0"/>
+              <a:t>METU Electrical &amp; Electronics Engineering Department</a:t>
+            </a:r>
+            <a:endParaRPr lang="en-US" dirty="0"/>
+          </a:p>
+        </p:txBody>
+      </p:sp>
+      <p:grpSp>
+        <p:nvGrpSpPr>
+          <p:cNvPr id="13" name="Group 12"/>
+          <p:cNvGrpSpPr/>
+          <p:nvPr/>
+        </p:nvGrpSpPr>
+        <p:grpSpPr>
+          <a:xfrm>
+            <a:off x="2176462" y="2123589"/>
+            <a:ext cx="4945235" cy="3357604"/>
+            <a:chOff x="4457700" y="633371"/>
+            <a:chExt cx="4945235" cy="3357604"/>
+          </a:xfrm>
+        </p:grpSpPr>
+        <p:pic>
+          <p:nvPicPr>
+            <p:cNvPr id="1026" name="Picture 2" descr="C:\Users\Kadir\Desktop\Seminer\mobilerobots.png"/>
+            <p:cNvPicPr>
+              <a:picLocks noChangeAspect="1" noChangeArrowheads="1"/>
+            </p:cNvPicPr>
+            <p:nvPr/>
+          </p:nvPicPr>
+          <p:blipFill>
+            <a:blip r:embed="rId2"/>
+            <a:srcRect/>
+            <a:stretch>
+              <a:fillRect/>
+            </a:stretch>
+          </p:blipFill>
+          <p:spPr bwMode="auto">
+            <a:xfrm>
+              <a:off x="4457700" y="633371"/>
+              <a:ext cx="4927601" cy="3357604"/>
+            </a:xfrm>
+            <a:prstGeom prst="rect">
+              <a:avLst/>
+            </a:prstGeom>
+            <a:noFill/>
+          </p:spPr>
+        </p:pic>
+        <p:sp>
+          <p:nvSpPr>
+            <p:cNvPr id="9" name="TextBox 8"/>
+            <p:cNvSpPr txBox="1"/>
+            <p:nvPr/>
+          </p:nvSpPr>
+          <p:spPr>
+            <a:xfrm>
+              <a:off x="6428851" y="2123589"/>
+              <a:ext cx="349776" cy="253916"/>
+            </a:xfrm>
+            <a:prstGeom prst="rect">
+              <a:avLst/>
+            </a:prstGeom>
+            <a:noFill/>
+          </p:spPr>
+          <p:txBody>
+            <a:bodyPr wrap="none" rtlCol="0">
+              <a:spAutoFit/>
+            </a:bodyPr>
+            <a:lstStyle/>
+            <a:p>
+              <a:r>
+                <a:rPr lang="tr-TR" sz="1050" dirty="0" smtClean="0"/>
+                <a:t>[4]</a:t>
+              </a:r>
+              <a:endParaRPr lang="tr-TR" sz="1050" dirty="0"/>
+            </a:p>
+          </p:txBody>
+        </p:sp>
+        <p:sp>
+          <p:nvSpPr>
+            <p:cNvPr id="14" name="TextBox 13"/>
+            <p:cNvSpPr txBox="1"/>
+            <p:nvPr/>
+          </p:nvSpPr>
+          <p:spPr>
+            <a:xfrm>
+              <a:off x="9059571" y="2123589"/>
+              <a:ext cx="341760" cy="253916"/>
+            </a:xfrm>
+            <a:prstGeom prst="rect">
+              <a:avLst/>
+            </a:prstGeom>
+            <a:noFill/>
+          </p:spPr>
+          <p:txBody>
+            <a:bodyPr wrap="none" rtlCol="0">
+              <a:spAutoFit/>
+            </a:bodyPr>
+            <a:lstStyle/>
+            <a:p>
+              <a:r>
+                <a:rPr lang="tr-TR" sz="1050" dirty="0" smtClean="0"/>
+                <a:t>[5]</a:t>
+              </a:r>
+              <a:endParaRPr lang="tr-TR" sz="1050" dirty="0"/>
+            </a:p>
+          </p:txBody>
+        </p:sp>
+        <p:sp>
+          <p:nvSpPr>
+            <p:cNvPr id="15" name="TextBox 14"/>
+            <p:cNvSpPr txBox="1"/>
+            <p:nvPr/>
+          </p:nvSpPr>
+          <p:spPr>
+            <a:xfrm>
+              <a:off x="6413208" y="3729365"/>
+              <a:ext cx="349776" cy="253916"/>
+            </a:xfrm>
+            <a:prstGeom prst="rect">
+              <a:avLst/>
+            </a:prstGeom>
+            <a:noFill/>
+          </p:spPr>
+          <p:txBody>
+            <a:bodyPr wrap="none" rtlCol="0">
+              <a:spAutoFit/>
+            </a:bodyPr>
+            <a:lstStyle/>
+            <a:p>
+              <a:r>
+                <a:rPr lang="tr-TR" sz="1050" dirty="0" smtClean="0"/>
+                <a:t>[6]</a:t>
+              </a:r>
+              <a:endParaRPr lang="tr-TR" sz="1050" dirty="0"/>
+            </a:p>
+          </p:txBody>
+        </p:sp>
+        <p:sp>
+          <p:nvSpPr>
+            <p:cNvPr id="16" name="TextBox 15"/>
+            <p:cNvSpPr txBox="1"/>
+            <p:nvPr/>
+          </p:nvSpPr>
+          <p:spPr>
+            <a:xfrm>
+              <a:off x="9059571" y="3729365"/>
+              <a:ext cx="343364" cy="253916"/>
+            </a:xfrm>
+            <a:prstGeom prst="rect">
+              <a:avLst/>
+            </a:prstGeom>
+            <a:noFill/>
+          </p:spPr>
+          <p:txBody>
+            <a:bodyPr wrap="none" rtlCol="0">
+              <a:spAutoFit/>
+            </a:bodyPr>
+            <a:lstStyle/>
+            <a:p>
+              <a:r>
+                <a:rPr lang="tr-TR" sz="1050" dirty="0" smtClean="0"/>
+                <a:t>[7]</a:t>
+              </a:r>
+              <a:endParaRPr lang="tr-TR" sz="1050" dirty="0"/>
+            </a:p>
+          </p:txBody>
+        </p:sp>
+      </p:grpSp>
     </p:spTree>
     <p:extLst>
       <p:ext uri="{BB962C8B-B14F-4D97-AF65-F5344CB8AC3E}">
-        <p14:creationId xmlns:p14="http://schemas.microsoft.com/office/powerpoint/2010/main" xmlns="" val="3835474893"/>
+        <p14:creationId xmlns="" xmlns:p14="http://schemas.microsoft.com/office/powerpoint/2010/main" val="1601229741"/>
+      </p:ext>
+    </p:extLst>
+  </p:cSld>
+  <p:clrMapOvr>
+    <a:masterClrMapping/>
+  </p:clrMapOvr>
+  <p:timing>
+    <p:tnLst>
+      <p:par>
+        <p:cTn id="1" dur="indefinite" restart="never" nodeType="tmRoot"/>
+      </p:par>
+    </p:tnLst>
+  </p:timing>
+</p:sld>
+</file>
+
+<file path=ppt/slides/slide6.xml><?xml version="1.0" encoding="utf-8"?>
+<p:sld xmlns:a="http://schemas.openxmlformats.org/drawingml/2006/main" xmlns:r="http://schemas.openxmlformats.org/officeDocument/2006/relationships" xmlns:p="http://schemas.openxmlformats.org/presentationml/2006/main">
+  <p:cSld>
+    <p:spTree>
+      <p:nvGrpSpPr>
+        <p:cNvPr id="1" name=""/>
+        <p:cNvGrpSpPr/>
+        <p:nvPr/>
+      </p:nvGrpSpPr>
+      <p:grpSpPr>
+        <a:xfrm>
+          <a:off x="0" y="0"/>
+          <a:ext cx="0" cy="0"/>
+          <a:chOff x="0" y="0"/>
+          <a:chExt cx="0" cy="0"/>
+        </a:xfrm>
+      </p:grpSpPr>
+      <p:sp>
+        <p:nvSpPr>
+          <p:cNvPr id="2" name="Title 1"/>
+          <p:cNvSpPr>
+            <a:spLocks noGrp="1"/>
+          </p:cNvSpPr>
+          <p:nvPr>
+            <p:ph type="title"/>
+          </p:nvPr>
+        </p:nvSpPr>
+        <p:spPr/>
+        <p:txBody>
+          <a:bodyPr/>
+          <a:lstStyle/>
+          <a:p>
+            <a:r>
+              <a:rPr lang="tr-TR" dirty="0" smtClean="0"/>
+              <a:t>Motivation</a:t>
+            </a:r>
+            <a:endParaRPr lang="tr-TR" dirty="0"/>
+          </a:p>
+        </p:txBody>
+      </p:sp>
+      <p:sp>
+        <p:nvSpPr>
+          <p:cNvPr id="3" name="Content Placeholder 2"/>
+          <p:cNvSpPr>
+            <a:spLocks noGrp="1"/>
+          </p:cNvSpPr>
+          <p:nvPr>
+            <p:ph idx="1"/>
+          </p:nvPr>
+        </p:nvSpPr>
+        <p:spPr/>
+        <p:txBody>
+          <a:bodyPr/>
+          <a:lstStyle/>
+          <a:p>
+            <a:r>
+              <a:rPr lang="tr-TR" dirty="0" smtClean="0"/>
+              <a:t>Formation control solutions are generally implemented with simple geometrical shapes which don’t change with time. </a:t>
+            </a:r>
+            <a:endParaRPr lang="tr-TR" dirty="0"/>
+          </a:p>
+        </p:txBody>
+      </p:sp>
+      <p:sp>
+        <p:nvSpPr>
+          <p:cNvPr id="4" name="Slide Number Placeholder 3"/>
+          <p:cNvSpPr>
+            <a:spLocks noGrp="1"/>
+          </p:cNvSpPr>
+          <p:nvPr>
+            <p:ph type="sldNum" sz="quarter" idx="12"/>
+          </p:nvPr>
+        </p:nvSpPr>
+        <p:spPr/>
+        <p:txBody>
+          <a:bodyPr/>
+          <a:lstStyle/>
+          <a:p>
+            <a:pPr>
+              <a:defRPr/>
+            </a:pPr>
+            <a:fld id="{C878F797-6006-4DDA-AFE9-456F280FE6C5}" type="slidenum">
+              <a:rPr lang="en-US" smtClean="0"/>
+              <a:pPr>
+                <a:defRPr/>
+              </a:pPr>
+              <a:t>6</a:t>
+            </a:fld>
+            <a:endParaRPr lang="en-US" dirty="0"/>
+          </a:p>
+        </p:txBody>
+      </p:sp>
+      <p:sp>
+        <p:nvSpPr>
+          <p:cNvPr id="5" name="Date Placeholder 4"/>
+          <p:cNvSpPr>
+            <a:spLocks noGrp="1"/>
+          </p:cNvSpPr>
+          <p:nvPr>
+            <p:ph type="dt" sz="half" idx="2"/>
+          </p:nvPr>
+        </p:nvSpPr>
+        <p:spPr/>
+        <p:txBody>
+          <a:bodyPr/>
+          <a:lstStyle/>
+          <a:p>
+            <a:pPr>
+              <a:defRPr/>
+            </a:pPr>
+            <a:r>
+              <a:rPr lang="tr-TR" smtClean="0"/>
+              <a:t>METU Electrical &amp; Electronics Engineering Department</a:t>
+            </a:r>
+            <a:endParaRPr lang="en-US" dirty="0"/>
+          </a:p>
+        </p:txBody>
+      </p:sp>
+      <p:pic>
+        <p:nvPicPr>
+          <p:cNvPr id="2050" name="Picture 2"/>
+          <p:cNvPicPr>
+            <a:picLocks noChangeAspect="1" noChangeArrowheads="1"/>
+          </p:cNvPicPr>
+          <p:nvPr/>
+        </p:nvPicPr>
+        <p:blipFill>
+          <a:blip r:embed="rId2"/>
+          <a:srcRect/>
+          <a:stretch>
+            <a:fillRect/>
+          </a:stretch>
+        </p:blipFill>
+        <p:spPr bwMode="auto">
+          <a:xfrm>
+            <a:off x="5621338" y="2382838"/>
+            <a:ext cx="2489200" cy="1797755"/>
+          </a:xfrm>
+          <a:prstGeom prst="rect">
+            <a:avLst/>
+          </a:prstGeom>
+          <a:noFill/>
+          <a:ln w="9525">
+            <a:noFill/>
+            <a:miter lim="800000"/>
+            <a:headEnd/>
+            <a:tailEnd/>
+          </a:ln>
+          <a:effectLst/>
+        </p:spPr>
+      </p:pic>
+      <p:pic>
+        <p:nvPicPr>
+          <p:cNvPr id="2051" name="Picture 3" descr="C:\Users\Kadir\Desktop\Seminer\houslotine.png"/>
+          <p:cNvPicPr>
+            <a:picLocks noChangeAspect="1" noChangeArrowheads="1"/>
+          </p:cNvPicPr>
+          <p:nvPr/>
+        </p:nvPicPr>
+        <p:blipFill>
+          <a:blip r:embed="rId3"/>
+          <a:srcRect/>
+          <a:stretch>
+            <a:fillRect/>
+          </a:stretch>
+        </p:blipFill>
+        <p:spPr bwMode="auto">
+          <a:xfrm>
+            <a:off x="876299" y="2382838"/>
+            <a:ext cx="3810001" cy="3431882"/>
+          </a:xfrm>
+          <a:prstGeom prst="rect">
+            <a:avLst/>
+          </a:prstGeom>
+          <a:noFill/>
+        </p:spPr>
+      </p:pic>
+      <p:pic>
+        <p:nvPicPr>
+          <p:cNvPr id="2052" name="Picture 4" descr="C:\Users\Kadir\Desktop\Seminer\complex.png"/>
+          <p:cNvPicPr>
+            <a:picLocks noChangeAspect="1" noChangeArrowheads="1"/>
+          </p:cNvPicPr>
+          <p:nvPr/>
+        </p:nvPicPr>
+        <p:blipFill>
+          <a:blip r:embed="rId4"/>
+          <a:srcRect/>
+          <a:stretch>
+            <a:fillRect/>
+          </a:stretch>
+        </p:blipFill>
+        <p:spPr bwMode="auto">
+          <a:xfrm>
+            <a:off x="5384800" y="4736733"/>
+            <a:ext cx="2801938" cy="1762694"/>
+          </a:xfrm>
+          <a:prstGeom prst="rect">
+            <a:avLst/>
+          </a:prstGeom>
+          <a:noFill/>
+        </p:spPr>
+      </p:pic>
+      <p:sp>
+        <p:nvSpPr>
+          <p:cNvPr id="17" name="TextBox 16"/>
+          <p:cNvSpPr txBox="1"/>
+          <p:nvPr/>
+        </p:nvSpPr>
+        <p:spPr>
+          <a:xfrm>
+            <a:off x="6070600" y="4295894"/>
+            <a:ext cx="1247457" cy="400110"/>
+          </a:xfrm>
+          <a:prstGeom prst="rect">
+            <a:avLst/>
+          </a:prstGeom>
+          <a:noFill/>
+        </p:spPr>
+        <p:txBody>
+          <a:bodyPr wrap="none" rtlCol="0">
+            <a:spAutoFit/>
+          </a:bodyPr>
+          <a:lstStyle/>
+          <a:p>
+            <a:r>
+              <a:rPr lang="tr-TR" sz="2000" u="sng" dirty="0" smtClean="0">
+                <a:latin typeface="Century Gothic" pitchFamily="34" charset="0"/>
+              </a:rPr>
+              <a:t>Our  aim</a:t>
+            </a:r>
+            <a:endParaRPr lang="tr-TR" sz="2000" u="sng" dirty="0">
+              <a:latin typeface="Century Gothic" pitchFamily="34" charset="0"/>
+            </a:endParaRPr>
+          </a:p>
+        </p:txBody>
+      </p:sp>
+    </p:spTree>
+    <p:extLst>
+      <p:ext uri="{BB962C8B-B14F-4D97-AF65-F5344CB8AC3E}">
+        <p14:creationId xmlns="" xmlns:p14="http://schemas.microsoft.com/office/powerpoint/2010/main" val="1601229741"/>
+      </p:ext>
+    </p:extLst>
+  </p:cSld>
+  <p:clrMapOvr>
+    <a:masterClrMapping/>
+  </p:clrMapOvr>
+  <p:timing>
+    <p:tnLst>
+      <p:par>
+        <p:cTn id="1" dur="indefinite" restart="never" nodeType="tmRoot"/>
+      </p:par>
+    </p:tnLst>
+  </p:timing>
+</p:sld>
+</file>
+
+<file path=ppt/slides/slide7.xml><?xml version="1.0" encoding="utf-8"?>
+<p:sld xmlns:a="http://schemas.openxmlformats.org/drawingml/2006/main" xmlns:r="http://schemas.openxmlformats.org/officeDocument/2006/relationships" xmlns:p="http://schemas.openxmlformats.org/presentationml/2006/main">
+  <p:cSld>
+    <p:spTree>
+      <p:nvGrpSpPr>
+        <p:cNvPr id="1" name=""/>
+        <p:cNvGrpSpPr/>
+        <p:nvPr/>
+      </p:nvGrpSpPr>
+      <p:grpSpPr>
+        <a:xfrm>
+          <a:off x="0" y="0"/>
+          <a:ext cx="0" cy="0"/>
+          <a:chOff x="0" y="0"/>
+          <a:chExt cx="0" cy="0"/>
+        </a:xfrm>
+      </p:grpSpPr>
+      <p:sp>
+        <p:nvSpPr>
+          <p:cNvPr id="2" name="Title 1"/>
+          <p:cNvSpPr>
+            <a:spLocks noGrp="1"/>
+          </p:cNvSpPr>
+          <p:nvPr>
+            <p:ph type="title"/>
+          </p:nvPr>
+        </p:nvSpPr>
+        <p:spPr/>
+        <p:txBody>
+          <a:bodyPr/>
+          <a:lstStyle/>
+          <a:p>
+            <a:r>
+              <a:rPr lang="tr-TR" dirty="0" smtClean="0"/>
+              <a:t>References</a:t>
+            </a:r>
+            <a:endParaRPr lang="tr-TR" dirty="0"/>
+          </a:p>
+        </p:txBody>
+      </p:sp>
+      <p:sp>
+        <p:nvSpPr>
+          <p:cNvPr id="3" name="Content Placeholder 2"/>
+          <p:cNvSpPr>
+            <a:spLocks noGrp="1"/>
+          </p:cNvSpPr>
+          <p:nvPr>
+            <p:ph idx="1"/>
+          </p:nvPr>
+        </p:nvSpPr>
+        <p:spPr/>
+        <p:txBody>
+          <a:bodyPr/>
+          <a:lstStyle/>
+          <a:p>
+            <a:pPr>
+              <a:buFont typeface="Arial" pitchFamily="34" charset="0"/>
+              <a:buChar char="•"/>
+            </a:pPr>
+            <a:r>
+              <a:rPr lang="tr-TR" sz="1600" dirty="0" smtClean="0"/>
+              <a:t>[1]</a:t>
+            </a:r>
+            <a:r>
+              <a:rPr lang="tr-TR" sz="1600" dirty="0" smtClean="0">
+                <a:hlinkClick r:id="rId2"/>
+              </a:rPr>
+              <a:t> </a:t>
+            </a:r>
+            <a:r>
+              <a:rPr lang="tr-TR" sz="1400" dirty="0" smtClean="0">
+                <a:hlinkClick r:id="rId2"/>
+              </a:rPr>
+              <a:t>http://www.eecs.harvard.edu/ssr/projects/progSA/kilobot.html</a:t>
+            </a:r>
+            <a:endParaRPr lang="tr-TR" sz="1600" dirty="0" smtClean="0"/>
+          </a:p>
+          <a:p>
+            <a:pPr>
+              <a:buFont typeface="Arial" pitchFamily="34" charset="0"/>
+              <a:buChar char="•"/>
+            </a:pPr>
+            <a:r>
+              <a:rPr lang="tr-TR" sz="1600" dirty="0" smtClean="0"/>
+              <a:t>[</a:t>
+            </a:r>
+            <a:r>
+              <a:rPr lang="tr-TR" sz="1600" dirty="0" smtClean="0"/>
+              <a:t>2] </a:t>
+            </a:r>
+            <a:r>
+              <a:rPr lang="tr-TR" sz="1100" dirty="0" smtClean="0"/>
+              <a:t>Martin N, Klupar P, “</a:t>
+            </a:r>
+            <a:r>
+              <a:rPr lang="en-US" sz="1100" dirty="0" err="1" smtClean="0"/>
+              <a:t>Techsat</a:t>
+            </a:r>
+            <a:r>
+              <a:rPr lang="en-US" sz="1100" dirty="0" smtClean="0"/>
+              <a:t> 21 And Revolutionizing </a:t>
+            </a:r>
+            <a:r>
+              <a:rPr lang="en-US" sz="1100" dirty="0" smtClean="0"/>
+              <a:t>Space</a:t>
+            </a:r>
+            <a:r>
+              <a:rPr lang="tr-TR" sz="1100" dirty="0" smtClean="0"/>
+              <a:t> M</a:t>
+            </a:r>
+            <a:r>
+              <a:rPr lang="en-US" sz="1100" dirty="0" err="1" smtClean="0"/>
+              <a:t>issions</a:t>
+            </a:r>
+            <a:r>
+              <a:rPr lang="tr-TR" sz="1100" dirty="0" smtClean="0"/>
+              <a:t> </a:t>
+            </a:r>
+            <a:r>
+              <a:rPr lang="tr-TR" sz="1100" dirty="0" smtClean="0"/>
+              <a:t>Using Mıcrosatellıtes”, </a:t>
+            </a:r>
+            <a:endParaRPr lang="tr-TR" sz="1600" dirty="0" smtClean="0"/>
+          </a:p>
+          <a:p>
+            <a:pPr>
+              <a:buFont typeface="Arial" pitchFamily="34" charset="0"/>
+              <a:buChar char="•"/>
+            </a:pPr>
+            <a:r>
+              <a:rPr lang="tr-TR" sz="1600" dirty="0" smtClean="0"/>
+              <a:t>[3]</a:t>
+            </a:r>
+            <a:r>
+              <a:rPr lang="tr-TR" sz="1600" dirty="0" smtClean="0">
+                <a:hlinkClick r:id="rId3"/>
+              </a:rPr>
+              <a:t> </a:t>
+            </a:r>
+            <a:r>
+              <a:rPr lang="tr-TR" sz="1400" dirty="0" smtClean="0">
+                <a:hlinkClick r:id="rId3"/>
+              </a:rPr>
+              <a:t>http://</a:t>
+            </a:r>
+            <a:r>
+              <a:rPr lang="tr-TR" sz="1400" dirty="0" smtClean="0">
+                <a:hlinkClick r:id="rId3"/>
+              </a:rPr>
+              <a:t>www.swarmanoid.org/swarmanoid_hardware.php.html</a:t>
+            </a:r>
+            <a:endParaRPr lang="tr-TR" sz="1400" dirty="0" smtClean="0"/>
+          </a:p>
+          <a:p>
+            <a:pPr>
+              <a:buFont typeface="Arial" pitchFamily="34" charset="0"/>
+              <a:buChar char="•"/>
+            </a:pPr>
+            <a:r>
+              <a:rPr lang="en-US" sz="1400" dirty="0" smtClean="0"/>
+              <a:t>[</a:t>
+            </a:r>
+            <a:r>
+              <a:rPr lang="tr-TR" sz="1400" dirty="0" smtClean="0"/>
+              <a:t>4</a:t>
+            </a:r>
+            <a:r>
+              <a:rPr lang="en-US" sz="1400" dirty="0" smtClean="0"/>
+              <a:t>] </a:t>
+            </a:r>
+            <a:r>
+              <a:rPr lang="en-US" sz="1400" dirty="0" smtClean="0"/>
+              <a:t>S </a:t>
+            </a:r>
+            <a:r>
+              <a:rPr lang="en-US" sz="1400" dirty="0" err="1" smtClean="0"/>
+              <a:t>Kornienki</a:t>
+            </a:r>
+            <a:r>
+              <a:rPr lang="en-US" sz="1400" dirty="0" smtClean="0"/>
+              <a:t>, O. </a:t>
+            </a:r>
+            <a:r>
+              <a:rPr lang="en-US" sz="1400" dirty="0" err="1" smtClean="0"/>
+              <a:t>Kornienko</a:t>
+            </a:r>
+            <a:r>
+              <a:rPr lang="en-US" sz="1400" dirty="0" smtClean="0"/>
+              <a:t>, and Levi. P. Minimalistic approach towards communication</a:t>
+            </a:r>
+          </a:p>
+          <a:p>
+            <a:r>
+              <a:rPr lang="en-US" sz="1400" dirty="0" smtClean="0"/>
+              <a:t>and perception in </a:t>
+            </a:r>
+            <a:r>
+              <a:rPr lang="en-US" sz="1400" dirty="0" err="1" smtClean="0"/>
+              <a:t>microrobotic</a:t>
+            </a:r>
+            <a:r>
+              <a:rPr lang="en-US" sz="1400" dirty="0" smtClean="0"/>
+              <a:t> swarms. In IEEE International </a:t>
+            </a:r>
+            <a:r>
+              <a:rPr lang="en-US" sz="1400" dirty="0" smtClean="0"/>
+              <a:t>Conference</a:t>
+            </a:r>
+            <a:r>
+              <a:rPr lang="tr-TR" sz="1400" dirty="0" smtClean="0"/>
+              <a:t> </a:t>
+            </a:r>
+            <a:r>
+              <a:rPr lang="en-US" sz="1400" dirty="0" smtClean="0"/>
+              <a:t>on </a:t>
+            </a:r>
+            <a:r>
+              <a:rPr lang="en-US" sz="1400" dirty="0" smtClean="0"/>
+              <a:t>Intelligent Robots and Systems, 2005</a:t>
+            </a:r>
+            <a:r>
+              <a:rPr lang="en-US" sz="1400" dirty="0" smtClean="0"/>
+              <a:t>.</a:t>
+            </a:r>
+            <a:endParaRPr lang="tr-TR" sz="1400" dirty="0" smtClean="0"/>
+          </a:p>
+          <a:p>
+            <a:pPr>
+              <a:buFont typeface="Arial" pitchFamily="34" charset="0"/>
+              <a:buChar char="•"/>
+            </a:pPr>
+            <a:r>
+              <a:rPr lang="tr-TR" sz="1400" dirty="0" smtClean="0"/>
+              <a:t>[5]</a:t>
+            </a:r>
+            <a:r>
+              <a:rPr lang="tr-TR" sz="1400" dirty="0" smtClean="0"/>
+              <a:t> Farshad Arvin, John Murray, Licheng Shi, Chun Zhang, and Shigang Yue. Development</a:t>
+            </a:r>
+          </a:p>
+          <a:p>
+            <a:r>
+              <a:rPr lang="en-US" sz="1400" dirty="0" smtClean="0"/>
+              <a:t>of an autonomous micro robot for swarm robotics. In IEEE </a:t>
+            </a:r>
+            <a:r>
+              <a:rPr lang="en-US" sz="1400" dirty="0" smtClean="0"/>
+              <a:t>International</a:t>
+            </a:r>
+            <a:r>
+              <a:rPr lang="tr-TR" sz="1400" dirty="0" smtClean="0"/>
+              <a:t> </a:t>
+            </a:r>
+            <a:r>
+              <a:rPr lang="en-US" sz="1400" dirty="0" smtClean="0"/>
+              <a:t>Conference </a:t>
+            </a:r>
+            <a:r>
+              <a:rPr lang="en-US" sz="1400" dirty="0" smtClean="0"/>
+              <a:t>on </a:t>
+            </a:r>
+            <a:r>
+              <a:rPr lang="en-US" sz="1400" dirty="0" err="1" smtClean="0"/>
+              <a:t>Mechatronics</a:t>
+            </a:r>
+            <a:r>
+              <a:rPr lang="en-US" sz="1400" dirty="0" smtClean="0"/>
+              <a:t> and Automation, 2014</a:t>
+            </a:r>
+            <a:r>
+              <a:rPr lang="en-US" sz="1400" dirty="0" smtClean="0"/>
+              <a:t>.</a:t>
+            </a:r>
+            <a:endParaRPr lang="tr-TR" sz="1400" dirty="0" smtClean="0"/>
+          </a:p>
+          <a:p>
+            <a:pPr>
+              <a:buFont typeface="Arial" pitchFamily="34" charset="0"/>
+              <a:buChar char="•"/>
+            </a:pPr>
+            <a:r>
+              <a:rPr lang="tr-TR" sz="1400" dirty="0" smtClean="0"/>
+              <a:t>[6]</a:t>
+            </a:r>
+            <a:r>
+              <a:rPr lang="it-IT" sz="1400" dirty="0" smtClean="0"/>
+              <a:t>Touraj </a:t>
+            </a:r>
+            <a:r>
+              <a:rPr lang="it-IT" sz="1400" dirty="0" smtClean="0"/>
+              <a:t>Soleymani, Vito Trianni, Michael Bonani, Francesco Mondada, </a:t>
+            </a:r>
+            <a:r>
+              <a:rPr lang="it-IT" sz="1400" dirty="0" smtClean="0"/>
+              <a:t>and</a:t>
+            </a:r>
+            <a:r>
+              <a:rPr lang="tr-TR" sz="1400" dirty="0" smtClean="0"/>
+              <a:t> </a:t>
+            </a:r>
+            <a:r>
+              <a:rPr lang="en-US" sz="1400" dirty="0" smtClean="0"/>
+              <a:t>Marco </a:t>
+            </a:r>
+            <a:r>
+              <a:rPr lang="en-US" sz="1400" dirty="0" err="1" smtClean="0"/>
+              <a:t>Dorigo</a:t>
+            </a:r>
+            <a:r>
+              <a:rPr lang="en-US" sz="1400" dirty="0" smtClean="0"/>
+              <a:t>. Bio-inspired construction with mobile robots and </a:t>
+            </a:r>
+            <a:r>
+              <a:rPr lang="en-US" sz="1400" dirty="0" smtClean="0"/>
+              <a:t>compliant</a:t>
+            </a:r>
+            <a:r>
+              <a:rPr lang="tr-TR" sz="1400" dirty="0" smtClean="0"/>
+              <a:t> </a:t>
+            </a:r>
+            <a:r>
+              <a:rPr lang="en-US" sz="1400" dirty="0" smtClean="0"/>
+              <a:t>pockets</a:t>
+            </a:r>
+            <a:r>
+              <a:rPr lang="en-US" sz="1400" dirty="0" smtClean="0"/>
+              <a:t>. Robotics and </a:t>
+            </a:r>
+            <a:r>
+              <a:rPr lang="en-US" sz="1400" dirty="0" err="1" smtClean="0"/>
+              <a:t>Autonomus</a:t>
+            </a:r>
+            <a:r>
+              <a:rPr lang="en-US" sz="1400" dirty="0" smtClean="0"/>
+              <a:t> Systems, 74:340–350, 2015</a:t>
+            </a:r>
+            <a:r>
+              <a:rPr lang="en-US" sz="1400" dirty="0" smtClean="0"/>
+              <a:t>.</a:t>
+            </a:r>
+            <a:endParaRPr lang="tr-TR" sz="1400" dirty="0" smtClean="0"/>
+          </a:p>
+          <a:p>
+            <a:pPr>
+              <a:buFont typeface="Arial" pitchFamily="34" charset="0"/>
+              <a:buChar char="•"/>
+            </a:pPr>
+            <a:r>
+              <a:rPr lang="tr-TR" sz="1400" dirty="0" smtClean="0"/>
+              <a:t>[7] Roderich </a:t>
+            </a:r>
+            <a:r>
+              <a:rPr lang="tr-TR" sz="1400" dirty="0" smtClean="0"/>
+              <a:t>Grof, Michael Bonani, Mondada Francesco, and Marco Dorigo. Autonomous</a:t>
+            </a:r>
+          </a:p>
+          <a:p>
+            <a:r>
+              <a:rPr lang="en-US" sz="1400" dirty="0" smtClean="0"/>
+              <a:t>self-assembly in a swarm-bot. 22:1115–1130, 2006.</a:t>
+            </a:r>
+            <a:endParaRPr lang="tr-TR" sz="1400" dirty="0" smtClean="0"/>
+          </a:p>
+          <a:p>
+            <a:pPr>
+              <a:buFont typeface="Arial" pitchFamily="34" charset="0"/>
+              <a:buChar char="•"/>
+            </a:pPr>
+            <a:endParaRPr lang="tr-TR" sz="1600" dirty="0" smtClean="0"/>
+          </a:p>
+          <a:p>
+            <a:endParaRPr lang="tr-TR" sz="1600" dirty="0" smtClean="0"/>
+          </a:p>
+          <a:p>
+            <a:r>
+              <a:rPr lang="tr-TR" sz="1600" dirty="0" smtClean="0"/>
+              <a:t>             </a:t>
+            </a:r>
+            <a:r>
+              <a:rPr lang="tr-TR" sz="1600" dirty="0" smtClean="0"/>
+              <a:t>              </a:t>
+            </a:r>
+            <a:endParaRPr lang="tr-TR" sz="1600" dirty="0"/>
+          </a:p>
+        </p:txBody>
+      </p:sp>
+      <p:sp>
+        <p:nvSpPr>
+          <p:cNvPr id="4" name="Slide Number Placeholder 3"/>
+          <p:cNvSpPr>
+            <a:spLocks noGrp="1"/>
+          </p:cNvSpPr>
+          <p:nvPr>
+            <p:ph type="sldNum" sz="quarter" idx="12"/>
+          </p:nvPr>
+        </p:nvSpPr>
+        <p:spPr/>
+        <p:txBody>
+          <a:bodyPr/>
+          <a:lstStyle/>
+          <a:p>
+            <a:pPr>
+              <a:defRPr/>
+            </a:pPr>
+            <a:fld id="{C878F797-6006-4DDA-AFE9-456F280FE6C5}" type="slidenum">
+              <a:rPr lang="en-US" smtClean="0"/>
+              <a:pPr>
+                <a:defRPr/>
+              </a:pPr>
+              <a:t>7</a:t>
+            </a:fld>
+            <a:endParaRPr lang="en-US" dirty="0"/>
+          </a:p>
+        </p:txBody>
+      </p:sp>
+      <p:sp>
+        <p:nvSpPr>
+          <p:cNvPr id="5" name="Date Placeholder 4"/>
+          <p:cNvSpPr>
+            <a:spLocks noGrp="1"/>
+          </p:cNvSpPr>
+          <p:nvPr>
+            <p:ph type="dt" sz="half" idx="2"/>
+          </p:nvPr>
+        </p:nvSpPr>
+        <p:spPr/>
+        <p:txBody>
+          <a:bodyPr/>
+          <a:lstStyle/>
+          <a:p>
+            <a:pPr>
+              <a:defRPr/>
+            </a:pPr>
+            <a:r>
+              <a:rPr lang="tr-TR" smtClean="0"/>
+              <a:t>METU Electrical &amp; Electronics Engineering Department</a:t>
+            </a:r>
+            <a:endParaRPr lang="en-US" dirty="0"/>
+          </a:p>
+        </p:txBody>
+      </p:sp>
+    </p:spTree>
+    <p:extLst>
+      <p:ext uri="{BB962C8B-B14F-4D97-AF65-F5344CB8AC3E}">
+        <p14:creationId xmlns="" xmlns:p14="http://schemas.microsoft.com/office/powerpoint/2010/main" val="1601229741"/>
+      </p:ext>
+    </p:extLst>
+  </p:cSld>
+  <p:clrMapOvr>
+    <a:masterClrMapping/>
+  </p:clrMapOvr>
+  <p:timing>
+    <p:tnLst>
+      <p:par>
+        <p:cTn id="1" dur="indefinite" restart="never" nodeType="tmRoot"/>
+      </p:par>
+    </p:tnLst>
+  </p:timing>
+</p:sld>
+</file>
+
+<file path=ppt/slides/slide8.xml><?xml version="1.0" encoding="utf-8"?>
+<p:sld xmlns:a="http://schemas.openxmlformats.org/drawingml/2006/main" xmlns:r="http://schemas.openxmlformats.org/officeDocument/2006/relationships" xmlns:p="http://schemas.openxmlformats.org/presentationml/2006/main">
+  <p:cSld>
+    <p:spTree>
+      <p:nvGrpSpPr>
+        <p:cNvPr id="1" name=""/>
+        <p:cNvGrpSpPr/>
+        <p:nvPr/>
+      </p:nvGrpSpPr>
+      <p:grpSpPr>
+        <a:xfrm>
+          <a:off x="0" y="0"/>
+          <a:ext cx="0" cy="0"/>
+          <a:chOff x="0" y="0"/>
+          <a:chExt cx="0" cy="0"/>
+        </a:xfrm>
+      </p:grpSpPr>
+    </p:spTree>
+    <p:extLst>
+      <p:ext uri="{BB962C8B-B14F-4D97-AF65-F5344CB8AC3E}">
+        <p14:creationId xmlns="" xmlns:p14="http://schemas.microsoft.com/office/powerpoint/2010/main" val="3835474893"/>
       </p:ext>
     </p:extLst>
   </p:cSld>

--- a/juri_sunum.pptx
+++ b/juri_sunum.pptx
@@ -5,10 +5,10 @@
     <p:sldMasterId id="2147483886" r:id="rId1"/>
   </p:sldMasterIdLst>
   <p:notesMasterIdLst>
-    <p:notesMasterId r:id="rId10"/>
+    <p:notesMasterId r:id="rId22"/>
   </p:notesMasterIdLst>
   <p:handoutMasterIdLst>
-    <p:handoutMasterId r:id="rId11"/>
+    <p:handoutMasterId r:id="rId23"/>
   </p:handoutMasterIdLst>
   <p:sldIdLst>
     <p:sldId id="299" r:id="rId2"/>
@@ -17,8 +17,20 @@
     <p:sldId id="304" r:id="rId5"/>
     <p:sldId id="306" r:id="rId6"/>
     <p:sldId id="307" r:id="rId7"/>
-    <p:sldId id="305" r:id="rId8"/>
-    <p:sldId id="303" r:id="rId9"/>
+    <p:sldId id="308" r:id="rId8"/>
+    <p:sldId id="309" r:id="rId9"/>
+    <p:sldId id="310" r:id="rId10"/>
+    <p:sldId id="311" r:id="rId11"/>
+    <p:sldId id="312" r:id="rId12"/>
+    <p:sldId id="313" r:id="rId13"/>
+    <p:sldId id="314" r:id="rId14"/>
+    <p:sldId id="315" r:id="rId15"/>
+    <p:sldId id="316" r:id="rId16"/>
+    <p:sldId id="317" r:id="rId17"/>
+    <p:sldId id="318" r:id="rId18"/>
+    <p:sldId id="319" r:id="rId19"/>
+    <p:sldId id="305" r:id="rId20"/>
+    <p:sldId id="303" r:id="rId21"/>
   </p:sldIdLst>
   <p:sldSz cx="9144000" cy="6858000" type="screen4x3"/>
   <p:notesSz cx="6858000" cy="9144000"/>
@@ -149,7 +161,7 @@
   </p:defaultTextStyle>
   <p:extLst>
     <p:ext uri="{EFAFB233-063F-42B5-8137-9DF3F51BA10A}">
-      <p15:sldGuideLst xmlns:p15="http://schemas.microsoft.com/office/powerpoint/2012/main" xmlns="">
+      <p15:sldGuideLst xmlns="" xmlns:p15="http://schemas.microsoft.com/office/powerpoint/2012/main">
         <p15:guide id="1" orient="horz" pos="2160">
           <p15:clr>
             <a:srgbClr val="A4A3A4"/>
@@ -371,7 +383,7 @@
     </p:spTree>
     <p:extLst>
       <p:ext uri="{BB962C8B-B14F-4D97-AF65-F5344CB8AC3E}">
-        <p14:creationId xmlns="" xmlns:p14="http://schemas.microsoft.com/office/powerpoint/2010/main" val="2307124841"/>
+        <p14:creationId xmlns:p14="http://schemas.microsoft.com/office/powerpoint/2010/main" xmlns="" val="2307124841"/>
       </p:ext>
     </p:extLst>
   </p:cSld>
@@ -681,7 +693,7 @@
     </p:spTree>
     <p:extLst>
       <p:ext uri="{BB962C8B-B14F-4D97-AF65-F5344CB8AC3E}">
-        <p14:creationId xmlns="" xmlns:p14="http://schemas.microsoft.com/office/powerpoint/2010/main" val="733486758"/>
+        <p14:creationId xmlns:p14="http://schemas.microsoft.com/office/powerpoint/2010/main" xmlns="" val="733486758"/>
       </p:ext>
     </p:extLst>
   </p:cSld>
@@ -843,14 +855,14 @@
           <a:noFill/>
           <a:extLst>
             <a:ext uri="{909E8E84-426E-40DD-AFC4-6F175D3DCCD1}">
-              <a14:hiddenFill xmlns="" xmlns:a14="http://schemas.microsoft.com/office/drawing/2010/main">
+              <a14:hiddenFill xmlns:a14="http://schemas.microsoft.com/office/drawing/2010/main" xmlns="">
                 <a:solidFill>
                   <a:srgbClr val="FFFFFF"/>
                 </a:solidFill>
               </a14:hiddenFill>
             </a:ext>
             <a:ext uri="{91240B29-F687-4F45-9708-019B960494DF}">
-              <a14:hiddenLine xmlns="" xmlns:a14="http://schemas.microsoft.com/office/drawing/2010/main" w="9525">
+              <a14:hiddenLine xmlns:a14="http://schemas.microsoft.com/office/drawing/2010/main" xmlns="" w="9525">
                 <a:solidFill>
                   <a:srgbClr val="000000"/>
                 </a:solidFill>
@@ -997,7 +1009,7 @@
           </a:ln>
           <a:extLst>
             <a:ext uri="{909E8E84-426E-40DD-AFC4-6F175D3DCCD1}">
-              <a14:hiddenFill xmlns="" xmlns:a14="http://schemas.microsoft.com/office/drawing/2010/main">
+              <a14:hiddenFill xmlns:a14="http://schemas.microsoft.com/office/drawing/2010/main" xmlns="">
                 <a:solidFill>
                   <a:srgbClr val="FFFFFF"/>
                 </a:solidFill>
@@ -1020,14 +1032,14 @@
           <a:noFill/>
           <a:extLst>
             <a:ext uri="{909E8E84-426E-40DD-AFC4-6F175D3DCCD1}">
-              <a14:hiddenFill xmlns="" xmlns:a14="http://schemas.microsoft.com/office/drawing/2010/main">
+              <a14:hiddenFill xmlns:a14="http://schemas.microsoft.com/office/drawing/2010/main" xmlns="">
                 <a:solidFill>
                   <a:srgbClr val="FFFFFF"/>
                 </a:solidFill>
               </a14:hiddenFill>
             </a:ext>
             <a:ext uri="{91240B29-F687-4F45-9708-019B960494DF}">
-              <a14:hiddenLine xmlns="" xmlns:a14="http://schemas.microsoft.com/office/drawing/2010/main" w="9525">
+              <a14:hiddenLine xmlns:a14="http://schemas.microsoft.com/office/drawing/2010/main" xmlns="" w="9525">
                 <a:solidFill>
                   <a:srgbClr val="000000"/>
                 </a:solidFill>
@@ -1062,7 +1074,7 @@
     </p:spTree>
     <p:extLst>
       <p:ext uri="{BB962C8B-B14F-4D97-AF65-F5344CB8AC3E}">
-        <p14:creationId xmlns="" xmlns:p14="http://schemas.microsoft.com/office/powerpoint/2010/main" val="1831345199"/>
+        <p14:creationId xmlns:p14="http://schemas.microsoft.com/office/powerpoint/2010/main" xmlns="" val="1831345199"/>
       </p:ext>
     </p:extLst>
   </p:cSld>
@@ -1101,7 +1113,7 @@
           <a:blip r:embed="rId2">
             <a:extLst>
               <a:ext uri="{28A0092B-C50C-407E-A947-70E740481C1C}">
-                <a14:useLocalDpi xmlns="" xmlns:a14="http://schemas.microsoft.com/office/drawing/2010/main" val="0"/>
+                <a14:useLocalDpi xmlns:a14="http://schemas.microsoft.com/office/drawing/2010/main" xmlns="" val="0"/>
               </a:ext>
             </a:extLst>
           </a:blip>
@@ -1124,14 +1136,14 @@
           </a:ln>
           <a:extLst>
             <a:ext uri="{909E8E84-426E-40DD-AFC4-6F175D3DCCD1}">
-              <a14:hiddenFill xmlns="" xmlns:a14="http://schemas.microsoft.com/office/drawing/2010/main">
+              <a14:hiddenFill xmlns:a14="http://schemas.microsoft.com/office/drawing/2010/main" xmlns="">
                 <a:solidFill>
                   <a:srgbClr val="FFFFFF"/>
                 </a:solidFill>
               </a14:hiddenFill>
             </a:ext>
             <a:ext uri="{91240B29-F687-4F45-9708-019B960494DF}">
-              <a14:hiddenLine xmlns="" xmlns:a14="http://schemas.microsoft.com/office/drawing/2010/main" w="9525">
+              <a14:hiddenLine xmlns:a14="http://schemas.microsoft.com/office/drawing/2010/main" xmlns="" w="9525">
                 <a:solidFill>
                   <a:srgbClr val="000000"/>
                 </a:solidFill>
@@ -1497,7 +1509,7 @@
     </p:spTree>
     <p:extLst>
       <p:ext uri="{BB962C8B-B14F-4D97-AF65-F5344CB8AC3E}">
-        <p14:creationId xmlns="" xmlns:p14="http://schemas.microsoft.com/office/powerpoint/2010/main" val="4044641051"/>
+        <p14:creationId xmlns:p14="http://schemas.microsoft.com/office/powerpoint/2010/main" xmlns="" val="4044641051"/>
       </p:ext>
     </p:extLst>
   </p:cSld>
@@ -1815,7 +1827,7 @@
     </p:spTree>
     <p:extLst>
       <p:ext uri="{BB962C8B-B14F-4D97-AF65-F5344CB8AC3E}">
-        <p14:creationId xmlns="" xmlns:p14="http://schemas.microsoft.com/office/powerpoint/2010/main" val="43940600"/>
+        <p14:creationId xmlns:p14="http://schemas.microsoft.com/office/powerpoint/2010/main" xmlns="" val="43940600"/>
       </p:ext>
     </p:extLst>
   </p:cSld>
@@ -2200,7 +2212,7 @@
     </p:spTree>
     <p:extLst>
       <p:ext uri="{BB962C8B-B14F-4D97-AF65-F5344CB8AC3E}">
-        <p14:creationId xmlns="" xmlns:p14="http://schemas.microsoft.com/office/powerpoint/2010/main" val="4116636478"/>
+        <p14:creationId xmlns:p14="http://schemas.microsoft.com/office/powerpoint/2010/main" xmlns="" val="4116636478"/>
       </p:ext>
     </p:extLst>
   </p:cSld>
@@ -2607,7 +2619,7 @@
     </p:spTree>
     <p:extLst>
       <p:ext uri="{BB962C8B-B14F-4D97-AF65-F5344CB8AC3E}">
-        <p14:creationId xmlns="" xmlns:p14="http://schemas.microsoft.com/office/powerpoint/2010/main" val="4111024574"/>
+        <p14:creationId xmlns:p14="http://schemas.microsoft.com/office/powerpoint/2010/main" xmlns="" val="4111024574"/>
       </p:ext>
     </p:extLst>
   </p:cSld>
@@ -2786,7 +2798,7 @@
     </p:spTree>
     <p:extLst>
       <p:ext uri="{BB962C8B-B14F-4D97-AF65-F5344CB8AC3E}">
-        <p14:creationId xmlns="" xmlns:p14="http://schemas.microsoft.com/office/powerpoint/2010/main" val="2069476619"/>
+        <p14:creationId xmlns:p14="http://schemas.microsoft.com/office/powerpoint/2010/main" xmlns="" val="2069476619"/>
       </p:ext>
     </p:extLst>
   </p:cSld>
@@ -2905,7 +2917,7 @@
     </p:spTree>
     <p:extLst>
       <p:ext uri="{BB962C8B-B14F-4D97-AF65-F5344CB8AC3E}">
-        <p14:creationId xmlns="" xmlns:p14="http://schemas.microsoft.com/office/powerpoint/2010/main" val="1462183360"/>
+        <p14:creationId xmlns:p14="http://schemas.microsoft.com/office/powerpoint/2010/main" xmlns="" val="1462183360"/>
       </p:ext>
     </p:extLst>
   </p:cSld>
@@ -2951,7 +2963,7 @@
           <a:blip r:embed="rId2">
             <a:extLst>
               <a:ext uri="{28A0092B-C50C-407E-A947-70E740481C1C}">
-                <a14:useLocalDpi xmlns="" xmlns:a14="http://schemas.microsoft.com/office/drawing/2010/main" val="0"/>
+                <a14:useLocalDpi xmlns:a14="http://schemas.microsoft.com/office/drawing/2010/main" xmlns="" val="0"/>
               </a:ext>
             </a:extLst>
           </a:blip>
@@ -2974,14 +2986,14 @@
           </a:ln>
           <a:extLst>
             <a:ext uri="{909E8E84-426E-40DD-AFC4-6F175D3DCCD1}">
-              <a14:hiddenFill xmlns="" xmlns:a14="http://schemas.microsoft.com/office/drawing/2010/main">
+              <a14:hiddenFill xmlns:a14="http://schemas.microsoft.com/office/drawing/2010/main" xmlns="">
                 <a:solidFill>
                   <a:srgbClr val="FFFFFF"/>
                 </a:solidFill>
               </a14:hiddenFill>
             </a:ext>
             <a:ext uri="{91240B29-F687-4F45-9708-019B960494DF}">
-              <a14:hiddenLine xmlns="" xmlns:a14="http://schemas.microsoft.com/office/drawing/2010/main" w="9525">
+              <a14:hiddenLine xmlns:a14="http://schemas.microsoft.com/office/drawing/2010/main" xmlns="" w="9525">
                 <a:solidFill>
                   <a:srgbClr val="000000"/>
                 </a:solidFill>
@@ -3015,14 +3027,14 @@
           </a:ln>
           <a:extLst>
             <a:ext uri="{909E8E84-426E-40DD-AFC4-6F175D3DCCD1}">
-              <a14:hiddenFill xmlns="" xmlns:a14="http://schemas.microsoft.com/office/drawing/2010/main">
+              <a14:hiddenFill xmlns:a14="http://schemas.microsoft.com/office/drawing/2010/main" xmlns="">
                 <a:solidFill>
                   <a:srgbClr val="FFFFFF"/>
                 </a:solidFill>
               </a14:hiddenFill>
             </a:ext>
             <a:ext uri="{91240B29-F687-4F45-9708-019B960494DF}">
-              <a14:hiddenLine xmlns="" xmlns:a14="http://schemas.microsoft.com/office/drawing/2010/main" w="9525">
+              <a14:hiddenLine xmlns:a14="http://schemas.microsoft.com/office/drawing/2010/main" xmlns="" w="9525">
                 <a:solidFill>
                   <a:srgbClr val="000000"/>
                 </a:solidFill>
@@ -3170,7 +3182,7 @@
     </p:spTree>
     <p:extLst>
       <p:ext uri="{BB962C8B-B14F-4D97-AF65-F5344CB8AC3E}">
-        <p14:creationId xmlns="" xmlns:p14="http://schemas.microsoft.com/office/powerpoint/2010/main" val="3245506927"/>
+        <p14:creationId xmlns:p14="http://schemas.microsoft.com/office/powerpoint/2010/main" xmlns="" val="3245506927"/>
       </p:ext>
     </p:extLst>
   </p:cSld>
@@ -3289,7 +3301,7 @@
             <a:blip r:embed="rId9">
               <a:extLst>
                 <a:ext uri="{28A0092B-C50C-407E-A947-70E740481C1C}">
-                  <a14:useLocalDpi xmlns="" xmlns:a14="http://schemas.microsoft.com/office/drawing/2010/main" val="0"/>
+                  <a14:useLocalDpi xmlns:a14="http://schemas.microsoft.com/office/drawing/2010/main" xmlns="" val="0"/>
                 </a:ext>
               </a:extLst>
             </a:blip>
@@ -3312,14 +3324,14 @@
             </a:ln>
             <a:extLst>
               <a:ext uri="{909E8E84-426E-40DD-AFC4-6F175D3DCCD1}">
-                <a14:hiddenFill xmlns="" xmlns:a14="http://schemas.microsoft.com/office/drawing/2010/main">
+                <a14:hiddenFill xmlns:a14="http://schemas.microsoft.com/office/drawing/2010/main" xmlns="">
                   <a:solidFill>
                     <a:srgbClr val="FFFFFF"/>
                   </a:solidFill>
                 </a14:hiddenFill>
               </a:ext>
               <a:ext uri="{91240B29-F687-4F45-9708-019B960494DF}">
-                <a14:hiddenLine xmlns="" xmlns:a14="http://schemas.microsoft.com/office/drawing/2010/main" w="9525">
+                <a14:hiddenLine xmlns:a14="http://schemas.microsoft.com/office/drawing/2010/main" xmlns="" w="9525">
                   <a:solidFill>
                     <a:srgbClr val="000000"/>
                   </a:solidFill>
@@ -3488,14 +3500,14 @@
           </a:ln>
           <a:extLst>
             <a:ext uri="{909E8E84-426E-40DD-AFC4-6F175D3DCCD1}">
-              <a14:hiddenFill xmlns="" xmlns:a14="http://schemas.microsoft.com/office/drawing/2010/main">
+              <a14:hiddenFill xmlns:a14="http://schemas.microsoft.com/office/drawing/2010/main" xmlns="">
                 <a:solidFill>
                   <a:srgbClr val="FFFFFF"/>
                 </a:solidFill>
               </a14:hiddenFill>
             </a:ext>
             <a:ext uri="{91240B29-F687-4F45-9708-019B960494DF}">
-              <a14:hiddenLine xmlns="" xmlns:a14="http://schemas.microsoft.com/office/drawing/2010/main" w="9525">
+              <a14:hiddenLine xmlns:a14="http://schemas.microsoft.com/office/drawing/2010/main" xmlns="" w="9525">
                 <a:solidFill>
                   <a:srgbClr val="000000"/>
                 </a:solidFill>
@@ -3579,14 +3591,14 @@
           </a:ln>
           <a:extLst>
             <a:ext uri="{909E8E84-426E-40DD-AFC4-6F175D3DCCD1}">
-              <a14:hiddenFill xmlns="" xmlns:a14="http://schemas.microsoft.com/office/drawing/2010/main">
+              <a14:hiddenFill xmlns:a14="http://schemas.microsoft.com/office/drawing/2010/main" xmlns="">
                 <a:solidFill>
                   <a:srgbClr val="FFFFFF"/>
                 </a:solidFill>
               </a14:hiddenFill>
             </a:ext>
             <a:ext uri="{91240B29-F687-4F45-9708-019B960494DF}">
-              <a14:hiddenLine xmlns="" xmlns:a14="http://schemas.microsoft.com/office/drawing/2010/main" w="9525">
+              <a14:hiddenLine xmlns:a14="http://schemas.microsoft.com/office/drawing/2010/main" xmlns="" w="9525">
                 <a:solidFill>
                   <a:srgbClr val="000000"/>
                 </a:solidFill>
@@ -4233,7 +4245,7 @@
           <a:blip r:embed="rId3">
             <a:extLst>
               <a:ext uri="{28A0092B-C50C-407E-A947-70E740481C1C}">
-                <a14:useLocalDpi xmlns="" xmlns:a14="http://schemas.microsoft.com/office/drawing/2010/main" val="0"/>
+                <a14:useLocalDpi xmlns:a14="http://schemas.microsoft.com/office/drawing/2010/main" xmlns="" val="0"/>
               </a:ext>
             </a:extLst>
           </a:blip>
@@ -4256,14 +4268,14 @@
           </a:ln>
           <a:extLst>
             <a:ext uri="{909E8E84-426E-40DD-AFC4-6F175D3DCCD1}">
-              <a14:hiddenFill xmlns="" xmlns:a14="http://schemas.microsoft.com/office/drawing/2010/main">
+              <a14:hiddenFill xmlns:a14="http://schemas.microsoft.com/office/drawing/2010/main" xmlns="">
                 <a:solidFill>
                   <a:srgbClr val="FFFFFF"/>
                 </a:solidFill>
               </a14:hiddenFill>
             </a:ext>
             <a:ext uri="{91240B29-F687-4F45-9708-019B960494DF}">
-              <a14:hiddenLine xmlns="" xmlns:a14="http://schemas.microsoft.com/office/drawing/2010/main" w="9525">
+              <a14:hiddenLine xmlns:a14="http://schemas.microsoft.com/office/drawing/2010/main" xmlns="" w="9525">
                 <a:solidFill>
                   <a:srgbClr val="000000"/>
                 </a:solidFill>
@@ -4276,6 +4288,1466 @@
         </p:spPr>
       </p:pic>
     </p:spTree>
+  </p:cSld>
+  <p:clrMapOvr>
+    <a:masterClrMapping/>
+  </p:clrMapOvr>
+  <p:timing>
+    <p:tnLst>
+      <p:par>
+        <p:cTn id="1" dur="indefinite" restart="never" nodeType="tmRoot"/>
+      </p:par>
+    </p:tnLst>
+  </p:timing>
+</p:sld>
+</file>
+
+<file path=ppt/slides/slide10.xml><?xml version="1.0" encoding="utf-8"?>
+<p:sld xmlns:a="http://schemas.openxmlformats.org/drawingml/2006/main" xmlns:r="http://schemas.openxmlformats.org/officeDocument/2006/relationships" xmlns:p="http://schemas.openxmlformats.org/presentationml/2006/main">
+  <p:cSld>
+    <p:spTree>
+      <p:nvGrpSpPr>
+        <p:cNvPr id="1" name=""/>
+        <p:cNvGrpSpPr/>
+        <p:nvPr/>
+      </p:nvGrpSpPr>
+      <p:grpSpPr>
+        <a:xfrm>
+          <a:off x="0" y="0"/>
+          <a:ext cx="0" cy="0"/>
+          <a:chOff x="0" y="0"/>
+          <a:chExt cx="0" cy="0"/>
+        </a:xfrm>
+      </p:grpSpPr>
+      <p:sp>
+        <p:nvSpPr>
+          <p:cNvPr id="2" name="Title 1"/>
+          <p:cNvSpPr>
+            <a:spLocks noGrp="1"/>
+          </p:cNvSpPr>
+          <p:nvPr>
+            <p:ph type="title"/>
+          </p:nvPr>
+        </p:nvSpPr>
+        <p:spPr/>
+        <p:txBody>
+          <a:bodyPr/>
+          <a:lstStyle/>
+          <a:p>
+            <a:r>
+              <a:rPr lang="tr-TR" dirty="0" smtClean="0"/>
+              <a:t>Local Positioning System (LPS)</a:t>
+            </a:r>
+            <a:endParaRPr lang="tr-TR" dirty="0"/>
+          </a:p>
+        </p:txBody>
+      </p:sp>
+      <p:sp>
+        <p:nvSpPr>
+          <p:cNvPr id="5" name="Date Placeholder 4"/>
+          <p:cNvSpPr>
+            <a:spLocks noGrp="1"/>
+          </p:cNvSpPr>
+          <p:nvPr>
+            <p:ph type="dt" sz="half" idx="2"/>
+          </p:nvPr>
+        </p:nvSpPr>
+        <p:spPr>
+          <a:xfrm>
+            <a:off x="457199" y="6246813"/>
+            <a:ext cx="4000501" cy="266700"/>
+          </a:xfrm>
+        </p:spPr>
+        <p:txBody>
+          <a:bodyPr/>
+          <a:lstStyle/>
+          <a:p>
+            <a:pPr>
+              <a:defRPr/>
+            </a:pPr>
+            <a:r>
+              <a:rPr lang="tr-TR" smtClean="0"/>
+              <a:t>METU Electrical &amp; Electronics Engineering Department</a:t>
+            </a:r>
+            <a:endParaRPr lang="en-US" dirty="0"/>
+          </a:p>
+        </p:txBody>
+      </p:sp>
+    </p:spTree>
+    <p:extLst>
+      <p:ext uri="{BB962C8B-B14F-4D97-AF65-F5344CB8AC3E}">
+        <p14:creationId xmlns:p14="http://schemas.microsoft.com/office/powerpoint/2010/main" xmlns="" val="1601229741"/>
+      </p:ext>
+    </p:extLst>
+  </p:cSld>
+  <p:clrMapOvr>
+    <a:masterClrMapping/>
+  </p:clrMapOvr>
+  <p:timing>
+    <p:tnLst>
+      <p:par>
+        <p:cTn id="1" dur="indefinite" restart="never" nodeType="tmRoot"/>
+      </p:par>
+    </p:tnLst>
+  </p:timing>
+</p:sld>
+</file>
+
+<file path=ppt/slides/slide11.xml><?xml version="1.0" encoding="utf-8"?>
+<p:sld xmlns:a="http://schemas.openxmlformats.org/drawingml/2006/main" xmlns:r="http://schemas.openxmlformats.org/officeDocument/2006/relationships" xmlns:p="http://schemas.openxmlformats.org/presentationml/2006/main">
+  <p:cSld>
+    <p:spTree>
+      <p:nvGrpSpPr>
+        <p:cNvPr id="1" name=""/>
+        <p:cNvGrpSpPr/>
+        <p:nvPr/>
+      </p:nvGrpSpPr>
+      <p:grpSpPr>
+        <a:xfrm>
+          <a:off x="0" y="0"/>
+          <a:ext cx="0" cy="0"/>
+          <a:chOff x="0" y="0"/>
+          <a:chExt cx="0" cy="0"/>
+        </a:xfrm>
+      </p:grpSpPr>
+      <p:sp>
+        <p:nvSpPr>
+          <p:cNvPr id="2" name="Title 1"/>
+          <p:cNvSpPr>
+            <a:spLocks noGrp="1"/>
+          </p:cNvSpPr>
+          <p:nvPr>
+            <p:ph type="title"/>
+          </p:nvPr>
+        </p:nvSpPr>
+        <p:spPr/>
+        <p:txBody>
+          <a:bodyPr/>
+          <a:lstStyle/>
+          <a:p>
+            <a:r>
+              <a:rPr lang="tr-TR" dirty="0" smtClean="0"/>
+              <a:t>Local Positioning System (LPS)</a:t>
+            </a:r>
+            <a:endParaRPr lang="tr-TR" dirty="0"/>
+          </a:p>
+        </p:txBody>
+      </p:sp>
+      <p:sp>
+        <p:nvSpPr>
+          <p:cNvPr id="5" name="Date Placeholder 4"/>
+          <p:cNvSpPr>
+            <a:spLocks noGrp="1"/>
+          </p:cNvSpPr>
+          <p:nvPr>
+            <p:ph type="dt" sz="half" idx="2"/>
+          </p:nvPr>
+        </p:nvSpPr>
+        <p:spPr>
+          <a:xfrm>
+            <a:off x="457199" y="6246813"/>
+            <a:ext cx="4000501" cy="266700"/>
+          </a:xfrm>
+        </p:spPr>
+        <p:txBody>
+          <a:bodyPr/>
+          <a:lstStyle/>
+          <a:p>
+            <a:pPr>
+              <a:defRPr/>
+            </a:pPr>
+            <a:r>
+              <a:rPr lang="tr-TR" smtClean="0"/>
+              <a:t>METU Electrical &amp; Electronics Engineering Department</a:t>
+            </a:r>
+            <a:endParaRPr lang="en-US" dirty="0"/>
+          </a:p>
+        </p:txBody>
+      </p:sp>
+    </p:spTree>
+    <p:extLst>
+      <p:ext uri="{BB962C8B-B14F-4D97-AF65-F5344CB8AC3E}">
+        <p14:creationId xmlns:p14="http://schemas.microsoft.com/office/powerpoint/2010/main" xmlns="" val="1601229741"/>
+      </p:ext>
+    </p:extLst>
+  </p:cSld>
+  <p:clrMapOvr>
+    <a:masterClrMapping/>
+  </p:clrMapOvr>
+  <p:timing>
+    <p:tnLst>
+      <p:par>
+        <p:cTn id="1" dur="indefinite" restart="never" nodeType="tmRoot"/>
+      </p:par>
+    </p:tnLst>
+  </p:timing>
+</p:sld>
+</file>
+
+<file path=ppt/slides/slide12.xml><?xml version="1.0" encoding="utf-8"?>
+<p:sld xmlns:a="http://schemas.openxmlformats.org/drawingml/2006/main" xmlns:r="http://schemas.openxmlformats.org/officeDocument/2006/relationships" xmlns:p="http://schemas.openxmlformats.org/presentationml/2006/main">
+  <p:cSld>
+    <p:spTree>
+      <p:nvGrpSpPr>
+        <p:cNvPr id="1" name=""/>
+        <p:cNvGrpSpPr/>
+        <p:nvPr/>
+      </p:nvGrpSpPr>
+      <p:grpSpPr>
+        <a:xfrm>
+          <a:off x="0" y="0"/>
+          <a:ext cx="0" cy="0"/>
+          <a:chOff x="0" y="0"/>
+          <a:chExt cx="0" cy="0"/>
+        </a:xfrm>
+      </p:grpSpPr>
+      <p:sp>
+        <p:nvSpPr>
+          <p:cNvPr id="2" name="Title 1"/>
+          <p:cNvSpPr>
+            <a:spLocks noGrp="1"/>
+          </p:cNvSpPr>
+          <p:nvPr>
+            <p:ph type="title"/>
+          </p:nvPr>
+        </p:nvSpPr>
+        <p:spPr/>
+        <p:txBody>
+          <a:bodyPr/>
+          <a:lstStyle/>
+          <a:p>
+            <a:r>
+              <a:rPr lang="tr-TR" dirty="0" smtClean="0"/>
+              <a:t>Local Positioning System (LPS)</a:t>
+            </a:r>
+            <a:endParaRPr lang="tr-TR" dirty="0"/>
+          </a:p>
+        </p:txBody>
+      </p:sp>
+      <p:sp>
+        <p:nvSpPr>
+          <p:cNvPr id="5" name="Date Placeholder 4"/>
+          <p:cNvSpPr>
+            <a:spLocks noGrp="1"/>
+          </p:cNvSpPr>
+          <p:nvPr>
+            <p:ph type="dt" sz="half" idx="2"/>
+          </p:nvPr>
+        </p:nvSpPr>
+        <p:spPr>
+          <a:xfrm>
+            <a:off x="457199" y="6246813"/>
+            <a:ext cx="4000501" cy="266700"/>
+          </a:xfrm>
+        </p:spPr>
+        <p:txBody>
+          <a:bodyPr/>
+          <a:lstStyle/>
+          <a:p>
+            <a:pPr>
+              <a:defRPr/>
+            </a:pPr>
+            <a:r>
+              <a:rPr lang="tr-TR" smtClean="0"/>
+              <a:t>METU Electrical &amp; Electronics Engineering Department</a:t>
+            </a:r>
+            <a:endParaRPr lang="en-US" dirty="0"/>
+          </a:p>
+        </p:txBody>
+      </p:sp>
+    </p:spTree>
+    <p:extLst>
+      <p:ext uri="{BB962C8B-B14F-4D97-AF65-F5344CB8AC3E}">
+        <p14:creationId xmlns:p14="http://schemas.microsoft.com/office/powerpoint/2010/main" xmlns="" val="1601229741"/>
+      </p:ext>
+    </p:extLst>
+  </p:cSld>
+  <p:clrMapOvr>
+    <a:masterClrMapping/>
+  </p:clrMapOvr>
+  <p:timing>
+    <p:tnLst>
+      <p:par>
+        <p:cTn id="1" dur="indefinite" restart="never" nodeType="tmRoot"/>
+      </p:par>
+    </p:tnLst>
+  </p:timing>
+</p:sld>
+</file>
+
+<file path=ppt/slides/slide13.xml><?xml version="1.0" encoding="utf-8"?>
+<p:sld xmlns:a="http://schemas.openxmlformats.org/drawingml/2006/main" xmlns:r="http://schemas.openxmlformats.org/officeDocument/2006/relationships" xmlns:p="http://schemas.openxmlformats.org/presentationml/2006/main">
+  <p:cSld>
+    <p:spTree>
+      <p:nvGrpSpPr>
+        <p:cNvPr id="1" name=""/>
+        <p:cNvGrpSpPr/>
+        <p:nvPr/>
+      </p:nvGrpSpPr>
+      <p:grpSpPr>
+        <a:xfrm>
+          <a:off x="0" y="0"/>
+          <a:ext cx="0" cy="0"/>
+          <a:chOff x="0" y="0"/>
+          <a:chExt cx="0" cy="0"/>
+        </a:xfrm>
+      </p:grpSpPr>
+      <p:sp>
+        <p:nvSpPr>
+          <p:cNvPr id="2" name="Title 1"/>
+          <p:cNvSpPr>
+            <a:spLocks noGrp="1"/>
+          </p:cNvSpPr>
+          <p:nvPr>
+            <p:ph type="title"/>
+          </p:nvPr>
+        </p:nvSpPr>
+        <p:spPr/>
+        <p:txBody>
+          <a:bodyPr/>
+          <a:lstStyle/>
+          <a:p>
+            <a:r>
+              <a:rPr lang="tr-TR" dirty="0" smtClean="0"/>
+              <a:t>Local Positioning System (LPS)</a:t>
+            </a:r>
+            <a:endParaRPr lang="tr-TR" dirty="0"/>
+          </a:p>
+        </p:txBody>
+      </p:sp>
+      <p:sp>
+        <p:nvSpPr>
+          <p:cNvPr id="5" name="Date Placeholder 4"/>
+          <p:cNvSpPr>
+            <a:spLocks noGrp="1"/>
+          </p:cNvSpPr>
+          <p:nvPr>
+            <p:ph type="dt" sz="half" idx="2"/>
+          </p:nvPr>
+        </p:nvSpPr>
+        <p:spPr>
+          <a:xfrm>
+            <a:off x="457199" y="6246813"/>
+            <a:ext cx="4000501" cy="266700"/>
+          </a:xfrm>
+        </p:spPr>
+        <p:txBody>
+          <a:bodyPr/>
+          <a:lstStyle/>
+          <a:p>
+            <a:pPr>
+              <a:defRPr/>
+            </a:pPr>
+            <a:r>
+              <a:rPr lang="tr-TR" smtClean="0"/>
+              <a:t>METU Electrical &amp; Electronics Engineering Department</a:t>
+            </a:r>
+            <a:endParaRPr lang="en-US" dirty="0"/>
+          </a:p>
+        </p:txBody>
+      </p:sp>
+    </p:spTree>
+    <p:extLst>
+      <p:ext uri="{BB962C8B-B14F-4D97-AF65-F5344CB8AC3E}">
+        <p14:creationId xmlns:p14="http://schemas.microsoft.com/office/powerpoint/2010/main" xmlns="" val="1601229741"/>
+      </p:ext>
+    </p:extLst>
+  </p:cSld>
+  <p:clrMapOvr>
+    <a:masterClrMapping/>
+  </p:clrMapOvr>
+  <p:timing>
+    <p:tnLst>
+      <p:par>
+        <p:cTn id="1" dur="indefinite" restart="never" nodeType="tmRoot"/>
+      </p:par>
+    </p:tnLst>
+  </p:timing>
+</p:sld>
+</file>
+
+<file path=ppt/slides/slide14.xml><?xml version="1.0" encoding="utf-8"?>
+<p:sld xmlns:a="http://schemas.openxmlformats.org/drawingml/2006/main" xmlns:r="http://schemas.openxmlformats.org/officeDocument/2006/relationships" xmlns:p="http://schemas.openxmlformats.org/presentationml/2006/main">
+  <p:cSld>
+    <p:spTree>
+      <p:nvGrpSpPr>
+        <p:cNvPr id="1" name=""/>
+        <p:cNvGrpSpPr/>
+        <p:nvPr/>
+      </p:nvGrpSpPr>
+      <p:grpSpPr>
+        <a:xfrm>
+          <a:off x="0" y="0"/>
+          <a:ext cx="0" cy="0"/>
+          <a:chOff x="0" y="0"/>
+          <a:chExt cx="0" cy="0"/>
+        </a:xfrm>
+      </p:grpSpPr>
+      <p:sp>
+        <p:nvSpPr>
+          <p:cNvPr id="2" name="Title 1"/>
+          <p:cNvSpPr>
+            <a:spLocks noGrp="1"/>
+          </p:cNvSpPr>
+          <p:nvPr>
+            <p:ph type="title"/>
+          </p:nvPr>
+        </p:nvSpPr>
+        <p:spPr/>
+        <p:txBody>
+          <a:bodyPr/>
+          <a:lstStyle/>
+          <a:p>
+            <a:r>
+              <a:rPr lang="tr-TR" dirty="0" smtClean="0"/>
+              <a:t>Local Positioning System (LPS)</a:t>
+            </a:r>
+            <a:endParaRPr lang="tr-TR" dirty="0"/>
+          </a:p>
+        </p:txBody>
+      </p:sp>
+      <p:sp>
+        <p:nvSpPr>
+          <p:cNvPr id="5" name="Date Placeholder 4"/>
+          <p:cNvSpPr>
+            <a:spLocks noGrp="1"/>
+          </p:cNvSpPr>
+          <p:nvPr>
+            <p:ph type="dt" sz="half" idx="2"/>
+          </p:nvPr>
+        </p:nvSpPr>
+        <p:spPr>
+          <a:xfrm>
+            <a:off x="457199" y="6246813"/>
+            <a:ext cx="4000501" cy="266700"/>
+          </a:xfrm>
+        </p:spPr>
+        <p:txBody>
+          <a:bodyPr/>
+          <a:lstStyle/>
+          <a:p>
+            <a:pPr>
+              <a:defRPr/>
+            </a:pPr>
+            <a:r>
+              <a:rPr lang="tr-TR" smtClean="0"/>
+              <a:t>METU Electrical &amp; Electronics Engineering Department</a:t>
+            </a:r>
+            <a:endParaRPr lang="en-US" dirty="0"/>
+          </a:p>
+        </p:txBody>
+      </p:sp>
+    </p:spTree>
+    <p:extLst>
+      <p:ext uri="{BB962C8B-B14F-4D97-AF65-F5344CB8AC3E}">
+        <p14:creationId xmlns:p14="http://schemas.microsoft.com/office/powerpoint/2010/main" xmlns="" val="1601229741"/>
+      </p:ext>
+    </p:extLst>
+  </p:cSld>
+  <p:clrMapOvr>
+    <a:masterClrMapping/>
+  </p:clrMapOvr>
+  <p:timing>
+    <p:tnLst>
+      <p:par>
+        <p:cTn id="1" dur="indefinite" restart="never" nodeType="tmRoot"/>
+      </p:par>
+    </p:tnLst>
+  </p:timing>
+</p:sld>
+</file>
+
+<file path=ppt/slides/slide15.xml><?xml version="1.0" encoding="utf-8"?>
+<p:sld xmlns:a="http://schemas.openxmlformats.org/drawingml/2006/main" xmlns:r="http://schemas.openxmlformats.org/officeDocument/2006/relationships" xmlns:p="http://schemas.openxmlformats.org/presentationml/2006/main">
+  <p:cSld>
+    <p:spTree>
+      <p:nvGrpSpPr>
+        <p:cNvPr id="1" name=""/>
+        <p:cNvGrpSpPr/>
+        <p:nvPr/>
+      </p:nvGrpSpPr>
+      <p:grpSpPr>
+        <a:xfrm>
+          <a:off x="0" y="0"/>
+          <a:ext cx="0" cy="0"/>
+          <a:chOff x="0" y="0"/>
+          <a:chExt cx="0" cy="0"/>
+        </a:xfrm>
+      </p:grpSpPr>
+      <p:sp>
+        <p:nvSpPr>
+          <p:cNvPr id="2" name="Title 1"/>
+          <p:cNvSpPr>
+            <a:spLocks noGrp="1"/>
+          </p:cNvSpPr>
+          <p:nvPr>
+            <p:ph type="title"/>
+          </p:nvPr>
+        </p:nvSpPr>
+        <p:spPr/>
+        <p:txBody>
+          <a:bodyPr/>
+          <a:lstStyle/>
+          <a:p>
+            <a:r>
+              <a:rPr lang="tr-TR" dirty="0" smtClean="0"/>
+              <a:t>Local Positioning System (LPS)</a:t>
+            </a:r>
+            <a:endParaRPr lang="tr-TR" dirty="0"/>
+          </a:p>
+        </p:txBody>
+      </p:sp>
+      <p:sp>
+        <p:nvSpPr>
+          <p:cNvPr id="5" name="Date Placeholder 4"/>
+          <p:cNvSpPr>
+            <a:spLocks noGrp="1"/>
+          </p:cNvSpPr>
+          <p:nvPr>
+            <p:ph type="dt" sz="half" idx="2"/>
+          </p:nvPr>
+        </p:nvSpPr>
+        <p:spPr>
+          <a:xfrm>
+            <a:off x="457199" y="6246813"/>
+            <a:ext cx="4000501" cy="266700"/>
+          </a:xfrm>
+        </p:spPr>
+        <p:txBody>
+          <a:bodyPr/>
+          <a:lstStyle/>
+          <a:p>
+            <a:pPr>
+              <a:defRPr/>
+            </a:pPr>
+            <a:r>
+              <a:rPr lang="tr-TR" smtClean="0"/>
+              <a:t>METU Electrical &amp; Electronics Engineering Department</a:t>
+            </a:r>
+            <a:endParaRPr lang="en-US" dirty="0"/>
+          </a:p>
+        </p:txBody>
+      </p:sp>
+    </p:spTree>
+    <p:extLst>
+      <p:ext uri="{BB962C8B-B14F-4D97-AF65-F5344CB8AC3E}">
+        <p14:creationId xmlns:p14="http://schemas.microsoft.com/office/powerpoint/2010/main" xmlns="" val="1601229741"/>
+      </p:ext>
+    </p:extLst>
+  </p:cSld>
+  <p:clrMapOvr>
+    <a:masterClrMapping/>
+  </p:clrMapOvr>
+  <p:timing>
+    <p:tnLst>
+      <p:par>
+        <p:cTn id="1" dur="indefinite" restart="never" nodeType="tmRoot"/>
+      </p:par>
+    </p:tnLst>
+  </p:timing>
+</p:sld>
+</file>
+
+<file path=ppt/slides/slide16.xml><?xml version="1.0" encoding="utf-8"?>
+<p:sld xmlns:a="http://schemas.openxmlformats.org/drawingml/2006/main" xmlns:r="http://schemas.openxmlformats.org/officeDocument/2006/relationships" xmlns:p="http://schemas.openxmlformats.org/presentationml/2006/main">
+  <p:cSld>
+    <p:spTree>
+      <p:nvGrpSpPr>
+        <p:cNvPr id="1" name=""/>
+        <p:cNvGrpSpPr/>
+        <p:nvPr/>
+      </p:nvGrpSpPr>
+      <p:grpSpPr>
+        <a:xfrm>
+          <a:off x="0" y="0"/>
+          <a:ext cx="0" cy="0"/>
+          <a:chOff x="0" y="0"/>
+          <a:chExt cx="0" cy="0"/>
+        </a:xfrm>
+      </p:grpSpPr>
+      <p:sp>
+        <p:nvSpPr>
+          <p:cNvPr id="2" name="Title 1"/>
+          <p:cNvSpPr>
+            <a:spLocks noGrp="1"/>
+          </p:cNvSpPr>
+          <p:nvPr>
+            <p:ph type="title"/>
+          </p:nvPr>
+        </p:nvSpPr>
+        <p:spPr/>
+        <p:txBody>
+          <a:bodyPr/>
+          <a:lstStyle/>
+          <a:p>
+            <a:r>
+              <a:rPr lang="tr-TR" dirty="0" smtClean="0"/>
+              <a:t>Local Positioning System (LPS)</a:t>
+            </a:r>
+            <a:endParaRPr lang="tr-TR" dirty="0"/>
+          </a:p>
+        </p:txBody>
+      </p:sp>
+      <p:sp>
+        <p:nvSpPr>
+          <p:cNvPr id="5" name="Date Placeholder 4"/>
+          <p:cNvSpPr>
+            <a:spLocks noGrp="1"/>
+          </p:cNvSpPr>
+          <p:nvPr>
+            <p:ph type="dt" sz="half" idx="2"/>
+          </p:nvPr>
+        </p:nvSpPr>
+        <p:spPr>
+          <a:xfrm>
+            <a:off x="457199" y="6246813"/>
+            <a:ext cx="4000501" cy="266700"/>
+          </a:xfrm>
+        </p:spPr>
+        <p:txBody>
+          <a:bodyPr/>
+          <a:lstStyle/>
+          <a:p>
+            <a:pPr>
+              <a:defRPr/>
+            </a:pPr>
+            <a:r>
+              <a:rPr lang="tr-TR" smtClean="0"/>
+              <a:t>METU Electrical &amp; Electronics Engineering Department</a:t>
+            </a:r>
+            <a:endParaRPr lang="en-US" dirty="0"/>
+          </a:p>
+        </p:txBody>
+      </p:sp>
+    </p:spTree>
+    <p:extLst>
+      <p:ext uri="{BB962C8B-B14F-4D97-AF65-F5344CB8AC3E}">
+        <p14:creationId xmlns:p14="http://schemas.microsoft.com/office/powerpoint/2010/main" xmlns="" val="1601229741"/>
+      </p:ext>
+    </p:extLst>
+  </p:cSld>
+  <p:clrMapOvr>
+    <a:masterClrMapping/>
+  </p:clrMapOvr>
+  <p:timing>
+    <p:tnLst>
+      <p:par>
+        <p:cTn id="1" dur="indefinite" restart="never" nodeType="tmRoot"/>
+      </p:par>
+    </p:tnLst>
+  </p:timing>
+</p:sld>
+</file>
+
+<file path=ppt/slides/slide17.xml><?xml version="1.0" encoding="utf-8"?>
+<p:sld xmlns:a="http://schemas.openxmlformats.org/drawingml/2006/main" xmlns:r="http://schemas.openxmlformats.org/officeDocument/2006/relationships" xmlns:p="http://schemas.openxmlformats.org/presentationml/2006/main">
+  <p:cSld>
+    <p:spTree>
+      <p:nvGrpSpPr>
+        <p:cNvPr id="1" name=""/>
+        <p:cNvGrpSpPr/>
+        <p:nvPr/>
+      </p:nvGrpSpPr>
+      <p:grpSpPr>
+        <a:xfrm>
+          <a:off x="0" y="0"/>
+          <a:ext cx="0" cy="0"/>
+          <a:chOff x="0" y="0"/>
+          <a:chExt cx="0" cy="0"/>
+        </a:xfrm>
+      </p:grpSpPr>
+      <p:sp>
+        <p:nvSpPr>
+          <p:cNvPr id="2" name="Title 1"/>
+          <p:cNvSpPr>
+            <a:spLocks noGrp="1"/>
+          </p:cNvSpPr>
+          <p:nvPr>
+            <p:ph type="title"/>
+          </p:nvPr>
+        </p:nvSpPr>
+        <p:spPr/>
+        <p:txBody>
+          <a:bodyPr/>
+          <a:lstStyle/>
+          <a:p>
+            <a:r>
+              <a:rPr lang="tr-TR" dirty="0" smtClean="0"/>
+              <a:t>Local Positioning System (LPS)</a:t>
+            </a:r>
+            <a:endParaRPr lang="tr-TR" dirty="0"/>
+          </a:p>
+        </p:txBody>
+      </p:sp>
+      <p:sp>
+        <p:nvSpPr>
+          <p:cNvPr id="5" name="Date Placeholder 4"/>
+          <p:cNvSpPr>
+            <a:spLocks noGrp="1"/>
+          </p:cNvSpPr>
+          <p:nvPr>
+            <p:ph type="dt" sz="half" idx="2"/>
+          </p:nvPr>
+        </p:nvSpPr>
+        <p:spPr>
+          <a:xfrm>
+            <a:off x="457199" y="6246813"/>
+            <a:ext cx="4000501" cy="266700"/>
+          </a:xfrm>
+        </p:spPr>
+        <p:txBody>
+          <a:bodyPr/>
+          <a:lstStyle/>
+          <a:p>
+            <a:pPr>
+              <a:defRPr/>
+            </a:pPr>
+            <a:r>
+              <a:rPr lang="tr-TR" smtClean="0"/>
+              <a:t>METU Electrical &amp; Electronics Engineering Department</a:t>
+            </a:r>
+            <a:endParaRPr lang="en-US" dirty="0"/>
+          </a:p>
+        </p:txBody>
+      </p:sp>
+    </p:spTree>
+    <p:extLst>
+      <p:ext uri="{BB962C8B-B14F-4D97-AF65-F5344CB8AC3E}">
+        <p14:creationId xmlns:p14="http://schemas.microsoft.com/office/powerpoint/2010/main" xmlns="" val="1601229741"/>
+      </p:ext>
+    </p:extLst>
+  </p:cSld>
+  <p:clrMapOvr>
+    <a:masterClrMapping/>
+  </p:clrMapOvr>
+  <p:timing>
+    <p:tnLst>
+      <p:par>
+        <p:cTn id="1" dur="indefinite" restart="never" nodeType="tmRoot"/>
+      </p:par>
+    </p:tnLst>
+  </p:timing>
+</p:sld>
+</file>
+
+<file path=ppt/slides/slide18.xml><?xml version="1.0" encoding="utf-8"?>
+<p:sld xmlns:a="http://schemas.openxmlformats.org/drawingml/2006/main" xmlns:r="http://schemas.openxmlformats.org/officeDocument/2006/relationships" xmlns:p="http://schemas.openxmlformats.org/presentationml/2006/main">
+  <p:cSld>
+    <p:spTree>
+      <p:nvGrpSpPr>
+        <p:cNvPr id="1" name=""/>
+        <p:cNvGrpSpPr/>
+        <p:nvPr/>
+      </p:nvGrpSpPr>
+      <p:grpSpPr>
+        <a:xfrm>
+          <a:off x="0" y="0"/>
+          <a:ext cx="0" cy="0"/>
+          <a:chOff x="0" y="0"/>
+          <a:chExt cx="0" cy="0"/>
+        </a:xfrm>
+      </p:grpSpPr>
+      <p:sp>
+        <p:nvSpPr>
+          <p:cNvPr id="2" name="Title 1"/>
+          <p:cNvSpPr>
+            <a:spLocks noGrp="1"/>
+          </p:cNvSpPr>
+          <p:nvPr>
+            <p:ph type="title"/>
+          </p:nvPr>
+        </p:nvSpPr>
+        <p:spPr/>
+        <p:txBody>
+          <a:bodyPr/>
+          <a:lstStyle/>
+          <a:p>
+            <a:r>
+              <a:rPr lang="tr-TR" dirty="0" smtClean="0"/>
+              <a:t>Local Positioning System (LPS)</a:t>
+            </a:r>
+            <a:endParaRPr lang="tr-TR" dirty="0"/>
+          </a:p>
+        </p:txBody>
+      </p:sp>
+      <p:sp>
+        <p:nvSpPr>
+          <p:cNvPr id="5" name="Date Placeholder 4"/>
+          <p:cNvSpPr>
+            <a:spLocks noGrp="1"/>
+          </p:cNvSpPr>
+          <p:nvPr>
+            <p:ph type="dt" sz="half" idx="2"/>
+          </p:nvPr>
+        </p:nvSpPr>
+        <p:spPr>
+          <a:xfrm>
+            <a:off x="457199" y="6246813"/>
+            <a:ext cx="4000501" cy="266700"/>
+          </a:xfrm>
+        </p:spPr>
+        <p:txBody>
+          <a:bodyPr/>
+          <a:lstStyle/>
+          <a:p>
+            <a:pPr>
+              <a:defRPr/>
+            </a:pPr>
+            <a:r>
+              <a:rPr lang="tr-TR" smtClean="0"/>
+              <a:t>METU Electrical &amp; Electronics Engineering Department</a:t>
+            </a:r>
+            <a:endParaRPr lang="en-US" dirty="0"/>
+          </a:p>
+        </p:txBody>
+      </p:sp>
+    </p:spTree>
+    <p:extLst>
+      <p:ext uri="{BB962C8B-B14F-4D97-AF65-F5344CB8AC3E}">
+        <p14:creationId xmlns:p14="http://schemas.microsoft.com/office/powerpoint/2010/main" xmlns="" val="1601229741"/>
+      </p:ext>
+    </p:extLst>
+  </p:cSld>
+  <p:clrMapOvr>
+    <a:masterClrMapping/>
+  </p:clrMapOvr>
+  <p:timing>
+    <p:tnLst>
+      <p:par>
+        <p:cTn id="1" dur="indefinite" restart="never" nodeType="tmRoot"/>
+      </p:par>
+    </p:tnLst>
+  </p:timing>
+</p:sld>
+</file>
+
+<file path=ppt/slides/slide19.xml><?xml version="1.0" encoding="utf-8"?>
+<p:sld xmlns:a="http://schemas.openxmlformats.org/drawingml/2006/main" xmlns:r="http://schemas.openxmlformats.org/officeDocument/2006/relationships" xmlns:p="http://schemas.openxmlformats.org/presentationml/2006/main">
+  <p:cSld>
+    <p:spTree>
+      <p:nvGrpSpPr>
+        <p:cNvPr id="1" name=""/>
+        <p:cNvGrpSpPr/>
+        <p:nvPr/>
+      </p:nvGrpSpPr>
+      <p:grpSpPr>
+        <a:xfrm>
+          <a:off x="0" y="0"/>
+          <a:ext cx="0" cy="0"/>
+          <a:chOff x="0" y="0"/>
+          <a:chExt cx="0" cy="0"/>
+        </a:xfrm>
+      </p:grpSpPr>
+      <p:sp>
+        <p:nvSpPr>
+          <p:cNvPr id="2" name="Title 1"/>
+          <p:cNvSpPr>
+            <a:spLocks noGrp="1"/>
+          </p:cNvSpPr>
+          <p:nvPr>
+            <p:ph type="title"/>
+          </p:nvPr>
+        </p:nvSpPr>
+        <p:spPr/>
+        <p:txBody>
+          <a:bodyPr/>
+          <a:lstStyle/>
+          <a:p>
+            <a:r>
+              <a:rPr lang="tr-TR" dirty="0" smtClean="0"/>
+              <a:t>References</a:t>
+            </a:r>
+            <a:endParaRPr lang="tr-TR" dirty="0"/>
+          </a:p>
+        </p:txBody>
+      </p:sp>
+      <p:sp>
+        <p:nvSpPr>
+          <p:cNvPr id="3" name="Content Placeholder 2"/>
+          <p:cNvSpPr>
+            <a:spLocks noGrp="1"/>
+          </p:cNvSpPr>
+          <p:nvPr>
+            <p:ph idx="1"/>
+          </p:nvPr>
+        </p:nvSpPr>
+        <p:spPr/>
+        <p:txBody>
+          <a:bodyPr/>
+          <a:lstStyle/>
+          <a:p>
+            <a:pPr>
+              <a:buFont typeface="Arial" pitchFamily="34" charset="0"/>
+              <a:buChar char="•"/>
+            </a:pPr>
+            <a:r>
+              <a:rPr lang="tr-TR" sz="1100" dirty="0" smtClean="0"/>
+              <a:t>[1]</a:t>
+            </a:r>
+            <a:r>
+              <a:rPr lang="tr-TR" sz="1100" dirty="0" smtClean="0">
+                <a:hlinkClick r:id="rId2"/>
+              </a:rPr>
+              <a:t> </a:t>
+            </a:r>
+            <a:r>
+              <a:rPr lang="tr-TR" sz="1050" dirty="0" smtClean="0">
+                <a:hlinkClick r:id="rId2"/>
+              </a:rPr>
+              <a:t>http://www.eecs.harvard.edu/ssr/projects/progSA/kilobot.html</a:t>
+            </a:r>
+            <a:endParaRPr lang="tr-TR" sz="1100" dirty="0" smtClean="0"/>
+          </a:p>
+          <a:p>
+            <a:pPr>
+              <a:buFont typeface="Arial" pitchFamily="34" charset="0"/>
+              <a:buChar char="•"/>
+            </a:pPr>
+            <a:r>
+              <a:rPr lang="tr-TR" sz="1100" dirty="0" smtClean="0"/>
+              <a:t>[2] </a:t>
+            </a:r>
+            <a:r>
+              <a:rPr lang="tr-TR" sz="900" dirty="0" smtClean="0"/>
+              <a:t>Martin N, Klupar P, “</a:t>
+            </a:r>
+            <a:r>
+              <a:rPr lang="en-US" sz="900" dirty="0" err="1" smtClean="0"/>
+              <a:t>Techsat</a:t>
+            </a:r>
+            <a:r>
+              <a:rPr lang="en-US" sz="900" dirty="0" smtClean="0"/>
+              <a:t> 21 And Revolutionizing Space</a:t>
+            </a:r>
+            <a:r>
+              <a:rPr lang="tr-TR" sz="900" dirty="0" smtClean="0"/>
+              <a:t> M</a:t>
+            </a:r>
+            <a:r>
+              <a:rPr lang="en-US" sz="900" dirty="0" err="1" smtClean="0"/>
+              <a:t>issions</a:t>
+            </a:r>
+            <a:r>
+              <a:rPr lang="tr-TR" sz="900" dirty="0" smtClean="0"/>
+              <a:t> Using Mıcrosatellıtes”, </a:t>
+            </a:r>
+            <a:endParaRPr lang="tr-TR" sz="1100" dirty="0" smtClean="0"/>
+          </a:p>
+          <a:p>
+            <a:pPr>
+              <a:buFont typeface="Arial" pitchFamily="34" charset="0"/>
+              <a:buChar char="•"/>
+            </a:pPr>
+            <a:r>
+              <a:rPr lang="tr-TR" sz="1100" dirty="0" smtClean="0"/>
+              <a:t>[3]</a:t>
+            </a:r>
+            <a:r>
+              <a:rPr lang="tr-TR" sz="1100" dirty="0" smtClean="0">
+                <a:hlinkClick r:id="rId3"/>
+              </a:rPr>
+              <a:t> </a:t>
+            </a:r>
+            <a:r>
+              <a:rPr lang="tr-TR" sz="1050" dirty="0" smtClean="0">
+                <a:hlinkClick r:id="rId3"/>
+              </a:rPr>
+              <a:t>http://www.swarmanoid.org/swarmanoid_hardware.php.html</a:t>
+            </a:r>
+            <a:endParaRPr lang="tr-TR" sz="1050" dirty="0" smtClean="0"/>
+          </a:p>
+          <a:p>
+            <a:pPr>
+              <a:buFont typeface="Arial" pitchFamily="34" charset="0"/>
+              <a:buChar char="•"/>
+            </a:pPr>
+            <a:r>
+              <a:rPr lang="en-US" sz="1050" dirty="0" smtClean="0"/>
+              <a:t>[</a:t>
+            </a:r>
+            <a:r>
+              <a:rPr lang="tr-TR" sz="1050" dirty="0" smtClean="0"/>
+              <a:t>4</a:t>
+            </a:r>
+            <a:r>
+              <a:rPr lang="en-US" sz="1050" dirty="0" smtClean="0"/>
+              <a:t>] S </a:t>
+            </a:r>
+            <a:r>
+              <a:rPr lang="en-US" sz="1050" dirty="0" err="1" smtClean="0"/>
+              <a:t>Kornienki</a:t>
+            </a:r>
+            <a:r>
+              <a:rPr lang="en-US" sz="1050" dirty="0" smtClean="0"/>
+              <a:t>, O. </a:t>
+            </a:r>
+            <a:r>
+              <a:rPr lang="en-US" sz="1050" dirty="0" err="1" smtClean="0"/>
+              <a:t>Kornienko</a:t>
+            </a:r>
+            <a:r>
+              <a:rPr lang="en-US" sz="1050" dirty="0" smtClean="0"/>
+              <a:t>, and Levi. P. Minimalistic approach towards communication</a:t>
+            </a:r>
+          </a:p>
+          <a:p>
+            <a:r>
+              <a:rPr lang="en-US" sz="1050" dirty="0" smtClean="0"/>
+              <a:t>and perception in </a:t>
+            </a:r>
+            <a:r>
+              <a:rPr lang="en-US" sz="1050" dirty="0" err="1" smtClean="0"/>
+              <a:t>microrobotic</a:t>
+            </a:r>
+            <a:r>
+              <a:rPr lang="en-US" sz="1050" dirty="0" smtClean="0"/>
+              <a:t> swarms. In IEEE International Conference</a:t>
+            </a:r>
+            <a:r>
+              <a:rPr lang="tr-TR" sz="1050" dirty="0" smtClean="0"/>
+              <a:t> </a:t>
+            </a:r>
+            <a:r>
+              <a:rPr lang="en-US" sz="1050" dirty="0" smtClean="0"/>
+              <a:t>on Intelligent Robots and Systems, 2005.</a:t>
+            </a:r>
+            <a:endParaRPr lang="tr-TR" sz="1050" dirty="0" smtClean="0"/>
+          </a:p>
+          <a:p>
+            <a:pPr>
+              <a:buFont typeface="Arial" pitchFamily="34" charset="0"/>
+              <a:buChar char="•"/>
+            </a:pPr>
+            <a:r>
+              <a:rPr lang="tr-TR" sz="1050" dirty="0" smtClean="0"/>
+              <a:t>[5] Farshad Arvin, John Murray, Licheng Shi, Chun Zhang, and Shigang Yue. Development</a:t>
+            </a:r>
+          </a:p>
+          <a:p>
+            <a:r>
+              <a:rPr lang="en-US" sz="1050" dirty="0" smtClean="0"/>
+              <a:t>of an autonomous micro robot for swarm robotics. In IEEE International</a:t>
+            </a:r>
+            <a:r>
+              <a:rPr lang="tr-TR" sz="1050" dirty="0" smtClean="0"/>
+              <a:t> </a:t>
+            </a:r>
+            <a:r>
+              <a:rPr lang="en-US" sz="1050" dirty="0" smtClean="0"/>
+              <a:t>Conference on </a:t>
+            </a:r>
+            <a:r>
+              <a:rPr lang="en-US" sz="1050" dirty="0" err="1" smtClean="0"/>
+              <a:t>Mechatronics</a:t>
+            </a:r>
+            <a:r>
+              <a:rPr lang="en-US" sz="1050" dirty="0" smtClean="0"/>
+              <a:t> and Automation, 2014.</a:t>
+            </a:r>
+            <a:endParaRPr lang="tr-TR" sz="1050" dirty="0" smtClean="0"/>
+          </a:p>
+          <a:p>
+            <a:pPr>
+              <a:buFont typeface="Arial" pitchFamily="34" charset="0"/>
+              <a:buChar char="•"/>
+            </a:pPr>
+            <a:r>
+              <a:rPr lang="tr-TR" sz="1050" dirty="0" smtClean="0"/>
+              <a:t>[6]</a:t>
+            </a:r>
+            <a:r>
+              <a:rPr lang="it-IT" sz="1050" dirty="0" smtClean="0"/>
+              <a:t>Touraj Soleymani, Vito Trianni, Michael Bonani, Francesco Mondada, and</a:t>
+            </a:r>
+            <a:r>
+              <a:rPr lang="tr-TR" sz="1050" dirty="0" smtClean="0"/>
+              <a:t> </a:t>
+            </a:r>
+            <a:r>
+              <a:rPr lang="en-US" sz="1050" dirty="0" smtClean="0"/>
+              <a:t>Marco </a:t>
+            </a:r>
+            <a:r>
+              <a:rPr lang="en-US" sz="1050" dirty="0" err="1" smtClean="0"/>
+              <a:t>Dorigo</a:t>
+            </a:r>
+            <a:r>
+              <a:rPr lang="en-US" sz="1050" dirty="0" smtClean="0"/>
+              <a:t>. Bio-inspired construction with mobile robots and compliant</a:t>
+            </a:r>
+            <a:r>
+              <a:rPr lang="tr-TR" sz="1050" dirty="0" smtClean="0"/>
+              <a:t> </a:t>
+            </a:r>
+            <a:r>
+              <a:rPr lang="en-US" sz="1050" dirty="0" smtClean="0"/>
+              <a:t>pockets. Robotics and </a:t>
+            </a:r>
+            <a:r>
+              <a:rPr lang="en-US" sz="1050" dirty="0" err="1" smtClean="0"/>
+              <a:t>Autonomus</a:t>
+            </a:r>
+            <a:r>
+              <a:rPr lang="en-US" sz="1050" dirty="0" smtClean="0"/>
+              <a:t> Systems, 74:340–350, 2015.</a:t>
+            </a:r>
+            <a:endParaRPr lang="tr-TR" sz="1050" dirty="0" smtClean="0"/>
+          </a:p>
+          <a:p>
+            <a:pPr>
+              <a:buFont typeface="Arial" pitchFamily="34" charset="0"/>
+              <a:buChar char="•"/>
+            </a:pPr>
+            <a:r>
+              <a:rPr lang="tr-TR" sz="1050" dirty="0" smtClean="0"/>
+              <a:t>[7] Roderich Grof, Michael Bonani, Mondada Francesco, and Marco Dorigo. Autonomous</a:t>
+            </a:r>
+          </a:p>
+          <a:p>
+            <a:r>
+              <a:rPr lang="en-US" sz="1050" dirty="0" smtClean="0"/>
+              <a:t>self-assembly in a swarm-bot. 22:1115–1130, 2006</a:t>
+            </a:r>
+            <a:r>
+              <a:rPr lang="en-US" sz="1050" dirty="0" smtClean="0"/>
+              <a:t>.</a:t>
+            </a:r>
+            <a:endParaRPr lang="tr-TR" sz="1050" dirty="0" smtClean="0"/>
+          </a:p>
+          <a:p>
+            <a:r>
+              <a:rPr lang="tr-TR" sz="1050" dirty="0" smtClean="0"/>
+              <a:t>[8]</a:t>
+            </a:r>
+            <a:r>
+              <a:rPr lang="en-US" sz="1050" dirty="0" smtClean="0"/>
+              <a:t> S.P. </a:t>
+            </a:r>
+            <a:r>
+              <a:rPr lang="en-US" sz="1050" dirty="0" err="1" smtClean="0"/>
+              <a:t>Hou</a:t>
+            </a:r>
+            <a:r>
+              <a:rPr lang="en-US" sz="1050" dirty="0" smtClean="0"/>
+              <a:t>, C.C. </a:t>
+            </a:r>
+            <a:r>
+              <a:rPr lang="en-US" sz="1050" dirty="0" err="1" smtClean="0"/>
+              <a:t>Cheah</a:t>
+            </a:r>
+            <a:r>
+              <a:rPr lang="en-US" sz="1050" dirty="0" smtClean="0"/>
+              <a:t>, and J.J.E. </a:t>
+            </a:r>
+            <a:r>
+              <a:rPr lang="en-US" sz="1050" dirty="0" err="1" smtClean="0"/>
+              <a:t>Slotine</a:t>
+            </a:r>
+            <a:r>
+              <a:rPr lang="en-US" sz="1050" dirty="0" smtClean="0"/>
+              <a:t>. Dynamic region following </a:t>
+            </a:r>
+            <a:r>
+              <a:rPr lang="en-US" sz="1050" dirty="0" err="1" smtClean="0"/>
+              <a:t>formationcontrol</a:t>
+            </a:r>
+            <a:r>
+              <a:rPr lang="en-US" sz="1050" dirty="0" smtClean="0"/>
+              <a:t> </a:t>
+            </a:r>
+            <a:r>
+              <a:rPr lang="en-US" sz="1050" dirty="0" smtClean="0"/>
+              <a:t>for a swarm of robots. In ICRA, 2009</a:t>
+            </a:r>
+            <a:r>
+              <a:rPr lang="en-US" sz="1050" dirty="0" smtClean="0"/>
+              <a:t>.</a:t>
+            </a:r>
+            <a:r>
+              <a:rPr lang="tr-TR" sz="1050" dirty="0" smtClean="0"/>
+              <a:t>[10] </a:t>
+            </a:r>
+            <a:r>
+              <a:rPr lang="tr-TR" sz="1050" dirty="0" smtClean="0">
+                <a:hlinkClick r:id="rId4"/>
+              </a:rPr>
+              <a:t>http://</a:t>
+            </a:r>
+            <a:r>
+              <a:rPr lang="tr-TR" sz="1050" dirty="0" smtClean="0">
+                <a:hlinkClick r:id="rId4"/>
+              </a:rPr>
+              <a:t>electronicdesign.com/systems/advanced-robots-swarm-nyc-s-museum-math</a:t>
+            </a:r>
+            <a:endParaRPr lang="tr-TR" sz="1050" dirty="0" smtClean="0"/>
+          </a:p>
+          <a:p>
+            <a:r>
+              <a:rPr lang="tr-TR" sz="1050" dirty="0" smtClean="0"/>
+              <a:t>[9]</a:t>
+            </a:r>
+            <a:r>
+              <a:rPr lang="en-US" sz="1050" dirty="0" smtClean="0"/>
+              <a:t> </a:t>
+            </a:r>
+            <a:r>
+              <a:rPr lang="en-US" sz="1050" dirty="0" err="1" smtClean="0"/>
+              <a:t>Samitha</a:t>
+            </a:r>
+            <a:r>
+              <a:rPr lang="en-US" sz="1050" dirty="0" smtClean="0"/>
+              <a:t> </a:t>
+            </a:r>
+            <a:r>
+              <a:rPr lang="en-US" sz="1050" dirty="0" err="1" smtClean="0"/>
+              <a:t>Ekanayake</a:t>
+            </a:r>
+            <a:r>
+              <a:rPr lang="en-US" sz="1050" dirty="0" smtClean="0"/>
+              <a:t> and </a:t>
+            </a:r>
+            <a:r>
+              <a:rPr lang="en-US" sz="1050" dirty="0" err="1" smtClean="0"/>
+              <a:t>Pubudu</a:t>
+            </a:r>
+            <a:r>
+              <a:rPr lang="en-US" sz="1050" dirty="0" smtClean="0"/>
+              <a:t> </a:t>
+            </a:r>
+            <a:r>
+              <a:rPr lang="en-US" sz="1050" dirty="0" err="1" smtClean="0"/>
+              <a:t>Pathirana</a:t>
+            </a:r>
+            <a:r>
+              <a:rPr lang="en-US" sz="1050" dirty="0" smtClean="0"/>
+              <a:t>. Formations of robotic swarm: </a:t>
+            </a:r>
+            <a:r>
+              <a:rPr lang="en-US" sz="1050" dirty="0" smtClean="0"/>
+              <a:t>An</a:t>
+            </a:r>
+            <a:r>
+              <a:rPr lang="tr-TR" sz="1050" dirty="0" smtClean="0"/>
+              <a:t> </a:t>
+            </a:r>
+            <a:r>
+              <a:rPr lang="en-US" sz="1050" dirty="0" smtClean="0"/>
+              <a:t>artificial </a:t>
+            </a:r>
+            <a:r>
+              <a:rPr lang="en-US" sz="1050" dirty="0" smtClean="0"/>
+              <a:t>force based approach. International Journal of Advanced Robotic </a:t>
+            </a:r>
+            <a:r>
+              <a:rPr lang="en-US" sz="1050" dirty="0" smtClean="0"/>
+              <a:t>Systems,</a:t>
+            </a:r>
+            <a:r>
+              <a:rPr lang="tr-TR" sz="1050" dirty="0" smtClean="0"/>
+              <a:t>7:173–190</a:t>
+            </a:r>
+            <a:r>
+              <a:rPr lang="tr-TR" sz="1050" dirty="0" smtClean="0"/>
+              <a:t>, </a:t>
+            </a:r>
+            <a:r>
+              <a:rPr lang="tr-TR" sz="1050" dirty="0" smtClean="0"/>
+              <a:t>2010</a:t>
+            </a:r>
+          </a:p>
+          <a:p>
+            <a:r>
+              <a:rPr lang="tr-TR" sz="1050" dirty="0" smtClean="0"/>
+              <a:t>[10] http://electronicdesign.com/systems/advanced-robots-swarm-nyc-s-museum-math</a:t>
+            </a:r>
+            <a:endParaRPr lang="tr-TR" sz="1050" dirty="0" smtClean="0"/>
+          </a:p>
+          <a:p>
+            <a:r>
+              <a:rPr lang="tr-TR" sz="1050" dirty="0" smtClean="0"/>
+              <a:t>[11]</a:t>
+            </a:r>
+            <a:r>
+              <a:rPr lang="de-DE" sz="1050" dirty="0" smtClean="0"/>
+              <a:t> </a:t>
+            </a:r>
+            <a:r>
+              <a:rPr lang="de-DE" sz="1050" dirty="0" smtClean="0"/>
+              <a:t>Aveek Das, Rafael Fierro, Vijay Kumar, James Ostrowski, John Spletzer, </a:t>
+            </a:r>
+            <a:r>
+              <a:rPr lang="de-DE" sz="1050" dirty="0" smtClean="0"/>
+              <a:t>and</a:t>
+            </a:r>
+            <a:r>
+              <a:rPr lang="tr-TR" sz="1050" dirty="0" smtClean="0"/>
+              <a:t> </a:t>
+            </a:r>
+            <a:r>
+              <a:rPr lang="en-US" sz="1050" dirty="0" smtClean="0"/>
+              <a:t>Camilla </a:t>
+            </a:r>
+            <a:r>
+              <a:rPr lang="en-US" sz="1050" dirty="0" smtClean="0"/>
+              <a:t>Taylor. A vision-based formation control framework. IEEE </a:t>
+            </a:r>
+            <a:r>
+              <a:rPr lang="en-US" sz="1050" dirty="0" smtClean="0"/>
+              <a:t>Transactions</a:t>
+            </a:r>
+            <a:r>
+              <a:rPr lang="tr-TR" sz="1050" dirty="0" smtClean="0"/>
+              <a:t> </a:t>
+            </a:r>
+            <a:r>
+              <a:rPr lang="en-US" sz="1050" dirty="0" smtClean="0"/>
+              <a:t>on </a:t>
+            </a:r>
+            <a:r>
+              <a:rPr lang="en-US" sz="1050" dirty="0" smtClean="0"/>
+              <a:t>Robotics and Automation, 18:813–825, 2002</a:t>
+            </a:r>
+            <a:r>
+              <a:rPr lang="en-US" sz="1050" dirty="0" smtClean="0"/>
+              <a:t>.</a:t>
+            </a:r>
+            <a:endParaRPr lang="tr-TR" sz="1050" dirty="0" smtClean="0"/>
+          </a:p>
+          <a:p>
+            <a:r>
+              <a:rPr lang="tr-TR" sz="1050" dirty="0" smtClean="0"/>
+              <a:t>[12]</a:t>
+            </a:r>
+            <a:r>
+              <a:rPr lang="en-US" sz="1050" dirty="0" smtClean="0"/>
+              <a:t> </a:t>
+            </a:r>
+            <a:r>
+              <a:rPr lang="en-US" sz="1050" dirty="0" err="1" smtClean="0"/>
+              <a:t>Yogeswaran</a:t>
+            </a:r>
+            <a:r>
+              <a:rPr lang="en-US" sz="1050" dirty="0" smtClean="0"/>
+              <a:t> Mohan and S.G. </a:t>
+            </a:r>
+            <a:r>
+              <a:rPr lang="en-US" sz="1050" dirty="0" err="1" smtClean="0"/>
+              <a:t>Ponnambalam</a:t>
+            </a:r>
+            <a:r>
+              <a:rPr lang="en-US" sz="1050" dirty="0" smtClean="0"/>
+              <a:t>. An extensive review of </a:t>
+            </a:r>
+            <a:r>
+              <a:rPr lang="en-US" sz="1050" dirty="0" smtClean="0"/>
+              <a:t>research</a:t>
+            </a:r>
+            <a:r>
+              <a:rPr lang="tr-TR" sz="1050" dirty="0" smtClean="0"/>
+              <a:t> </a:t>
+            </a:r>
+            <a:r>
+              <a:rPr lang="en-US" sz="1050" dirty="0" smtClean="0"/>
+              <a:t>in </a:t>
+            </a:r>
+            <a:r>
+              <a:rPr lang="en-US" sz="1050" dirty="0" smtClean="0"/>
+              <a:t>swarm robotics. In World Congress on Nature &amp; Biologically Inspired </a:t>
+            </a:r>
+            <a:r>
+              <a:rPr lang="en-US" sz="1050" dirty="0" smtClean="0"/>
+              <a:t>Computing,</a:t>
+            </a:r>
+            <a:r>
+              <a:rPr lang="tr-TR" sz="1050" dirty="0" smtClean="0"/>
+              <a:t> NaBIC</a:t>
+            </a:r>
+            <a:r>
+              <a:rPr lang="tr-TR" sz="1050" dirty="0" smtClean="0"/>
+              <a:t>, 2009.</a:t>
+            </a:r>
+            <a:endParaRPr lang="tr-TR" sz="1050" dirty="0" smtClean="0"/>
+          </a:p>
+          <a:p>
+            <a:pPr>
+              <a:buFont typeface="Arial" pitchFamily="34" charset="0"/>
+              <a:buChar char="•"/>
+            </a:pPr>
+            <a:endParaRPr lang="tr-TR" sz="1100" dirty="0" smtClean="0"/>
+          </a:p>
+          <a:p>
+            <a:endParaRPr lang="tr-TR" sz="1100" dirty="0" smtClean="0"/>
+          </a:p>
+          <a:p>
+            <a:r>
+              <a:rPr lang="tr-TR" sz="1100" dirty="0" smtClean="0"/>
+              <a:t>                           </a:t>
+            </a:r>
+            <a:endParaRPr lang="tr-TR" sz="1100" dirty="0"/>
+          </a:p>
+        </p:txBody>
+      </p:sp>
+      <p:sp>
+        <p:nvSpPr>
+          <p:cNvPr id="4" name="Slide Number Placeholder 3"/>
+          <p:cNvSpPr>
+            <a:spLocks noGrp="1"/>
+          </p:cNvSpPr>
+          <p:nvPr>
+            <p:ph type="sldNum" sz="quarter" idx="12"/>
+          </p:nvPr>
+        </p:nvSpPr>
+        <p:spPr/>
+        <p:txBody>
+          <a:bodyPr/>
+          <a:lstStyle/>
+          <a:p>
+            <a:pPr>
+              <a:defRPr/>
+            </a:pPr>
+            <a:fld id="{C878F797-6006-4DDA-AFE9-456F280FE6C5}" type="slidenum">
+              <a:rPr lang="en-US" smtClean="0"/>
+              <a:pPr>
+                <a:defRPr/>
+              </a:pPr>
+              <a:t>19</a:t>
+            </a:fld>
+            <a:endParaRPr lang="en-US" dirty="0"/>
+          </a:p>
+        </p:txBody>
+      </p:sp>
+      <p:sp>
+        <p:nvSpPr>
+          <p:cNvPr id="5" name="Date Placeholder 4"/>
+          <p:cNvSpPr>
+            <a:spLocks noGrp="1"/>
+          </p:cNvSpPr>
+          <p:nvPr>
+            <p:ph type="dt" sz="half" idx="2"/>
+          </p:nvPr>
+        </p:nvSpPr>
+        <p:spPr/>
+        <p:txBody>
+          <a:bodyPr/>
+          <a:lstStyle/>
+          <a:p>
+            <a:pPr>
+              <a:defRPr/>
+            </a:pPr>
+            <a:r>
+              <a:rPr lang="tr-TR" smtClean="0"/>
+              <a:t>METU Electrical &amp; Electronics Engineering Department</a:t>
+            </a:r>
+            <a:endParaRPr lang="en-US" dirty="0"/>
+          </a:p>
+        </p:txBody>
+      </p:sp>
+    </p:spTree>
+    <p:extLst>
+      <p:ext uri="{BB962C8B-B14F-4D97-AF65-F5344CB8AC3E}">
+        <p14:creationId xmlns:p14="http://schemas.microsoft.com/office/powerpoint/2010/main" xmlns="" val="1601229741"/>
+      </p:ext>
+    </p:extLst>
   </p:cSld>
   <p:clrMapOvr>
     <a:masterClrMapping/>
@@ -4310,13 +5782,50 @@
     </p:spTree>
     <p:extLst>
       <p:ext uri="{BB962C8B-B14F-4D97-AF65-F5344CB8AC3E}">
-        <p14:creationId xmlns="" xmlns:p14="http://schemas.microsoft.com/office/powerpoint/2010/main" val="1031498753"/>
+        <p14:creationId xmlns:p14="http://schemas.microsoft.com/office/powerpoint/2010/main" xmlns="" val="1031498753"/>
       </p:ext>
     </p:extLst>
   </p:cSld>
   <p:clrMapOvr>
     <a:masterClrMapping/>
   </p:clrMapOvr>
+</p:sld>
+</file>
+
+<file path=ppt/slides/slide20.xml><?xml version="1.0" encoding="utf-8"?>
+<p:sld xmlns:a="http://schemas.openxmlformats.org/drawingml/2006/main" xmlns:r="http://schemas.openxmlformats.org/officeDocument/2006/relationships" xmlns:p="http://schemas.openxmlformats.org/presentationml/2006/main">
+  <p:cSld>
+    <p:spTree>
+      <p:nvGrpSpPr>
+        <p:cNvPr id="1" name=""/>
+        <p:cNvGrpSpPr/>
+        <p:nvPr/>
+      </p:nvGrpSpPr>
+      <p:grpSpPr>
+        <a:xfrm>
+          <a:off x="0" y="0"/>
+          <a:ext cx="0" cy="0"/>
+          <a:chOff x="0" y="0"/>
+          <a:chExt cx="0" cy="0"/>
+        </a:xfrm>
+      </p:grpSpPr>
+    </p:spTree>
+    <p:extLst>
+      <p:ext uri="{BB962C8B-B14F-4D97-AF65-F5344CB8AC3E}">
+        <p14:creationId xmlns:p14="http://schemas.microsoft.com/office/powerpoint/2010/main" xmlns="" val="3835474893"/>
+      </p:ext>
+    </p:extLst>
+  </p:cSld>
+  <p:clrMapOvr>
+    <a:masterClrMapping/>
+  </p:clrMapOvr>
+  <p:timing>
+    <p:tnLst>
+      <p:par>
+        <p:cTn id="1" dur="indefinite" restart="never" nodeType="tmRoot"/>
+      </p:par>
+    </p:tnLst>
+  </p:timing>
 </p:sld>
 </file>
 
@@ -4401,6 +5910,17 @@
             </a:pPr>
             <a:r>
               <a:rPr lang="tr-TR" dirty="0" smtClean="0"/>
+              <a:t>System Overview</a:t>
+            </a:r>
+            <a:endParaRPr lang="tr-TR" dirty="0" smtClean="0"/>
+          </a:p>
+          <a:p>
+            <a:pPr>
+              <a:buFont typeface="Arial" pitchFamily="34" charset="0"/>
+              <a:buChar char="•"/>
+            </a:pPr>
+            <a:r>
+              <a:rPr lang="tr-TR" dirty="0" smtClean="0"/>
               <a:t>Local Positioning System Design</a:t>
             </a:r>
           </a:p>
@@ -4505,7 +6025,7 @@
     </p:spTree>
     <p:extLst>
       <p:ext uri="{BB962C8B-B14F-4D97-AF65-F5344CB8AC3E}">
-        <p14:creationId xmlns="" xmlns:p14="http://schemas.microsoft.com/office/powerpoint/2010/main" val="1601229741"/>
+        <p14:creationId xmlns:p14="http://schemas.microsoft.com/office/powerpoint/2010/main" xmlns="" val="1601229741"/>
       </p:ext>
     </p:extLst>
   </p:cSld>
@@ -4570,13 +6090,10 @@
           <a:bodyPr/>
           <a:lstStyle/>
           <a:p>
+            <a:pPr algn="just"/>
             <a:r>
               <a:rPr lang="en-US" dirty="0" smtClean="0"/>
-              <a:t>This thesis work focuses on dynamic adaptation to achieve changes in formation </a:t>
-            </a:r>
-            <a:r>
-              <a:rPr lang="en-US" dirty="0" smtClean="0"/>
-              <a:t>of</a:t>
+              <a:t>This thesis work focuses on dynamic adaptation to achieve changes in formation of</a:t>
             </a:r>
             <a:r>
               <a:rPr lang="tr-TR" dirty="0" smtClean="0"/>
@@ -4584,11 +6101,7 @@
             </a:r>
             <a:r>
               <a:rPr lang="en-US" dirty="0" smtClean="0"/>
-              <a:t>swarms </a:t>
-            </a:r>
-            <a:r>
-              <a:rPr lang="en-US" dirty="0" smtClean="0"/>
-              <a:t>consisting of </a:t>
+              <a:t>swarms consisting of </a:t>
             </a:r>
             <a:r>
               <a:rPr lang="en-US" dirty="0" err="1" smtClean="0"/>
@@ -4837,7 +6350,7 @@
     </p:spTree>
     <p:extLst>
       <p:ext uri="{BB962C8B-B14F-4D97-AF65-F5344CB8AC3E}">
-        <p14:creationId xmlns="" xmlns:p14="http://schemas.microsoft.com/office/powerpoint/2010/main" val="1601229741"/>
+        <p14:creationId xmlns:p14="http://schemas.microsoft.com/office/powerpoint/2010/main" xmlns="" val="1601229741"/>
       </p:ext>
     </p:extLst>
   </p:cSld>
@@ -4909,6 +6422,7 @@
           <a:bodyPr/>
           <a:lstStyle/>
           <a:p>
+            <a:pPr algn="just"/>
             <a:r>
               <a:rPr lang="tr-TR" dirty="0" smtClean="0"/>
               <a:t>The research about the formation control, mainly focuses on swarms with homogenous agents.</a:t>
@@ -5136,7 +6650,7 @@
     </p:spTree>
     <p:extLst>
       <p:ext uri="{BB962C8B-B14F-4D97-AF65-F5344CB8AC3E}">
-        <p14:creationId xmlns="" xmlns:p14="http://schemas.microsoft.com/office/powerpoint/2010/main" val="1601229741"/>
+        <p14:creationId xmlns:p14="http://schemas.microsoft.com/office/powerpoint/2010/main" xmlns="" val="1601229741"/>
       </p:ext>
     </p:extLst>
   </p:cSld>
@@ -5208,6 +6722,7 @@
           <a:bodyPr/>
           <a:lstStyle/>
           <a:p>
+            <a:pPr algn="just"/>
             <a:r>
               <a:rPr lang="tr-TR" dirty="0" smtClean="0"/>
               <a:t>Formation control solutions are generally implemented with simple geometrical shapes which don’t change with time. </a:t>
@@ -5390,10 +6905,70 @@
           </a:p>
         </p:txBody>
       </p:sp>
+      <p:sp>
+        <p:nvSpPr>
+          <p:cNvPr id="10" name="TextBox 9"/>
+          <p:cNvSpPr txBox="1"/>
+          <p:nvPr/>
+        </p:nvSpPr>
+        <p:spPr>
+          <a:xfrm>
+            <a:off x="4147613" y="5814720"/>
+            <a:ext cx="349776" cy="253916"/>
+          </a:xfrm>
+          <a:prstGeom prst="rect">
+            <a:avLst/>
+          </a:prstGeom>
+          <a:noFill/>
+        </p:spPr>
+        <p:txBody>
+          <a:bodyPr wrap="none" rtlCol="0">
+            <a:spAutoFit/>
+          </a:bodyPr>
+          <a:lstStyle/>
+          <a:p>
+            <a:r>
+              <a:rPr lang="tr-TR" sz="1050" dirty="0" smtClean="0"/>
+              <a:t>[8]</a:t>
+            </a:r>
+            <a:endParaRPr lang="tr-TR" sz="1050" dirty="0"/>
+          </a:p>
+        </p:txBody>
+      </p:sp>
+      <p:sp>
+        <p:nvSpPr>
+          <p:cNvPr id="11" name="TextBox 10"/>
+          <p:cNvSpPr txBox="1"/>
+          <p:nvPr/>
+        </p:nvSpPr>
+        <p:spPr>
+          <a:xfrm>
+            <a:off x="7760762" y="4041978"/>
+            <a:ext cx="351378" cy="253916"/>
+          </a:xfrm>
+          <a:prstGeom prst="rect">
+            <a:avLst/>
+          </a:prstGeom>
+          <a:noFill/>
+        </p:spPr>
+        <p:txBody>
+          <a:bodyPr wrap="none" rtlCol="0">
+            <a:spAutoFit/>
+          </a:bodyPr>
+          <a:lstStyle/>
+          <a:p>
+            <a:r>
+              <a:rPr lang="tr-TR" sz="1050" dirty="0" smtClean="0"/>
+              <a:t>[9]</a:t>
+            </a:r>
+            <a:endParaRPr lang="tr-TR" sz="1050" dirty="0"/>
+          </a:p>
+        </p:txBody>
+      </p:sp>
     </p:spTree>
     <p:extLst>
       <p:ext uri="{BB962C8B-B14F-4D97-AF65-F5344CB8AC3E}">
-        <p14:creationId xmlns="" xmlns:p14="http://schemas.microsoft.com/office/powerpoint/2010/main" val="1601229741"/>
+        <p14:creationId xmlns:p14="http://schemas.microsoft.com/office/powerpoint/2010/main" xmlns="" val="1601229741"/>
       </p:ext>
     </p:extLst>
   </p:cSld>
@@ -5427,6 +7002,32 @@
           <a:chExt cx="0" cy="0"/>
         </a:xfrm>
       </p:grpSpPr>
+      <p:pic>
+        <p:nvPicPr>
+          <p:cNvPr id="1028" name="Picture 4" descr="C:\Users\Kadir\Desktop\Seminer\decentralized.png"/>
+          <p:cNvPicPr>
+            <a:picLocks noChangeAspect="1" noChangeArrowheads="1"/>
+          </p:cNvPicPr>
+          <p:nvPr/>
+        </p:nvPicPr>
+        <p:blipFill>
+          <a:blip r:embed="rId2"/>
+          <a:srcRect/>
+          <a:stretch>
+            <a:fillRect/>
+          </a:stretch>
+        </p:blipFill>
+        <p:spPr bwMode="auto">
+          <a:xfrm>
+            <a:off x="2644775" y="4846638"/>
+            <a:ext cx="4362450" cy="1571625"/>
+          </a:xfrm>
+          <a:prstGeom prst="rect">
+            <a:avLst/>
+          </a:prstGeom>
+          <a:noFill/>
+        </p:spPr>
+      </p:pic>
       <p:sp>
         <p:nvSpPr>
           <p:cNvPr id="2" name="Title 1"/>
@@ -5444,7 +7045,7 @@
           <a:p>
             <a:r>
               <a:rPr lang="tr-TR" dirty="0" smtClean="0"/>
-              <a:t>References</a:t>
+              <a:t>Motivation</a:t>
             </a:r>
             <a:endParaRPr lang="tr-TR" dirty="0"/>
           </a:p>
@@ -5465,334 +7066,19 @@
           <a:bodyPr/>
           <a:lstStyle/>
           <a:p>
-            <a:pPr>
-              <a:buFont typeface="Arial" pitchFamily="34" charset="0"/>
-              <a:buChar char="•"/>
-            </a:pPr>
-            <a:r>
-              <a:rPr lang="tr-TR" sz="1600" dirty="0" smtClean="0"/>
-              <a:t>[1]</a:t>
-            </a:r>
-            <a:r>
-              <a:rPr lang="tr-TR" sz="1600" dirty="0" smtClean="0">
-                <a:hlinkClick r:id="rId2"/>
-              </a:rPr>
+            <a:pPr algn="just"/>
+            <a:r>
+              <a:rPr lang="tr-TR" dirty="0" smtClean="0"/>
+              <a:t>Centralized topologies</a:t>
+            </a:r>
+            <a:r>
+              <a:rPr lang="tr-TR" dirty="0" smtClean="0"/>
               <a:t> </a:t>
             </a:r>
             <a:r>
-              <a:rPr lang="tr-TR" sz="1400" dirty="0" smtClean="0">
-                <a:hlinkClick r:id="rId2"/>
-              </a:rPr>
-              <a:t>http://www.eecs.harvard.edu/ssr/projects/progSA/kilobot.html</a:t>
-            </a:r>
-            <a:endParaRPr lang="tr-TR" sz="1600" dirty="0" smtClean="0"/>
-          </a:p>
-          <a:p>
-            <a:pPr>
-              <a:buFont typeface="Arial" pitchFamily="34" charset="0"/>
-              <a:buChar char="•"/>
-            </a:pPr>
-            <a:r>
-              <a:rPr lang="tr-TR" sz="1600" dirty="0" smtClean="0"/>
-              <a:t>[</a:t>
-            </a:r>
-            <a:r>
-              <a:rPr lang="tr-TR" sz="1600" dirty="0" smtClean="0"/>
-              <a:t>2] </a:t>
-            </a:r>
-            <a:r>
-              <a:rPr lang="tr-TR" sz="1100" dirty="0" smtClean="0"/>
-              <a:t>Martin N, Klupar P, “</a:t>
-            </a:r>
-            <a:r>
-              <a:rPr lang="en-US" sz="1100" dirty="0" err="1" smtClean="0"/>
-              <a:t>Techsat</a:t>
-            </a:r>
-            <a:r>
-              <a:rPr lang="en-US" sz="1100" dirty="0" smtClean="0"/>
-              <a:t> 21 And Revolutionizing </a:t>
-            </a:r>
-            <a:r>
-              <a:rPr lang="en-US" sz="1100" dirty="0" smtClean="0"/>
-              <a:t>Space</a:t>
-            </a:r>
-            <a:r>
-              <a:rPr lang="tr-TR" sz="1100" dirty="0" smtClean="0"/>
-              <a:t> M</a:t>
-            </a:r>
-            <a:r>
-              <a:rPr lang="en-US" sz="1100" dirty="0" err="1" smtClean="0"/>
-              <a:t>issions</a:t>
-            </a:r>
-            <a:r>
-              <a:rPr lang="tr-TR" sz="1100" dirty="0" smtClean="0"/>
-              <a:t> </a:t>
-            </a:r>
-            <a:r>
-              <a:rPr lang="tr-TR" sz="1100" dirty="0" smtClean="0"/>
-              <a:t>Using Mıcrosatellıtes”, </a:t>
-            </a:r>
-            <a:endParaRPr lang="tr-TR" sz="1600" dirty="0" smtClean="0"/>
-          </a:p>
-          <a:p>
-            <a:pPr>
-              <a:buFont typeface="Arial" pitchFamily="34" charset="0"/>
-              <a:buChar char="•"/>
-            </a:pPr>
-            <a:r>
-              <a:rPr lang="tr-TR" sz="1600" dirty="0" smtClean="0"/>
-              <a:t>[3]</a:t>
-            </a:r>
-            <a:r>
-              <a:rPr lang="tr-TR" sz="1600" dirty="0" smtClean="0">
-                <a:hlinkClick r:id="rId3"/>
-              </a:rPr>
-              <a:t> </a:t>
-            </a:r>
-            <a:r>
-              <a:rPr lang="tr-TR" sz="1400" dirty="0" smtClean="0">
-                <a:hlinkClick r:id="rId3"/>
-              </a:rPr>
-              <a:t>http://</a:t>
-            </a:r>
-            <a:r>
-              <a:rPr lang="tr-TR" sz="1400" dirty="0" smtClean="0">
-                <a:hlinkClick r:id="rId3"/>
-              </a:rPr>
-              <a:t>www.swarmanoid.org/swarmanoid_hardware.php.html</a:t>
-            </a:r>
-            <a:endParaRPr lang="tr-TR" sz="1400" dirty="0" smtClean="0"/>
-          </a:p>
-          <a:p>
-            <a:pPr>
-              <a:buFont typeface="Arial" pitchFamily="34" charset="0"/>
-              <a:buChar char="•"/>
-            </a:pPr>
-            <a:r>
-              <a:rPr lang="en-US" sz="1400" dirty="0" smtClean="0"/>
-              <a:t>[</a:t>
-            </a:r>
-            <a:r>
-              <a:rPr lang="tr-TR" sz="1400" dirty="0" smtClean="0"/>
-              <a:t>4</a:t>
-            </a:r>
-            <a:r>
-              <a:rPr lang="en-US" sz="1400" dirty="0" smtClean="0"/>
-              <a:t>] </a:t>
-            </a:r>
-            <a:r>
-              <a:rPr lang="en-US" sz="1400" dirty="0" smtClean="0"/>
-              <a:t>S </a:t>
-            </a:r>
-            <a:r>
-              <a:rPr lang="en-US" sz="1400" dirty="0" err="1" smtClean="0"/>
-              <a:t>Kornienki</a:t>
-            </a:r>
-            <a:r>
-              <a:rPr lang="en-US" sz="1400" dirty="0" smtClean="0"/>
-              <a:t>, O. </a:t>
-            </a:r>
-            <a:r>
-              <a:rPr lang="en-US" sz="1400" dirty="0" err="1" smtClean="0"/>
-              <a:t>Kornienko</a:t>
-            </a:r>
-            <a:r>
-              <a:rPr lang="en-US" sz="1400" dirty="0" smtClean="0"/>
-              <a:t>, and Levi. P. Minimalistic approach towards communication</a:t>
-            </a:r>
-          </a:p>
-          <a:p>
-            <a:r>
-              <a:rPr lang="en-US" sz="1400" dirty="0" smtClean="0"/>
-              <a:t>and perception in </a:t>
-            </a:r>
-            <a:r>
-              <a:rPr lang="en-US" sz="1400" dirty="0" err="1" smtClean="0"/>
-              <a:t>microrobotic</a:t>
-            </a:r>
-            <a:r>
-              <a:rPr lang="en-US" sz="1400" dirty="0" smtClean="0"/>
-              <a:t> swarms. In IEEE International </a:t>
-            </a:r>
-            <a:r>
-              <a:rPr lang="en-US" sz="1400" dirty="0" smtClean="0"/>
-              <a:t>Conference</a:t>
-            </a:r>
-            <a:r>
-              <a:rPr lang="tr-TR" sz="1400" dirty="0" smtClean="0"/>
-              <a:t> </a:t>
-            </a:r>
-            <a:r>
-              <a:rPr lang="en-US" sz="1400" dirty="0" smtClean="0"/>
-              <a:t>on </a:t>
-            </a:r>
-            <a:r>
-              <a:rPr lang="en-US" sz="1400" dirty="0" smtClean="0"/>
-              <a:t>Intelligent Robots and Systems, 2005</a:t>
-            </a:r>
-            <a:r>
-              <a:rPr lang="en-US" sz="1400" dirty="0" smtClean="0"/>
-              <a:t>.</a:t>
-            </a:r>
-            <a:endParaRPr lang="tr-TR" sz="1400" dirty="0" smtClean="0"/>
-          </a:p>
-          <a:p>
-            <a:pPr>
-              <a:buFont typeface="Arial" pitchFamily="34" charset="0"/>
-              <a:buChar char="•"/>
-            </a:pPr>
-            <a:r>
-              <a:rPr lang="tr-TR" sz="1400" dirty="0" smtClean="0"/>
-              <a:t>[5]</a:t>
-            </a:r>
-            <a:r>
-              <a:rPr lang="tr-TR" sz="1400" dirty="0" smtClean="0"/>
-              <a:t> Farshad Arvin, John Murray, Licheng Shi, Chun Zhang, and Shigang Yue. Development</a:t>
-            </a:r>
-          </a:p>
-          <a:p>
-            <a:r>
-              <a:rPr lang="en-US" sz="1400" dirty="0" smtClean="0"/>
-              <a:t>of an autonomous micro robot for swarm robotics. In IEEE </a:t>
-            </a:r>
-            <a:r>
-              <a:rPr lang="en-US" sz="1400" dirty="0" smtClean="0"/>
-              <a:t>International</a:t>
-            </a:r>
-            <a:r>
-              <a:rPr lang="tr-TR" sz="1400" dirty="0" smtClean="0"/>
-              <a:t> </a:t>
-            </a:r>
-            <a:r>
-              <a:rPr lang="en-US" sz="1400" dirty="0" smtClean="0"/>
-              <a:t>Conference </a:t>
-            </a:r>
-            <a:r>
-              <a:rPr lang="en-US" sz="1400" dirty="0" smtClean="0"/>
-              <a:t>on </a:t>
-            </a:r>
-            <a:r>
-              <a:rPr lang="en-US" sz="1400" dirty="0" err="1" smtClean="0"/>
-              <a:t>Mechatronics</a:t>
-            </a:r>
-            <a:r>
-              <a:rPr lang="en-US" sz="1400" dirty="0" smtClean="0"/>
-              <a:t> and Automation, 2014</a:t>
-            </a:r>
-            <a:r>
-              <a:rPr lang="en-US" sz="1400" dirty="0" smtClean="0"/>
-              <a:t>.</a:t>
-            </a:r>
-            <a:endParaRPr lang="tr-TR" sz="1400" dirty="0" smtClean="0"/>
-          </a:p>
-          <a:p>
-            <a:pPr>
-              <a:buFont typeface="Arial" pitchFamily="34" charset="0"/>
-              <a:buChar char="•"/>
-            </a:pPr>
-            <a:r>
-              <a:rPr lang="tr-TR" sz="1400" dirty="0" smtClean="0"/>
-              <a:t>[6]</a:t>
-            </a:r>
-            <a:r>
-              <a:rPr lang="it-IT" sz="1400" dirty="0" smtClean="0"/>
-              <a:t>Touraj </a:t>
-            </a:r>
-            <a:r>
-              <a:rPr lang="it-IT" sz="1400" dirty="0" smtClean="0"/>
-              <a:t>Soleymani, Vito Trianni, Michael Bonani, Francesco Mondada, </a:t>
-            </a:r>
-            <a:r>
-              <a:rPr lang="it-IT" sz="1400" dirty="0" smtClean="0"/>
-              <a:t>and</a:t>
-            </a:r>
-            <a:r>
-              <a:rPr lang="tr-TR" sz="1400" dirty="0" smtClean="0"/>
-              <a:t> </a:t>
-            </a:r>
-            <a:r>
-              <a:rPr lang="en-US" sz="1400" dirty="0" smtClean="0"/>
-              <a:t>Marco </a:t>
-            </a:r>
-            <a:r>
-              <a:rPr lang="en-US" sz="1400" dirty="0" err="1" smtClean="0"/>
-              <a:t>Dorigo</a:t>
-            </a:r>
-            <a:r>
-              <a:rPr lang="en-US" sz="1400" dirty="0" smtClean="0"/>
-              <a:t>. Bio-inspired construction with mobile robots and </a:t>
-            </a:r>
-            <a:r>
-              <a:rPr lang="en-US" sz="1400" dirty="0" smtClean="0"/>
-              <a:t>compliant</a:t>
-            </a:r>
-            <a:r>
-              <a:rPr lang="tr-TR" sz="1400" dirty="0" smtClean="0"/>
-              <a:t> </a:t>
-            </a:r>
-            <a:r>
-              <a:rPr lang="en-US" sz="1400" dirty="0" smtClean="0"/>
-              <a:t>pockets</a:t>
-            </a:r>
-            <a:r>
-              <a:rPr lang="en-US" sz="1400" dirty="0" smtClean="0"/>
-              <a:t>. Robotics and </a:t>
-            </a:r>
-            <a:r>
-              <a:rPr lang="en-US" sz="1400" dirty="0" err="1" smtClean="0"/>
-              <a:t>Autonomus</a:t>
-            </a:r>
-            <a:r>
-              <a:rPr lang="en-US" sz="1400" dirty="0" smtClean="0"/>
-              <a:t> Systems, 74:340–350, 2015</a:t>
-            </a:r>
-            <a:r>
-              <a:rPr lang="en-US" sz="1400" dirty="0" smtClean="0"/>
-              <a:t>.</a:t>
-            </a:r>
-            <a:endParaRPr lang="tr-TR" sz="1400" dirty="0" smtClean="0"/>
-          </a:p>
-          <a:p>
-            <a:pPr>
-              <a:buFont typeface="Arial" pitchFamily="34" charset="0"/>
-              <a:buChar char="•"/>
-            </a:pPr>
-            <a:r>
-              <a:rPr lang="tr-TR" sz="1400" dirty="0" smtClean="0"/>
-              <a:t>[7] Roderich </a:t>
-            </a:r>
-            <a:r>
-              <a:rPr lang="tr-TR" sz="1400" dirty="0" smtClean="0"/>
-              <a:t>Grof, Michael Bonani, Mondada Francesco, and Marco Dorigo. Autonomous</a:t>
-            </a:r>
-          </a:p>
-          <a:p>
-            <a:r>
-              <a:rPr lang="en-US" sz="1400" dirty="0" smtClean="0"/>
-              <a:t>self-assembly in a swarm-bot. 22:1115–1130, 2006.</a:t>
-            </a:r>
-            <a:endParaRPr lang="tr-TR" sz="1400" dirty="0" smtClean="0"/>
-          </a:p>
-          <a:p>
-            <a:pPr>
-              <a:buFont typeface="Arial" pitchFamily="34" charset="0"/>
-              <a:buChar char="•"/>
-            </a:pPr>
-            <a:endParaRPr lang="tr-TR" sz="1600" dirty="0" smtClean="0"/>
-          </a:p>
-          <a:p>
-            <a:endParaRPr lang="tr-TR" sz="1600" dirty="0" smtClean="0"/>
-          </a:p>
-          <a:p>
-            <a:r>
-              <a:rPr lang="tr-TR" sz="1600" dirty="0" smtClean="0"/>
-              <a:t>             </a:t>
-            </a:r>
-            <a:r>
-              <a:rPr lang="tr-TR" sz="1600" dirty="0" smtClean="0"/>
-              <a:t>              </a:t>
-            </a:r>
-            <a:endParaRPr lang="tr-TR" sz="1600" dirty="0"/>
+              <a:rPr lang="tr-TR" dirty="0" smtClean="0"/>
+              <a:t>create single point of failure type systems. We aim to implement a decentralized solution to increase the robustness of the system.</a:t>
+            </a:r>
           </a:p>
         </p:txBody>
       </p:sp>
@@ -5851,10 +7137,156 @@
           </a:p>
         </p:txBody>
       </p:sp>
+      <p:pic>
+        <p:nvPicPr>
+          <p:cNvPr id="1026" name="Picture 2" descr="C:\Users\Kadir\Desktop\Seminer\leader.png"/>
+          <p:cNvPicPr>
+            <a:picLocks noChangeAspect="1" noChangeArrowheads="1"/>
+          </p:cNvPicPr>
+          <p:nvPr/>
+        </p:nvPicPr>
+        <p:blipFill>
+          <a:blip r:embed="rId3"/>
+          <a:srcRect/>
+          <a:stretch>
+            <a:fillRect/>
+          </a:stretch>
+        </p:blipFill>
+        <p:spPr bwMode="auto">
+          <a:xfrm>
+            <a:off x="5414735" y="2459038"/>
+            <a:ext cx="3184979" cy="1858962"/>
+          </a:xfrm>
+          <a:prstGeom prst="rect">
+            <a:avLst/>
+          </a:prstGeom>
+          <a:noFill/>
+        </p:spPr>
+      </p:pic>
+      <p:pic>
+        <p:nvPicPr>
+          <p:cNvPr id="1027" name="Picture 3" descr="C:\Users\Kadir\Desktop\Seminer\Robots in line.jpg"/>
+          <p:cNvPicPr>
+            <a:picLocks noChangeAspect="1" noChangeArrowheads="1"/>
+          </p:cNvPicPr>
+          <p:nvPr/>
+        </p:nvPicPr>
+        <p:blipFill>
+          <a:blip r:embed="rId4"/>
+          <a:srcRect/>
+          <a:stretch>
+            <a:fillRect/>
+          </a:stretch>
+        </p:blipFill>
+        <p:spPr bwMode="auto">
+          <a:xfrm>
+            <a:off x="1159931" y="2459038"/>
+            <a:ext cx="3297769" cy="1858962"/>
+          </a:xfrm>
+          <a:prstGeom prst="rect">
+            <a:avLst/>
+          </a:prstGeom>
+          <a:noFill/>
+        </p:spPr>
+      </p:pic>
+      <p:sp>
+        <p:nvSpPr>
+          <p:cNvPr id="12" name="TextBox 11"/>
+          <p:cNvSpPr txBox="1"/>
+          <p:nvPr/>
+        </p:nvSpPr>
+        <p:spPr>
+          <a:xfrm>
+            <a:off x="4102100" y="4429304"/>
+            <a:ext cx="1247457" cy="400110"/>
+          </a:xfrm>
+          <a:prstGeom prst="rect">
+            <a:avLst/>
+          </a:prstGeom>
+          <a:noFill/>
+        </p:spPr>
+        <p:txBody>
+          <a:bodyPr wrap="none" rtlCol="0">
+            <a:spAutoFit/>
+          </a:bodyPr>
+          <a:lstStyle/>
+          <a:p>
+            <a:r>
+              <a:rPr lang="tr-TR" sz="2000" u="sng" dirty="0" smtClean="0">
+                <a:latin typeface="Century Gothic" pitchFamily="34" charset="0"/>
+              </a:rPr>
+              <a:t>Our  aim</a:t>
+            </a:r>
+            <a:endParaRPr lang="tr-TR" sz="2000" u="sng" dirty="0">
+              <a:latin typeface="Century Gothic" pitchFamily="34" charset="0"/>
+            </a:endParaRPr>
+          </a:p>
+        </p:txBody>
+      </p:sp>
+      <p:sp>
+        <p:nvSpPr>
+          <p:cNvPr id="14" name="TextBox 13"/>
+          <p:cNvSpPr txBox="1"/>
+          <p:nvPr/>
+        </p:nvSpPr>
+        <p:spPr>
+          <a:xfrm>
+            <a:off x="3926411" y="4041978"/>
+            <a:ext cx="391454" cy="253916"/>
+          </a:xfrm>
+          <a:prstGeom prst="rect">
+            <a:avLst/>
+          </a:prstGeom>
+          <a:noFill/>
+        </p:spPr>
+        <p:txBody>
+          <a:bodyPr wrap="none" rtlCol="0">
+            <a:spAutoFit/>
+          </a:bodyPr>
+          <a:lstStyle/>
+          <a:p>
+            <a:r>
+              <a:rPr lang="tr-TR" sz="1050" dirty="0" smtClean="0"/>
+              <a:t>[10]</a:t>
+            </a:r>
+            <a:endParaRPr lang="tr-TR" sz="1050" dirty="0"/>
+          </a:p>
+        </p:txBody>
+      </p:sp>
+      <p:sp>
+        <p:nvSpPr>
+          <p:cNvPr id="15" name="TextBox 14"/>
+          <p:cNvSpPr txBox="1"/>
+          <p:nvPr/>
+        </p:nvSpPr>
+        <p:spPr>
+          <a:xfrm>
+            <a:off x="7930040" y="3915020"/>
+            <a:ext cx="360996" cy="253916"/>
+          </a:xfrm>
+          <a:prstGeom prst="rect">
+            <a:avLst/>
+          </a:prstGeom>
+          <a:noFill/>
+        </p:spPr>
+        <p:txBody>
+          <a:bodyPr wrap="none" rtlCol="0">
+            <a:spAutoFit/>
+          </a:bodyPr>
+          <a:lstStyle/>
+          <a:p>
+            <a:r>
+              <a:rPr lang="tr-TR" sz="1050" dirty="0" smtClean="0"/>
+              <a:t>[11]</a:t>
+            </a:r>
+            <a:endParaRPr lang="tr-TR" sz="1050" dirty="0"/>
+          </a:p>
+        </p:txBody>
+      </p:sp>
     </p:spTree>
     <p:extLst>
       <p:ext uri="{BB962C8B-B14F-4D97-AF65-F5344CB8AC3E}">
-        <p14:creationId xmlns="" xmlns:p14="http://schemas.microsoft.com/office/powerpoint/2010/main" val="1601229741"/>
+        <p14:creationId xmlns:p14="http://schemas.microsoft.com/office/powerpoint/2010/main" xmlns="" val="1601229741"/>
       </p:ext>
     </p:extLst>
   </p:cSld>
@@ -5888,16 +7320,5018 @@
           <a:chExt cx="0" cy="0"/>
         </a:xfrm>
       </p:grpSpPr>
+      <p:sp>
+        <p:nvSpPr>
+          <p:cNvPr id="2" name="Title 1"/>
+          <p:cNvSpPr>
+            <a:spLocks noGrp="1"/>
+          </p:cNvSpPr>
+          <p:nvPr>
+            <p:ph type="title"/>
+          </p:nvPr>
+        </p:nvSpPr>
+        <p:spPr/>
+        <p:txBody>
+          <a:bodyPr/>
+          <a:lstStyle/>
+          <a:p>
+            <a:r>
+              <a:rPr lang="tr-TR" dirty="0" smtClean="0"/>
+              <a:t>Motivation</a:t>
+            </a:r>
+            <a:endParaRPr lang="tr-TR" dirty="0"/>
+          </a:p>
+        </p:txBody>
+      </p:sp>
+      <p:sp>
+        <p:nvSpPr>
+          <p:cNvPr id="3" name="Content Placeholder 2"/>
+          <p:cNvSpPr>
+            <a:spLocks noGrp="1"/>
+          </p:cNvSpPr>
+          <p:nvPr>
+            <p:ph idx="1"/>
+          </p:nvPr>
+        </p:nvSpPr>
+        <p:spPr/>
+        <p:txBody>
+          <a:bodyPr/>
+          <a:lstStyle/>
+          <a:p>
+            <a:pPr algn="just"/>
+            <a:r>
+              <a:rPr lang="en-US" dirty="0" smtClean="0"/>
+              <a:t>One of the most important characteristic of an agent </a:t>
+            </a:r>
+            <a:r>
+              <a:rPr lang="en-US" dirty="0" smtClean="0"/>
+              <a:t>in</a:t>
+            </a:r>
+            <a:r>
+              <a:rPr lang="tr-TR" dirty="0" smtClean="0"/>
+              <a:t> </a:t>
+            </a:r>
+            <a:r>
+              <a:rPr lang="en-US" dirty="0" smtClean="0"/>
+              <a:t>the </a:t>
+            </a:r>
+            <a:r>
+              <a:rPr lang="en-US" dirty="0" smtClean="0"/>
+              <a:t>swarm is its simplicity and limited sensor &amp; communication capability </a:t>
+            </a:r>
+            <a:r>
+              <a:rPr lang="en-US" dirty="0" smtClean="0"/>
+              <a:t>[</a:t>
+            </a:r>
+            <a:r>
+              <a:rPr lang="tr-TR" dirty="0" smtClean="0"/>
+              <a:t>12</a:t>
+            </a:r>
+            <a:r>
+              <a:rPr lang="en-US" dirty="0" smtClean="0"/>
+              <a:t>].</a:t>
+            </a:r>
+            <a:r>
+              <a:rPr lang="tr-TR" dirty="0" smtClean="0"/>
+              <a:t> Most of the related work assumes that the position data is always available (i.e. can be measured) for each agent in the workspace. </a:t>
+            </a:r>
+            <a:endParaRPr lang="tr-TR" dirty="0" smtClean="0"/>
+          </a:p>
+        </p:txBody>
+      </p:sp>
+      <p:sp>
+        <p:nvSpPr>
+          <p:cNvPr id="5" name="Date Placeholder 4"/>
+          <p:cNvSpPr>
+            <a:spLocks noGrp="1"/>
+          </p:cNvSpPr>
+          <p:nvPr>
+            <p:ph type="dt" sz="half" idx="2"/>
+          </p:nvPr>
+        </p:nvSpPr>
+        <p:spPr/>
+        <p:txBody>
+          <a:bodyPr/>
+          <a:lstStyle/>
+          <a:p>
+            <a:pPr>
+              <a:defRPr/>
+            </a:pPr>
+            <a:r>
+              <a:rPr lang="tr-TR" smtClean="0"/>
+              <a:t>METU Electrical &amp; Electronics Engineering Department</a:t>
+            </a:r>
+            <a:endParaRPr lang="en-US" dirty="0"/>
+          </a:p>
+        </p:txBody>
+      </p:sp>
+      <p:grpSp>
+        <p:nvGrpSpPr>
+          <p:cNvPr id="16" name="Group 32"/>
+          <p:cNvGrpSpPr/>
+          <p:nvPr/>
+        </p:nvGrpSpPr>
+        <p:grpSpPr>
+          <a:xfrm>
+            <a:off x="5618674" y="5722374"/>
+            <a:ext cx="400186" cy="284451"/>
+            <a:chOff x="5306400" y="6446837"/>
+            <a:chExt cx="572112" cy="579642"/>
+          </a:xfrm>
+        </p:grpSpPr>
+        <p:sp>
+          <p:nvSpPr>
+            <p:cNvPr id="59" name="CustomShape 2"/>
+            <p:cNvSpPr/>
+            <p:nvPr/>
+          </p:nvSpPr>
+          <p:spPr>
+            <a:xfrm>
+              <a:off x="5306400" y="6446837"/>
+              <a:ext cx="572112" cy="579642"/>
+            </a:xfrm>
+            <a:prstGeom prst="ellipse">
+              <a:avLst/>
+            </a:prstGeom>
+            <a:solidFill>
+              <a:srgbClr val="579D1C"/>
+            </a:solidFill>
+            <a:ln>
+              <a:solidFill>
+                <a:srgbClr val="3465A4"/>
+              </a:solidFill>
+            </a:ln>
+          </p:spPr>
+        </p:sp>
+        <p:sp>
+          <p:nvSpPr>
+            <p:cNvPr id="60" name="Line 3"/>
+            <p:cNvSpPr/>
+            <p:nvPr/>
+          </p:nvSpPr>
+          <p:spPr>
+            <a:xfrm>
+              <a:off x="5424042" y="6890519"/>
+              <a:ext cx="337679" cy="0"/>
+            </a:xfrm>
+            <a:prstGeom prst="line">
+              <a:avLst/>
+            </a:prstGeom>
+            <a:ln>
+              <a:solidFill>
+                <a:srgbClr val="000000"/>
+              </a:solidFill>
+            </a:ln>
+          </p:spPr>
+        </p:sp>
+        <p:sp>
+          <p:nvSpPr>
+            <p:cNvPr id="61" name="TextShape 4"/>
+            <p:cNvSpPr txBox="1"/>
+            <p:nvPr/>
+          </p:nvSpPr>
+          <p:spPr>
+            <a:xfrm>
+              <a:off x="5317733" y="6518880"/>
+              <a:ext cx="538992" cy="308957"/>
+            </a:xfrm>
+            <a:prstGeom prst="rect">
+              <a:avLst/>
+            </a:prstGeom>
+          </p:spPr>
+          <p:txBody>
+            <a:bodyPr lIns="90000" tIns="45000" rIns="90000" bIns="45000"/>
+            <a:lstStyle/>
+            <a:p>
+              <a:r>
+                <a:rPr lang="en-US" sz="800" dirty="0" err="1">
+                  <a:latin typeface="Arial"/>
+                </a:rPr>
+                <a:t>Gps</a:t>
+              </a:r>
+              <a:endParaRPr sz="800"/>
+            </a:p>
+          </p:txBody>
+        </p:sp>
+      </p:grpSp>
+      <p:pic>
+        <p:nvPicPr>
+          <p:cNvPr id="17" name="Picture 16"/>
+          <p:cNvPicPr/>
+          <p:nvPr/>
+        </p:nvPicPr>
+        <p:blipFill>
+          <a:blip r:embed="rId2"/>
+          <a:stretch>
+            <a:fillRect/>
+          </a:stretch>
+        </p:blipFill>
+        <p:spPr>
+          <a:xfrm rot="21571800">
+            <a:off x="5908514" y="3678562"/>
+            <a:ext cx="1239942" cy="581580"/>
+          </a:xfrm>
+          <a:prstGeom prst="rect">
+            <a:avLst/>
+          </a:prstGeom>
+          <a:ln>
+            <a:noFill/>
+          </a:ln>
+        </p:spPr>
+      </p:pic>
+      <p:sp>
+        <p:nvSpPr>
+          <p:cNvPr id="27" name="CustomShape 17"/>
+          <p:cNvSpPr/>
+          <p:nvPr/>
+        </p:nvSpPr>
+        <p:spPr>
+          <a:xfrm>
+            <a:off x="4401395" y="5475418"/>
+            <a:ext cx="410712" cy="272417"/>
+          </a:xfrm>
+          <a:prstGeom prst="ellipse">
+            <a:avLst/>
+          </a:prstGeom>
+          <a:solidFill>
+            <a:srgbClr val="C5000B"/>
+          </a:solidFill>
+          <a:ln>
+            <a:solidFill>
+              <a:srgbClr val="3465A4"/>
+            </a:solidFill>
+          </a:ln>
+        </p:spPr>
+      </p:sp>
+      <p:sp>
+        <p:nvSpPr>
+          <p:cNvPr id="28" name="Line 18"/>
+          <p:cNvSpPr/>
+          <p:nvPr/>
+        </p:nvSpPr>
+        <p:spPr>
+          <a:xfrm>
+            <a:off x="4511439" y="5657570"/>
+            <a:ext cx="205482" cy="0"/>
+          </a:xfrm>
+          <a:prstGeom prst="line">
+            <a:avLst/>
+          </a:prstGeom>
+          <a:ln>
+            <a:solidFill>
+              <a:srgbClr val="000000"/>
+            </a:solidFill>
+          </a:ln>
+        </p:spPr>
+      </p:sp>
+      <p:sp>
+        <p:nvSpPr>
+          <p:cNvPr id="29" name="TextShape 19"/>
+          <p:cNvSpPr txBox="1"/>
+          <p:nvPr/>
+        </p:nvSpPr>
+        <p:spPr>
+          <a:xfrm>
+            <a:off x="4439418" y="5487785"/>
+            <a:ext cx="528821" cy="247154"/>
+          </a:xfrm>
+          <a:prstGeom prst="rect">
+            <a:avLst/>
+          </a:prstGeom>
+        </p:spPr>
+        <p:txBody>
+          <a:bodyPr lIns="90000" tIns="45000" rIns="90000" bIns="45000"/>
+          <a:lstStyle/>
+          <a:p>
+            <a:r>
+              <a:rPr lang="en-US" sz="800" dirty="0" smtClean="0">
+                <a:latin typeface="Arial"/>
+              </a:rPr>
+              <a:t>??</a:t>
+            </a:r>
+            <a:r>
+              <a:rPr lang="en-US" sz="800" dirty="0" smtClean="0">
+                <a:latin typeface="Arial"/>
+              </a:rPr>
+              <a:t>?</a:t>
+            </a:r>
+            <a:endParaRPr sz="800"/>
+          </a:p>
+        </p:txBody>
+      </p:sp>
+      <p:grpSp>
+        <p:nvGrpSpPr>
+          <p:cNvPr id="40" name="Group 40"/>
+          <p:cNvGrpSpPr/>
+          <p:nvPr/>
+        </p:nvGrpSpPr>
+        <p:grpSpPr>
+          <a:xfrm>
+            <a:off x="5565798" y="5589156"/>
+            <a:ext cx="479710" cy="140231"/>
+            <a:chOff x="5230808" y="6175370"/>
+            <a:chExt cx="685800" cy="285756"/>
+          </a:xfrm>
+        </p:grpSpPr>
+        <p:sp>
+          <p:nvSpPr>
+            <p:cNvPr id="53" name="Arc 52"/>
+            <p:cNvSpPr/>
+            <p:nvPr/>
+          </p:nvSpPr>
+          <p:spPr>
+            <a:xfrm>
+              <a:off x="5345112" y="6294437"/>
+              <a:ext cx="457200" cy="152400"/>
+            </a:xfrm>
+            <a:prstGeom prst="arc">
+              <a:avLst/>
+            </a:prstGeom>
+          </p:spPr>
+          <p:style>
+            <a:lnRef idx="1">
+              <a:schemeClr val="accent1"/>
+            </a:lnRef>
+            <a:fillRef idx="0">
+              <a:schemeClr val="accent1"/>
+            </a:fillRef>
+            <a:effectRef idx="0">
+              <a:schemeClr val="accent1"/>
+            </a:effectRef>
+            <a:fontRef idx="minor">
+              <a:schemeClr val="tx1"/>
+            </a:fontRef>
+          </p:style>
+          <p:txBody>
+            <a:bodyPr rtlCol="0" anchor="ctr"/>
+            <a:lstStyle/>
+            <a:p>
+              <a:pPr algn="ctr"/>
+              <a:endParaRPr lang="tr-TR"/>
+            </a:p>
+          </p:txBody>
+        </p:sp>
+        <p:sp>
+          <p:nvSpPr>
+            <p:cNvPr id="54" name="Arc 53"/>
+            <p:cNvSpPr/>
+            <p:nvPr/>
+          </p:nvSpPr>
+          <p:spPr>
+            <a:xfrm>
+              <a:off x="5321305" y="6232526"/>
+              <a:ext cx="533400" cy="228600"/>
+            </a:xfrm>
+            <a:prstGeom prst="arc">
+              <a:avLst/>
+            </a:prstGeom>
+          </p:spPr>
+          <p:style>
+            <a:lnRef idx="1">
+              <a:schemeClr val="accent1"/>
+            </a:lnRef>
+            <a:fillRef idx="0">
+              <a:schemeClr val="accent1"/>
+            </a:fillRef>
+            <a:effectRef idx="0">
+              <a:schemeClr val="accent1"/>
+            </a:effectRef>
+            <a:fontRef idx="minor">
+              <a:schemeClr val="tx1"/>
+            </a:fontRef>
+          </p:style>
+          <p:txBody>
+            <a:bodyPr rtlCol="0" anchor="ctr"/>
+            <a:lstStyle/>
+            <a:p>
+              <a:pPr algn="ctr"/>
+              <a:endParaRPr lang="tr-TR"/>
+            </a:p>
+          </p:txBody>
+        </p:sp>
+        <p:sp>
+          <p:nvSpPr>
+            <p:cNvPr id="55" name="Arc 54"/>
+            <p:cNvSpPr/>
+            <p:nvPr/>
+          </p:nvSpPr>
+          <p:spPr>
+            <a:xfrm>
+              <a:off x="5230808" y="6175370"/>
+              <a:ext cx="685800" cy="228600"/>
+            </a:xfrm>
+            <a:prstGeom prst="arc">
+              <a:avLst/>
+            </a:prstGeom>
+          </p:spPr>
+          <p:style>
+            <a:lnRef idx="1">
+              <a:schemeClr val="accent1"/>
+            </a:lnRef>
+            <a:fillRef idx="0">
+              <a:schemeClr val="accent1"/>
+            </a:fillRef>
+            <a:effectRef idx="0">
+              <a:schemeClr val="accent1"/>
+            </a:effectRef>
+            <a:fontRef idx="minor">
+              <a:schemeClr val="tx1"/>
+            </a:fontRef>
+          </p:style>
+          <p:txBody>
+            <a:bodyPr rtlCol="0" anchor="ctr"/>
+            <a:lstStyle/>
+            <a:p>
+              <a:pPr algn="ctr"/>
+              <a:endParaRPr lang="tr-TR"/>
+            </a:p>
+          </p:txBody>
+        </p:sp>
+      </p:grpSp>
+      <p:grpSp>
+        <p:nvGrpSpPr>
+          <p:cNvPr id="41" name="Group 41"/>
+          <p:cNvGrpSpPr/>
+          <p:nvPr/>
+        </p:nvGrpSpPr>
+        <p:grpSpPr>
+          <a:xfrm rot="19537052">
+            <a:off x="7206013" y="4982484"/>
+            <a:ext cx="479710" cy="140231"/>
+            <a:chOff x="5230808" y="6175370"/>
+            <a:chExt cx="685800" cy="285756"/>
+          </a:xfrm>
+        </p:grpSpPr>
+        <p:sp>
+          <p:nvSpPr>
+            <p:cNvPr id="50" name="Arc 49"/>
+            <p:cNvSpPr/>
+            <p:nvPr/>
+          </p:nvSpPr>
+          <p:spPr>
+            <a:xfrm>
+              <a:off x="5345112" y="6294437"/>
+              <a:ext cx="457200" cy="152400"/>
+            </a:xfrm>
+            <a:prstGeom prst="arc">
+              <a:avLst/>
+            </a:prstGeom>
+          </p:spPr>
+          <p:style>
+            <a:lnRef idx="1">
+              <a:schemeClr val="accent1"/>
+            </a:lnRef>
+            <a:fillRef idx="0">
+              <a:schemeClr val="accent1"/>
+            </a:fillRef>
+            <a:effectRef idx="0">
+              <a:schemeClr val="accent1"/>
+            </a:effectRef>
+            <a:fontRef idx="minor">
+              <a:schemeClr val="tx1"/>
+            </a:fontRef>
+          </p:style>
+          <p:txBody>
+            <a:bodyPr rtlCol="0" anchor="ctr"/>
+            <a:lstStyle/>
+            <a:p>
+              <a:pPr algn="ctr"/>
+              <a:endParaRPr lang="tr-TR"/>
+            </a:p>
+          </p:txBody>
+        </p:sp>
+        <p:sp>
+          <p:nvSpPr>
+            <p:cNvPr id="51" name="Arc 50"/>
+            <p:cNvSpPr/>
+            <p:nvPr/>
+          </p:nvSpPr>
+          <p:spPr>
+            <a:xfrm>
+              <a:off x="5321305" y="6232526"/>
+              <a:ext cx="533400" cy="228600"/>
+            </a:xfrm>
+            <a:prstGeom prst="arc">
+              <a:avLst/>
+            </a:prstGeom>
+          </p:spPr>
+          <p:style>
+            <a:lnRef idx="1">
+              <a:schemeClr val="accent1"/>
+            </a:lnRef>
+            <a:fillRef idx="0">
+              <a:schemeClr val="accent1"/>
+            </a:fillRef>
+            <a:effectRef idx="0">
+              <a:schemeClr val="accent1"/>
+            </a:effectRef>
+            <a:fontRef idx="minor">
+              <a:schemeClr val="tx1"/>
+            </a:fontRef>
+          </p:style>
+          <p:txBody>
+            <a:bodyPr rtlCol="0" anchor="ctr"/>
+            <a:lstStyle/>
+            <a:p>
+              <a:pPr algn="ctr"/>
+              <a:endParaRPr lang="tr-TR"/>
+            </a:p>
+          </p:txBody>
+        </p:sp>
+        <p:sp>
+          <p:nvSpPr>
+            <p:cNvPr id="52" name="Arc 51"/>
+            <p:cNvSpPr/>
+            <p:nvPr/>
+          </p:nvSpPr>
+          <p:spPr>
+            <a:xfrm>
+              <a:off x="5230808" y="6175370"/>
+              <a:ext cx="685800" cy="228600"/>
+            </a:xfrm>
+            <a:prstGeom prst="arc">
+              <a:avLst/>
+            </a:prstGeom>
+          </p:spPr>
+          <p:style>
+            <a:lnRef idx="1">
+              <a:schemeClr val="accent1"/>
+            </a:lnRef>
+            <a:fillRef idx="0">
+              <a:schemeClr val="accent1"/>
+            </a:fillRef>
+            <a:effectRef idx="0">
+              <a:schemeClr val="accent1"/>
+            </a:effectRef>
+            <a:fontRef idx="minor">
+              <a:schemeClr val="tx1"/>
+            </a:fontRef>
+          </p:style>
+          <p:txBody>
+            <a:bodyPr rtlCol="0" anchor="ctr"/>
+            <a:lstStyle/>
+            <a:p>
+              <a:pPr algn="ctr"/>
+              <a:endParaRPr lang="tr-TR"/>
+            </a:p>
+          </p:txBody>
+        </p:sp>
+      </p:grpSp>
+      <p:grpSp>
+        <p:nvGrpSpPr>
+          <p:cNvPr id="42" name="Group 45"/>
+          <p:cNvGrpSpPr/>
+          <p:nvPr/>
+        </p:nvGrpSpPr>
+        <p:grpSpPr>
+          <a:xfrm rot="11373260">
+            <a:off x="6138724" y="4328359"/>
+            <a:ext cx="479710" cy="140231"/>
+            <a:chOff x="5230808" y="6175370"/>
+            <a:chExt cx="685800" cy="285756"/>
+          </a:xfrm>
+        </p:grpSpPr>
+        <p:sp>
+          <p:nvSpPr>
+            <p:cNvPr id="47" name="Arc 46"/>
+            <p:cNvSpPr/>
+            <p:nvPr/>
+          </p:nvSpPr>
+          <p:spPr>
+            <a:xfrm>
+              <a:off x="5345112" y="6294437"/>
+              <a:ext cx="457200" cy="152400"/>
+            </a:xfrm>
+            <a:prstGeom prst="arc">
+              <a:avLst/>
+            </a:prstGeom>
+          </p:spPr>
+          <p:style>
+            <a:lnRef idx="1">
+              <a:schemeClr val="accent1"/>
+            </a:lnRef>
+            <a:fillRef idx="0">
+              <a:schemeClr val="accent1"/>
+            </a:fillRef>
+            <a:effectRef idx="0">
+              <a:schemeClr val="accent1"/>
+            </a:effectRef>
+            <a:fontRef idx="minor">
+              <a:schemeClr val="tx1"/>
+            </a:fontRef>
+          </p:style>
+          <p:txBody>
+            <a:bodyPr rtlCol="0" anchor="ctr"/>
+            <a:lstStyle/>
+            <a:p>
+              <a:pPr algn="ctr"/>
+              <a:endParaRPr lang="tr-TR"/>
+            </a:p>
+          </p:txBody>
+        </p:sp>
+        <p:sp>
+          <p:nvSpPr>
+            <p:cNvPr id="48" name="Arc 47"/>
+            <p:cNvSpPr/>
+            <p:nvPr/>
+          </p:nvSpPr>
+          <p:spPr>
+            <a:xfrm>
+              <a:off x="5321305" y="6232526"/>
+              <a:ext cx="533400" cy="228600"/>
+            </a:xfrm>
+            <a:prstGeom prst="arc">
+              <a:avLst/>
+            </a:prstGeom>
+          </p:spPr>
+          <p:style>
+            <a:lnRef idx="1">
+              <a:schemeClr val="accent1"/>
+            </a:lnRef>
+            <a:fillRef idx="0">
+              <a:schemeClr val="accent1"/>
+            </a:fillRef>
+            <a:effectRef idx="0">
+              <a:schemeClr val="accent1"/>
+            </a:effectRef>
+            <a:fontRef idx="minor">
+              <a:schemeClr val="tx1"/>
+            </a:fontRef>
+          </p:style>
+          <p:txBody>
+            <a:bodyPr rtlCol="0" anchor="ctr"/>
+            <a:lstStyle/>
+            <a:p>
+              <a:pPr algn="ctr"/>
+              <a:endParaRPr lang="tr-TR"/>
+            </a:p>
+          </p:txBody>
+        </p:sp>
+        <p:sp>
+          <p:nvSpPr>
+            <p:cNvPr id="49" name="Arc 48"/>
+            <p:cNvSpPr/>
+            <p:nvPr/>
+          </p:nvSpPr>
+          <p:spPr>
+            <a:xfrm>
+              <a:off x="5230808" y="6175370"/>
+              <a:ext cx="685800" cy="228600"/>
+            </a:xfrm>
+            <a:prstGeom prst="arc">
+              <a:avLst/>
+            </a:prstGeom>
+          </p:spPr>
+          <p:style>
+            <a:lnRef idx="1">
+              <a:schemeClr val="accent1"/>
+            </a:lnRef>
+            <a:fillRef idx="0">
+              <a:schemeClr val="accent1"/>
+            </a:fillRef>
+            <a:effectRef idx="0">
+              <a:schemeClr val="accent1"/>
+            </a:effectRef>
+            <a:fontRef idx="minor">
+              <a:schemeClr val="tx1"/>
+            </a:fontRef>
+          </p:style>
+          <p:txBody>
+            <a:bodyPr rtlCol="0" anchor="ctr"/>
+            <a:lstStyle/>
+            <a:p>
+              <a:pPr algn="ctr"/>
+              <a:endParaRPr lang="tr-TR"/>
+            </a:p>
+          </p:txBody>
+        </p:sp>
+      </p:grpSp>
+      <p:grpSp>
+        <p:nvGrpSpPr>
+          <p:cNvPr id="43" name="Group 80"/>
+          <p:cNvGrpSpPr/>
+          <p:nvPr/>
+        </p:nvGrpSpPr>
+        <p:grpSpPr>
+          <a:xfrm rot="7440794">
+            <a:off x="6813815" y="4118407"/>
+            <a:ext cx="336546" cy="199883"/>
+            <a:chOff x="5230808" y="6175370"/>
+            <a:chExt cx="685800" cy="285756"/>
+          </a:xfrm>
+        </p:grpSpPr>
+        <p:sp>
+          <p:nvSpPr>
+            <p:cNvPr id="44" name="Arc 43"/>
+            <p:cNvSpPr/>
+            <p:nvPr/>
+          </p:nvSpPr>
+          <p:spPr>
+            <a:xfrm>
+              <a:off x="5345112" y="6294437"/>
+              <a:ext cx="457200" cy="152400"/>
+            </a:xfrm>
+            <a:prstGeom prst="arc">
+              <a:avLst/>
+            </a:prstGeom>
+          </p:spPr>
+          <p:style>
+            <a:lnRef idx="1">
+              <a:schemeClr val="accent1"/>
+            </a:lnRef>
+            <a:fillRef idx="0">
+              <a:schemeClr val="accent1"/>
+            </a:fillRef>
+            <a:effectRef idx="0">
+              <a:schemeClr val="accent1"/>
+            </a:effectRef>
+            <a:fontRef idx="minor">
+              <a:schemeClr val="tx1"/>
+            </a:fontRef>
+          </p:style>
+          <p:txBody>
+            <a:bodyPr rtlCol="0" anchor="ctr"/>
+            <a:lstStyle/>
+            <a:p>
+              <a:pPr algn="ctr"/>
+              <a:endParaRPr lang="tr-TR"/>
+            </a:p>
+          </p:txBody>
+        </p:sp>
+        <p:sp>
+          <p:nvSpPr>
+            <p:cNvPr id="45" name="Arc 44"/>
+            <p:cNvSpPr/>
+            <p:nvPr/>
+          </p:nvSpPr>
+          <p:spPr>
+            <a:xfrm>
+              <a:off x="5321305" y="6232526"/>
+              <a:ext cx="533400" cy="228600"/>
+            </a:xfrm>
+            <a:prstGeom prst="arc">
+              <a:avLst/>
+            </a:prstGeom>
+          </p:spPr>
+          <p:style>
+            <a:lnRef idx="1">
+              <a:schemeClr val="accent1"/>
+            </a:lnRef>
+            <a:fillRef idx="0">
+              <a:schemeClr val="accent1"/>
+            </a:fillRef>
+            <a:effectRef idx="0">
+              <a:schemeClr val="accent1"/>
+            </a:effectRef>
+            <a:fontRef idx="minor">
+              <a:schemeClr val="tx1"/>
+            </a:fontRef>
+          </p:style>
+          <p:txBody>
+            <a:bodyPr rtlCol="0" anchor="ctr"/>
+            <a:lstStyle/>
+            <a:p>
+              <a:pPr algn="ctr"/>
+              <a:endParaRPr lang="tr-TR"/>
+            </a:p>
+          </p:txBody>
+        </p:sp>
+        <p:sp>
+          <p:nvSpPr>
+            <p:cNvPr id="46" name="Arc 45"/>
+            <p:cNvSpPr/>
+            <p:nvPr/>
+          </p:nvSpPr>
+          <p:spPr>
+            <a:xfrm>
+              <a:off x="5230808" y="6175370"/>
+              <a:ext cx="685800" cy="228600"/>
+            </a:xfrm>
+            <a:prstGeom prst="arc">
+              <a:avLst/>
+            </a:prstGeom>
+          </p:spPr>
+          <p:style>
+            <a:lnRef idx="1">
+              <a:schemeClr val="accent1"/>
+            </a:lnRef>
+            <a:fillRef idx="0">
+              <a:schemeClr val="accent1"/>
+            </a:fillRef>
+            <a:effectRef idx="0">
+              <a:schemeClr val="accent1"/>
+            </a:effectRef>
+            <a:fontRef idx="minor">
+              <a:schemeClr val="tx1"/>
+            </a:fontRef>
+          </p:style>
+          <p:txBody>
+            <a:bodyPr rtlCol="0" anchor="ctr"/>
+            <a:lstStyle/>
+            <a:p>
+              <a:pPr algn="ctr"/>
+              <a:endParaRPr lang="tr-TR"/>
+            </a:p>
+          </p:txBody>
+        </p:sp>
+      </p:grpSp>
+      <p:grpSp>
+        <p:nvGrpSpPr>
+          <p:cNvPr id="62" name="Group 32"/>
+          <p:cNvGrpSpPr/>
+          <p:nvPr/>
+        </p:nvGrpSpPr>
+        <p:grpSpPr>
+          <a:xfrm>
+            <a:off x="7413379" y="5080540"/>
+            <a:ext cx="400186" cy="284451"/>
+            <a:chOff x="5306400" y="6446837"/>
+            <a:chExt cx="572112" cy="579642"/>
+          </a:xfrm>
+        </p:grpSpPr>
+        <p:sp>
+          <p:nvSpPr>
+            <p:cNvPr id="63" name="CustomShape 2"/>
+            <p:cNvSpPr/>
+            <p:nvPr/>
+          </p:nvSpPr>
+          <p:spPr>
+            <a:xfrm>
+              <a:off x="5306400" y="6446837"/>
+              <a:ext cx="572112" cy="579642"/>
+            </a:xfrm>
+            <a:prstGeom prst="ellipse">
+              <a:avLst/>
+            </a:prstGeom>
+            <a:solidFill>
+              <a:srgbClr val="579D1C"/>
+            </a:solidFill>
+            <a:ln>
+              <a:solidFill>
+                <a:srgbClr val="3465A4"/>
+              </a:solidFill>
+            </a:ln>
+          </p:spPr>
+        </p:sp>
+        <p:sp>
+          <p:nvSpPr>
+            <p:cNvPr id="64" name="Line 3"/>
+            <p:cNvSpPr/>
+            <p:nvPr/>
+          </p:nvSpPr>
+          <p:spPr>
+            <a:xfrm>
+              <a:off x="5424042" y="6890519"/>
+              <a:ext cx="337679" cy="0"/>
+            </a:xfrm>
+            <a:prstGeom prst="line">
+              <a:avLst/>
+            </a:prstGeom>
+            <a:ln>
+              <a:solidFill>
+                <a:srgbClr val="000000"/>
+              </a:solidFill>
+            </a:ln>
+          </p:spPr>
+        </p:sp>
+        <p:sp>
+          <p:nvSpPr>
+            <p:cNvPr id="65" name="TextShape 4"/>
+            <p:cNvSpPr txBox="1"/>
+            <p:nvPr/>
+          </p:nvSpPr>
+          <p:spPr>
+            <a:xfrm>
+              <a:off x="5317733" y="6518880"/>
+              <a:ext cx="538992" cy="308957"/>
+            </a:xfrm>
+            <a:prstGeom prst="rect">
+              <a:avLst/>
+            </a:prstGeom>
+          </p:spPr>
+          <p:txBody>
+            <a:bodyPr lIns="90000" tIns="45000" rIns="90000" bIns="45000"/>
+            <a:lstStyle/>
+            <a:p>
+              <a:r>
+                <a:rPr lang="en-US" sz="800" dirty="0" err="1">
+                  <a:latin typeface="Arial"/>
+                </a:rPr>
+                <a:t>Gps</a:t>
+              </a:r>
+              <a:endParaRPr sz="800"/>
+            </a:p>
+          </p:txBody>
+        </p:sp>
+      </p:grpSp>
+      <p:sp>
+        <p:nvSpPr>
+          <p:cNvPr id="67" name="CustomShape 17"/>
+          <p:cNvSpPr/>
+          <p:nvPr/>
+        </p:nvSpPr>
+        <p:spPr>
+          <a:xfrm>
+            <a:off x="5235040" y="5025854"/>
+            <a:ext cx="410712" cy="272417"/>
+          </a:xfrm>
+          <a:prstGeom prst="ellipse">
+            <a:avLst/>
+          </a:prstGeom>
+          <a:solidFill>
+            <a:srgbClr val="C5000B"/>
+          </a:solidFill>
+          <a:ln>
+            <a:solidFill>
+              <a:srgbClr val="3465A4"/>
+            </a:solidFill>
+          </a:ln>
+        </p:spPr>
+      </p:sp>
+      <p:sp>
+        <p:nvSpPr>
+          <p:cNvPr id="68" name="Line 18"/>
+          <p:cNvSpPr/>
+          <p:nvPr/>
+        </p:nvSpPr>
+        <p:spPr>
+          <a:xfrm>
+            <a:off x="5345084" y="5208006"/>
+            <a:ext cx="205482" cy="0"/>
+          </a:xfrm>
+          <a:prstGeom prst="line">
+            <a:avLst/>
+          </a:prstGeom>
+          <a:ln>
+            <a:solidFill>
+              <a:srgbClr val="000000"/>
+            </a:solidFill>
+          </a:ln>
+        </p:spPr>
+      </p:sp>
+      <p:sp>
+        <p:nvSpPr>
+          <p:cNvPr id="69" name="TextShape 19"/>
+          <p:cNvSpPr txBox="1"/>
+          <p:nvPr/>
+        </p:nvSpPr>
+        <p:spPr>
+          <a:xfrm>
+            <a:off x="5273063" y="5038221"/>
+            <a:ext cx="528821" cy="247154"/>
+          </a:xfrm>
+          <a:prstGeom prst="rect">
+            <a:avLst/>
+          </a:prstGeom>
+        </p:spPr>
+        <p:txBody>
+          <a:bodyPr lIns="90000" tIns="45000" rIns="90000" bIns="45000"/>
+          <a:lstStyle/>
+          <a:p>
+            <a:r>
+              <a:rPr lang="en-US" sz="800" dirty="0" smtClean="0">
+                <a:latin typeface="Arial"/>
+              </a:rPr>
+              <a:t>??</a:t>
+            </a:r>
+            <a:r>
+              <a:rPr lang="en-US" sz="800" dirty="0" smtClean="0">
+                <a:latin typeface="Arial"/>
+              </a:rPr>
+              <a:t>?</a:t>
+            </a:r>
+            <a:endParaRPr sz="800"/>
+          </a:p>
+        </p:txBody>
+      </p:sp>
+      <p:sp>
+        <p:nvSpPr>
+          <p:cNvPr id="70" name="CustomShape 17"/>
+          <p:cNvSpPr/>
+          <p:nvPr/>
+        </p:nvSpPr>
+        <p:spPr>
+          <a:xfrm>
+            <a:off x="6491802" y="5229047"/>
+            <a:ext cx="410712" cy="272417"/>
+          </a:xfrm>
+          <a:prstGeom prst="ellipse">
+            <a:avLst/>
+          </a:prstGeom>
+          <a:solidFill>
+            <a:srgbClr val="C5000B"/>
+          </a:solidFill>
+          <a:ln>
+            <a:solidFill>
+              <a:srgbClr val="3465A4"/>
+            </a:solidFill>
+          </a:ln>
+        </p:spPr>
+      </p:sp>
+      <p:sp>
+        <p:nvSpPr>
+          <p:cNvPr id="71" name="Line 18"/>
+          <p:cNvSpPr/>
+          <p:nvPr/>
+        </p:nvSpPr>
+        <p:spPr>
+          <a:xfrm>
+            <a:off x="6601846" y="5411199"/>
+            <a:ext cx="205482" cy="0"/>
+          </a:xfrm>
+          <a:prstGeom prst="line">
+            <a:avLst/>
+          </a:prstGeom>
+          <a:ln>
+            <a:solidFill>
+              <a:srgbClr val="000000"/>
+            </a:solidFill>
+          </a:ln>
+        </p:spPr>
+      </p:sp>
+      <p:sp>
+        <p:nvSpPr>
+          <p:cNvPr id="72" name="TextShape 19"/>
+          <p:cNvSpPr txBox="1"/>
+          <p:nvPr/>
+        </p:nvSpPr>
+        <p:spPr>
+          <a:xfrm>
+            <a:off x="6529825" y="5241414"/>
+            <a:ext cx="528821" cy="247154"/>
+          </a:xfrm>
+          <a:prstGeom prst="rect">
+            <a:avLst/>
+          </a:prstGeom>
+        </p:spPr>
+        <p:txBody>
+          <a:bodyPr lIns="90000" tIns="45000" rIns="90000" bIns="45000"/>
+          <a:lstStyle/>
+          <a:p>
+            <a:r>
+              <a:rPr lang="en-US" sz="800" dirty="0" smtClean="0">
+                <a:latin typeface="Arial"/>
+              </a:rPr>
+              <a:t>??</a:t>
+            </a:r>
+            <a:r>
+              <a:rPr lang="en-US" sz="800" dirty="0" smtClean="0">
+                <a:latin typeface="Arial"/>
+              </a:rPr>
+              <a:t>?</a:t>
+            </a:r>
+            <a:endParaRPr sz="800"/>
+          </a:p>
+        </p:txBody>
+      </p:sp>
+      <p:sp>
+        <p:nvSpPr>
+          <p:cNvPr id="73" name="CustomShape 17"/>
+          <p:cNvSpPr/>
+          <p:nvPr/>
+        </p:nvSpPr>
+        <p:spPr>
+          <a:xfrm>
+            <a:off x="7208323" y="5940104"/>
+            <a:ext cx="410712" cy="272417"/>
+          </a:xfrm>
+          <a:prstGeom prst="ellipse">
+            <a:avLst/>
+          </a:prstGeom>
+          <a:solidFill>
+            <a:srgbClr val="C5000B"/>
+          </a:solidFill>
+          <a:ln>
+            <a:solidFill>
+              <a:srgbClr val="3465A4"/>
+            </a:solidFill>
+          </a:ln>
+        </p:spPr>
+      </p:sp>
+      <p:sp>
+        <p:nvSpPr>
+          <p:cNvPr id="74" name="Line 18"/>
+          <p:cNvSpPr/>
+          <p:nvPr/>
+        </p:nvSpPr>
+        <p:spPr>
+          <a:xfrm>
+            <a:off x="7318367" y="6122256"/>
+            <a:ext cx="205482" cy="0"/>
+          </a:xfrm>
+          <a:prstGeom prst="line">
+            <a:avLst/>
+          </a:prstGeom>
+          <a:ln>
+            <a:solidFill>
+              <a:srgbClr val="000000"/>
+            </a:solidFill>
+          </a:ln>
+        </p:spPr>
+      </p:sp>
+      <p:sp>
+        <p:nvSpPr>
+          <p:cNvPr id="75" name="TextShape 19"/>
+          <p:cNvSpPr txBox="1"/>
+          <p:nvPr/>
+        </p:nvSpPr>
+        <p:spPr>
+          <a:xfrm>
+            <a:off x="7246346" y="5952471"/>
+            <a:ext cx="528821" cy="247154"/>
+          </a:xfrm>
+          <a:prstGeom prst="rect">
+            <a:avLst/>
+          </a:prstGeom>
+        </p:spPr>
+        <p:txBody>
+          <a:bodyPr lIns="90000" tIns="45000" rIns="90000" bIns="45000"/>
+          <a:lstStyle/>
+          <a:p>
+            <a:r>
+              <a:rPr lang="en-US" sz="800" dirty="0" smtClean="0">
+                <a:latin typeface="Arial"/>
+              </a:rPr>
+              <a:t>??</a:t>
+            </a:r>
+            <a:r>
+              <a:rPr lang="en-US" sz="800" dirty="0" smtClean="0">
+                <a:latin typeface="Arial"/>
+              </a:rPr>
+              <a:t>?</a:t>
+            </a:r>
+            <a:endParaRPr sz="800"/>
+          </a:p>
+        </p:txBody>
+      </p:sp>
+      <p:sp>
+        <p:nvSpPr>
+          <p:cNvPr id="76" name="CustomShape 17"/>
+          <p:cNvSpPr/>
+          <p:nvPr/>
+        </p:nvSpPr>
+        <p:spPr>
+          <a:xfrm>
+            <a:off x="8276088" y="5105205"/>
+            <a:ext cx="410712" cy="272417"/>
+          </a:xfrm>
+          <a:prstGeom prst="ellipse">
+            <a:avLst/>
+          </a:prstGeom>
+          <a:solidFill>
+            <a:srgbClr val="C5000B"/>
+          </a:solidFill>
+          <a:ln>
+            <a:solidFill>
+              <a:srgbClr val="3465A4"/>
+            </a:solidFill>
+          </a:ln>
+        </p:spPr>
+      </p:sp>
+      <p:sp>
+        <p:nvSpPr>
+          <p:cNvPr id="77" name="Line 18"/>
+          <p:cNvSpPr/>
+          <p:nvPr/>
+        </p:nvSpPr>
+        <p:spPr>
+          <a:xfrm>
+            <a:off x="8386132" y="5287357"/>
+            <a:ext cx="205482" cy="0"/>
+          </a:xfrm>
+          <a:prstGeom prst="line">
+            <a:avLst/>
+          </a:prstGeom>
+          <a:ln>
+            <a:solidFill>
+              <a:srgbClr val="000000"/>
+            </a:solidFill>
+          </a:ln>
+        </p:spPr>
+      </p:sp>
+      <p:sp>
+        <p:nvSpPr>
+          <p:cNvPr id="78" name="TextShape 19"/>
+          <p:cNvSpPr txBox="1"/>
+          <p:nvPr/>
+        </p:nvSpPr>
+        <p:spPr>
+          <a:xfrm>
+            <a:off x="8314111" y="5117572"/>
+            <a:ext cx="528821" cy="247154"/>
+          </a:xfrm>
+          <a:prstGeom prst="rect">
+            <a:avLst/>
+          </a:prstGeom>
+        </p:spPr>
+        <p:txBody>
+          <a:bodyPr lIns="90000" tIns="45000" rIns="90000" bIns="45000"/>
+          <a:lstStyle/>
+          <a:p>
+            <a:r>
+              <a:rPr lang="en-US" sz="800" dirty="0" smtClean="0">
+                <a:latin typeface="Arial"/>
+              </a:rPr>
+              <a:t>??</a:t>
+            </a:r>
+            <a:r>
+              <a:rPr lang="en-US" sz="800" dirty="0" smtClean="0">
+                <a:latin typeface="Arial"/>
+              </a:rPr>
+              <a:t>?</a:t>
+            </a:r>
+            <a:endParaRPr sz="800"/>
+          </a:p>
+        </p:txBody>
+      </p:sp>
+      <p:sp>
+        <p:nvSpPr>
+          <p:cNvPr id="79" name="TextBox 78"/>
+          <p:cNvSpPr txBox="1"/>
+          <p:nvPr/>
+        </p:nvSpPr>
+        <p:spPr>
+          <a:xfrm>
+            <a:off x="186166" y="3810029"/>
+            <a:ext cx="4530755" cy="1477328"/>
+          </a:xfrm>
+          <a:prstGeom prst="rect">
+            <a:avLst/>
+          </a:prstGeom>
+          <a:noFill/>
+        </p:spPr>
+        <p:txBody>
+          <a:bodyPr wrap="square" rtlCol="0">
+            <a:spAutoFit/>
+          </a:bodyPr>
+          <a:lstStyle/>
+          <a:p>
+            <a:pPr algn="just"/>
+            <a:r>
+              <a:rPr lang="tr-TR" u="sng" dirty="0" smtClean="0">
+                <a:latin typeface="Century Gothic" pitchFamily="34" charset="0"/>
+              </a:rPr>
+              <a:t>Our aim</a:t>
+            </a:r>
+            <a:r>
+              <a:rPr lang="tr-TR" dirty="0" smtClean="0">
+                <a:latin typeface="Century Gothic" pitchFamily="34" charset="0"/>
+              </a:rPr>
+              <a:t> is to design a local positioning system to provide position information to the agents which do not have the ability to measure its position in the workspace</a:t>
+            </a:r>
+            <a:endParaRPr lang="tr-TR" dirty="0">
+              <a:latin typeface="Century Gothic" pitchFamily="34" charset="0"/>
+            </a:endParaRPr>
+          </a:p>
+        </p:txBody>
+      </p:sp>
     </p:spTree>
     <p:extLst>
       <p:ext uri="{BB962C8B-B14F-4D97-AF65-F5344CB8AC3E}">
-        <p14:creationId xmlns="" xmlns:p14="http://schemas.microsoft.com/office/powerpoint/2010/main" val="3835474893"/>
+        <p14:creationId xmlns:p14="http://schemas.microsoft.com/office/powerpoint/2010/main" xmlns="" val="1601229741"/>
       </p:ext>
     </p:extLst>
   </p:cSld>
   <p:clrMapOvr>
     <a:masterClrMapping/>
   </p:clrMapOvr>
+  <p:timing>
+    <p:tnLst>
+      <p:par>
+        <p:cTn id="1" dur="indefinite" restart="never" nodeType="tmRoot"/>
+      </p:par>
+    </p:tnLst>
+  </p:timing>
+</p:sld>
+</file>
+
+<file path=ppt/slides/slide9.xml><?xml version="1.0" encoding="utf-8"?>
+<p:sld xmlns:a="http://schemas.openxmlformats.org/drawingml/2006/main" xmlns:r="http://schemas.openxmlformats.org/officeDocument/2006/relationships" xmlns:p="http://schemas.openxmlformats.org/presentationml/2006/main">
+  <p:cSld>
+    <p:spTree>
+      <p:nvGrpSpPr>
+        <p:cNvPr id="1" name=""/>
+        <p:cNvGrpSpPr/>
+        <p:nvPr/>
+      </p:nvGrpSpPr>
+      <p:grpSpPr>
+        <a:xfrm>
+          <a:off x="0" y="0"/>
+          <a:ext cx="0" cy="0"/>
+          <a:chOff x="0" y="0"/>
+          <a:chExt cx="0" cy="0"/>
+        </a:xfrm>
+      </p:grpSpPr>
+      <p:sp>
+        <p:nvSpPr>
+          <p:cNvPr id="2" name="Title 1"/>
+          <p:cNvSpPr>
+            <a:spLocks noGrp="1"/>
+          </p:cNvSpPr>
+          <p:nvPr>
+            <p:ph type="title"/>
+          </p:nvPr>
+        </p:nvSpPr>
+        <p:spPr/>
+        <p:txBody>
+          <a:bodyPr/>
+          <a:lstStyle/>
+          <a:p>
+            <a:r>
+              <a:rPr lang="tr-TR" dirty="0" smtClean="0"/>
+              <a:t>System Overview</a:t>
+            </a:r>
+            <a:endParaRPr lang="tr-TR" dirty="0"/>
+          </a:p>
+        </p:txBody>
+      </p:sp>
+      <p:sp>
+        <p:nvSpPr>
+          <p:cNvPr id="5" name="Date Placeholder 4"/>
+          <p:cNvSpPr>
+            <a:spLocks noGrp="1"/>
+          </p:cNvSpPr>
+          <p:nvPr>
+            <p:ph type="dt" sz="half" idx="2"/>
+          </p:nvPr>
+        </p:nvSpPr>
+        <p:spPr>
+          <a:xfrm>
+            <a:off x="457199" y="6246813"/>
+            <a:ext cx="4000501" cy="266700"/>
+          </a:xfrm>
+        </p:spPr>
+        <p:txBody>
+          <a:bodyPr/>
+          <a:lstStyle/>
+          <a:p>
+            <a:pPr>
+              <a:defRPr/>
+            </a:pPr>
+            <a:r>
+              <a:rPr lang="tr-TR" smtClean="0"/>
+              <a:t>METU Electrical &amp; Electronics Engineering Department</a:t>
+            </a:r>
+            <a:endParaRPr lang="en-US" dirty="0"/>
+          </a:p>
+        </p:txBody>
+      </p:sp>
+      <p:grpSp>
+        <p:nvGrpSpPr>
+          <p:cNvPr id="145" name="Group 144"/>
+          <p:cNvGrpSpPr/>
+          <p:nvPr/>
+        </p:nvGrpSpPr>
+        <p:grpSpPr>
+          <a:xfrm>
+            <a:off x="195983" y="1861826"/>
+            <a:ext cx="8662251" cy="4849288"/>
+            <a:chOff x="195983" y="1757051"/>
+            <a:chExt cx="8662251" cy="4849288"/>
+          </a:xfrm>
+        </p:grpSpPr>
+        <p:sp>
+          <p:nvSpPr>
+            <p:cNvPr id="58" name="TextShape 2"/>
+            <p:cNvSpPr txBox="1"/>
+            <p:nvPr/>
+          </p:nvSpPr>
+          <p:spPr>
+            <a:xfrm>
+              <a:off x="457172" y="2628855"/>
+              <a:ext cx="8228763" cy="3977484"/>
+            </a:xfrm>
+            <a:prstGeom prst="rect">
+              <a:avLst/>
+            </a:prstGeom>
+          </p:spPr>
+          <p:txBody>
+            <a:bodyPr lIns="0" tIns="0" rIns="0" bIns="0"/>
+            <a:lstStyle/>
+            <a:p>
+              <a:endParaRPr/>
+            </a:p>
+          </p:txBody>
+        </p:sp>
+        <p:sp>
+          <p:nvSpPr>
+            <p:cNvPr id="62" name="TextBox 61"/>
+            <p:cNvSpPr txBox="1"/>
+            <p:nvPr/>
+          </p:nvSpPr>
+          <p:spPr>
+            <a:xfrm>
+              <a:off x="2285429" y="2243266"/>
+              <a:ext cx="1036800" cy="591587"/>
+            </a:xfrm>
+            <a:prstGeom prst="rect">
+              <a:avLst/>
+            </a:prstGeom>
+            <a:noFill/>
+            <a:ln w="15875">
+              <a:solidFill>
+                <a:schemeClr val="accent1">
+                  <a:shade val="95000"/>
+                  <a:satMod val="105000"/>
+                </a:schemeClr>
+              </a:solidFill>
+            </a:ln>
+          </p:spPr>
+          <p:txBody>
+            <a:bodyPr wrap="square" lIns="82945" tIns="41473" rIns="82945" bIns="41473" rtlCol="0">
+              <a:spAutoFit/>
+            </a:bodyPr>
+            <a:lstStyle/>
+            <a:p>
+              <a:pPr algn="ctr"/>
+              <a:r>
+                <a:rPr lang="en-US" sz="1100" dirty="0" smtClean="0"/>
+                <a:t>Local </a:t>
+              </a:r>
+              <a:r>
+                <a:rPr lang="en-US" sz="1100" dirty="0" err="1" smtClean="0"/>
+                <a:t>Trilateration</a:t>
+              </a:r>
+              <a:endParaRPr lang="tr-TR" sz="1100" dirty="0" smtClean="0"/>
+            </a:p>
+            <a:p>
+              <a:pPr algn="ctr"/>
+              <a:endParaRPr lang="tr-TR" sz="1100" dirty="0"/>
+            </a:p>
+          </p:txBody>
+        </p:sp>
+        <p:sp>
+          <p:nvSpPr>
+            <p:cNvPr id="66" name="TextBox 65"/>
+            <p:cNvSpPr txBox="1"/>
+            <p:nvPr/>
+          </p:nvSpPr>
+          <p:spPr>
+            <a:xfrm>
+              <a:off x="3715919" y="2318710"/>
+              <a:ext cx="967680" cy="437699"/>
+            </a:xfrm>
+            <a:prstGeom prst="rect">
+              <a:avLst/>
+            </a:prstGeom>
+            <a:noFill/>
+            <a:ln w="15875">
+              <a:solidFill>
+                <a:schemeClr val="accent1">
+                  <a:shade val="95000"/>
+                  <a:satMod val="105000"/>
+                </a:schemeClr>
+              </a:solidFill>
+            </a:ln>
+          </p:spPr>
+          <p:txBody>
+            <a:bodyPr wrap="square" lIns="82945" tIns="41473" rIns="82945" bIns="41473" rtlCol="0">
+              <a:spAutoFit/>
+            </a:bodyPr>
+            <a:lstStyle/>
+            <a:p>
+              <a:pPr algn="ctr"/>
+              <a:r>
+                <a:rPr lang="en-US" sz="1100" dirty="0" smtClean="0"/>
+                <a:t>Route Table</a:t>
+              </a:r>
+            </a:p>
+            <a:p>
+              <a:pPr algn="ctr"/>
+              <a:r>
+                <a:rPr lang="en-US" sz="1100" dirty="0" smtClean="0"/>
+                <a:t> Algorithms</a:t>
+              </a:r>
+              <a:endParaRPr lang="tr-TR" sz="1100" dirty="0"/>
+            </a:p>
+          </p:txBody>
+        </p:sp>
+        <p:sp>
+          <p:nvSpPr>
+            <p:cNvPr id="80" name="TextBox 79"/>
+            <p:cNvSpPr txBox="1"/>
+            <p:nvPr/>
+          </p:nvSpPr>
+          <p:spPr>
+            <a:xfrm>
+              <a:off x="1046159" y="3899996"/>
+              <a:ext cx="1105920" cy="591587"/>
+            </a:xfrm>
+            <a:prstGeom prst="rect">
+              <a:avLst/>
+            </a:prstGeom>
+            <a:noFill/>
+            <a:ln w="15875">
+              <a:solidFill>
+                <a:schemeClr val="accent1">
+                  <a:shade val="95000"/>
+                  <a:satMod val="105000"/>
+                </a:schemeClr>
+              </a:solidFill>
+            </a:ln>
+          </p:spPr>
+          <p:txBody>
+            <a:bodyPr wrap="square" lIns="82945" tIns="41473" rIns="82945" bIns="41473" rtlCol="0">
+              <a:spAutoFit/>
+            </a:bodyPr>
+            <a:lstStyle/>
+            <a:p>
+              <a:pPr algn="ctr"/>
+              <a:r>
+                <a:rPr lang="en-US" sz="1100" dirty="0" smtClean="0"/>
+                <a:t>State </a:t>
+              </a:r>
+              <a:r>
+                <a:rPr lang="en-US" sz="1100" dirty="0" err="1" smtClean="0"/>
+                <a:t>Propogation</a:t>
+              </a:r>
+              <a:endParaRPr lang="en-US" sz="1100" dirty="0" smtClean="0"/>
+            </a:p>
+            <a:p>
+              <a:pPr algn="ctr"/>
+              <a:endParaRPr lang="tr-TR" sz="1100" dirty="0"/>
+            </a:p>
+          </p:txBody>
+        </p:sp>
+        <p:sp>
+          <p:nvSpPr>
+            <p:cNvPr id="81" name="TextBox 80"/>
+            <p:cNvSpPr txBox="1"/>
+            <p:nvPr/>
+          </p:nvSpPr>
+          <p:spPr>
+            <a:xfrm>
+              <a:off x="2705039" y="3664039"/>
+              <a:ext cx="967680" cy="606976"/>
+            </a:xfrm>
+            <a:prstGeom prst="rect">
+              <a:avLst/>
+            </a:prstGeom>
+            <a:noFill/>
+            <a:ln w="15875">
+              <a:solidFill>
+                <a:schemeClr val="accent1">
+                  <a:shade val="95000"/>
+                  <a:satMod val="105000"/>
+                </a:schemeClr>
+              </a:solidFill>
+            </a:ln>
+          </p:spPr>
+          <p:txBody>
+            <a:bodyPr wrap="square" lIns="82945" tIns="41473" rIns="82945" bIns="41473" rtlCol="0">
+              <a:spAutoFit/>
+            </a:bodyPr>
+            <a:lstStyle/>
+            <a:p>
+              <a:pPr algn="ctr"/>
+              <a:r>
+                <a:rPr lang="en-US" sz="1100" dirty="0" smtClean="0"/>
+                <a:t>State Estimator</a:t>
+              </a:r>
+            </a:p>
+            <a:p>
+              <a:pPr algn="ctr"/>
+              <a:endParaRPr lang="tr-TR" sz="1100" dirty="0"/>
+            </a:p>
+          </p:txBody>
+        </p:sp>
+        <p:sp>
+          <p:nvSpPr>
+            <p:cNvPr id="82" name="TextBox 81"/>
+            <p:cNvSpPr txBox="1"/>
+            <p:nvPr/>
+          </p:nvSpPr>
+          <p:spPr>
+            <a:xfrm>
+              <a:off x="4709519" y="2932214"/>
+              <a:ext cx="414720" cy="437699"/>
+            </a:xfrm>
+            <a:prstGeom prst="rect">
+              <a:avLst/>
+            </a:prstGeom>
+            <a:noFill/>
+            <a:ln w="6350">
+              <a:solidFill>
+                <a:schemeClr val="accent1">
+                  <a:shade val="95000"/>
+                  <a:satMod val="105000"/>
+                </a:schemeClr>
+              </a:solidFill>
+              <a:prstDash val="dash"/>
+            </a:ln>
+          </p:spPr>
+          <p:txBody>
+            <a:bodyPr wrap="square" lIns="82945" tIns="41473" rIns="82945" bIns="41473" rtlCol="0">
+              <a:spAutoFit/>
+            </a:bodyPr>
+            <a:lstStyle/>
+            <a:p>
+              <a:pPr algn="ctr"/>
+              <a:endParaRPr lang="en-US" sz="1100" dirty="0" smtClean="0"/>
+            </a:p>
+            <a:p>
+              <a:pPr algn="ctr"/>
+              <a:endParaRPr lang="tr-TR" sz="1100" dirty="0"/>
+            </a:p>
+          </p:txBody>
+        </p:sp>
+        <p:sp>
+          <p:nvSpPr>
+            <p:cNvPr id="83" name="TextBox 82"/>
+            <p:cNvSpPr txBox="1"/>
+            <p:nvPr/>
+          </p:nvSpPr>
+          <p:spPr>
+            <a:xfrm>
+              <a:off x="3931920" y="2932214"/>
+              <a:ext cx="887259" cy="406921"/>
+            </a:xfrm>
+            <a:prstGeom prst="rect">
+              <a:avLst/>
+            </a:prstGeom>
+            <a:noFill/>
+          </p:spPr>
+          <p:txBody>
+            <a:bodyPr wrap="none" lIns="82945" tIns="41473" rIns="82945" bIns="41473" rtlCol="0">
+              <a:spAutoFit/>
+            </a:bodyPr>
+            <a:lstStyle/>
+            <a:p>
+              <a:pPr algn="ctr"/>
+              <a:r>
+                <a:rPr lang="en-US" sz="1000" dirty="0" smtClean="0"/>
+                <a:t>Localization </a:t>
+              </a:r>
+            </a:p>
+            <a:p>
+              <a:pPr algn="ctr"/>
+              <a:r>
+                <a:rPr lang="en-US" sz="1000" dirty="0" smtClean="0"/>
+                <a:t>Timer</a:t>
+              </a:r>
+              <a:endParaRPr lang="tr-TR" sz="1000" dirty="0"/>
+            </a:p>
+          </p:txBody>
+        </p:sp>
+        <p:cxnSp>
+          <p:nvCxnSpPr>
+            <p:cNvPr id="84" name="Straight Connector 83"/>
+            <p:cNvCxnSpPr/>
+            <p:nvPr/>
+          </p:nvCxnSpPr>
+          <p:spPr>
+            <a:xfrm rot="5400000" flipH="1" flipV="1">
+              <a:off x="4640370" y="2793960"/>
+              <a:ext cx="553018" cy="1440"/>
+            </a:xfrm>
+            <a:prstGeom prst="line">
+              <a:avLst/>
+            </a:prstGeom>
+            <a:ln w="15875"/>
+          </p:spPr>
+          <p:style>
+            <a:lnRef idx="1">
+              <a:schemeClr val="accent1"/>
+            </a:lnRef>
+            <a:fillRef idx="0">
+              <a:schemeClr val="accent1"/>
+            </a:fillRef>
+            <a:effectRef idx="0">
+              <a:schemeClr val="accent1"/>
+            </a:effectRef>
+            <a:fontRef idx="minor">
+              <a:schemeClr val="tx1"/>
+            </a:fontRef>
+          </p:style>
+        </p:cxnSp>
+        <p:cxnSp>
+          <p:nvCxnSpPr>
+            <p:cNvPr id="85" name="Straight Arrow Connector 84"/>
+            <p:cNvCxnSpPr/>
+            <p:nvPr/>
+          </p:nvCxnSpPr>
+          <p:spPr>
+            <a:xfrm rot="10800000">
+              <a:off x="4709519" y="2517450"/>
+              <a:ext cx="207360" cy="1441"/>
+            </a:xfrm>
+            <a:prstGeom prst="straightConnector1">
+              <a:avLst/>
+            </a:prstGeom>
+            <a:ln w="15875">
+              <a:tailEnd type="arrow"/>
+            </a:ln>
+          </p:spPr>
+          <p:style>
+            <a:lnRef idx="1">
+              <a:schemeClr val="accent1"/>
+            </a:lnRef>
+            <a:fillRef idx="0">
+              <a:schemeClr val="accent1"/>
+            </a:fillRef>
+            <a:effectRef idx="0">
+              <a:schemeClr val="accent1"/>
+            </a:effectRef>
+            <a:fontRef idx="minor">
+              <a:schemeClr val="tx1"/>
+            </a:fontRef>
+          </p:style>
+        </p:cxnSp>
+        <p:cxnSp>
+          <p:nvCxnSpPr>
+            <p:cNvPr id="86" name="Straight Arrow Connector 85"/>
+            <p:cNvCxnSpPr>
+              <a:stCxn id="66" idx="1"/>
+              <a:endCxn id="62" idx="3"/>
+            </p:cNvCxnSpPr>
+            <p:nvPr/>
+          </p:nvCxnSpPr>
+          <p:spPr>
+            <a:xfrm rot="10800000" flipV="1">
+              <a:off x="3322229" y="2537560"/>
+              <a:ext cx="393690" cy="1500"/>
+            </a:xfrm>
+            <a:prstGeom prst="straightConnector1">
+              <a:avLst/>
+            </a:prstGeom>
+            <a:ln w="15875">
+              <a:tailEnd type="arrow"/>
+            </a:ln>
+          </p:spPr>
+          <p:style>
+            <a:lnRef idx="1">
+              <a:schemeClr val="accent1"/>
+            </a:lnRef>
+            <a:fillRef idx="0">
+              <a:schemeClr val="accent1"/>
+            </a:fillRef>
+            <a:effectRef idx="0">
+              <a:schemeClr val="accent1"/>
+            </a:effectRef>
+            <a:fontRef idx="minor">
+              <a:schemeClr val="tx1"/>
+            </a:fontRef>
+          </p:style>
+        </p:cxnSp>
+        <p:cxnSp>
+          <p:nvCxnSpPr>
+            <p:cNvPr id="87" name="Straight Connector 86"/>
+            <p:cNvCxnSpPr/>
+            <p:nvPr/>
+          </p:nvCxnSpPr>
+          <p:spPr>
+            <a:xfrm rot="16200000" flipH="1">
+              <a:off x="1557405" y="3268714"/>
+              <a:ext cx="1112134" cy="1"/>
+            </a:xfrm>
+            <a:prstGeom prst="line">
+              <a:avLst/>
+            </a:prstGeom>
+            <a:ln w="15875"/>
+          </p:spPr>
+          <p:style>
+            <a:lnRef idx="1">
+              <a:schemeClr val="accent1"/>
+            </a:lnRef>
+            <a:fillRef idx="0">
+              <a:schemeClr val="accent1"/>
+            </a:fillRef>
+            <a:effectRef idx="0">
+              <a:schemeClr val="accent1"/>
+            </a:effectRef>
+            <a:fontRef idx="minor">
+              <a:schemeClr val="tx1"/>
+            </a:fontRef>
+          </p:style>
+        </p:cxnSp>
+        <p:cxnSp>
+          <p:nvCxnSpPr>
+            <p:cNvPr id="88" name="Straight Arrow Connector 87"/>
+            <p:cNvCxnSpPr/>
+            <p:nvPr/>
+          </p:nvCxnSpPr>
+          <p:spPr>
+            <a:xfrm>
+              <a:off x="2104845" y="3825456"/>
+              <a:ext cx="600194" cy="6854"/>
+            </a:xfrm>
+            <a:prstGeom prst="straightConnector1">
+              <a:avLst/>
+            </a:prstGeom>
+            <a:ln w="15875">
+              <a:tailEnd type="arrow"/>
+            </a:ln>
+          </p:spPr>
+          <p:style>
+            <a:lnRef idx="1">
+              <a:schemeClr val="accent1"/>
+            </a:lnRef>
+            <a:fillRef idx="0">
+              <a:schemeClr val="accent1"/>
+            </a:fillRef>
+            <a:effectRef idx="0">
+              <a:schemeClr val="accent1"/>
+            </a:effectRef>
+            <a:fontRef idx="minor">
+              <a:schemeClr val="tx1"/>
+            </a:fontRef>
+          </p:style>
+        </p:cxnSp>
+        <p:cxnSp>
+          <p:nvCxnSpPr>
+            <p:cNvPr id="89" name="Straight Connector 88"/>
+            <p:cNvCxnSpPr/>
+            <p:nvPr/>
+          </p:nvCxnSpPr>
+          <p:spPr>
+            <a:xfrm flipV="1">
+              <a:off x="4916879" y="3139596"/>
+              <a:ext cx="138240" cy="71152"/>
+            </a:xfrm>
+            <a:prstGeom prst="line">
+              <a:avLst/>
+            </a:prstGeom>
+            <a:ln w="15875"/>
+          </p:spPr>
+          <p:style>
+            <a:lnRef idx="1">
+              <a:schemeClr val="accent1"/>
+            </a:lnRef>
+            <a:fillRef idx="0">
+              <a:schemeClr val="accent1"/>
+            </a:fillRef>
+            <a:effectRef idx="0">
+              <a:schemeClr val="accent1"/>
+            </a:effectRef>
+            <a:fontRef idx="minor">
+              <a:schemeClr val="tx1"/>
+            </a:fontRef>
+          </p:style>
+        </p:cxnSp>
+        <p:cxnSp>
+          <p:nvCxnSpPr>
+            <p:cNvPr id="90" name="Straight Connector 89"/>
+            <p:cNvCxnSpPr/>
+            <p:nvPr/>
+          </p:nvCxnSpPr>
+          <p:spPr>
+            <a:xfrm rot="5400000">
+              <a:off x="4536679" y="3588923"/>
+              <a:ext cx="760400" cy="1440"/>
+            </a:xfrm>
+            <a:prstGeom prst="line">
+              <a:avLst/>
+            </a:prstGeom>
+            <a:ln w="15875"/>
+          </p:spPr>
+          <p:style>
+            <a:lnRef idx="1">
+              <a:schemeClr val="accent1"/>
+            </a:lnRef>
+            <a:fillRef idx="0">
+              <a:schemeClr val="accent1"/>
+            </a:fillRef>
+            <a:effectRef idx="0">
+              <a:schemeClr val="accent1"/>
+            </a:effectRef>
+            <a:fontRef idx="minor">
+              <a:schemeClr val="tx1"/>
+            </a:fontRef>
+          </p:style>
+        </p:cxnSp>
+        <p:cxnSp>
+          <p:nvCxnSpPr>
+            <p:cNvPr id="91" name="Straight Connector 90"/>
+            <p:cNvCxnSpPr>
+              <a:stCxn id="81" idx="3"/>
+            </p:cNvCxnSpPr>
+            <p:nvPr/>
+          </p:nvCxnSpPr>
+          <p:spPr>
+            <a:xfrm>
+              <a:off x="3672719" y="3967527"/>
+              <a:ext cx="1243440" cy="1588"/>
+            </a:xfrm>
+            <a:prstGeom prst="line">
+              <a:avLst/>
+            </a:prstGeom>
+            <a:ln w="15875"/>
+          </p:spPr>
+          <p:style>
+            <a:lnRef idx="1">
+              <a:schemeClr val="accent1"/>
+            </a:lnRef>
+            <a:fillRef idx="0">
+              <a:schemeClr val="accent1"/>
+            </a:fillRef>
+            <a:effectRef idx="0">
+              <a:schemeClr val="accent1"/>
+            </a:effectRef>
+            <a:fontRef idx="minor">
+              <a:schemeClr val="tx1"/>
+            </a:fontRef>
+          </p:style>
+        </p:cxnSp>
+        <p:sp>
+          <p:nvSpPr>
+            <p:cNvPr id="92" name="TextBox 91"/>
+            <p:cNvSpPr txBox="1"/>
+            <p:nvPr/>
+          </p:nvSpPr>
+          <p:spPr>
+            <a:xfrm>
+              <a:off x="6299279" y="3667575"/>
+              <a:ext cx="967680" cy="606976"/>
+            </a:xfrm>
+            <a:prstGeom prst="rect">
+              <a:avLst/>
+            </a:prstGeom>
+            <a:noFill/>
+            <a:ln w="15875">
+              <a:solidFill>
+                <a:schemeClr val="accent1">
+                  <a:shade val="95000"/>
+                  <a:satMod val="105000"/>
+                </a:schemeClr>
+              </a:solidFill>
+            </a:ln>
+          </p:spPr>
+          <p:txBody>
+            <a:bodyPr wrap="square" lIns="82945" tIns="41473" rIns="82945" bIns="41473" rtlCol="0">
+              <a:spAutoFit/>
+            </a:bodyPr>
+            <a:lstStyle/>
+            <a:p>
+              <a:pPr algn="ctr"/>
+              <a:r>
+                <a:rPr lang="en-US" sz="1100" dirty="0" smtClean="0"/>
+                <a:t>Formation Control</a:t>
+              </a:r>
+            </a:p>
+            <a:p>
+              <a:pPr algn="ctr"/>
+              <a:endParaRPr lang="tr-TR" sz="1100" dirty="0"/>
+            </a:p>
+          </p:txBody>
+        </p:sp>
+        <p:cxnSp>
+          <p:nvCxnSpPr>
+            <p:cNvPr id="93" name="Straight Arrow Connector 92"/>
+            <p:cNvCxnSpPr>
+              <a:endCxn id="92" idx="1"/>
+            </p:cNvCxnSpPr>
+            <p:nvPr/>
+          </p:nvCxnSpPr>
+          <p:spPr>
+            <a:xfrm>
+              <a:off x="4916159" y="3967527"/>
+              <a:ext cx="1383120" cy="3536"/>
+            </a:xfrm>
+            <a:prstGeom prst="straightConnector1">
+              <a:avLst/>
+            </a:prstGeom>
+            <a:ln w="15875">
+              <a:tailEnd type="arrow"/>
+            </a:ln>
+          </p:spPr>
+          <p:style>
+            <a:lnRef idx="1">
+              <a:schemeClr val="accent1"/>
+            </a:lnRef>
+            <a:fillRef idx="0">
+              <a:schemeClr val="accent1"/>
+            </a:fillRef>
+            <a:effectRef idx="0">
+              <a:schemeClr val="accent1"/>
+            </a:effectRef>
+            <a:fontRef idx="minor">
+              <a:schemeClr val="tx1"/>
+            </a:fontRef>
+          </p:style>
+        </p:cxnSp>
+        <p:sp>
+          <p:nvSpPr>
+            <p:cNvPr id="94" name="TextBox 93"/>
+            <p:cNvSpPr txBox="1"/>
+            <p:nvPr/>
+          </p:nvSpPr>
+          <p:spPr>
+            <a:xfrm>
+              <a:off x="5625083" y="4432080"/>
+              <a:ext cx="768637" cy="406921"/>
+            </a:xfrm>
+            <a:prstGeom prst="rect">
+              <a:avLst/>
+            </a:prstGeom>
+            <a:noFill/>
+          </p:spPr>
+          <p:txBody>
+            <a:bodyPr wrap="none" lIns="82945" tIns="41473" rIns="82945" bIns="41473" rtlCol="0">
+              <a:spAutoFit/>
+            </a:bodyPr>
+            <a:lstStyle/>
+            <a:p>
+              <a:pPr algn="ctr"/>
+              <a:r>
+                <a:rPr lang="en-US" sz="1000" dirty="0" smtClean="0"/>
+                <a:t>Formation</a:t>
+              </a:r>
+            </a:p>
+            <a:p>
+              <a:pPr algn="ctr"/>
+              <a:r>
+                <a:rPr lang="en-US" sz="1000" dirty="0" smtClean="0"/>
+                <a:t>Shape</a:t>
+              </a:r>
+              <a:endParaRPr lang="tr-TR" sz="1000" dirty="0"/>
+            </a:p>
+          </p:txBody>
+        </p:sp>
+        <p:cxnSp>
+          <p:nvCxnSpPr>
+            <p:cNvPr id="95" name="Straight Arrow Connector 94"/>
+            <p:cNvCxnSpPr/>
+            <p:nvPr/>
+          </p:nvCxnSpPr>
+          <p:spPr>
+            <a:xfrm rot="5400000" flipH="1" flipV="1">
+              <a:off x="6515516" y="4531316"/>
+              <a:ext cx="518725" cy="795"/>
+            </a:xfrm>
+            <a:prstGeom prst="straightConnector1">
+              <a:avLst/>
+            </a:prstGeom>
+            <a:ln w="15875">
+              <a:tailEnd type="arrow"/>
+            </a:ln>
+          </p:spPr>
+          <p:style>
+            <a:lnRef idx="1">
+              <a:schemeClr val="accent1"/>
+            </a:lnRef>
+            <a:fillRef idx="0">
+              <a:schemeClr val="accent1"/>
+            </a:fillRef>
+            <a:effectRef idx="0">
+              <a:schemeClr val="accent1"/>
+            </a:effectRef>
+            <a:fontRef idx="minor">
+              <a:schemeClr val="tx1"/>
+            </a:fontRef>
+          </p:style>
+        </p:cxnSp>
+        <p:cxnSp>
+          <p:nvCxnSpPr>
+            <p:cNvPr id="96" name="Straight Connector 95"/>
+            <p:cNvCxnSpPr/>
+            <p:nvPr/>
+          </p:nvCxnSpPr>
+          <p:spPr>
+            <a:xfrm>
+              <a:off x="6221521" y="4789634"/>
+              <a:ext cx="552960" cy="1441"/>
+            </a:xfrm>
+            <a:prstGeom prst="line">
+              <a:avLst/>
+            </a:prstGeom>
+            <a:ln w="15875"/>
+          </p:spPr>
+          <p:style>
+            <a:lnRef idx="1">
+              <a:schemeClr val="accent1"/>
+            </a:lnRef>
+            <a:fillRef idx="0">
+              <a:schemeClr val="accent1"/>
+            </a:fillRef>
+            <a:effectRef idx="0">
+              <a:schemeClr val="accent1"/>
+            </a:effectRef>
+            <a:fontRef idx="minor">
+              <a:schemeClr val="tx1"/>
+            </a:fontRef>
+          </p:style>
+        </p:cxnSp>
+        <p:sp>
+          <p:nvSpPr>
+            <p:cNvPr id="97" name="TextBox 96"/>
+            <p:cNvSpPr txBox="1"/>
+            <p:nvPr/>
+          </p:nvSpPr>
+          <p:spPr>
+            <a:xfrm>
+              <a:off x="7681679" y="3677100"/>
+              <a:ext cx="967680" cy="591587"/>
+            </a:xfrm>
+            <a:prstGeom prst="rect">
+              <a:avLst/>
+            </a:prstGeom>
+            <a:noFill/>
+            <a:ln w="15875">
+              <a:solidFill>
+                <a:schemeClr val="accent1">
+                  <a:shade val="95000"/>
+                  <a:satMod val="105000"/>
+                </a:schemeClr>
+              </a:solidFill>
+            </a:ln>
+          </p:spPr>
+          <p:txBody>
+            <a:bodyPr wrap="square" lIns="82945" tIns="41473" rIns="82945" bIns="41473" rtlCol="0">
+              <a:spAutoFit/>
+            </a:bodyPr>
+            <a:lstStyle/>
+            <a:p>
+              <a:pPr algn="ctr"/>
+              <a:r>
+                <a:rPr lang="en-US" sz="1100" dirty="0" smtClean="0"/>
+                <a:t>Agent </a:t>
+              </a:r>
+            </a:p>
+            <a:p>
+              <a:pPr algn="ctr"/>
+              <a:r>
+                <a:rPr lang="en-US" sz="1100" dirty="0" smtClean="0"/>
+                <a:t>Dynamics</a:t>
+              </a:r>
+            </a:p>
+            <a:p>
+              <a:pPr algn="ctr"/>
+              <a:endParaRPr lang="tr-TR" sz="1100" dirty="0"/>
+            </a:p>
+          </p:txBody>
+        </p:sp>
+        <p:cxnSp>
+          <p:nvCxnSpPr>
+            <p:cNvPr id="98" name="Straight Arrow Connector 97"/>
+            <p:cNvCxnSpPr>
+              <a:stCxn id="92" idx="3"/>
+              <a:endCxn id="97" idx="1"/>
+            </p:cNvCxnSpPr>
+            <p:nvPr/>
+          </p:nvCxnSpPr>
+          <p:spPr>
+            <a:xfrm>
+              <a:off x="7266959" y="3971063"/>
+              <a:ext cx="414720" cy="1831"/>
+            </a:xfrm>
+            <a:prstGeom prst="straightConnector1">
+              <a:avLst/>
+            </a:prstGeom>
+            <a:ln w="15875">
+              <a:tailEnd type="arrow"/>
+            </a:ln>
+          </p:spPr>
+          <p:style>
+            <a:lnRef idx="1">
+              <a:schemeClr val="accent1"/>
+            </a:lnRef>
+            <a:fillRef idx="0">
+              <a:schemeClr val="accent1"/>
+            </a:fillRef>
+            <a:effectRef idx="0">
+              <a:schemeClr val="accent1"/>
+            </a:effectRef>
+            <a:fontRef idx="minor">
+              <a:schemeClr val="tx1"/>
+            </a:fontRef>
+          </p:style>
+        </p:cxnSp>
+        <p:cxnSp>
+          <p:nvCxnSpPr>
+            <p:cNvPr id="99" name="Straight Connector 98"/>
+            <p:cNvCxnSpPr/>
+            <p:nvPr/>
+          </p:nvCxnSpPr>
+          <p:spPr>
+            <a:xfrm rot="10800000">
+              <a:off x="8649359" y="3955607"/>
+              <a:ext cx="207360" cy="1441"/>
+            </a:xfrm>
+            <a:prstGeom prst="line">
+              <a:avLst/>
+            </a:prstGeom>
+            <a:ln w="15875"/>
+          </p:spPr>
+          <p:style>
+            <a:lnRef idx="1">
+              <a:schemeClr val="accent1"/>
+            </a:lnRef>
+            <a:fillRef idx="0">
+              <a:schemeClr val="accent1"/>
+            </a:fillRef>
+            <a:effectRef idx="0">
+              <a:schemeClr val="accent1"/>
+            </a:effectRef>
+            <a:fontRef idx="minor">
+              <a:schemeClr val="tx1"/>
+            </a:fontRef>
+          </p:style>
+        </p:cxnSp>
+        <p:cxnSp>
+          <p:nvCxnSpPr>
+            <p:cNvPr id="100" name="Straight Connector 99"/>
+            <p:cNvCxnSpPr/>
+            <p:nvPr/>
+          </p:nvCxnSpPr>
+          <p:spPr>
+            <a:xfrm rot="5400000">
+              <a:off x="8318930" y="4486894"/>
+              <a:ext cx="1077020" cy="1588"/>
+            </a:xfrm>
+            <a:prstGeom prst="line">
+              <a:avLst/>
+            </a:prstGeom>
+            <a:ln w="15875"/>
+          </p:spPr>
+          <p:style>
+            <a:lnRef idx="1">
+              <a:schemeClr val="accent1"/>
+            </a:lnRef>
+            <a:fillRef idx="0">
+              <a:schemeClr val="accent1"/>
+            </a:fillRef>
+            <a:effectRef idx="0">
+              <a:schemeClr val="accent1"/>
+            </a:effectRef>
+            <a:fontRef idx="minor">
+              <a:schemeClr val="tx1"/>
+            </a:fontRef>
+          </p:style>
+        </p:cxnSp>
+        <p:cxnSp>
+          <p:nvCxnSpPr>
+            <p:cNvPr id="101" name="Straight Connector 100"/>
+            <p:cNvCxnSpPr/>
+            <p:nvPr/>
+          </p:nvCxnSpPr>
+          <p:spPr>
+            <a:xfrm rot="10800000" flipV="1">
+              <a:off x="216719" y="5025402"/>
+              <a:ext cx="8640000" cy="19298"/>
+            </a:xfrm>
+            <a:prstGeom prst="line">
+              <a:avLst/>
+            </a:prstGeom>
+            <a:ln w="15875"/>
+          </p:spPr>
+          <p:style>
+            <a:lnRef idx="1">
+              <a:schemeClr val="accent1"/>
+            </a:lnRef>
+            <a:fillRef idx="0">
+              <a:schemeClr val="accent1"/>
+            </a:fillRef>
+            <a:effectRef idx="0">
+              <a:schemeClr val="accent1"/>
+            </a:effectRef>
+            <a:fontRef idx="minor">
+              <a:schemeClr val="tx1"/>
+            </a:fontRef>
+          </p:style>
+        </p:cxnSp>
+        <p:cxnSp>
+          <p:nvCxnSpPr>
+            <p:cNvPr id="102" name="Straight Connector 101"/>
+            <p:cNvCxnSpPr/>
+            <p:nvPr/>
+          </p:nvCxnSpPr>
+          <p:spPr>
+            <a:xfrm rot="16200000" flipV="1">
+              <a:off x="-313437" y="4500720"/>
+              <a:ext cx="1075580" cy="12385"/>
+            </a:xfrm>
+            <a:prstGeom prst="line">
+              <a:avLst/>
+            </a:prstGeom>
+            <a:ln w="15875"/>
+          </p:spPr>
+          <p:style>
+            <a:lnRef idx="1">
+              <a:schemeClr val="accent1"/>
+            </a:lnRef>
+            <a:fillRef idx="0">
+              <a:schemeClr val="accent1"/>
+            </a:fillRef>
+            <a:effectRef idx="0">
+              <a:schemeClr val="accent1"/>
+            </a:effectRef>
+            <a:fontRef idx="minor">
+              <a:schemeClr val="tx1"/>
+            </a:fontRef>
+          </p:style>
+        </p:cxnSp>
+        <p:cxnSp>
+          <p:nvCxnSpPr>
+            <p:cNvPr id="103" name="Straight Arrow Connector 102"/>
+            <p:cNvCxnSpPr/>
+            <p:nvPr/>
+          </p:nvCxnSpPr>
+          <p:spPr>
+            <a:xfrm>
+              <a:off x="216719" y="3969123"/>
+              <a:ext cx="829440" cy="1441"/>
+            </a:xfrm>
+            <a:prstGeom prst="straightConnector1">
+              <a:avLst/>
+            </a:prstGeom>
+            <a:ln w="15875">
+              <a:tailEnd type="arrow"/>
+            </a:ln>
+          </p:spPr>
+          <p:style>
+            <a:lnRef idx="1">
+              <a:schemeClr val="accent1"/>
+            </a:lnRef>
+            <a:fillRef idx="0">
+              <a:schemeClr val="accent1"/>
+            </a:fillRef>
+            <a:effectRef idx="0">
+              <a:schemeClr val="accent1"/>
+            </a:effectRef>
+            <a:fontRef idx="minor">
+              <a:schemeClr val="tx1"/>
+            </a:fontRef>
+          </p:style>
+        </p:cxnSp>
+        <p:cxnSp>
+          <p:nvCxnSpPr>
+            <p:cNvPr id="104" name="Straight Arrow Connector 103"/>
+            <p:cNvCxnSpPr/>
+            <p:nvPr/>
+          </p:nvCxnSpPr>
+          <p:spPr>
+            <a:xfrm>
+              <a:off x="216719" y="4453013"/>
+              <a:ext cx="829440" cy="1441"/>
+            </a:xfrm>
+            <a:prstGeom prst="straightConnector1">
+              <a:avLst/>
+            </a:prstGeom>
+            <a:ln w="15875">
+              <a:tailEnd type="arrow"/>
+            </a:ln>
+          </p:spPr>
+          <p:style>
+            <a:lnRef idx="1">
+              <a:schemeClr val="accent1"/>
+            </a:lnRef>
+            <a:fillRef idx="0">
+              <a:schemeClr val="accent1"/>
+            </a:fillRef>
+            <a:effectRef idx="0">
+              <a:schemeClr val="accent1"/>
+            </a:effectRef>
+            <a:fontRef idx="minor">
+              <a:schemeClr val="tx1"/>
+            </a:fontRef>
+          </p:style>
+        </p:cxnSp>
+        <p:cxnSp>
+          <p:nvCxnSpPr>
+            <p:cNvPr id="105" name="Straight Arrow Connector 104"/>
+            <p:cNvCxnSpPr/>
+            <p:nvPr/>
+          </p:nvCxnSpPr>
+          <p:spPr>
+            <a:xfrm>
+              <a:off x="2152079" y="4107377"/>
+              <a:ext cx="552960" cy="1441"/>
+            </a:xfrm>
+            <a:prstGeom prst="straightConnector1">
+              <a:avLst/>
+            </a:prstGeom>
+            <a:ln w="15875">
+              <a:tailEnd type="arrow"/>
+            </a:ln>
+          </p:spPr>
+          <p:style>
+            <a:lnRef idx="1">
+              <a:schemeClr val="accent1"/>
+            </a:lnRef>
+            <a:fillRef idx="0">
+              <a:schemeClr val="accent1"/>
+            </a:fillRef>
+            <a:effectRef idx="0">
+              <a:schemeClr val="accent1"/>
+            </a:effectRef>
+            <a:fontRef idx="minor">
+              <a:schemeClr val="tx1"/>
+            </a:fontRef>
+          </p:style>
+        </p:cxnSp>
+        <p:sp>
+          <p:nvSpPr>
+            <p:cNvPr id="106" name="TextBox 105"/>
+            <p:cNvSpPr txBox="1"/>
+            <p:nvPr/>
+          </p:nvSpPr>
+          <p:spPr>
+            <a:xfrm>
+              <a:off x="216720" y="3817043"/>
+              <a:ext cx="760765" cy="195447"/>
+            </a:xfrm>
+            <a:prstGeom prst="rect">
+              <a:avLst/>
+            </a:prstGeom>
+            <a:noFill/>
+          </p:spPr>
+          <p:txBody>
+            <a:bodyPr wrap="none" lIns="82945" tIns="41473" rIns="82945" bIns="41473" rtlCol="0">
+              <a:spAutoFit/>
+            </a:bodyPr>
+            <a:lstStyle/>
+            <a:p>
+              <a:pPr algn="ctr"/>
+              <a:r>
+                <a:rPr lang="en-US" sz="700" b="1" dirty="0" smtClean="0"/>
+                <a:t>Acc. Sensors</a:t>
+              </a:r>
+              <a:endParaRPr lang="tr-TR" sz="700" b="1" dirty="0"/>
+            </a:p>
+          </p:txBody>
+        </p:sp>
+        <p:sp>
+          <p:nvSpPr>
+            <p:cNvPr id="107" name="TextBox 106"/>
+            <p:cNvSpPr txBox="1"/>
+            <p:nvPr/>
+          </p:nvSpPr>
+          <p:spPr>
+            <a:xfrm>
+              <a:off x="195983" y="4058988"/>
+              <a:ext cx="807296" cy="195447"/>
+            </a:xfrm>
+            <a:prstGeom prst="rect">
+              <a:avLst/>
+            </a:prstGeom>
+            <a:noFill/>
+          </p:spPr>
+          <p:txBody>
+            <a:bodyPr wrap="none" lIns="82945" tIns="41473" rIns="82945" bIns="41473" rtlCol="0">
+              <a:spAutoFit/>
+            </a:bodyPr>
+            <a:lstStyle/>
+            <a:p>
+              <a:pPr algn="ctr"/>
+              <a:r>
+                <a:rPr lang="en-US" sz="700" b="1" dirty="0" smtClean="0"/>
+                <a:t>Gyro Sensors</a:t>
+              </a:r>
+              <a:endParaRPr lang="tr-TR" sz="700" b="1" dirty="0"/>
+            </a:p>
+          </p:txBody>
+        </p:sp>
+        <p:cxnSp>
+          <p:nvCxnSpPr>
+            <p:cNvPr id="108" name="Straight Arrow Connector 107"/>
+            <p:cNvCxnSpPr/>
+            <p:nvPr/>
+          </p:nvCxnSpPr>
+          <p:spPr>
+            <a:xfrm>
+              <a:off x="216719" y="4211068"/>
+              <a:ext cx="829440" cy="1441"/>
+            </a:xfrm>
+            <a:prstGeom prst="straightConnector1">
+              <a:avLst/>
+            </a:prstGeom>
+            <a:ln w="15875">
+              <a:tailEnd type="arrow"/>
+            </a:ln>
+          </p:spPr>
+          <p:style>
+            <a:lnRef idx="1">
+              <a:schemeClr val="accent1"/>
+            </a:lnRef>
+            <a:fillRef idx="0">
+              <a:schemeClr val="accent1"/>
+            </a:fillRef>
+            <a:effectRef idx="0">
+              <a:schemeClr val="accent1"/>
+            </a:effectRef>
+            <a:fontRef idx="minor">
+              <a:schemeClr val="tx1"/>
+            </a:fontRef>
+          </p:style>
+        </p:cxnSp>
+        <p:sp>
+          <p:nvSpPr>
+            <p:cNvPr id="109" name="TextBox 108"/>
+            <p:cNvSpPr txBox="1"/>
+            <p:nvPr/>
+          </p:nvSpPr>
+          <p:spPr>
+            <a:xfrm>
+              <a:off x="230543" y="4300934"/>
+              <a:ext cx="783063" cy="191478"/>
+            </a:xfrm>
+            <a:prstGeom prst="rect">
+              <a:avLst/>
+            </a:prstGeom>
+            <a:noFill/>
+          </p:spPr>
+          <p:txBody>
+            <a:bodyPr wrap="none" lIns="82945" tIns="41473" rIns="82945" bIns="41473" rtlCol="0">
+              <a:spAutoFit/>
+            </a:bodyPr>
+            <a:lstStyle/>
+            <a:p>
+              <a:pPr algn="ctr"/>
+              <a:r>
+                <a:rPr lang="en-US" sz="700" b="1" dirty="0" smtClean="0"/>
+                <a:t>Mag. Sensors</a:t>
+              </a:r>
+              <a:endParaRPr lang="tr-TR" sz="700" b="1" dirty="0"/>
+            </a:p>
+          </p:txBody>
+        </p:sp>
+        <p:sp>
+          <p:nvSpPr>
+            <p:cNvPr id="110" name="TextBox 109"/>
+            <p:cNvSpPr txBox="1"/>
+            <p:nvPr/>
+          </p:nvSpPr>
+          <p:spPr>
+            <a:xfrm>
+              <a:off x="1232784" y="2220203"/>
+              <a:ext cx="1045957" cy="191478"/>
+            </a:xfrm>
+            <a:prstGeom prst="rect">
+              <a:avLst/>
+            </a:prstGeom>
+            <a:noFill/>
+          </p:spPr>
+          <p:txBody>
+            <a:bodyPr wrap="none" lIns="82945" tIns="41473" rIns="82945" bIns="41473" rtlCol="0">
+              <a:spAutoFit/>
+            </a:bodyPr>
+            <a:lstStyle/>
+            <a:p>
+              <a:pPr algn="ctr"/>
+              <a:r>
+                <a:rPr lang="en-US" sz="700" b="1" dirty="0" smtClean="0"/>
+                <a:t>Ultrasonic Sensors</a:t>
+              </a:r>
+              <a:endParaRPr lang="tr-TR" sz="700" b="1" dirty="0"/>
+            </a:p>
+          </p:txBody>
+        </p:sp>
+        <p:cxnSp>
+          <p:nvCxnSpPr>
+            <p:cNvPr id="111" name="Straight Arrow Connector 110"/>
+            <p:cNvCxnSpPr/>
+            <p:nvPr/>
+          </p:nvCxnSpPr>
+          <p:spPr>
+            <a:xfrm>
+              <a:off x="1460879" y="2379196"/>
+              <a:ext cx="829440" cy="1441"/>
+            </a:xfrm>
+            <a:prstGeom prst="straightConnector1">
+              <a:avLst/>
+            </a:prstGeom>
+            <a:ln w="15875">
+              <a:tailEnd type="arrow"/>
+            </a:ln>
+          </p:spPr>
+          <p:style>
+            <a:lnRef idx="1">
+              <a:schemeClr val="accent1"/>
+            </a:lnRef>
+            <a:fillRef idx="0">
+              <a:schemeClr val="accent1"/>
+            </a:fillRef>
+            <a:effectRef idx="0">
+              <a:schemeClr val="accent1"/>
+            </a:effectRef>
+            <a:fontRef idx="minor">
+              <a:schemeClr val="tx1"/>
+            </a:fontRef>
+          </p:style>
+        </p:cxnSp>
+        <p:cxnSp>
+          <p:nvCxnSpPr>
+            <p:cNvPr id="112" name="Straight Connector 111"/>
+            <p:cNvCxnSpPr/>
+            <p:nvPr/>
+          </p:nvCxnSpPr>
+          <p:spPr>
+            <a:xfrm rot="5400000">
+              <a:off x="3831862" y="3533282"/>
+              <a:ext cx="3275954" cy="1588"/>
+            </a:xfrm>
+            <a:prstGeom prst="line">
+              <a:avLst/>
+            </a:prstGeom>
+            <a:ln w="22225">
+              <a:solidFill>
+                <a:srgbClr val="FF0000"/>
+              </a:solidFill>
+              <a:prstDash val="dashDot"/>
+            </a:ln>
+          </p:spPr>
+          <p:style>
+            <a:lnRef idx="1">
+              <a:schemeClr val="accent1"/>
+            </a:lnRef>
+            <a:fillRef idx="0">
+              <a:schemeClr val="accent1"/>
+            </a:fillRef>
+            <a:effectRef idx="0">
+              <a:schemeClr val="accent1"/>
+            </a:effectRef>
+            <a:fontRef idx="minor">
+              <a:schemeClr val="tx1"/>
+            </a:fontRef>
+          </p:style>
+        </p:cxnSp>
+        <p:sp>
+          <p:nvSpPr>
+            <p:cNvPr id="113" name="TextBox 112"/>
+            <p:cNvSpPr txBox="1"/>
+            <p:nvPr/>
+          </p:nvSpPr>
+          <p:spPr>
+            <a:xfrm>
+              <a:off x="1608898" y="1757051"/>
+              <a:ext cx="2582102" cy="283811"/>
+            </a:xfrm>
+            <a:prstGeom prst="rect">
+              <a:avLst/>
+            </a:prstGeom>
+            <a:noFill/>
+          </p:spPr>
+          <p:txBody>
+            <a:bodyPr wrap="square" lIns="82945" tIns="41473" rIns="82945" bIns="41473" rtlCol="0">
+              <a:spAutoFit/>
+            </a:bodyPr>
+            <a:lstStyle/>
+            <a:p>
+              <a:r>
+                <a:rPr lang="en-US" sz="1300" dirty="0" smtClean="0"/>
+                <a:t>LOCAL </a:t>
+              </a:r>
+              <a:r>
+                <a:rPr lang="en-US" sz="1300" dirty="0" smtClean="0"/>
+                <a:t>POSITIONING</a:t>
+              </a:r>
+              <a:r>
+                <a:rPr lang="tr-TR" sz="1300" dirty="0" smtClean="0"/>
+                <a:t> SYSTEM</a:t>
+              </a:r>
+              <a:endParaRPr lang="tr-TR" sz="1300" dirty="0"/>
+            </a:p>
+          </p:txBody>
+        </p:sp>
+        <p:sp>
+          <p:nvSpPr>
+            <p:cNvPr id="114" name="TextBox 113"/>
+            <p:cNvSpPr txBox="1"/>
+            <p:nvPr/>
+          </p:nvSpPr>
+          <p:spPr>
+            <a:xfrm>
+              <a:off x="5831582" y="1757051"/>
+              <a:ext cx="2834564" cy="283811"/>
+            </a:xfrm>
+            <a:prstGeom prst="rect">
+              <a:avLst/>
+            </a:prstGeom>
+            <a:noFill/>
+          </p:spPr>
+          <p:txBody>
+            <a:bodyPr wrap="square" lIns="82945" tIns="41473" rIns="82945" bIns="41473" rtlCol="0">
+              <a:spAutoFit/>
+            </a:bodyPr>
+            <a:lstStyle/>
+            <a:p>
+              <a:r>
+                <a:rPr lang="en-US" sz="1300" dirty="0" smtClean="0"/>
+                <a:t>FORMATION </a:t>
+              </a:r>
+              <a:r>
+                <a:rPr lang="en-US" sz="1300" dirty="0" smtClean="0"/>
+                <a:t>CONTROL</a:t>
+              </a:r>
+              <a:r>
+                <a:rPr lang="tr-TR" sz="1300" dirty="0" smtClean="0"/>
+                <a:t> SYSTEM</a:t>
+              </a:r>
+              <a:endParaRPr lang="tr-TR" sz="1300" dirty="0"/>
+            </a:p>
+          </p:txBody>
+        </p:sp>
+        <p:grpSp>
+          <p:nvGrpSpPr>
+            <p:cNvPr id="115" name="Group 75"/>
+            <p:cNvGrpSpPr/>
+            <p:nvPr/>
+          </p:nvGrpSpPr>
+          <p:grpSpPr>
+            <a:xfrm>
+              <a:off x="1114560" y="5171259"/>
+              <a:ext cx="6775202" cy="1162864"/>
+              <a:chOff x="468312" y="5380037"/>
+              <a:chExt cx="7469187" cy="1281842"/>
+            </a:xfrm>
+          </p:grpSpPr>
+          <p:grpSp>
+            <p:nvGrpSpPr>
+              <p:cNvPr id="117" name="Group 41"/>
+              <p:cNvGrpSpPr/>
+              <p:nvPr/>
+            </p:nvGrpSpPr>
+            <p:grpSpPr>
+              <a:xfrm>
+                <a:off x="6488112" y="5456237"/>
+                <a:ext cx="1449387" cy="1060833"/>
+                <a:chOff x="1914525" y="4770437"/>
+                <a:chExt cx="2592387" cy="1746633"/>
+              </a:xfrm>
+            </p:grpSpPr>
+            <p:sp>
+              <p:nvSpPr>
+                <p:cNvPr id="129" name="Freeform 43"/>
+                <p:cNvSpPr/>
+                <p:nvPr/>
+              </p:nvSpPr>
+              <p:spPr>
+                <a:xfrm>
+                  <a:off x="1914525" y="4770437"/>
+                  <a:ext cx="2592387" cy="1746633"/>
+                </a:xfrm>
+                <a:custGeom>
+                  <a:avLst/>
+                  <a:gdLst>
+                    <a:gd name="connsiteX0" fmla="*/ 800100 w 1724025"/>
+                    <a:gd name="connsiteY0" fmla="*/ 7937 h 1238632"/>
+                    <a:gd name="connsiteX1" fmla="*/ 790575 w 1724025"/>
+                    <a:gd name="connsiteY1" fmla="*/ 55562 h 1238632"/>
+                    <a:gd name="connsiteX2" fmla="*/ 809625 w 1724025"/>
+                    <a:gd name="connsiteY2" fmla="*/ 169862 h 1238632"/>
+                    <a:gd name="connsiteX3" fmla="*/ 828675 w 1724025"/>
+                    <a:gd name="connsiteY3" fmla="*/ 198437 h 1238632"/>
+                    <a:gd name="connsiteX4" fmla="*/ 1019175 w 1724025"/>
+                    <a:gd name="connsiteY4" fmla="*/ 188912 h 1238632"/>
+                    <a:gd name="connsiteX5" fmla="*/ 1047750 w 1724025"/>
+                    <a:gd name="connsiteY5" fmla="*/ 169862 h 1238632"/>
+                    <a:gd name="connsiteX6" fmla="*/ 1076325 w 1724025"/>
+                    <a:gd name="connsiteY6" fmla="*/ 160337 h 1238632"/>
+                    <a:gd name="connsiteX7" fmla="*/ 1085850 w 1724025"/>
+                    <a:gd name="connsiteY7" fmla="*/ 131762 h 1238632"/>
+                    <a:gd name="connsiteX8" fmla="*/ 1114425 w 1724025"/>
+                    <a:gd name="connsiteY8" fmla="*/ 122237 h 1238632"/>
+                    <a:gd name="connsiteX9" fmla="*/ 1143000 w 1724025"/>
+                    <a:gd name="connsiteY9" fmla="*/ 103187 h 1238632"/>
+                    <a:gd name="connsiteX10" fmla="*/ 1200150 w 1724025"/>
+                    <a:gd name="connsiteY10" fmla="*/ 84137 h 1238632"/>
+                    <a:gd name="connsiteX11" fmla="*/ 1276350 w 1724025"/>
+                    <a:gd name="connsiteY11" fmla="*/ 93662 h 1238632"/>
+                    <a:gd name="connsiteX12" fmla="*/ 1333500 w 1724025"/>
+                    <a:gd name="connsiteY12" fmla="*/ 112712 h 1238632"/>
+                    <a:gd name="connsiteX13" fmla="*/ 1343025 w 1724025"/>
+                    <a:gd name="connsiteY13" fmla="*/ 141287 h 1238632"/>
+                    <a:gd name="connsiteX14" fmla="*/ 1362075 w 1724025"/>
+                    <a:gd name="connsiteY14" fmla="*/ 169862 h 1238632"/>
+                    <a:gd name="connsiteX15" fmla="*/ 1381125 w 1724025"/>
+                    <a:gd name="connsiteY15" fmla="*/ 227012 h 1238632"/>
+                    <a:gd name="connsiteX16" fmla="*/ 1362075 w 1724025"/>
+                    <a:gd name="connsiteY16" fmla="*/ 341312 h 1238632"/>
+                    <a:gd name="connsiteX17" fmla="*/ 1343025 w 1724025"/>
+                    <a:gd name="connsiteY17" fmla="*/ 369887 h 1238632"/>
+                    <a:gd name="connsiteX18" fmla="*/ 1352550 w 1724025"/>
+                    <a:gd name="connsiteY18" fmla="*/ 474662 h 1238632"/>
+                    <a:gd name="connsiteX19" fmla="*/ 1409700 w 1724025"/>
+                    <a:gd name="connsiteY19" fmla="*/ 512762 h 1238632"/>
+                    <a:gd name="connsiteX20" fmla="*/ 1466850 w 1724025"/>
+                    <a:gd name="connsiteY20" fmla="*/ 541337 h 1238632"/>
+                    <a:gd name="connsiteX21" fmla="*/ 1504950 w 1724025"/>
+                    <a:gd name="connsiteY21" fmla="*/ 550862 h 1238632"/>
+                    <a:gd name="connsiteX22" fmla="*/ 1533525 w 1724025"/>
+                    <a:gd name="connsiteY22" fmla="*/ 560387 h 1238632"/>
+                    <a:gd name="connsiteX23" fmla="*/ 1638300 w 1724025"/>
+                    <a:gd name="connsiteY23" fmla="*/ 598487 h 1238632"/>
+                    <a:gd name="connsiteX24" fmla="*/ 1666875 w 1724025"/>
+                    <a:gd name="connsiteY24" fmla="*/ 608012 h 1238632"/>
+                    <a:gd name="connsiteX25" fmla="*/ 1685925 w 1724025"/>
+                    <a:gd name="connsiteY25" fmla="*/ 636587 h 1238632"/>
+                    <a:gd name="connsiteX26" fmla="*/ 1704975 w 1724025"/>
+                    <a:gd name="connsiteY26" fmla="*/ 693737 h 1238632"/>
+                    <a:gd name="connsiteX27" fmla="*/ 1724025 w 1724025"/>
+                    <a:gd name="connsiteY27" fmla="*/ 779462 h 1238632"/>
+                    <a:gd name="connsiteX28" fmla="*/ 1695450 w 1724025"/>
+                    <a:gd name="connsiteY28" fmla="*/ 855662 h 1238632"/>
+                    <a:gd name="connsiteX29" fmla="*/ 1666875 w 1724025"/>
+                    <a:gd name="connsiteY29" fmla="*/ 865187 h 1238632"/>
+                    <a:gd name="connsiteX30" fmla="*/ 1638300 w 1724025"/>
+                    <a:gd name="connsiteY30" fmla="*/ 884237 h 1238632"/>
+                    <a:gd name="connsiteX31" fmla="*/ 1400175 w 1724025"/>
+                    <a:gd name="connsiteY31" fmla="*/ 893762 h 1238632"/>
+                    <a:gd name="connsiteX32" fmla="*/ 1333500 w 1724025"/>
+                    <a:gd name="connsiteY32" fmla="*/ 912812 h 1238632"/>
+                    <a:gd name="connsiteX33" fmla="*/ 1276350 w 1724025"/>
+                    <a:gd name="connsiteY33" fmla="*/ 931862 h 1238632"/>
+                    <a:gd name="connsiteX34" fmla="*/ 1219200 w 1724025"/>
+                    <a:gd name="connsiteY34" fmla="*/ 969962 h 1238632"/>
+                    <a:gd name="connsiteX35" fmla="*/ 1162050 w 1724025"/>
+                    <a:gd name="connsiteY35" fmla="*/ 1008062 h 1238632"/>
+                    <a:gd name="connsiteX36" fmla="*/ 1133475 w 1724025"/>
+                    <a:gd name="connsiteY36" fmla="*/ 1027112 h 1238632"/>
+                    <a:gd name="connsiteX37" fmla="*/ 1057275 w 1724025"/>
+                    <a:gd name="connsiteY37" fmla="*/ 1141412 h 1238632"/>
+                    <a:gd name="connsiteX38" fmla="*/ 1038225 w 1724025"/>
+                    <a:gd name="connsiteY38" fmla="*/ 1169987 h 1238632"/>
+                    <a:gd name="connsiteX39" fmla="*/ 942975 w 1724025"/>
+                    <a:gd name="connsiteY39" fmla="*/ 1208087 h 1238632"/>
+                    <a:gd name="connsiteX40" fmla="*/ 895350 w 1724025"/>
+                    <a:gd name="connsiteY40" fmla="*/ 1217612 h 1238632"/>
+                    <a:gd name="connsiteX41" fmla="*/ 781050 w 1724025"/>
+                    <a:gd name="connsiteY41" fmla="*/ 1236662 h 1238632"/>
+                    <a:gd name="connsiteX42" fmla="*/ 571500 w 1724025"/>
+                    <a:gd name="connsiteY42" fmla="*/ 1227137 h 1238632"/>
+                    <a:gd name="connsiteX43" fmla="*/ 552450 w 1724025"/>
+                    <a:gd name="connsiteY43" fmla="*/ 1198562 h 1238632"/>
+                    <a:gd name="connsiteX44" fmla="*/ 542925 w 1724025"/>
+                    <a:gd name="connsiteY44" fmla="*/ 969962 h 1238632"/>
+                    <a:gd name="connsiteX45" fmla="*/ 523875 w 1724025"/>
+                    <a:gd name="connsiteY45" fmla="*/ 855662 h 1238632"/>
+                    <a:gd name="connsiteX46" fmla="*/ 495300 w 1724025"/>
+                    <a:gd name="connsiteY46" fmla="*/ 798512 h 1238632"/>
+                    <a:gd name="connsiteX47" fmla="*/ 438150 w 1724025"/>
+                    <a:gd name="connsiteY47" fmla="*/ 760412 h 1238632"/>
+                    <a:gd name="connsiteX48" fmla="*/ 342900 w 1724025"/>
+                    <a:gd name="connsiteY48" fmla="*/ 731837 h 1238632"/>
+                    <a:gd name="connsiteX49" fmla="*/ 257175 w 1724025"/>
+                    <a:gd name="connsiteY49" fmla="*/ 712787 h 1238632"/>
+                    <a:gd name="connsiteX50" fmla="*/ 228600 w 1724025"/>
+                    <a:gd name="connsiteY50" fmla="*/ 703262 h 1238632"/>
+                    <a:gd name="connsiteX51" fmla="*/ 142875 w 1724025"/>
+                    <a:gd name="connsiteY51" fmla="*/ 684212 h 1238632"/>
+                    <a:gd name="connsiteX52" fmla="*/ 104775 w 1724025"/>
+                    <a:gd name="connsiteY52" fmla="*/ 655637 h 1238632"/>
+                    <a:gd name="connsiteX53" fmla="*/ 57150 w 1724025"/>
+                    <a:gd name="connsiteY53" fmla="*/ 608012 h 1238632"/>
+                    <a:gd name="connsiteX54" fmla="*/ 28575 w 1724025"/>
+                    <a:gd name="connsiteY54" fmla="*/ 550862 h 1238632"/>
+                    <a:gd name="connsiteX55" fmla="*/ 9525 w 1724025"/>
+                    <a:gd name="connsiteY55" fmla="*/ 484187 h 1238632"/>
+                    <a:gd name="connsiteX56" fmla="*/ 0 w 1724025"/>
+                    <a:gd name="connsiteY56" fmla="*/ 455612 h 1238632"/>
+                    <a:gd name="connsiteX57" fmla="*/ 9525 w 1724025"/>
+                    <a:gd name="connsiteY57" fmla="*/ 360362 h 1238632"/>
+                    <a:gd name="connsiteX58" fmla="*/ 47625 w 1724025"/>
+                    <a:gd name="connsiteY58" fmla="*/ 303212 h 1238632"/>
+                    <a:gd name="connsiteX59" fmla="*/ 76200 w 1724025"/>
+                    <a:gd name="connsiteY59" fmla="*/ 274637 h 1238632"/>
+                    <a:gd name="connsiteX60" fmla="*/ 171450 w 1724025"/>
+                    <a:gd name="connsiteY60" fmla="*/ 217487 h 1238632"/>
+                    <a:gd name="connsiteX61" fmla="*/ 200025 w 1724025"/>
+                    <a:gd name="connsiteY61" fmla="*/ 207962 h 1238632"/>
+                    <a:gd name="connsiteX62" fmla="*/ 333375 w 1724025"/>
+                    <a:gd name="connsiteY62" fmla="*/ 188912 h 1238632"/>
+                    <a:gd name="connsiteX63" fmla="*/ 495300 w 1724025"/>
+                    <a:gd name="connsiteY63" fmla="*/ 179387 h 1238632"/>
+                    <a:gd name="connsiteX64" fmla="*/ 523875 w 1724025"/>
+                    <a:gd name="connsiteY64" fmla="*/ 169862 h 1238632"/>
+                    <a:gd name="connsiteX65" fmla="*/ 590550 w 1724025"/>
+                    <a:gd name="connsiteY65" fmla="*/ 93662 h 1238632"/>
+                    <a:gd name="connsiteX66" fmla="*/ 609600 w 1724025"/>
+                    <a:gd name="connsiteY66" fmla="*/ 65087 h 1238632"/>
+                    <a:gd name="connsiteX67" fmla="*/ 628650 w 1724025"/>
+                    <a:gd name="connsiteY67" fmla="*/ 36512 h 1238632"/>
+                    <a:gd name="connsiteX68" fmla="*/ 685800 w 1724025"/>
+                    <a:gd name="connsiteY68" fmla="*/ 7937 h 1238632"/>
+                    <a:gd name="connsiteX69" fmla="*/ 800100 w 1724025"/>
+                    <a:gd name="connsiteY69" fmla="*/ 7937 h 1238632"/>
+                  </a:gdLst>
+                  <a:ahLst/>
+                  <a:cxnLst>
+                    <a:cxn ang="0">
+                      <a:pos x="connsiteX0" y="connsiteY0"/>
+                    </a:cxn>
+                    <a:cxn ang="0">
+                      <a:pos x="connsiteX1" y="connsiteY1"/>
+                    </a:cxn>
+                    <a:cxn ang="0">
+                      <a:pos x="connsiteX2" y="connsiteY2"/>
+                    </a:cxn>
+                    <a:cxn ang="0">
+                      <a:pos x="connsiteX3" y="connsiteY3"/>
+                    </a:cxn>
+                    <a:cxn ang="0">
+                      <a:pos x="connsiteX4" y="connsiteY4"/>
+                    </a:cxn>
+                    <a:cxn ang="0">
+                      <a:pos x="connsiteX5" y="connsiteY5"/>
+                    </a:cxn>
+                    <a:cxn ang="0">
+                      <a:pos x="connsiteX6" y="connsiteY6"/>
+                    </a:cxn>
+                    <a:cxn ang="0">
+                      <a:pos x="connsiteX7" y="connsiteY7"/>
+                    </a:cxn>
+                    <a:cxn ang="0">
+                      <a:pos x="connsiteX8" y="connsiteY8"/>
+                    </a:cxn>
+                    <a:cxn ang="0">
+                      <a:pos x="connsiteX9" y="connsiteY9"/>
+                    </a:cxn>
+                    <a:cxn ang="0">
+                      <a:pos x="connsiteX10" y="connsiteY10"/>
+                    </a:cxn>
+                    <a:cxn ang="0">
+                      <a:pos x="connsiteX11" y="connsiteY11"/>
+                    </a:cxn>
+                    <a:cxn ang="0">
+                      <a:pos x="connsiteX12" y="connsiteY12"/>
+                    </a:cxn>
+                    <a:cxn ang="0">
+                      <a:pos x="connsiteX13" y="connsiteY13"/>
+                    </a:cxn>
+                    <a:cxn ang="0">
+                      <a:pos x="connsiteX14" y="connsiteY14"/>
+                    </a:cxn>
+                    <a:cxn ang="0">
+                      <a:pos x="connsiteX15" y="connsiteY15"/>
+                    </a:cxn>
+                    <a:cxn ang="0">
+                      <a:pos x="connsiteX16" y="connsiteY16"/>
+                    </a:cxn>
+                    <a:cxn ang="0">
+                      <a:pos x="connsiteX17" y="connsiteY17"/>
+                    </a:cxn>
+                    <a:cxn ang="0">
+                      <a:pos x="connsiteX18" y="connsiteY18"/>
+                    </a:cxn>
+                    <a:cxn ang="0">
+                      <a:pos x="connsiteX19" y="connsiteY19"/>
+                    </a:cxn>
+                    <a:cxn ang="0">
+                      <a:pos x="connsiteX20" y="connsiteY20"/>
+                    </a:cxn>
+                    <a:cxn ang="0">
+                      <a:pos x="connsiteX21" y="connsiteY21"/>
+                    </a:cxn>
+                    <a:cxn ang="0">
+                      <a:pos x="connsiteX22" y="connsiteY22"/>
+                    </a:cxn>
+                    <a:cxn ang="0">
+                      <a:pos x="connsiteX23" y="connsiteY23"/>
+                    </a:cxn>
+                    <a:cxn ang="0">
+                      <a:pos x="connsiteX24" y="connsiteY24"/>
+                    </a:cxn>
+                    <a:cxn ang="0">
+                      <a:pos x="connsiteX25" y="connsiteY25"/>
+                    </a:cxn>
+                    <a:cxn ang="0">
+                      <a:pos x="connsiteX26" y="connsiteY26"/>
+                    </a:cxn>
+                    <a:cxn ang="0">
+                      <a:pos x="connsiteX27" y="connsiteY27"/>
+                    </a:cxn>
+                    <a:cxn ang="0">
+                      <a:pos x="connsiteX28" y="connsiteY28"/>
+                    </a:cxn>
+                    <a:cxn ang="0">
+                      <a:pos x="connsiteX29" y="connsiteY29"/>
+                    </a:cxn>
+                    <a:cxn ang="0">
+                      <a:pos x="connsiteX30" y="connsiteY30"/>
+                    </a:cxn>
+                    <a:cxn ang="0">
+                      <a:pos x="connsiteX31" y="connsiteY31"/>
+                    </a:cxn>
+                    <a:cxn ang="0">
+                      <a:pos x="connsiteX32" y="connsiteY32"/>
+                    </a:cxn>
+                    <a:cxn ang="0">
+                      <a:pos x="connsiteX33" y="connsiteY33"/>
+                    </a:cxn>
+                    <a:cxn ang="0">
+                      <a:pos x="connsiteX34" y="connsiteY34"/>
+                    </a:cxn>
+                    <a:cxn ang="0">
+                      <a:pos x="connsiteX35" y="connsiteY35"/>
+                    </a:cxn>
+                    <a:cxn ang="0">
+                      <a:pos x="connsiteX36" y="connsiteY36"/>
+                    </a:cxn>
+                    <a:cxn ang="0">
+                      <a:pos x="connsiteX37" y="connsiteY37"/>
+                    </a:cxn>
+                    <a:cxn ang="0">
+                      <a:pos x="connsiteX38" y="connsiteY38"/>
+                    </a:cxn>
+                    <a:cxn ang="0">
+                      <a:pos x="connsiteX39" y="connsiteY39"/>
+                    </a:cxn>
+                    <a:cxn ang="0">
+                      <a:pos x="connsiteX40" y="connsiteY40"/>
+                    </a:cxn>
+                    <a:cxn ang="0">
+                      <a:pos x="connsiteX41" y="connsiteY41"/>
+                    </a:cxn>
+                    <a:cxn ang="0">
+                      <a:pos x="connsiteX42" y="connsiteY42"/>
+                    </a:cxn>
+                    <a:cxn ang="0">
+                      <a:pos x="connsiteX43" y="connsiteY43"/>
+                    </a:cxn>
+                    <a:cxn ang="0">
+                      <a:pos x="connsiteX44" y="connsiteY44"/>
+                    </a:cxn>
+                    <a:cxn ang="0">
+                      <a:pos x="connsiteX45" y="connsiteY45"/>
+                    </a:cxn>
+                    <a:cxn ang="0">
+                      <a:pos x="connsiteX46" y="connsiteY46"/>
+                    </a:cxn>
+                    <a:cxn ang="0">
+                      <a:pos x="connsiteX47" y="connsiteY47"/>
+                    </a:cxn>
+                    <a:cxn ang="0">
+                      <a:pos x="connsiteX48" y="connsiteY48"/>
+                    </a:cxn>
+                    <a:cxn ang="0">
+                      <a:pos x="connsiteX49" y="connsiteY49"/>
+                    </a:cxn>
+                    <a:cxn ang="0">
+                      <a:pos x="connsiteX50" y="connsiteY50"/>
+                    </a:cxn>
+                    <a:cxn ang="0">
+                      <a:pos x="connsiteX51" y="connsiteY51"/>
+                    </a:cxn>
+                    <a:cxn ang="0">
+                      <a:pos x="connsiteX52" y="connsiteY52"/>
+                    </a:cxn>
+                    <a:cxn ang="0">
+                      <a:pos x="connsiteX53" y="connsiteY53"/>
+                    </a:cxn>
+                    <a:cxn ang="0">
+                      <a:pos x="connsiteX54" y="connsiteY54"/>
+                    </a:cxn>
+                    <a:cxn ang="0">
+                      <a:pos x="connsiteX55" y="connsiteY55"/>
+                    </a:cxn>
+                    <a:cxn ang="0">
+                      <a:pos x="connsiteX56" y="connsiteY56"/>
+                    </a:cxn>
+                    <a:cxn ang="0">
+                      <a:pos x="connsiteX57" y="connsiteY57"/>
+                    </a:cxn>
+                    <a:cxn ang="0">
+                      <a:pos x="connsiteX58" y="connsiteY58"/>
+                    </a:cxn>
+                    <a:cxn ang="0">
+                      <a:pos x="connsiteX59" y="connsiteY59"/>
+                    </a:cxn>
+                    <a:cxn ang="0">
+                      <a:pos x="connsiteX60" y="connsiteY60"/>
+                    </a:cxn>
+                    <a:cxn ang="0">
+                      <a:pos x="connsiteX61" y="connsiteY61"/>
+                    </a:cxn>
+                    <a:cxn ang="0">
+                      <a:pos x="connsiteX62" y="connsiteY62"/>
+                    </a:cxn>
+                    <a:cxn ang="0">
+                      <a:pos x="connsiteX63" y="connsiteY63"/>
+                    </a:cxn>
+                    <a:cxn ang="0">
+                      <a:pos x="connsiteX64" y="connsiteY64"/>
+                    </a:cxn>
+                    <a:cxn ang="0">
+                      <a:pos x="connsiteX65" y="connsiteY65"/>
+                    </a:cxn>
+                    <a:cxn ang="0">
+                      <a:pos x="connsiteX66" y="connsiteY66"/>
+                    </a:cxn>
+                    <a:cxn ang="0">
+                      <a:pos x="connsiteX67" y="connsiteY67"/>
+                    </a:cxn>
+                    <a:cxn ang="0">
+                      <a:pos x="connsiteX68" y="connsiteY68"/>
+                    </a:cxn>
+                    <a:cxn ang="0">
+                      <a:pos x="connsiteX69" y="connsiteY69"/>
+                    </a:cxn>
+                  </a:cxnLst>
+                  <a:rect l="l" t="t" r="r" b="b"/>
+                  <a:pathLst>
+                    <a:path w="1724025" h="1238632">
+                      <a:moveTo>
+                        <a:pt x="800100" y="7937"/>
+                      </a:moveTo>
+                      <a:cubicBezTo>
+                        <a:pt x="817562" y="15874"/>
+                        <a:pt x="790575" y="39373"/>
+                        <a:pt x="790575" y="55562"/>
+                      </a:cubicBezTo>
+                      <a:cubicBezTo>
+                        <a:pt x="790575" y="76688"/>
+                        <a:pt x="794722" y="140055"/>
+                        <a:pt x="809625" y="169862"/>
+                      </a:cubicBezTo>
+                      <a:cubicBezTo>
+                        <a:pt x="814745" y="180101"/>
+                        <a:pt x="822325" y="188912"/>
+                        <a:pt x="828675" y="198437"/>
+                      </a:cubicBezTo>
+                      <a:cubicBezTo>
+                        <a:pt x="892175" y="195262"/>
+                        <a:pt x="956130" y="197135"/>
+                        <a:pt x="1019175" y="188912"/>
+                      </a:cubicBezTo>
+                      <a:cubicBezTo>
+                        <a:pt x="1030526" y="187431"/>
+                        <a:pt x="1037511" y="174982"/>
+                        <a:pt x="1047750" y="169862"/>
+                      </a:cubicBezTo>
+                      <a:cubicBezTo>
+                        <a:pt x="1056730" y="165372"/>
+                        <a:pt x="1066800" y="163512"/>
+                        <a:pt x="1076325" y="160337"/>
+                      </a:cubicBezTo>
+                      <a:cubicBezTo>
+                        <a:pt x="1079500" y="150812"/>
+                        <a:pt x="1078750" y="138862"/>
+                        <a:pt x="1085850" y="131762"/>
+                      </a:cubicBezTo>
+                      <a:cubicBezTo>
+                        <a:pt x="1092950" y="124662"/>
+                        <a:pt x="1105445" y="126727"/>
+                        <a:pt x="1114425" y="122237"/>
+                      </a:cubicBezTo>
+                      <a:cubicBezTo>
+                        <a:pt x="1124664" y="117117"/>
+                        <a:pt x="1132539" y="107836"/>
+                        <a:pt x="1143000" y="103187"/>
+                      </a:cubicBezTo>
+                      <a:cubicBezTo>
+                        <a:pt x="1161350" y="95032"/>
+                        <a:pt x="1200150" y="84137"/>
+                        <a:pt x="1200150" y="84137"/>
+                      </a:cubicBezTo>
+                      <a:cubicBezTo>
+                        <a:pt x="1225550" y="87312"/>
+                        <a:pt x="1251321" y="88299"/>
+                        <a:pt x="1276350" y="93662"/>
+                      </a:cubicBezTo>
+                      <a:cubicBezTo>
+                        <a:pt x="1295985" y="97869"/>
+                        <a:pt x="1333500" y="112712"/>
+                        <a:pt x="1333500" y="112712"/>
+                      </a:cubicBezTo>
+                      <a:cubicBezTo>
+                        <a:pt x="1336675" y="122237"/>
+                        <a:pt x="1338535" y="132307"/>
+                        <a:pt x="1343025" y="141287"/>
+                      </a:cubicBezTo>
+                      <a:cubicBezTo>
+                        <a:pt x="1348145" y="151526"/>
+                        <a:pt x="1357426" y="159401"/>
+                        <a:pt x="1362075" y="169862"/>
+                      </a:cubicBezTo>
+                      <a:cubicBezTo>
+                        <a:pt x="1370230" y="188212"/>
+                        <a:pt x="1381125" y="227012"/>
+                        <a:pt x="1381125" y="227012"/>
+                      </a:cubicBezTo>
+                      <a:cubicBezTo>
+                        <a:pt x="1378107" y="254174"/>
+                        <a:pt x="1378032" y="309397"/>
+                        <a:pt x="1362075" y="341312"/>
+                      </a:cubicBezTo>
+                      <a:cubicBezTo>
+                        <a:pt x="1356955" y="351551"/>
+                        <a:pt x="1349375" y="360362"/>
+                        <a:pt x="1343025" y="369887"/>
+                      </a:cubicBezTo>
+                      <a:cubicBezTo>
+                        <a:pt x="1346200" y="404812"/>
+                        <a:pt x="1337720" y="442883"/>
+                        <a:pt x="1352550" y="474662"/>
+                      </a:cubicBezTo>
+                      <a:cubicBezTo>
+                        <a:pt x="1362232" y="495409"/>
+                        <a:pt x="1387980" y="505522"/>
+                        <a:pt x="1409700" y="512762"/>
+                      </a:cubicBezTo>
+                      <a:cubicBezTo>
+                        <a:pt x="1530107" y="552898"/>
+                        <a:pt x="1337599" y="485944"/>
+                        <a:pt x="1466850" y="541337"/>
+                      </a:cubicBezTo>
+                      <a:cubicBezTo>
+                        <a:pt x="1478882" y="546494"/>
+                        <a:pt x="1492363" y="547266"/>
+                        <a:pt x="1504950" y="550862"/>
+                      </a:cubicBezTo>
+                      <a:cubicBezTo>
+                        <a:pt x="1514604" y="553620"/>
+                        <a:pt x="1524124" y="556862"/>
+                        <a:pt x="1533525" y="560387"/>
+                      </a:cubicBezTo>
+                      <a:cubicBezTo>
+                        <a:pt x="1639556" y="600149"/>
+                        <a:pt x="1518232" y="558464"/>
+                        <a:pt x="1638300" y="598487"/>
+                      </a:cubicBezTo>
+                      <a:lnTo>
+                        <a:pt x="1666875" y="608012"/>
+                      </a:lnTo>
+                      <a:cubicBezTo>
+                        <a:pt x="1673225" y="617537"/>
+                        <a:pt x="1681276" y="626126"/>
+                        <a:pt x="1685925" y="636587"/>
+                      </a:cubicBezTo>
+                      <a:cubicBezTo>
+                        <a:pt x="1694080" y="654937"/>
+                        <a:pt x="1698625" y="674687"/>
+                        <a:pt x="1704975" y="693737"/>
+                      </a:cubicBezTo>
+                      <a:cubicBezTo>
+                        <a:pt x="1720607" y="740634"/>
+                        <a:pt x="1712849" y="712408"/>
+                        <a:pt x="1724025" y="779462"/>
+                      </a:cubicBezTo>
+                      <a:cubicBezTo>
+                        <a:pt x="1718862" y="805278"/>
+                        <a:pt x="1718809" y="836975"/>
+                        <a:pt x="1695450" y="855662"/>
+                      </a:cubicBezTo>
+                      <a:cubicBezTo>
+                        <a:pt x="1687610" y="861934"/>
+                        <a:pt x="1675855" y="860697"/>
+                        <a:pt x="1666875" y="865187"/>
+                      </a:cubicBezTo>
+                      <a:cubicBezTo>
+                        <a:pt x="1656636" y="870307"/>
+                        <a:pt x="1649682" y="883017"/>
+                        <a:pt x="1638300" y="884237"/>
+                      </a:cubicBezTo>
+                      <a:cubicBezTo>
+                        <a:pt x="1559314" y="892700"/>
+                        <a:pt x="1479550" y="890587"/>
+                        <a:pt x="1400175" y="893762"/>
+                      </a:cubicBezTo>
+                      <a:cubicBezTo>
+                        <a:pt x="1304143" y="925773"/>
+                        <a:pt x="1453101" y="876932"/>
+                        <a:pt x="1333500" y="912812"/>
+                      </a:cubicBezTo>
+                      <a:cubicBezTo>
+                        <a:pt x="1314266" y="918582"/>
+                        <a:pt x="1293058" y="920723"/>
+                        <a:pt x="1276350" y="931862"/>
+                      </a:cubicBezTo>
+                      <a:lnTo>
+                        <a:pt x="1219200" y="969962"/>
+                      </a:lnTo>
+                      <a:lnTo>
+                        <a:pt x="1162050" y="1008062"/>
+                      </a:lnTo>
+                      <a:lnTo>
+                        <a:pt x="1133475" y="1027112"/>
+                      </a:lnTo>
+                      <a:lnTo>
+                        <a:pt x="1057275" y="1141412"/>
+                      </a:lnTo>
+                      <a:cubicBezTo>
+                        <a:pt x="1050925" y="1150937"/>
+                        <a:pt x="1048464" y="1164867"/>
+                        <a:pt x="1038225" y="1169987"/>
+                      </a:cubicBezTo>
+                      <a:cubicBezTo>
+                        <a:pt x="1004358" y="1186920"/>
+                        <a:pt x="982209" y="1200240"/>
+                        <a:pt x="942975" y="1208087"/>
+                      </a:cubicBezTo>
+                      <a:cubicBezTo>
+                        <a:pt x="927100" y="1211262"/>
+                        <a:pt x="911293" y="1214799"/>
+                        <a:pt x="895350" y="1217612"/>
+                      </a:cubicBezTo>
+                      <a:lnTo>
+                        <a:pt x="781050" y="1236662"/>
+                      </a:lnTo>
+                      <a:cubicBezTo>
+                        <a:pt x="711200" y="1233487"/>
+                        <a:pt x="640471" y="1238632"/>
+                        <a:pt x="571500" y="1227137"/>
+                      </a:cubicBezTo>
+                      <a:cubicBezTo>
+                        <a:pt x="560208" y="1225255"/>
+                        <a:pt x="553714" y="1209940"/>
+                        <a:pt x="552450" y="1198562"/>
+                      </a:cubicBezTo>
+                      <a:cubicBezTo>
+                        <a:pt x="544028" y="1122762"/>
+                        <a:pt x="547835" y="1046070"/>
+                        <a:pt x="542925" y="969962"/>
+                      </a:cubicBezTo>
+                      <a:cubicBezTo>
+                        <a:pt x="541522" y="948223"/>
+                        <a:pt x="530295" y="881341"/>
+                        <a:pt x="523875" y="855662"/>
+                      </a:cubicBezTo>
+                      <a:cubicBezTo>
+                        <a:pt x="519255" y="837182"/>
+                        <a:pt x="510199" y="811549"/>
+                        <a:pt x="495300" y="798512"/>
+                      </a:cubicBezTo>
+                      <a:cubicBezTo>
+                        <a:pt x="478070" y="783435"/>
+                        <a:pt x="459870" y="767652"/>
+                        <a:pt x="438150" y="760412"/>
+                      </a:cubicBezTo>
+                      <a:cubicBezTo>
+                        <a:pt x="302337" y="715141"/>
+                        <a:pt x="443667" y="760627"/>
+                        <a:pt x="342900" y="731837"/>
+                      </a:cubicBezTo>
+                      <a:cubicBezTo>
+                        <a:pt x="230329" y="699674"/>
+                        <a:pt x="450556" y="755761"/>
+                        <a:pt x="257175" y="712787"/>
+                      </a:cubicBezTo>
+                      <a:cubicBezTo>
+                        <a:pt x="247374" y="710609"/>
+                        <a:pt x="238401" y="705440"/>
+                        <a:pt x="228600" y="703262"/>
+                      </a:cubicBezTo>
+                      <a:cubicBezTo>
+                        <a:pt x="128020" y="680911"/>
+                        <a:pt x="207201" y="705654"/>
+                        <a:pt x="142875" y="684212"/>
+                      </a:cubicBezTo>
+                      <a:cubicBezTo>
+                        <a:pt x="130175" y="674687"/>
+                        <a:pt x="116000" y="666862"/>
+                        <a:pt x="104775" y="655637"/>
+                      </a:cubicBezTo>
+                      <a:cubicBezTo>
+                        <a:pt x="41275" y="592137"/>
+                        <a:pt x="133350" y="658812"/>
+                        <a:pt x="57150" y="608012"/>
+                      </a:cubicBezTo>
+                      <a:cubicBezTo>
+                        <a:pt x="33209" y="536188"/>
+                        <a:pt x="65504" y="624720"/>
+                        <a:pt x="28575" y="550862"/>
+                      </a:cubicBezTo>
+                      <a:cubicBezTo>
+                        <a:pt x="20962" y="535637"/>
+                        <a:pt x="13594" y="498429"/>
+                        <a:pt x="9525" y="484187"/>
+                      </a:cubicBezTo>
+                      <a:cubicBezTo>
+                        <a:pt x="6767" y="474533"/>
+                        <a:pt x="3175" y="465137"/>
+                        <a:pt x="0" y="455612"/>
+                      </a:cubicBezTo>
+                      <a:cubicBezTo>
+                        <a:pt x="3175" y="423862"/>
+                        <a:pt x="8" y="390818"/>
+                        <a:pt x="9525" y="360362"/>
+                      </a:cubicBezTo>
+                      <a:cubicBezTo>
+                        <a:pt x="16354" y="338509"/>
+                        <a:pt x="31436" y="319401"/>
+                        <a:pt x="47625" y="303212"/>
+                      </a:cubicBezTo>
+                      <a:cubicBezTo>
+                        <a:pt x="57150" y="293687"/>
+                        <a:pt x="65567" y="282907"/>
+                        <a:pt x="76200" y="274637"/>
+                      </a:cubicBezTo>
+                      <a:cubicBezTo>
+                        <a:pt x="103901" y="253092"/>
+                        <a:pt x="138462" y="231625"/>
+                        <a:pt x="171450" y="217487"/>
+                      </a:cubicBezTo>
+                      <a:cubicBezTo>
+                        <a:pt x="180678" y="213532"/>
+                        <a:pt x="190224" y="210140"/>
+                        <a:pt x="200025" y="207962"/>
+                      </a:cubicBezTo>
+                      <a:cubicBezTo>
+                        <a:pt x="227472" y="201863"/>
+                        <a:pt x="310847" y="190714"/>
+                        <a:pt x="333375" y="188912"/>
+                      </a:cubicBezTo>
+                      <a:cubicBezTo>
+                        <a:pt x="387271" y="184600"/>
+                        <a:pt x="441325" y="182562"/>
+                        <a:pt x="495300" y="179387"/>
+                      </a:cubicBezTo>
+                      <a:cubicBezTo>
+                        <a:pt x="504825" y="176212"/>
+                        <a:pt x="514895" y="174352"/>
+                        <a:pt x="523875" y="169862"/>
+                      </a:cubicBezTo>
+                      <a:cubicBezTo>
+                        <a:pt x="563563" y="150018"/>
+                        <a:pt x="561975" y="136525"/>
+                        <a:pt x="590550" y="93662"/>
+                      </a:cubicBezTo>
+                      <a:lnTo>
+                        <a:pt x="609600" y="65087"/>
+                      </a:lnTo>
+                      <a:cubicBezTo>
+                        <a:pt x="615950" y="55562"/>
+                        <a:pt x="617790" y="40132"/>
+                        <a:pt x="628650" y="36512"/>
+                      </a:cubicBezTo>
+                      <a:cubicBezTo>
+                        <a:pt x="668085" y="23367"/>
+                        <a:pt x="648871" y="32556"/>
+                        <a:pt x="685800" y="7937"/>
+                      </a:cubicBezTo>
+                      <a:cubicBezTo>
+                        <a:pt x="784209" y="17778"/>
+                        <a:pt x="782638" y="0"/>
+                        <a:pt x="800100" y="7937"/>
+                      </a:cubicBezTo>
+                      <a:close/>
+                    </a:path>
+                  </a:pathLst>
+                </a:custGeom>
+                <a:noFill/>
+              </p:spPr>
+              <p:style>
+                <a:lnRef idx="2">
+                  <a:schemeClr val="accent1">
+                    <a:shade val="50000"/>
+                  </a:schemeClr>
+                </a:lnRef>
+                <a:fillRef idx="1">
+                  <a:schemeClr val="accent1"/>
+                </a:fillRef>
+                <a:effectRef idx="0">
+                  <a:schemeClr val="accent1"/>
+                </a:effectRef>
+                <a:fontRef idx="minor">
+                  <a:schemeClr val="lt1"/>
+                </a:fontRef>
+              </p:style>
+              <p:txBody>
+                <a:bodyPr rtlCol="0" anchor="ctr"/>
+                <a:lstStyle/>
+                <a:p>
+                  <a:pPr algn="ctr"/>
+                  <a:endParaRPr lang="tr-TR"/>
+                </a:p>
+              </p:txBody>
+            </p:sp>
+            <p:sp>
+              <p:nvSpPr>
+                <p:cNvPr id="130" name="Oval 129"/>
+                <p:cNvSpPr/>
+                <p:nvPr/>
+              </p:nvSpPr>
+              <p:spPr>
+                <a:xfrm>
+                  <a:off x="2143125" y="5227637"/>
+                  <a:ext cx="228600" cy="228600"/>
+                </a:xfrm>
+                <a:prstGeom prst="ellipse">
+                  <a:avLst/>
+                </a:prstGeom>
+              </p:spPr>
+              <p:style>
+                <a:lnRef idx="2">
+                  <a:schemeClr val="accent1">
+                    <a:shade val="50000"/>
+                  </a:schemeClr>
+                </a:lnRef>
+                <a:fillRef idx="1">
+                  <a:schemeClr val="accent1"/>
+                </a:fillRef>
+                <a:effectRef idx="0">
+                  <a:schemeClr val="accent1"/>
+                </a:effectRef>
+                <a:fontRef idx="minor">
+                  <a:schemeClr val="lt1"/>
+                </a:fontRef>
+              </p:style>
+              <p:txBody>
+                <a:bodyPr rtlCol="0" anchor="ctr"/>
+                <a:lstStyle/>
+                <a:p>
+                  <a:pPr algn="ctr"/>
+                  <a:endParaRPr lang="tr-TR"/>
+                </a:p>
+              </p:txBody>
+            </p:sp>
+            <p:sp>
+              <p:nvSpPr>
+                <p:cNvPr id="131" name="Oval 130"/>
+                <p:cNvSpPr/>
+                <p:nvPr/>
+              </p:nvSpPr>
+              <p:spPr>
+                <a:xfrm>
+                  <a:off x="2600325" y="5456237"/>
+                  <a:ext cx="381000" cy="381000"/>
+                </a:xfrm>
+                <a:prstGeom prst="ellipse">
+                  <a:avLst/>
+                </a:prstGeom>
+              </p:spPr>
+              <p:style>
+                <a:lnRef idx="2">
+                  <a:schemeClr val="accent1">
+                    <a:shade val="50000"/>
+                  </a:schemeClr>
+                </a:lnRef>
+                <a:fillRef idx="1">
+                  <a:schemeClr val="accent1"/>
+                </a:fillRef>
+                <a:effectRef idx="0">
+                  <a:schemeClr val="accent1"/>
+                </a:effectRef>
+                <a:fontRef idx="minor">
+                  <a:schemeClr val="lt1"/>
+                </a:fontRef>
+              </p:style>
+              <p:txBody>
+                <a:bodyPr rtlCol="0" anchor="ctr"/>
+                <a:lstStyle/>
+                <a:p>
+                  <a:pPr algn="ctr"/>
+                  <a:endParaRPr lang="tr-TR"/>
+                </a:p>
+              </p:txBody>
+            </p:sp>
+            <p:sp>
+              <p:nvSpPr>
+                <p:cNvPr id="132" name="Oval 131"/>
+                <p:cNvSpPr/>
+                <p:nvPr/>
+              </p:nvSpPr>
+              <p:spPr>
+                <a:xfrm>
+                  <a:off x="3667125" y="4999037"/>
+                  <a:ext cx="228600" cy="228600"/>
+                </a:xfrm>
+                <a:prstGeom prst="ellipse">
+                  <a:avLst/>
+                </a:prstGeom>
+              </p:spPr>
+              <p:style>
+                <a:lnRef idx="2">
+                  <a:schemeClr val="accent1">
+                    <a:shade val="50000"/>
+                  </a:schemeClr>
+                </a:lnRef>
+                <a:fillRef idx="1">
+                  <a:schemeClr val="accent1"/>
+                </a:fillRef>
+                <a:effectRef idx="0">
+                  <a:schemeClr val="accent1"/>
+                </a:effectRef>
+                <a:fontRef idx="minor">
+                  <a:schemeClr val="lt1"/>
+                </a:fontRef>
+              </p:style>
+              <p:txBody>
+                <a:bodyPr rtlCol="0" anchor="ctr"/>
+                <a:lstStyle/>
+                <a:p>
+                  <a:pPr algn="ctr"/>
+                  <a:endParaRPr lang="tr-TR"/>
+                </a:p>
+              </p:txBody>
+            </p:sp>
+            <p:sp>
+              <p:nvSpPr>
+                <p:cNvPr id="133" name="Oval 132"/>
+                <p:cNvSpPr/>
+                <p:nvPr/>
+              </p:nvSpPr>
+              <p:spPr>
+                <a:xfrm>
+                  <a:off x="3514725" y="5837237"/>
+                  <a:ext cx="228600" cy="228600"/>
+                </a:xfrm>
+                <a:prstGeom prst="ellipse">
+                  <a:avLst/>
+                </a:prstGeom>
+              </p:spPr>
+              <p:style>
+                <a:lnRef idx="2">
+                  <a:schemeClr val="accent1">
+                    <a:shade val="50000"/>
+                  </a:schemeClr>
+                </a:lnRef>
+                <a:fillRef idx="1">
+                  <a:schemeClr val="accent1"/>
+                </a:fillRef>
+                <a:effectRef idx="0">
+                  <a:schemeClr val="accent1"/>
+                </a:effectRef>
+                <a:fontRef idx="minor">
+                  <a:schemeClr val="lt1"/>
+                </a:fontRef>
+              </p:style>
+              <p:txBody>
+                <a:bodyPr rtlCol="0" anchor="ctr"/>
+                <a:lstStyle/>
+                <a:p>
+                  <a:pPr algn="ctr"/>
+                  <a:endParaRPr lang="tr-TR"/>
+                </a:p>
+              </p:txBody>
+            </p:sp>
+            <p:sp>
+              <p:nvSpPr>
+                <p:cNvPr id="134" name="Oval 133"/>
+                <p:cNvSpPr/>
+                <p:nvPr/>
+              </p:nvSpPr>
+              <p:spPr>
+                <a:xfrm>
+                  <a:off x="2981325" y="6065837"/>
+                  <a:ext cx="304800" cy="304800"/>
+                </a:xfrm>
+                <a:prstGeom prst="ellipse">
+                  <a:avLst/>
+                </a:prstGeom>
+              </p:spPr>
+              <p:style>
+                <a:lnRef idx="2">
+                  <a:schemeClr val="accent1">
+                    <a:shade val="50000"/>
+                  </a:schemeClr>
+                </a:lnRef>
+                <a:fillRef idx="1">
+                  <a:schemeClr val="accent1"/>
+                </a:fillRef>
+                <a:effectRef idx="0">
+                  <a:schemeClr val="accent1"/>
+                </a:effectRef>
+                <a:fontRef idx="minor">
+                  <a:schemeClr val="lt1"/>
+                </a:fontRef>
+              </p:style>
+              <p:txBody>
+                <a:bodyPr rtlCol="0" anchor="ctr"/>
+                <a:lstStyle/>
+                <a:p>
+                  <a:pPr algn="ctr"/>
+                  <a:endParaRPr lang="tr-TR"/>
+                </a:p>
+              </p:txBody>
+            </p:sp>
+            <p:sp>
+              <p:nvSpPr>
+                <p:cNvPr id="135" name="Isosceles Triangle 134"/>
+                <p:cNvSpPr/>
+                <p:nvPr/>
+              </p:nvSpPr>
+              <p:spPr>
+                <a:xfrm>
+                  <a:off x="2600325" y="5151437"/>
+                  <a:ext cx="228600" cy="228600"/>
+                </a:xfrm>
+                <a:prstGeom prst="triangle">
+                  <a:avLst/>
+                </a:prstGeom>
+              </p:spPr>
+              <p:style>
+                <a:lnRef idx="2">
+                  <a:schemeClr val="accent1">
+                    <a:shade val="50000"/>
+                  </a:schemeClr>
+                </a:lnRef>
+                <a:fillRef idx="1">
+                  <a:schemeClr val="accent1"/>
+                </a:fillRef>
+                <a:effectRef idx="0">
+                  <a:schemeClr val="accent1"/>
+                </a:effectRef>
+                <a:fontRef idx="minor">
+                  <a:schemeClr val="lt1"/>
+                </a:fontRef>
+              </p:style>
+              <p:txBody>
+                <a:bodyPr rtlCol="0" anchor="ctr"/>
+                <a:lstStyle/>
+                <a:p>
+                  <a:pPr algn="ctr"/>
+                  <a:endParaRPr lang="tr-TR"/>
+                </a:p>
+              </p:txBody>
+            </p:sp>
+            <p:sp>
+              <p:nvSpPr>
+                <p:cNvPr id="136" name="Isosceles Triangle 135"/>
+                <p:cNvSpPr/>
+                <p:nvPr/>
+              </p:nvSpPr>
+              <p:spPr>
+                <a:xfrm>
+                  <a:off x="3209925" y="5151437"/>
+                  <a:ext cx="228600" cy="228600"/>
+                </a:xfrm>
+                <a:prstGeom prst="triangle">
+                  <a:avLst/>
+                </a:prstGeom>
+              </p:spPr>
+              <p:style>
+                <a:lnRef idx="2">
+                  <a:schemeClr val="accent1">
+                    <a:shade val="50000"/>
+                  </a:schemeClr>
+                </a:lnRef>
+                <a:fillRef idx="1">
+                  <a:schemeClr val="accent1"/>
+                </a:fillRef>
+                <a:effectRef idx="0">
+                  <a:schemeClr val="accent1"/>
+                </a:effectRef>
+                <a:fontRef idx="minor">
+                  <a:schemeClr val="lt1"/>
+                </a:fontRef>
+              </p:style>
+              <p:txBody>
+                <a:bodyPr rtlCol="0" anchor="ctr"/>
+                <a:lstStyle/>
+                <a:p>
+                  <a:pPr algn="ctr"/>
+                  <a:endParaRPr lang="tr-TR"/>
+                </a:p>
+              </p:txBody>
+            </p:sp>
+            <p:sp>
+              <p:nvSpPr>
+                <p:cNvPr id="137" name="Rectangle 136"/>
+                <p:cNvSpPr/>
+                <p:nvPr/>
+              </p:nvSpPr>
+              <p:spPr>
+                <a:xfrm>
+                  <a:off x="3895725" y="5684837"/>
+                  <a:ext cx="381000" cy="228600"/>
+                </a:xfrm>
+                <a:prstGeom prst="rect">
+                  <a:avLst/>
+                </a:prstGeom>
+              </p:spPr>
+              <p:style>
+                <a:lnRef idx="2">
+                  <a:schemeClr val="accent1">
+                    <a:shade val="50000"/>
+                  </a:schemeClr>
+                </a:lnRef>
+                <a:fillRef idx="1">
+                  <a:schemeClr val="accent1"/>
+                </a:fillRef>
+                <a:effectRef idx="0">
+                  <a:schemeClr val="accent1"/>
+                </a:effectRef>
+                <a:fontRef idx="minor">
+                  <a:schemeClr val="lt1"/>
+                </a:fontRef>
+              </p:style>
+              <p:txBody>
+                <a:bodyPr rtlCol="0" anchor="ctr"/>
+                <a:lstStyle/>
+                <a:p>
+                  <a:pPr algn="ctr"/>
+                  <a:endParaRPr lang="tr-TR"/>
+                </a:p>
+              </p:txBody>
+            </p:sp>
+            <p:sp>
+              <p:nvSpPr>
+                <p:cNvPr id="138" name="Rectangle 137"/>
+                <p:cNvSpPr/>
+                <p:nvPr/>
+              </p:nvSpPr>
+              <p:spPr>
+                <a:xfrm>
+                  <a:off x="3286125" y="5532437"/>
+                  <a:ext cx="228600" cy="152400"/>
+                </a:xfrm>
+                <a:prstGeom prst="rect">
+                  <a:avLst/>
+                </a:prstGeom>
+              </p:spPr>
+              <p:style>
+                <a:lnRef idx="2">
+                  <a:schemeClr val="accent1">
+                    <a:shade val="50000"/>
+                  </a:schemeClr>
+                </a:lnRef>
+                <a:fillRef idx="1">
+                  <a:schemeClr val="accent1"/>
+                </a:fillRef>
+                <a:effectRef idx="0">
+                  <a:schemeClr val="accent1"/>
+                </a:effectRef>
+                <a:fontRef idx="minor">
+                  <a:schemeClr val="lt1"/>
+                </a:fontRef>
+              </p:style>
+              <p:txBody>
+                <a:bodyPr rtlCol="0" anchor="ctr"/>
+                <a:lstStyle/>
+                <a:p>
+                  <a:pPr algn="ctr"/>
+                  <a:endParaRPr lang="tr-TR"/>
+                </a:p>
+              </p:txBody>
+            </p:sp>
+          </p:grpSp>
+          <p:sp>
+            <p:nvSpPr>
+              <p:cNvPr id="118" name="Freeform 117"/>
+              <p:cNvSpPr/>
+              <p:nvPr/>
+            </p:nvSpPr>
+            <p:spPr>
+              <a:xfrm>
+                <a:off x="2982912" y="5456237"/>
+                <a:ext cx="1449387" cy="1060833"/>
+              </a:xfrm>
+              <a:custGeom>
+                <a:avLst/>
+                <a:gdLst>
+                  <a:gd name="connsiteX0" fmla="*/ 800100 w 1724025"/>
+                  <a:gd name="connsiteY0" fmla="*/ 7937 h 1238632"/>
+                  <a:gd name="connsiteX1" fmla="*/ 790575 w 1724025"/>
+                  <a:gd name="connsiteY1" fmla="*/ 55562 h 1238632"/>
+                  <a:gd name="connsiteX2" fmla="*/ 809625 w 1724025"/>
+                  <a:gd name="connsiteY2" fmla="*/ 169862 h 1238632"/>
+                  <a:gd name="connsiteX3" fmla="*/ 828675 w 1724025"/>
+                  <a:gd name="connsiteY3" fmla="*/ 198437 h 1238632"/>
+                  <a:gd name="connsiteX4" fmla="*/ 1019175 w 1724025"/>
+                  <a:gd name="connsiteY4" fmla="*/ 188912 h 1238632"/>
+                  <a:gd name="connsiteX5" fmla="*/ 1047750 w 1724025"/>
+                  <a:gd name="connsiteY5" fmla="*/ 169862 h 1238632"/>
+                  <a:gd name="connsiteX6" fmla="*/ 1076325 w 1724025"/>
+                  <a:gd name="connsiteY6" fmla="*/ 160337 h 1238632"/>
+                  <a:gd name="connsiteX7" fmla="*/ 1085850 w 1724025"/>
+                  <a:gd name="connsiteY7" fmla="*/ 131762 h 1238632"/>
+                  <a:gd name="connsiteX8" fmla="*/ 1114425 w 1724025"/>
+                  <a:gd name="connsiteY8" fmla="*/ 122237 h 1238632"/>
+                  <a:gd name="connsiteX9" fmla="*/ 1143000 w 1724025"/>
+                  <a:gd name="connsiteY9" fmla="*/ 103187 h 1238632"/>
+                  <a:gd name="connsiteX10" fmla="*/ 1200150 w 1724025"/>
+                  <a:gd name="connsiteY10" fmla="*/ 84137 h 1238632"/>
+                  <a:gd name="connsiteX11" fmla="*/ 1276350 w 1724025"/>
+                  <a:gd name="connsiteY11" fmla="*/ 93662 h 1238632"/>
+                  <a:gd name="connsiteX12" fmla="*/ 1333500 w 1724025"/>
+                  <a:gd name="connsiteY12" fmla="*/ 112712 h 1238632"/>
+                  <a:gd name="connsiteX13" fmla="*/ 1343025 w 1724025"/>
+                  <a:gd name="connsiteY13" fmla="*/ 141287 h 1238632"/>
+                  <a:gd name="connsiteX14" fmla="*/ 1362075 w 1724025"/>
+                  <a:gd name="connsiteY14" fmla="*/ 169862 h 1238632"/>
+                  <a:gd name="connsiteX15" fmla="*/ 1381125 w 1724025"/>
+                  <a:gd name="connsiteY15" fmla="*/ 227012 h 1238632"/>
+                  <a:gd name="connsiteX16" fmla="*/ 1362075 w 1724025"/>
+                  <a:gd name="connsiteY16" fmla="*/ 341312 h 1238632"/>
+                  <a:gd name="connsiteX17" fmla="*/ 1343025 w 1724025"/>
+                  <a:gd name="connsiteY17" fmla="*/ 369887 h 1238632"/>
+                  <a:gd name="connsiteX18" fmla="*/ 1352550 w 1724025"/>
+                  <a:gd name="connsiteY18" fmla="*/ 474662 h 1238632"/>
+                  <a:gd name="connsiteX19" fmla="*/ 1409700 w 1724025"/>
+                  <a:gd name="connsiteY19" fmla="*/ 512762 h 1238632"/>
+                  <a:gd name="connsiteX20" fmla="*/ 1466850 w 1724025"/>
+                  <a:gd name="connsiteY20" fmla="*/ 541337 h 1238632"/>
+                  <a:gd name="connsiteX21" fmla="*/ 1504950 w 1724025"/>
+                  <a:gd name="connsiteY21" fmla="*/ 550862 h 1238632"/>
+                  <a:gd name="connsiteX22" fmla="*/ 1533525 w 1724025"/>
+                  <a:gd name="connsiteY22" fmla="*/ 560387 h 1238632"/>
+                  <a:gd name="connsiteX23" fmla="*/ 1638300 w 1724025"/>
+                  <a:gd name="connsiteY23" fmla="*/ 598487 h 1238632"/>
+                  <a:gd name="connsiteX24" fmla="*/ 1666875 w 1724025"/>
+                  <a:gd name="connsiteY24" fmla="*/ 608012 h 1238632"/>
+                  <a:gd name="connsiteX25" fmla="*/ 1685925 w 1724025"/>
+                  <a:gd name="connsiteY25" fmla="*/ 636587 h 1238632"/>
+                  <a:gd name="connsiteX26" fmla="*/ 1704975 w 1724025"/>
+                  <a:gd name="connsiteY26" fmla="*/ 693737 h 1238632"/>
+                  <a:gd name="connsiteX27" fmla="*/ 1724025 w 1724025"/>
+                  <a:gd name="connsiteY27" fmla="*/ 779462 h 1238632"/>
+                  <a:gd name="connsiteX28" fmla="*/ 1695450 w 1724025"/>
+                  <a:gd name="connsiteY28" fmla="*/ 855662 h 1238632"/>
+                  <a:gd name="connsiteX29" fmla="*/ 1666875 w 1724025"/>
+                  <a:gd name="connsiteY29" fmla="*/ 865187 h 1238632"/>
+                  <a:gd name="connsiteX30" fmla="*/ 1638300 w 1724025"/>
+                  <a:gd name="connsiteY30" fmla="*/ 884237 h 1238632"/>
+                  <a:gd name="connsiteX31" fmla="*/ 1400175 w 1724025"/>
+                  <a:gd name="connsiteY31" fmla="*/ 893762 h 1238632"/>
+                  <a:gd name="connsiteX32" fmla="*/ 1333500 w 1724025"/>
+                  <a:gd name="connsiteY32" fmla="*/ 912812 h 1238632"/>
+                  <a:gd name="connsiteX33" fmla="*/ 1276350 w 1724025"/>
+                  <a:gd name="connsiteY33" fmla="*/ 931862 h 1238632"/>
+                  <a:gd name="connsiteX34" fmla="*/ 1219200 w 1724025"/>
+                  <a:gd name="connsiteY34" fmla="*/ 969962 h 1238632"/>
+                  <a:gd name="connsiteX35" fmla="*/ 1162050 w 1724025"/>
+                  <a:gd name="connsiteY35" fmla="*/ 1008062 h 1238632"/>
+                  <a:gd name="connsiteX36" fmla="*/ 1133475 w 1724025"/>
+                  <a:gd name="connsiteY36" fmla="*/ 1027112 h 1238632"/>
+                  <a:gd name="connsiteX37" fmla="*/ 1057275 w 1724025"/>
+                  <a:gd name="connsiteY37" fmla="*/ 1141412 h 1238632"/>
+                  <a:gd name="connsiteX38" fmla="*/ 1038225 w 1724025"/>
+                  <a:gd name="connsiteY38" fmla="*/ 1169987 h 1238632"/>
+                  <a:gd name="connsiteX39" fmla="*/ 942975 w 1724025"/>
+                  <a:gd name="connsiteY39" fmla="*/ 1208087 h 1238632"/>
+                  <a:gd name="connsiteX40" fmla="*/ 895350 w 1724025"/>
+                  <a:gd name="connsiteY40" fmla="*/ 1217612 h 1238632"/>
+                  <a:gd name="connsiteX41" fmla="*/ 781050 w 1724025"/>
+                  <a:gd name="connsiteY41" fmla="*/ 1236662 h 1238632"/>
+                  <a:gd name="connsiteX42" fmla="*/ 571500 w 1724025"/>
+                  <a:gd name="connsiteY42" fmla="*/ 1227137 h 1238632"/>
+                  <a:gd name="connsiteX43" fmla="*/ 552450 w 1724025"/>
+                  <a:gd name="connsiteY43" fmla="*/ 1198562 h 1238632"/>
+                  <a:gd name="connsiteX44" fmla="*/ 542925 w 1724025"/>
+                  <a:gd name="connsiteY44" fmla="*/ 969962 h 1238632"/>
+                  <a:gd name="connsiteX45" fmla="*/ 523875 w 1724025"/>
+                  <a:gd name="connsiteY45" fmla="*/ 855662 h 1238632"/>
+                  <a:gd name="connsiteX46" fmla="*/ 495300 w 1724025"/>
+                  <a:gd name="connsiteY46" fmla="*/ 798512 h 1238632"/>
+                  <a:gd name="connsiteX47" fmla="*/ 438150 w 1724025"/>
+                  <a:gd name="connsiteY47" fmla="*/ 760412 h 1238632"/>
+                  <a:gd name="connsiteX48" fmla="*/ 342900 w 1724025"/>
+                  <a:gd name="connsiteY48" fmla="*/ 731837 h 1238632"/>
+                  <a:gd name="connsiteX49" fmla="*/ 257175 w 1724025"/>
+                  <a:gd name="connsiteY49" fmla="*/ 712787 h 1238632"/>
+                  <a:gd name="connsiteX50" fmla="*/ 228600 w 1724025"/>
+                  <a:gd name="connsiteY50" fmla="*/ 703262 h 1238632"/>
+                  <a:gd name="connsiteX51" fmla="*/ 142875 w 1724025"/>
+                  <a:gd name="connsiteY51" fmla="*/ 684212 h 1238632"/>
+                  <a:gd name="connsiteX52" fmla="*/ 104775 w 1724025"/>
+                  <a:gd name="connsiteY52" fmla="*/ 655637 h 1238632"/>
+                  <a:gd name="connsiteX53" fmla="*/ 57150 w 1724025"/>
+                  <a:gd name="connsiteY53" fmla="*/ 608012 h 1238632"/>
+                  <a:gd name="connsiteX54" fmla="*/ 28575 w 1724025"/>
+                  <a:gd name="connsiteY54" fmla="*/ 550862 h 1238632"/>
+                  <a:gd name="connsiteX55" fmla="*/ 9525 w 1724025"/>
+                  <a:gd name="connsiteY55" fmla="*/ 484187 h 1238632"/>
+                  <a:gd name="connsiteX56" fmla="*/ 0 w 1724025"/>
+                  <a:gd name="connsiteY56" fmla="*/ 455612 h 1238632"/>
+                  <a:gd name="connsiteX57" fmla="*/ 9525 w 1724025"/>
+                  <a:gd name="connsiteY57" fmla="*/ 360362 h 1238632"/>
+                  <a:gd name="connsiteX58" fmla="*/ 47625 w 1724025"/>
+                  <a:gd name="connsiteY58" fmla="*/ 303212 h 1238632"/>
+                  <a:gd name="connsiteX59" fmla="*/ 76200 w 1724025"/>
+                  <a:gd name="connsiteY59" fmla="*/ 274637 h 1238632"/>
+                  <a:gd name="connsiteX60" fmla="*/ 171450 w 1724025"/>
+                  <a:gd name="connsiteY60" fmla="*/ 217487 h 1238632"/>
+                  <a:gd name="connsiteX61" fmla="*/ 200025 w 1724025"/>
+                  <a:gd name="connsiteY61" fmla="*/ 207962 h 1238632"/>
+                  <a:gd name="connsiteX62" fmla="*/ 333375 w 1724025"/>
+                  <a:gd name="connsiteY62" fmla="*/ 188912 h 1238632"/>
+                  <a:gd name="connsiteX63" fmla="*/ 495300 w 1724025"/>
+                  <a:gd name="connsiteY63" fmla="*/ 179387 h 1238632"/>
+                  <a:gd name="connsiteX64" fmla="*/ 523875 w 1724025"/>
+                  <a:gd name="connsiteY64" fmla="*/ 169862 h 1238632"/>
+                  <a:gd name="connsiteX65" fmla="*/ 590550 w 1724025"/>
+                  <a:gd name="connsiteY65" fmla="*/ 93662 h 1238632"/>
+                  <a:gd name="connsiteX66" fmla="*/ 609600 w 1724025"/>
+                  <a:gd name="connsiteY66" fmla="*/ 65087 h 1238632"/>
+                  <a:gd name="connsiteX67" fmla="*/ 628650 w 1724025"/>
+                  <a:gd name="connsiteY67" fmla="*/ 36512 h 1238632"/>
+                  <a:gd name="connsiteX68" fmla="*/ 685800 w 1724025"/>
+                  <a:gd name="connsiteY68" fmla="*/ 7937 h 1238632"/>
+                  <a:gd name="connsiteX69" fmla="*/ 800100 w 1724025"/>
+                  <a:gd name="connsiteY69" fmla="*/ 7937 h 1238632"/>
+                </a:gdLst>
+                <a:ahLst/>
+                <a:cxnLst>
+                  <a:cxn ang="0">
+                    <a:pos x="connsiteX0" y="connsiteY0"/>
+                  </a:cxn>
+                  <a:cxn ang="0">
+                    <a:pos x="connsiteX1" y="connsiteY1"/>
+                  </a:cxn>
+                  <a:cxn ang="0">
+                    <a:pos x="connsiteX2" y="connsiteY2"/>
+                  </a:cxn>
+                  <a:cxn ang="0">
+                    <a:pos x="connsiteX3" y="connsiteY3"/>
+                  </a:cxn>
+                  <a:cxn ang="0">
+                    <a:pos x="connsiteX4" y="connsiteY4"/>
+                  </a:cxn>
+                  <a:cxn ang="0">
+                    <a:pos x="connsiteX5" y="connsiteY5"/>
+                  </a:cxn>
+                  <a:cxn ang="0">
+                    <a:pos x="connsiteX6" y="connsiteY6"/>
+                  </a:cxn>
+                  <a:cxn ang="0">
+                    <a:pos x="connsiteX7" y="connsiteY7"/>
+                  </a:cxn>
+                  <a:cxn ang="0">
+                    <a:pos x="connsiteX8" y="connsiteY8"/>
+                  </a:cxn>
+                  <a:cxn ang="0">
+                    <a:pos x="connsiteX9" y="connsiteY9"/>
+                  </a:cxn>
+                  <a:cxn ang="0">
+                    <a:pos x="connsiteX10" y="connsiteY10"/>
+                  </a:cxn>
+                  <a:cxn ang="0">
+                    <a:pos x="connsiteX11" y="connsiteY11"/>
+                  </a:cxn>
+                  <a:cxn ang="0">
+                    <a:pos x="connsiteX12" y="connsiteY12"/>
+                  </a:cxn>
+                  <a:cxn ang="0">
+                    <a:pos x="connsiteX13" y="connsiteY13"/>
+                  </a:cxn>
+                  <a:cxn ang="0">
+                    <a:pos x="connsiteX14" y="connsiteY14"/>
+                  </a:cxn>
+                  <a:cxn ang="0">
+                    <a:pos x="connsiteX15" y="connsiteY15"/>
+                  </a:cxn>
+                  <a:cxn ang="0">
+                    <a:pos x="connsiteX16" y="connsiteY16"/>
+                  </a:cxn>
+                  <a:cxn ang="0">
+                    <a:pos x="connsiteX17" y="connsiteY17"/>
+                  </a:cxn>
+                  <a:cxn ang="0">
+                    <a:pos x="connsiteX18" y="connsiteY18"/>
+                  </a:cxn>
+                  <a:cxn ang="0">
+                    <a:pos x="connsiteX19" y="connsiteY19"/>
+                  </a:cxn>
+                  <a:cxn ang="0">
+                    <a:pos x="connsiteX20" y="connsiteY20"/>
+                  </a:cxn>
+                  <a:cxn ang="0">
+                    <a:pos x="connsiteX21" y="connsiteY21"/>
+                  </a:cxn>
+                  <a:cxn ang="0">
+                    <a:pos x="connsiteX22" y="connsiteY22"/>
+                  </a:cxn>
+                  <a:cxn ang="0">
+                    <a:pos x="connsiteX23" y="connsiteY23"/>
+                  </a:cxn>
+                  <a:cxn ang="0">
+                    <a:pos x="connsiteX24" y="connsiteY24"/>
+                  </a:cxn>
+                  <a:cxn ang="0">
+                    <a:pos x="connsiteX25" y="connsiteY25"/>
+                  </a:cxn>
+                  <a:cxn ang="0">
+                    <a:pos x="connsiteX26" y="connsiteY26"/>
+                  </a:cxn>
+                  <a:cxn ang="0">
+                    <a:pos x="connsiteX27" y="connsiteY27"/>
+                  </a:cxn>
+                  <a:cxn ang="0">
+                    <a:pos x="connsiteX28" y="connsiteY28"/>
+                  </a:cxn>
+                  <a:cxn ang="0">
+                    <a:pos x="connsiteX29" y="connsiteY29"/>
+                  </a:cxn>
+                  <a:cxn ang="0">
+                    <a:pos x="connsiteX30" y="connsiteY30"/>
+                  </a:cxn>
+                  <a:cxn ang="0">
+                    <a:pos x="connsiteX31" y="connsiteY31"/>
+                  </a:cxn>
+                  <a:cxn ang="0">
+                    <a:pos x="connsiteX32" y="connsiteY32"/>
+                  </a:cxn>
+                  <a:cxn ang="0">
+                    <a:pos x="connsiteX33" y="connsiteY33"/>
+                  </a:cxn>
+                  <a:cxn ang="0">
+                    <a:pos x="connsiteX34" y="connsiteY34"/>
+                  </a:cxn>
+                  <a:cxn ang="0">
+                    <a:pos x="connsiteX35" y="connsiteY35"/>
+                  </a:cxn>
+                  <a:cxn ang="0">
+                    <a:pos x="connsiteX36" y="connsiteY36"/>
+                  </a:cxn>
+                  <a:cxn ang="0">
+                    <a:pos x="connsiteX37" y="connsiteY37"/>
+                  </a:cxn>
+                  <a:cxn ang="0">
+                    <a:pos x="connsiteX38" y="connsiteY38"/>
+                  </a:cxn>
+                  <a:cxn ang="0">
+                    <a:pos x="connsiteX39" y="connsiteY39"/>
+                  </a:cxn>
+                  <a:cxn ang="0">
+                    <a:pos x="connsiteX40" y="connsiteY40"/>
+                  </a:cxn>
+                  <a:cxn ang="0">
+                    <a:pos x="connsiteX41" y="connsiteY41"/>
+                  </a:cxn>
+                  <a:cxn ang="0">
+                    <a:pos x="connsiteX42" y="connsiteY42"/>
+                  </a:cxn>
+                  <a:cxn ang="0">
+                    <a:pos x="connsiteX43" y="connsiteY43"/>
+                  </a:cxn>
+                  <a:cxn ang="0">
+                    <a:pos x="connsiteX44" y="connsiteY44"/>
+                  </a:cxn>
+                  <a:cxn ang="0">
+                    <a:pos x="connsiteX45" y="connsiteY45"/>
+                  </a:cxn>
+                  <a:cxn ang="0">
+                    <a:pos x="connsiteX46" y="connsiteY46"/>
+                  </a:cxn>
+                  <a:cxn ang="0">
+                    <a:pos x="connsiteX47" y="connsiteY47"/>
+                  </a:cxn>
+                  <a:cxn ang="0">
+                    <a:pos x="connsiteX48" y="connsiteY48"/>
+                  </a:cxn>
+                  <a:cxn ang="0">
+                    <a:pos x="connsiteX49" y="connsiteY49"/>
+                  </a:cxn>
+                  <a:cxn ang="0">
+                    <a:pos x="connsiteX50" y="connsiteY50"/>
+                  </a:cxn>
+                  <a:cxn ang="0">
+                    <a:pos x="connsiteX51" y="connsiteY51"/>
+                  </a:cxn>
+                  <a:cxn ang="0">
+                    <a:pos x="connsiteX52" y="connsiteY52"/>
+                  </a:cxn>
+                  <a:cxn ang="0">
+                    <a:pos x="connsiteX53" y="connsiteY53"/>
+                  </a:cxn>
+                  <a:cxn ang="0">
+                    <a:pos x="connsiteX54" y="connsiteY54"/>
+                  </a:cxn>
+                  <a:cxn ang="0">
+                    <a:pos x="connsiteX55" y="connsiteY55"/>
+                  </a:cxn>
+                  <a:cxn ang="0">
+                    <a:pos x="connsiteX56" y="connsiteY56"/>
+                  </a:cxn>
+                  <a:cxn ang="0">
+                    <a:pos x="connsiteX57" y="connsiteY57"/>
+                  </a:cxn>
+                  <a:cxn ang="0">
+                    <a:pos x="connsiteX58" y="connsiteY58"/>
+                  </a:cxn>
+                  <a:cxn ang="0">
+                    <a:pos x="connsiteX59" y="connsiteY59"/>
+                  </a:cxn>
+                  <a:cxn ang="0">
+                    <a:pos x="connsiteX60" y="connsiteY60"/>
+                  </a:cxn>
+                  <a:cxn ang="0">
+                    <a:pos x="connsiteX61" y="connsiteY61"/>
+                  </a:cxn>
+                  <a:cxn ang="0">
+                    <a:pos x="connsiteX62" y="connsiteY62"/>
+                  </a:cxn>
+                  <a:cxn ang="0">
+                    <a:pos x="connsiteX63" y="connsiteY63"/>
+                  </a:cxn>
+                  <a:cxn ang="0">
+                    <a:pos x="connsiteX64" y="connsiteY64"/>
+                  </a:cxn>
+                  <a:cxn ang="0">
+                    <a:pos x="connsiteX65" y="connsiteY65"/>
+                  </a:cxn>
+                  <a:cxn ang="0">
+                    <a:pos x="connsiteX66" y="connsiteY66"/>
+                  </a:cxn>
+                  <a:cxn ang="0">
+                    <a:pos x="connsiteX67" y="connsiteY67"/>
+                  </a:cxn>
+                  <a:cxn ang="0">
+                    <a:pos x="connsiteX68" y="connsiteY68"/>
+                  </a:cxn>
+                  <a:cxn ang="0">
+                    <a:pos x="connsiteX69" y="connsiteY69"/>
+                  </a:cxn>
+                </a:cxnLst>
+                <a:rect l="l" t="t" r="r" b="b"/>
+                <a:pathLst>
+                  <a:path w="1724025" h="1238632">
+                    <a:moveTo>
+                      <a:pt x="800100" y="7937"/>
+                    </a:moveTo>
+                    <a:cubicBezTo>
+                      <a:pt x="817562" y="15874"/>
+                      <a:pt x="790575" y="39373"/>
+                      <a:pt x="790575" y="55562"/>
+                    </a:cubicBezTo>
+                    <a:cubicBezTo>
+                      <a:pt x="790575" y="76688"/>
+                      <a:pt x="794722" y="140055"/>
+                      <a:pt x="809625" y="169862"/>
+                    </a:cubicBezTo>
+                    <a:cubicBezTo>
+                      <a:pt x="814745" y="180101"/>
+                      <a:pt x="822325" y="188912"/>
+                      <a:pt x="828675" y="198437"/>
+                    </a:cubicBezTo>
+                    <a:cubicBezTo>
+                      <a:pt x="892175" y="195262"/>
+                      <a:pt x="956130" y="197135"/>
+                      <a:pt x="1019175" y="188912"/>
+                    </a:cubicBezTo>
+                    <a:cubicBezTo>
+                      <a:pt x="1030526" y="187431"/>
+                      <a:pt x="1037511" y="174982"/>
+                      <a:pt x="1047750" y="169862"/>
+                    </a:cubicBezTo>
+                    <a:cubicBezTo>
+                      <a:pt x="1056730" y="165372"/>
+                      <a:pt x="1066800" y="163512"/>
+                      <a:pt x="1076325" y="160337"/>
+                    </a:cubicBezTo>
+                    <a:cubicBezTo>
+                      <a:pt x="1079500" y="150812"/>
+                      <a:pt x="1078750" y="138862"/>
+                      <a:pt x="1085850" y="131762"/>
+                    </a:cubicBezTo>
+                    <a:cubicBezTo>
+                      <a:pt x="1092950" y="124662"/>
+                      <a:pt x="1105445" y="126727"/>
+                      <a:pt x="1114425" y="122237"/>
+                    </a:cubicBezTo>
+                    <a:cubicBezTo>
+                      <a:pt x="1124664" y="117117"/>
+                      <a:pt x="1132539" y="107836"/>
+                      <a:pt x="1143000" y="103187"/>
+                    </a:cubicBezTo>
+                    <a:cubicBezTo>
+                      <a:pt x="1161350" y="95032"/>
+                      <a:pt x="1200150" y="84137"/>
+                      <a:pt x="1200150" y="84137"/>
+                    </a:cubicBezTo>
+                    <a:cubicBezTo>
+                      <a:pt x="1225550" y="87312"/>
+                      <a:pt x="1251321" y="88299"/>
+                      <a:pt x="1276350" y="93662"/>
+                    </a:cubicBezTo>
+                    <a:cubicBezTo>
+                      <a:pt x="1295985" y="97869"/>
+                      <a:pt x="1333500" y="112712"/>
+                      <a:pt x="1333500" y="112712"/>
+                    </a:cubicBezTo>
+                    <a:cubicBezTo>
+                      <a:pt x="1336675" y="122237"/>
+                      <a:pt x="1338535" y="132307"/>
+                      <a:pt x="1343025" y="141287"/>
+                    </a:cubicBezTo>
+                    <a:cubicBezTo>
+                      <a:pt x="1348145" y="151526"/>
+                      <a:pt x="1357426" y="159401"/>
+                      <a:pt x="1362075" y="169862"/>
+                    </a:cubicBezTo>
+                    <a:cubicBezTo>
+                      <a:pt x="1370230" y="188212"/>
+                      <a:pt x="1381125" y="227012"/>
+                      <a:pt x="1381125" y="227012"/>
+                    </a:cubicBezTo>
+                    <a:cubicBezTo>
+                      <a:pt x="1378107" y="254174"/>
+                      <a:pt x="1378032" y="309397"/>
+                      <a:pt x="1362075" y="341312"/>
+                    </a:cubicBezTo>
+                    <a:cubicBezTo>
+                      <a:pt x="1356955" y="351551"/>
+                      <a:pt x="1349375" y="360362"/>
+                      <a:pt x="1343025" y="369887"/>
+                    </a:cubicBezTo>
+                    <a:cubicBezTo>
+                      <a:pt x="1346200" y="404812"/>
+                      <a:pt x="1337720" y="442883"/>
+                      <a:pt x="1352550" y="474662"/>
+                    </a:cubicBezTo>
+                    <a:cubicBezTo>
+                      <a:pt x="1362232" y="495409"/>
+                      <a:pt x="1387980" y="505522"/>
+                      <a:pt x="1409700" y="512762"/>
+                    </a:cubicBezTo>
+                    <a:cubicBezTo>
+                      <a:pt x="1530107" y="552898"/>
+                      <a:pt x="1337599" y="485944"/>
+                      <a:pt x="1466850" y="541337"/>
+                    </a:cubicBezTo>
+                    <a:cubicBezTo>
+                      <a:pt x="1478882" y="546494"/>
+                      <a:pt x="1492363" y="547266"/>
+                      <a:pt x="1504950" y="550862"/>
+                    </a:cubicBezTo>
+                    <a:cubicBezTo>
+                      <a:pt x="1514604" y="553620"/>
+                      <a:pt x="1524124" y="556862"/>
+                      <a:pt x="1533525" y="560387"/>
+                    </a:cubicBezTo>
+                    <a:cubicBezTo>
+                      <a:pt x="1639556" y="600149"/>
+                      <a:pt x="1518232" y="558464"/>
+                      <a:pt x="1638300" y="598487"/>
+                    </a:cubicBezTo>
+                    <a:lnTo>
+                      <a:pt x="1666875" y="608012"/>
+                    </a:lnTo>
+                    <a:cubicBezTo>
+                      <a:pt x="1673225" y="617537"/>
+                      <a:pt x="1681276" y="626126"/>
+                      <a:pt x="1685925" y="636587"/>
+                    </a:cubicBezTo>
+                    <a:cubicBezTo>
+                      <a:pt x="1694080" y="654937"/>
+                      <a:pt x="1698625" y="674687"/>
+                      <a:pt x="1704975" y="693737"/>
+                    </a:cubicBezTo>
+                    <a:cubicBezTo>
+                      <a:pt x="1720607" y="740634"/>
+                      <a:pt x="1712849" y="712408"/>
+                      <a:pt x="1724025" y="779462"/>
+                    </a:cubicBezTo>
+                    <a:cubicBezTo>
+                      <a:pt x="1718862" y="805278"/>
+                      <a:pt x="1718809" y="836975"/>
+                      <a:pt x="1695450" y="855662"/>
+                    </a:cubicBezTo>
+                    <a:cubicBezTo>
+                      <a:pt x="1687610" y="861934"/>
+                      <a:pt x="1675855" y="860697"/>
+                      <a:pt x="1666875" y="865187"/>
+                    </a:cubicBezTo>
+                    <a:cubicBezTo>
+                      <a:pt x="1656636" y="870307"/>
+                      <a:pt x="1649682" y="883017"/>
+                      <a:pt x="1638300" y="884237"/>
+                    </a:cubicBezTo>
+                    <a:cubicBezTo>
+                      <a:pt x="1559314" y="892700"/>
+                      <a:pt x="1479550" y="890587"/>
+                      <a:pt x="1400175" y="893762"/>
+                    </a:cubicBezTo>
+                    <a:cubicBezTo>
+                      <a:pt x="1304143" y="925773"/>
+                      <a:pt x="1453101" y="876932"/>
+                      <a:pt x="1333500" y="912812"/>
+                    </a:cubicBezTo>
+                    <a:cubicBezTo>
+                      <a:pt x="1314266" y="918582"/>
+                      <a:pt x="1293058" y="920723"/>
+                      <a:pt x="1276350" y="931862"/>
+                    </a:cubicBezTo>
+                    <a:lnTo>
+                      <a:pt x="1219200" y="969962"/>
+                    </a:lnTo>
+                    <a:lnTo>
+                      <a:pt x="1162050" y="1008062"/>
+                    </a:lnTo>
+                    <a:lnTo>
+                      <a:pt x="1133475" y="1027112"/>
+                    </a:lnTo>
+                    <a:lnTo>
+                      <a:pt x="1057275" y="1141412"/>
+                    </a:lnTo>
+                    <a:cubicBezTo>
+                      <a:pt x="1050925" y="1150937"/>
+                      <a:pt x="1048464" y="1164867"/>
+                      <a:pt x="1038225" y="1169987"/>
+                    </a:cubicBezTo>
+                    <a:cubicBezTo>
+                      <a:pt x="1004358" y="1186920"/>
+                      <a:pt x="982209" y="1200240"/>
+                      <a:pt x="942975" y="1208087"/>
+                    </a:cubicBezTo>
+                    <a:cubicBezTo>
+                      <a:pt x="927100" y="1211262"/>
+                      <a:pt x="911293" y="1214799"/>
+                      <a:pt x="895350" y="1217612"/>
+                    </a:cubicBezTo>
+                    <a:lnTo>
+                      <a:pt x="781050" y="1236662"/>
+                    </a:lnTo>
+                    <a:cubicBezTo>
+                      <a:pt x="711200" y="1233487"/>
+                      <a:pt x="640471" y="1238632"/>
+                      <a:pt x="571500" y="1227137"/>
+                    </a:cubicBezTo>
+                    <a:cubicBezTo>
+                      <a:pt x="560208" y="1225255"/>
+                      <a:pt x="553714" y="1209940"/>
+                      <a:pt x="552450" y="1198562"/>
+                    </a:cubicBezTo>
+                    <a:cubicBezTo>
+                      <a:pt x="544028" y="1122762"/>
+                      <a:pt x="547835" y="1046070"/>
+                      <a:pt x="542925" y="969962"/>
+                    </a:cubicBezTo>
+                    <a:cubicBezTo>
+                      <a:pt x="541522" y="948223"/>
+                      <a:pt x="530295" y="881341"/>
+                      <a:pt x="523875" y="855662"/>
+                    </a:cubicBezTo>
+                    <a:cubicBezTo>
+                      <a:pt x="519255" y="837182"/>
+                      <a:pt x="510199" y="811549"/>
+                      <a:pt x="495300" y="798512"/>
+                    </a:cubicBezTo>
+                    <a:cubicBezTo>
+                      <a:pt x="478070" y="783435"/>
+                      <a:pt x="459870" y="767652"/>
+                      <a:pt x="438150" y="760412"/>
+                    </a:cubicBezTo>
+                    <a:cubicBezTo>
+                      <a:pt x="302337" y="715141"/>
+                      <a:pt x="443667" y="760627"/>
+                      <a:pt x="342900" y="731837"/>
+                    </a:cubicBezTo>
+                    <a:cubicBezTo>
+                      <a:pt x="230329" y="699674"/>
+                      <a:pt x="450556" y="755761"/>
+                      <a:pt x="257175" y="712787"/>
+                    </a:cubicBezTo>
+                    <a:cubicBezTo>
+                      <a:pt x="247374" y="710609"/>
+                      <a:pt x="238401" y="705440"/>
+                      <a:pt x="228600" y="703262"/>
+                    </a:cubicBezTo>
+                    <a:cubicBezTo>
+                      <a:pt x="128020" y="680911"/>
+                      <a:pt x="207201" y="705654"/>
+                      <a:pt x="142875" y="684212"/>
+                    </a:cubicBezTo>
+                    <a:cubicBezTo>
+                      <a:pt x="130175" y="674687"/>
+                      <a:pt x="116000" y="666862"/>
+                      <a:pt x="104775" y="655637"/>
+                    </a:cubicBezTo>
+                    <a:cubicBezTo>
+                      <a:pt x="41275" y="592137"/>
+                      <a:pt x="133350" y="658812"/>
+                      <a:pt x="57150" y="608012"/>
+                    </a:cubicBezTo>
+                    <a:cubicBezTo>
+                      <a:pt x="33209" y="536188"/>
+                      <a:pt x="65504" y="624720"/>
+                      <a:pt x="28575" y="550862"/>
+                    </a:cubicBezTo>
+                    <a:cubicBezTo>
+                      <a:pt x="20962" y="535637"/>
+                      <a:pt x="13594" y="498429"/>
+                      <a:pt x="9525" y="484187"/>
+                    </a:cubicBezTo>
+                    <a:cubicBezTo>
+                      <a:pt x="6767" y="474533"/>
+                      <a:pt x="3175" y="465137"/>
+                      <a:pt x="0" y="455612"/>
+                    </a:cubicBezTo>
+                    <a:cubicBezTo>
+                      <a:pt x="3175" y="423862"/>
+                      <a:pt x="8" y="390818"/>
+                      <a:pt x="9525" y="360362"/>
+                    </a:cubicBezTo>
+                    <a:cubicBezTo>
+                      <a:pt x="16354" y="338509"/>
+                      <a:pt x="31436" y="319401"/>
+                      <a:pt x="47625" y="303212"/>
+                    </a:cubicBezTo>
+                    <a:cubicBezTo>
+                      <a:pt x="57150" y="293687"/>
+                      <a:pt x="65567" y="282907"/>
+                      <a:pt x="76200" y="274637"/>
+                    </a:cubicBezTo>
+                    <a:cubicBezTo>
+                      <a:pt x="103901" y="253092"/>
+                      <a:pt x="138462" y="231625"/>
+                      <a:pt x="171450" y="217487"/>
+                    </a:cubicBezTo>
+                    <a:cubicBezTo>
+                      <a:pt x="180678" y="213532"/>
+                      <a:pt x="190224" y="210140"/>
+                      <a:pt x="200025" y="207962"/>
+                    </a:cubicBezTo>
+                    <a:cubicBezTo>
+                      <a:pt x="227472" y="201863"/>
+                      <a:pt x="310847" y="190714"/>
+                      <a:pt x="333375" y="188912"/>
+                    </a:cubicBezTo>
+                    <a:cubicBezTo>
+                      <a:pt x="387271" y="184600"/>
+                      <a:pt x="441325" y="182562"/>
+                      <a:pt x="495300" y="179387"/>
+                    </a:cubicBezTo>
+                    <a:cubicBezTo>
+                      <a:pt x="504825" y="176212"/>
+                      <a:pt x="514895" y="174352"/>
+                      <a:pt x="523875" y="169862"/>
+                    </a:cubicBezTo>
+                    <a:cubicBezTo>
+                      <a:pt x="563563" y="150018"/>
+                      <a:pt x="561975" y="136525"/>
+                      <a:pt x="590550" y="93662"/>
+                    </a:cubicBezTo>
+                    <a:lnTo>
+                      <a:pt x="609600" y="65087"/>
+                    </a:lnTo>
+                    <a:cubicBezTo>
+                      <a:pt x="615950" y="55562"/>
+                      <a:pt x="617790" y="40132"/>
+                      <a:pt x="628650" y="36512"/>
+                    </a:cubicBezTo>
+                    <a:cubicBezTo>
+                      <a:pt x="668085" y="23367"/>
+                      <a:pt x="648871" y="32556"/>
+                      <a:pt x="685800" y="7937"/>
+                    </a:cubicBezTo>
+                    <a:cubicBezTo>
+                      <a:pt x="784209" y="17778"/>
+                      <a:pt x="782638" y="0"/>
+                      <a:pt x="800100" y="7937"/>
+                    </a:cubicBezTo>
+                    <a:close/>
+                  </a:path>
+                </a:pathLst>
+              </a:custGeom>
+              <a:noFill/>
+            </p:spPr>
+            <p:style>
+              <a:lnRef idx="2">
+                <a:schemeClr val="accent1">
+                  <a:shade val="50000"/>
+                </a:schemeClr>
+              </a:lnRef>
+              <a:fillRef idx="1">
+                <a:schemeClr val="accent1"/>
+              </a:fillRef>
+              <a:effectRef idx="0">
+                <a:schemeClr val="accent1"/>
+              </a:effectRef>
+              <a:fontRef idx="minor">
+                <a:schemeClr val="lt1"/>
+              </a:fontRef>
+            </p:style>
+            <p:txBody>
+              <a:bodyPr rtlCol="0" anchor="ctr"/>
+              <a:lstStyle/>
+              <a:p>
+                <a:pPr algn="ctr"/>
+                <a:endParaRPr lang="tr-TR"/>
+              </a:p>
+            </p:txBody>
+          </p:sp>
+          <p:sp>
+            <p:nvSpPr>
+              <p:cNvPr id="119" name="Oval 118"/>
+              <p:cNvSpPr/>
+              <p:nvPr/>
+            </p:nvSpPr>
+            <p:spPr>
+              <a:xfrm>
+                <a:off x="1001712" y="5380037"/>
+                <a:ext cx="127809" cy="138842"/>
+              </a:xfrm>
+              <a:prstGeom prst="ellipse">
+                <a:avLst/>
+              </a:prstGeom>
+            </p:spPr>
+            <p:style>
+              <a:lnRef idx="2">
+                <a:schemeClr val="accent1">
+                  <a:shade val="50000"/>
+                </a:schemeClr>
+              </a:lnRef>
+              <a:fillRef idx="1">
+                <a:schemeClr val="accent1"/>
+              </a:fillRef>
+              <a:effectRef idx="0">
+                <a:schemeClr val="accent1"/>
+              </a:effectRef>
+              <a:fontRef idx="minor">
+                <a:schemeClr val="lt1"/>
+              </a:fontRef>
+            </p:style>
+            <p:txBody>
+              <a:bodyPr rtlCol="0" anchor="ctr"/>
+              <a:lstStyle/>
+              <a:p>
+                <a:pPr algn="ctr"/>
+                <a:endParaRPr lang="tr-TR"/>
+              </a:p>
+            </p:txBody>
+          </p:sp>
+          <p:sp>
+            <p:nvSpPr>
+              <p:cNvPr id="120" name="Oval 119"/>
+              <p:cNvSpPr/>
+              <p:nvPr/>
+            </p:nvSpPr>
+            <p:spPr>
+              <a:xfrm>
+                <a:off x="1535112" y="5456237"/>
+                <a:ext cx="213015" cy="231404"/>
+              </a:xfrm>
+              <a:prstGeom prst="ellipse">
+                <a:avLst/>
+              </a:prstGeom>
+            </p:spPr>
+            <p:style>
+              <a:lnRef idx="2">
+                <a:schemeClr val="accent1">
+                  <a:shade val="50000"/>
+                </a:schemeClr>
+              </a:lnRef>
+              <a:fillRef idx="1">
+                <a:schemeClr val="accent1"/>
+              </a:fillRef>
+              <a:effectRef idx="0">
+                <a:schemeClr val="accent1"/>
+              </a:effectRef>
+              <a:fontRef idx="minor">
+                <a:schemeClr val="lt1"/>
+              </a:fontRef>
+            </p:style>
+            <p:txBody>
+              <a:bodyPr rtlCol="0" anchor="ctr"/>
+              <a:lstStyle/>
+              <a:p>
+                <a:pPr algn="ctr"/>
+                <a:endParaRPr lang="tr-TR"/>
+              </a:p>
+            </p:txBody>
+          </p:sp>
+          <p:sp>
+            <p:nvSpPr>
+              <p:cNvPr id="121" name="Oval 120"/>
+              <p:cNvSpPr/>
+              <p:nvPr/>
+            </p:nvSpPr>
+            <p:spPr>
+              <a:xfrm>
+                <a:off x="1839912" y="5989637"/>
+                <a:ext cx="127809" cy="138842"/>
+              </a:xfrm>
+              <a:prstGeom prst="ellipse">
+                <a:avLst/>
+              </a:prstGeom>
+            </p:spPr>
+            <p:style>
+              <a:lnRef idx="2">
+                <a:schemeClr val="accent1">
+                  <a:shade val="50000"/>
+                </a:schemeClr>
+              </a:lnRef>
+              <a:fillRef idx="1">
+                <a:schemeClr val="accent1"/>
+              </a:fillRef>
+              <a:effectRef idx="0">
+                <a:schemeClr val="accent1"/>
+              </a:effectRef>
+              <a:fontRef idx="minor">
+                <a:schemeClr val="lt1"/>
+              </a:fontRef>
+            </p:style>
+            <p:txBody>
+              <a:bodyPr rtlCol="0" anchor="ctr"/>
+              <a:lstStyle/>
+              <a:p>
+                <a:pPr algn="ctr"/>
+                <a:endParaRPr lang="tr-TR"/>
+              </a:p>
+            </p:txBody>
+          </p:sp>
+          <p:sp>
+            <p:nvSpPr>
+              <p:cNvPr id="122" name="Oval 121"/>
+              <p:cNvSpPr/>
+              <p:nvPr/>
+            </p:nvSpPr>
+            <p:spPr>
+              <a:xfrm>
+                <a:off x="2297112" y="6523037"/>
+                <a:ext cx="127809" cy="138842"/>
+              </a:xfrm>
+              <a:prstGeom prst="ellipse">
+                <a:avLst/>
+              </a:prstGeom>
+            </p:spPr>
+            <p:style>
+              <a:lnRef idx="2">
+                <a:schemeClr val="accent1">
+                  <a:shade val="50000"/>
+                </a:schemeClr>
+              </a:lnRef>
+              <a:fillRef idx="1">
+                <a:schemeClr val="accent1"/>
+              </a:fillRef>
+              <a:effectRef idx="0">
+                <a:schemeClr val="accent1"/>
+              </a:effectRef>
+              <a:fontRef idx="minor">
+                <a:schemeClr val="lt1"/>
+              </a:fontRef>
+            </p:style>
+            <p:txBody>
+              <a:bodyPr rtlCol="0" anchor="ctr"/>
+              <a:lstStyle/>
+              <a:p>
+                <a:pPr algn="ctr"/>
+                <a:endParaRPr lang="tr-TR"/>
+              </a:p>
+            </p:txBody>
+          </p:sp>
+          <p:sp>
+            <p:nvSpPr>
+              <p:cNvPr id="123" name="Oval 122"/>
+              <p:cNvSpPr/>
+              <p:nvPr/>
+            </p:nvSpPr>
+            <p:spPr>
+              <a:xfrm>
+                <a:off x="1763712" y="6446837"/>
+                <a:ext cx="170412" cy="185123"/>
+              </a:xfrm>
+              <a:prstGeom prst="ellipse">
+                <a:avLst/>
+              </a:prstGeom>
+            </p:spPr>
+            <p:style>
+              <a:lnRef idx="2">
+                <a:schemeClr val="accent1">
+                  <a:shade val="50000"/>
+                </a:schemeClr>
+              </a:lnRef>
+              <a:fillRef idx="1">
+                <a:schemeClr val="accent1"/>
+              </a:fillRef>
+              <a:effectRef idx="0">
+                <a:schemeClr val="accent1"/>
+              </a:effectRef>
+              <a:fontRef idx="minor">
+                <a:schemeClr val="lt1"/>
+              </a:fontRef>
+            </p:style>
+            <p:txBody>
+              <a:bodyPr rtlCol="0" anchor="ctr"/>
+              <a:lstStyle/>
+              <a:p>
+                <a:pPr algn="ctr"/>
+                <a:endParaRPr lang="tr-TR"/>
+              </a:p>
+            </p:txBody>
+          </p:sp>
+          <p:sp>
+            <p:nvSpPr>
+              <p:cNvPr id="124" name="Isosceles Triangle 123"/>
+              <p:cNvSpPr/>
+              <p:nvPr/>
+            </p:nvSpPr>
+            <p:spPr>
+              <a:xfrm>
+                <a:off x="1154112" y="6065837"/>
+                <a:ext cx="127809" cy="138842"/>
+              </a:xfrm>
+              <a:prstGeom prst="triangle">
+                <a:avLst/>
+              </a:prstGeom>
+            </p:spPr>
+            <p:style>
+              <a:lnRef idx="2">
+                <a:schemeClr val="accent1">
+                  <a:shade val="50000"/>
+                </a:schemeClr>
+              </a:lnRef>
+              <a:fillRef idx="1">
+                <a:schemeClr val="accent1"/>
+              </a:fillRef>
+              <a:effectRef idx="0">
+                <a:schemeClr val="accent1"/>
+              </a:effectRef>
+              <a:fontRef idx="minor">
+                <a:schemeClr val="lt1"/>
+              </a:fontRef>
+            </p:style>
+            <p:txBody>
+              <a:bodyPr rtlCol="0" anchor="ctr"/>
+              <a:lstStyle/>
+              <a:p>
+                <a:pPr algn="ctr"/>
+                <a:endParaRPr lang="tr-TR"/>
+              </a:p>
+            </p:txBody>
+          </p:sp>
+          <p:sp>
+            <p:nvSpPr>
+              <p:cNvPr id="125" name="Isosceles Triangle 124"/>
+              <p:cNvSpPr/>
+              <p:nvPr/>
+            </p:nvSpPr>
+            <p:spPr>
+              <a:xfrm>
+                <a:off x="2297112" y="5761037"/>
+                <a:ext cx="127809" cy="138842"/>
+              </a:xfrm>
+              <a:prstGeom prst="triangle">
+                <a:avLst/>
+              </a:prstGeom>
+            </p:spPr>
+            <p:style>
+              <a:lnRef idx="2">
+                <a:schemeClr val="accent1">
+                  <a:shade val="50000"/>
+                </a:schemeClr>
+              </a:lnRef>
+              <a:fillRef idx="1">
+                <a:schemeClr val="accent1"/>
+              </a:fillRef>
+              <a:effectRef idx="0">
+                <a:schemeClr val="accent1"/>
+              </a:effectRef>
+              <a:fontRef idx="minor">
+                <a:schemeClr val="lt1"/>
+              </a:fontRef>
+            </p:style>
+            <p:txBody>
+              <a:bodyPr rtlCol="0" anchor="ctr"/>
+              <a:lstStyle/>
+              <a:p>
+                <a:pPr algn="ctr"/>
+                <a:endParaRPr lang="tr-TR"/>
+              </a:p>
+            </p:txBody>
+          </p:sp>
+          <p:sp>
+            <p:nvSpPr>
+              <p:cNvPr id="126" name="Rectangle 125"/>
+              <p:cNvSpPr/>
+              <p:nvPr/>
+            </p:nvSpPr>
+            <p:spPr>
+              <a:xfrm>
+                <a:off x="925512" y="6446837"/>
+                <a:ext cx="213015" cy="138842"/>
+              </a:xfrm>
+              <a:prstGeom prst="rect">
+                <a:avLst/>
+              </a:prstGeom>
+            </p:spPr>
+            <p:style>
+              <a:lnRef idx="2">
+                <a:schemeClr val="accent1">
+                  <a:shade val="50000"/>
+                </a:schemeClr>
+              </a:lnRef>
+              <a:fillRef idx="1">
+                <a:schemeClr val="accent1"/>
+              </a:fillRef>
+              <a:effectRef idx="0">
+                <a:schemeClr val="accent1"/>
+              </a:effectRef>
+              <a:fontRef idx="minor">
+                <a:schemeClr val="lt1"/>
+              </a:fontRef>
+            </p:style>
+            <p:txBody>
+              <a:bodyPr rtlCol="0" anchor="ctr"/>
+              <a:lstStyle/>
+              <a:p>
+                <a:pPr algn="ctr"/>
+                <a:endParaRPr lang="tr-TR"/>
+              </a:p>
+            </p:txBody>
+          </p:sp>
+          <p:sp>
+            <p:nvSpPr>
+              <p:cNvPr id="127" name="Rectangle 126"/>
+              <p:cNvSpPr/>
+              <p:nvPr/>
+            </p:nvSpPr>
+            <p:spPr>
+              <a:xfrm>
+                <a:off x="468312" y="5761037"/>
+                <a:ext cx="127809" cy="92561"/>
+              </a:xfrm>
+              <a:prstGeom prst="rect">
+                <a:avLst/>
+              </a:prstGeom>
+            </p:spPr>
+            <p:style>
+              <a:lnRef idx="2">
+                <a:schemeClr val="accent1">
+                  <a:shade val="50000"/>
+                </a:schemeClr>
+              </a:lnRef>
+              <a:fillRef idx="1">
+                <a:schemeClr val="accent1"/>
+              </a:fillRef>
+              <a:effectRef idx="0">
+                <a:schemeClr val="accent1"/>
+              </a:effectRef>
+              <a:fontRef idx="minor">
+                <a:schemeClr val="lt1"/>
+              </a:fontRef>
+            </p:style>
+            <p:txBody>
+              <a:bodyPr rtlCol="0" anchor="ctr"/>
+              <a:lstStyle/>
+              <a:p>
+                <a:pPr algn="ctr"/>
+                <a:endParaRPr lang="tr-TR"/>
+              </a:p>
+            </p:txBody>
+          </p:sp>
+          <p:sp>
+            <p:nvSpPr>
+              <p:cNvPr id="128" name="Right Arrow 127"/>
+              <p:cNvSpPr/>
+              <p:nvPr/>
+            </p:nvSpPr>
+            <p:spPr>
+              <a:xfrm>
+                <a:off x="5040312" y="5837237"/>
+                <a:ext cx="838200" cy="381000"/>
+              </a:xfrm>
+              <a:prstGeom prst="rightArrow">
+                <a:avLst/>
+              </a:prstGeom>
+            </p:spPr>
+            <p:style>
+              <a:lnRef idx="2">
+                <a:schemeClr val="accent1">
+                  <a:shade val="50000"/>
+                </a:schemeClr>
+              </a:lnRef>
+              <a:fillRef idx="1">
+                <a:schemeClr val="accent1"/>
+              </a:fillRef>
+              <a:effectRef idx="0">
+                <a:schemeClr val="accent1"/>
+              </a:effectRef>
+              <a:fontRef idx="minor">
+                <a:schemeClr val="lt1"/>
+              </a:fontRef>
+            </p:style>
+            <p:txBody>
+              <a:bodyPr rtlCol="0" anchor="ctr"/>
+              <a:lstStyle/>
+              <a:p>
+                <a:pPr algn="ctr"/>
+                <a:endParaRPr lang="tr-TR"/>
+              </a:p>
+            </p:txBody>
+          </p:sp>
+        </p:grpSp>
+        <p:cxnSp>
+          <p:nvCxnSpPr>
+            <p:cNvPr id="116" name="Straight Connector 115"/>
+            <p:cNvCxnSpPr/>
+            <p:nvPr/>
+          </p:nvCxnSpPr>
+          <p:spPr>
+            <a:xfrm>
+              <a:off x="2113472" y="2721275"/>
+              <a:ext cx="181154" cy="1588"/>
+            </a:xfrm>
+            <a:prstGeom prst="line">
+              <a:avLst/>
+            </a:prstGeom>
+            <a:ln w="15875"/>
+          </p:spPr>
+          <p:style>
+            <a:lnRef idx="1">
+              <a:schemeClr val="accent1"/>
+            </a:lnRef>
+            <a:fillRef idx="0">
+              <a:schemeClr val="accent1"/>
+            </a:fillRef>
+            <a:effectRef idx="0">
+              <a:schemeClr val="accent1"/>
+            </a:effectRef>
+            <a:fontRef idx="minor">
+              <a:schemeClr val="tx1"/>
+            </a:fontRef>
+          </p:style>
+        </p:cxnSp>
+      </p:grpSp>
+    </p:spTree>
+    <p:extLst>
+      <p:ext uri="{BB962C8B-B14F-4D97-AF65-F5344CB8AC3E}">
+        <p14:creationId xmlns:p14="http://schemas.microsoft.com/office/powerpoint/2010/main" xmlns="" val="1601229741"/>
+      </p:ext>
+    </p:extLst>
+  </p:cSld>
+  <p:clrMapOvr>
+    <a:masterClrMapping/>
+  </p:clrMapOvr>
+  <p:timing>
+    <p:tnLst>
+      <p:par>
+        <p:cTn id="1" dur="indefinite" restart="never" nodeType="tmRoot"/>
+      </p:par>
+    </p:tnLst>
+  </p:timing>
 </p:sld>
 </file>
 

--- a/juri_sunum.pptx
+++ b/juri_sunum.pptx
@@ -5,10 +5,10 @@
     <p:sldMasterId id="2147483886" r:id="rId1"/>
   </p:sldMasterIdLst>
   <p:notesMasterIdLst>
-    <p:notesMasterId r:id="rId21"/>
+    <p:notesMasterId r:id="rId25"/>
   </p:notesMasterIdLst>
   <p:handoutMasterIdLst>
-    <p:handoutMasterId r:id="rId22"/>
+    <p:handoutMasterId r:id="rId26"/>
   </p:handoutMasterIdLst>
   <p:sldIdLst>
     <p:sldId id="299" r:id="rId2"/>
@@ -28,8 +28,12 @@
     <p:sldId id="316" r:id="rId16"/>
     <p:sldId id="317" r:id="rId17"/>
     <p:sldId id="319" r:id="rId18"/>
-    <p:sldId id="305" r:id="rId19"/>
-    <p:sldId id="303" r:id="rId20"/>
+    <p:sldId id="320" r:id="rId19"/>
+    <p:sldId id="321" r:id="rId20"/>
+    <p:sldId id="322" r:id="rId21"/>
+    <p:sldId id="323" r:id="rId22"/>
+    <p:sldId id="305" r:id="rId23"/>
+    <p:sldId id="303" r:id="rId24"/>
   </p:sldIdLst>
   <p:sldSz cx="9144000" cy="6858000" type="screen4x3"/>
   <p:notesSz cx="6858000" cy="9144000"/>
@@ -160,7 +164,7 @@
   </p:defaultTextStyle>
   <p:extLst>
     <p:ext uri="{EFAFB233-063F-42B5-8137-9DF3F51BA10A}">
-      <p15:sldGuideLst xmlns:p15="http://schemas.microsoft.com/office/powerpoint/2012/main" xmlns="">
+      <p15:sldGuideLst xmlns:p15="http://schemas.microsoft.com/office/powerpoint/2012/main">
         <p15:guide id="1" orient="horz" pos="2160">
           <p15:clr>
             <a:srgbClr val="A4A3A4"/>
@@ -284,7 +288,7 @@
               <a:pPr>
                 <a:defRPr/>
               </a:pPr>
-              <a:t>4/17/2016</a:t>
+              <a:t>4/23/2016</a:t>
             </a:fld>
             <a:endParaRPr lang="en-US"/>
           </a:p>
@@ -382,7 +386,7 @@
     </p:spTree>
     <p:extLst>
       <p:ext uri="{BB962C8B-B14F-4D97-AF65-F5344CB8AC3E}">
-        <p14:creationId xmlns="" xmlns:p14="http://schemas.microsoft.com/office/powerpoint/2010/main" val="2307124841"/>
+        <p14:creationId xmlns:p14="http://schemas.microsoft.com/office/powerpoint/2010/main" val="2307124841"/>
       </p:ext>
     </p:extLst>
   </p:cSld>
@@ -498,7 +502,7 @@
               <a:pPr>
                 <a:defRPr/>
               </a:pPr>
-              <a:t>4/17/2016</a:t>
+              <a:t>4/23/2016</a:t>
             </a:fld>
             <a:endParaRPr lang="en-US"/>
           </a:p>
@@ -692,7 +696,7 @@
     </p:spTree>
     <p:extLst>
       <p:ext uri="{BB962C8B-B14F-4D97-AF65-F5344CB8AC3E}">
-        <p14:creationId xmlns="" xmlns:p14="http://schemas.microsoft.com/office/powerpoint/2010/main" val="733486758"/>
+        <p14:creationId xmlns:p14="http://schemas.microsoft.com/office/powerpoint/2010/main" val="733486758"/>
       </p:ext>
     </p:extLst>
   </p:cSld>
@@ -854,14 +858,14 @@
           <a:noFill/>
           <a:extLst>
             <a:ext uri="{909E8E84-426E-40DD-AFC4-6F175D3DCCD1}">
-              <a14:hiddenFill xmlns="" xmlns:a14="http://schemas.microsoft.com/office/drawing/2010/main">
+              <a14:hiddenFill xmlns:a14="http://schemas.microsoft.com/office/drawing/2010/main">
                 <a:solidFill>
                   <a:srgbClr val="FFFFFF"/>
                 </a:solidFill>
               </a14:hiddenFill>
             </a:ext>
             <a:ext uri="{91240B29-F687-4F45-9708-019B960494DF}">
-              <a14:hiddenLine xmlns="" xmlns:a14="http://schemas.microsoft.com/office/drawing/2010/main" w="9525">
+              <a14:hiddenLine xmlns:a14="http://schemas.microsoft.com/office/drawing/2010/main" w="9525">
                 <a:solidFill>
                   <a:srgbClr val="000000"/>
                 </a:solidFill>
@@ -1008,7 +1012,7 @@
           </a:ln>
           <a:extLst>
             <a:ext uri="{909E8E84-426E-40DD-AFC4-6F175D3DCCD1}">
-              <a14:hiddenFill xmlns="" xmlns:a14="http://schemas.microsoft.com/office/drawing/2010/main">
+              <a14:hiddenFill xmlns:a14="http://schemas.microsoft.com/office/drawing/2010/main">
                 <a:solidFill>
                   <a:srgbClr val="FFFFFF"/>
                 </a:solidFill>
@@ -1031,14 +1035,14 @@
           <a:noFill/>
           <a:extLst>
             <a:ext uri="{909E8E84-426E-40DD-AFC4-6F175D3DCCD1}">
-              <a14:hiddenFill xmlns="" xmlns:a14="http://schemas.microsoft.com/office/drawing/2010/main">
+              <a14:hiddenFill xmlns:a14="http://schemas.microsoft.com/office/drawing/2010/main">
                 <a:solidFill>
                   <a:srgbClr val="FFFFFF"/>
                 </a:solidFill>
               </a14:hiddenFill>
             </a:ext>
             <a:ext uri="{91240B29-F687-4F45-9708-019B960494DF}">
-              <a14:hiddenLine xmlns="" xmlns:a14="http://schemas.microsoft.com/office/drawing/2010/main" w="9525">
+              <a14:hiddenLine xmlns:a14="http://schemas.microsoft.com/office/drawing/2010/main" w="9525">
                 <a:solidFill>
                   <a:srgbClr val="000000"/>
                 </a:solidFill>
@@ -1073,7 +1077,7 @@
     </p:spTree>
     <p:extLst>
       <p:ext uri="{BB962C8B-B14F-4D97-AF65-F5344CB8AC3E}">
-        <p14:creationId xmlns="" xmlns:p14="http://schemas.microsoft.com/office/powerpoint/2010/main" val="1831345199"/>
+        <p14:creationId xmlns:p14="http://schemas.microsoft.com/office/powerpoint/2010/main" val="1831345199"/>
       </p:ext>
     </p:extLst>
   </p:cSld>
@@ -1112,7 +1116,7 @@
           <a:blip r:embed="rId2">
             <a:extLst>
               <a:ext uri="{28A0092B-C50C-407E-A947-70E740481C1C}">
-                <a14:useLocalDpi xmlns="" xmlns:a14="http://schemas.microsoft.com/office/drawing/2010/main" val="0"/>
+                <a14:useLocalDpi xmlns:a14="http://schemas.microsoft.com/office/drawing/2010/main" val="0"/>
               </a:ext>
             </a:extLst>
           </a:blip>
@@ -1135,14 +1139,14 @@
           </a:ln>
           <a:extLst>
             <a:ext uri="{909E8E84-426E-40DD-AFC4-6F175D3DCCD1}">
-              <a14:hiddenFill xmlns="" xmlns:a14="http://schemas.microsoft.com/office/drawing/2010/main">
+              <a14:hiddenFill xmlns:a14="http://schemas.microsoft.com/office/drawing/2010/main">
                 <a:solidFill>
                   <a:srgbClr val="FFFFFF"/>
                 </a:solidFill>
               </a14:hiddenFill>
             </a:ext>
             <a:ext uri="{91240B29-F687-4F45-9708-019B960494DF}">
-              <a14:hiddenLine xmlns="" xmlns:a14="http://schemas.microsoft.com/office/drawing/2010/main" w="9525">
+              <a14:hiddenLine xmlns:a14="http://schemas.microsoft.com/office/drawing/2010/main" w="9525">
                 <a:solidFill>
                   <a:srgbClr val="000000"/>
                 </a:solidFill>
@@ -1508,7 +1512,7 @@
     </p:spTree>
     <p:extLst>
       <p:ext uri="{BB962C8B-B14F-4D97-AF65-F5344CB8AC3E}">
-        <p14:creationId xmlns="" xmlns:p14="http://schemas.microsoft.com/office/powerpoint/2010/main" val="4044641051"/>
+        <p14:creationId xmlns:p14="http://schemas.microsoft.com/office/powerpoint/2010/main" val="4044641051"/>
       </p:ext>
     </p:extLst>
   </p:cSld>
@@ -1826,7 +1830,7 @@
     </p:spTree>
     <p:extLst>
       <p:ext uri="{BB962C8B-B14F-4D97-AF65-F5344CB8AC3E}">
-        <p14:creationId xmlns="" xmlns:p14="http://schemas.microsoft.com/office/powerpoint/2010/main" val="43940600"/>
+        <p14:creationId xmlns:p14="http://schemas.microsoft.com/office/powerpoint/2010/main" val="43940600"/>
       </p:ext>
     </p:extLst>
   </p:cSld>
@@ -2211,7 +2215,7 @@
     </p:spTree>
     <p:extLst>
       <p:ext uri="{BB962C8B-B14F-4D97-AF65-F5344CB8AC3E}">
-        <p14:creationId xmlns="" xmlns:p14="http://schemas.microsoft.com/office/powerpoint/2010/main" val="4116636478"/>
+        <p14:creationId xmlns:p14="http://schemas.microsoft.com/office/powerpoint/2010/main" val="4116636478"/>
       </p:ext>
     </p:extLst>
   </p:cSld>
@@ -2618,7 +2622,7 @@
     </p:spTree>
     <p:extLst>
       <p:ext uri="{BB962C8B-B14F-4D97-AF65-F5344CB8AC3E}">
-        <p14:creationId xmlns="" xmlns:p14="http://schemas.microsoft.com/office/powerpoint/2010/main" val="4111024574"/>
+        <p14:creationId xmlns:p14="http://schemas.microsoft.com/office/powerpoint/2010/main" val="4111024574"/>
       </p:ext>
     </p:extLst>
   </p:cSld>
@@ -2797,7 +2801,7 @@
     </p:spTree>
     <p:extLst>
       <p:ext uri="{BB962C8B-B14F-4D97-AF65-F5344CB8AC3E}">
-        <p14:creationId xmlns="" xmlns:p14="http://schemas.microsoft.com/office/powerpoint/2010/main" val="2069476619"/>
+        <p14:creationId xmlns:p14="http://schemas.microsoft.com/office/powerpoint/2010/main" val="2069476619"/>
       </p:ext>
     </p:extLst>
   </p:cSld>
@@ -2916,7 +2920,7 @@
     </p:spTree>
     <p:extLst>
       <p:ext uri="{BB962C8B-B14F-4D97-AF65-F5344CB8AC3E}">
-        <p14:creationId xmlns="" xmlns:p14="http://schemas.microsoft.com/office/powerpoint/2010/main" val="1462183360"/>
+        <p14:creationId xmlns:p14="http://schemas.microsoft.com/office/powerpoint/2010/main" val="1462183360"/>
       </p:ext>
     </p:extLst>
   </p:cSld>
@@ -2962,7 +2966,7 @@
           <a:blip r:embed="rId2">
             <a:extLst>
               <a:ext uri="{28A0092B-C50C-407E-A947-70E740481C1C}">
-                <a14:useLocalDpi xmlns="" xmlns:a14="http://schemas.microsoft.com/office/drawing/2010/main" val="0"/>
+                <a14:useLocalDpi xmlns:a14="http://schemas.microsoft.com/office/drawing/2010/main" val="0"/>
               </a:ext>
             </a:extLst>
           </a:blip>
@@ -2985,14 +2989,14 @@
           </a:ln>
           <a:extLst>
             <a:ext uri="{909E8E84-426E-40DD-AFC4-6F175D3DCCD1}">
-              <a14:hiddenFill xmlns="" xmlns:a14="http://schemas.microsoft.com/office/drawing/2010/main">
+              <a14:hiddenFill xmlns:a14="http://schemas.microsoft.com/office/drawing/2010/main">
                 <a:solidFill>
                   <a:srgbClr val="FFFFFF"/>
                 </a:solidFill>
               </a14:hiddenFill>
             </a:ext>
             <a:ext uri="{91240B29-F687-4F45-9708-019B960494DF}">
-              <a14:hiddenLine xmlns="" xmlns:a14="http://schemas.microsoft.com/office/drawing/2010/main" w="9525">
+              <a14:hiddenLine xmlns:a14="http://schemas.microsoft.com/office/drawing/2010/main" w="9525">
                 <a:solidFill>
                   <a:srgbClr val="000000"/>
                 </a:solidFill>
@@ -3026,14 +3030,14 @@
           </a:ln>
           <a:extLst>
             <a:ext uri="{909E8E84-426E-40DD-AFC4-6F175D3DCCD1}">
-              <a14:hiddenFill xmlns="" xmlns:a14="http://schemas.microsoft.com/office/drawing/2010/main">
+              <a14:hiddenFill xmlns:a14="http://schemas.microsoft.com/office/drawing/2010/main">
                 <a:solidFill>
                   <a:srgbClr val="FFFFFF"/>
                 </a:solidFill>
               </a14:hiddenFill>
             </a:ext>
             <a:ext uri="{91240B29-F687-4F45-9708-019B960494DF}">
-              <a14:hiddenLine xmlns="" xmlns:a14="http://schemas.microsoft.com/office/drawing/2010/main" w="9525">
+              <a14:hiddenLine xmlns:a14="http://schemas.microsoft.com/office/drawing/2010/main" w="9525">
                 <a:solidFill>
                   <a:srgbClr val="000000"/>
                 </a:solidFill>
@@ -3181,7 +3185,7 @@
     </p:spTree>
     <p:extLst>
       <p:ext uri="{BB962C8B-B14F-4D97-AF65-F5344CB8AC3E}">
-        <p14:creationId xmlns="" xmlns:p14="http://schemas.microsoft.com/office/powerpoint/2010/main" val="3245506927"/>
+        <p14:creationId xmlns:p14="http://schemas.microsoft.com/office/powerpoint/2010/main" val="3245506927"/>
       </p:ext>
     </p:extLst>
   </p:cSld>
@@ -3300,7 +3304,7 @@
             <a:blip r:embed="rId9">
               <a:extLst>
                 <a:ext uri="{28A0092B-C50C-407E-A947-70E740481C1C}">
-                  <a14:useLocalDpi xmlns="" xmlns:a14="http://schemas.microsoft.com/office/drawing/2010/main" val="0"/>
+                  <a14:useLocalDpi xmlns:a14="http://schemas.microsoft.com/office/drawing/2010/main" val="0"/>
                 </a:ext>
               </a:extLst>
             </a:blip>
@@ -3323,14 +3327,14 @@
             </a:ln>
             <a:extLst>
               <a:ext uri="{909E8E84-426E-40DD-AFC4-6F175D3DCCD1}">
-                <a14:hiddenFill xmlns="" xmlns:a14="http://schemas.microsoft.com/office/drawing/2010/main">
+                <a14:hiddenFill xmlns:a14="http://schemas.microsoft.com/office/drawing/2010/main">
                   <a:solidFill>
                     <a:srgbClr val="FFFFFF"/>
                   </a:solidFill>
                 </a14:hiddenFill>
               </a:ext>
               <a:ext uri="{91240B29-F687-4F45-9708-019B960494DF}">
-                <a14:hiddenLine xmlns="" xmlns:a14="http://schemas.microsoft.com/office/drawing/2010/main" w="9525">
+                <a14:hiddenLine xmlns:a14="http://schemas.microsoft.com/office/drawing/2010/main" w="9525">
                   <a:solidFill>
                     <a:srgbClr val="000000"/>
                   </a:solidFill>
@@ -3499,14 +3503,14 @@
           </a:ln>
           <a:extLst>
             <a:ext uri="{909E8E84-426E-40DD-AFC4-6F175D3DCCD1}">
-              <a14:hiddenFill xmlns="" xmlns:a14="http://schemas.microsoft.com/office/drawing/2010/main">
+              <a14:hiddenFill xmlns:a14="http://schemas.microsoft.com/office/drawing/2010/main">
                 <a:solidFill>
                   <a:srgbClr val="FFFFFF"/>
                 </a:solidFill>
               </a14:hiddenFill>
             </a:ext>
             <a:ext uri="{91240B29-F687-4F45-9708-019B960494DF}">
-              <a14:hiddenLine xmlns="" xmlns:a14="http://schemas.microsoft.com/office/drawing/2010/main" w="9525">
+              <a14:hiddenLine xmlns:a14="http://schemas.microsoft.com/office/drawing/2010/main" w="9525">
                 <a:solidFill>
                   <a:srgbClr val="000000"/>
                 </a:solidFill>
@@ -3590,14 +3594,14 @@
           </a:ln>
           <a:extLst>
             <a:ext uri="{909E8E84-426E-40DD-AFC4-6F175D3DCCD1}">
-              <a14:hiddenFill xmlns="" xmlns:a14="http://schemas.microsoft.com/office/drawing/2010/main">
+              <a14:hiddenFill xmlns:a14="http://schemas.microsoft.com/office/drawing/2010/main">
                 <a:solidFill>
                   <a:srgbClr val="FFFFFF"/>
                 </a:solidFill>
               </a14:hiddenFill>
             </a:ext>
             <a:ext uri="{91240B29-F687-4F45-9708-019B960494DF}">
-              <a14:hiddenLine xmlns="" xmlns:a14="http://schemas.microsoft.com/office/drawing/2010/main" w="9525">
+              <a14:hiddenLine xmlns:a14="http://schemas.microsoft.com/office/drawing/2010/main" w="9525">
                 <a:solidFill>
                   <a:srgbClr val="000000"/>
                 </a:solidFill>
@@ -4244,7 +4248,7 @@
           <a:blip r:embed="rId3">
             <a:extLst>
               <a:ext uri="{28A0092B-C50C-407E-A947-70E740481C1C}">
-                <a14:useLocalDpi xmlns="" xmlns:a14="http://schemas.microsoft.com/office/drawing/2010/main" val="0"/>
+                <a14:useLocalDpi xmlns:a14="http://schemas.microsoft.com/office/drawing/2010/main" val="0"/>
               </a:ext>
             </a:extLst>
           </a:blip>
@@ -4267,14 +4271,14 @@
           </a:ln>
           <a:extLst>
             <a:ext uri="{909E8E84-426E-40DD-AFC4-6F175D3DCCD1}">
-              <a14:hiddenFill xmlns="" xmlns:a14="http://schemas.microsoft.com/office/drawing/2010/main">
+              <a14:hiddenFill xmlns:a14="http://schemas.microsoft.com/office/drawing/2010/main">
                 <a:solidFill>
                   <a:srgbClr val="FFFFFF"/>
                 </a:solidFill>
               </a14:hiddenFill>
             </a:ext>
             <a:ext uri="{91240B29-F687-4F45-9708-019B960494DF}">
-              <a14:hiddenLine xmlns="" xmlns:a14="http://schemas.microsoft.com/office/drawing/2010/main" w="9525">
+              <a14:hiddenLine xmlns:a14="http://schemas.microsoft.com/office/drawing/2010/main" w="9525">
                 <a:solidFill>
                   <a:srgbClr val="000000"/>
                 </a:solidFill>
@@ -4401,11 +4405,7 @@
             </a:r>
             <a:r>
               <a:rPr lang="en-US" sz="1600" u="sng" dirty="0" smtClean="0"/>
-              <a:t>Route </a:t>
-            </a:r>
-            <a:r>
-              <a:rPr lang="en-US" sz="1600" u="sng" dirty="0" smtClean="0"/>
-              <a:t>Table Determination</a:t>
+              <a:t>Route Table Determination</a:t>
             </a:r>
           </a:p>
           <a:p>
@@ -4424,15 +4424,7 @@
             </a:r>
             <a:r>
               <a:rPr lang="en-US" sz="1400" dirty="0" smtClean="0"/>
-              <a:t>determines </a:t>
-            </a:r>
-            <a:r>
-              <a:rPr lang="en-US" sz="1400" dirty="0" smtClean="0"/>
-              <a:t>the clusters around </a:t>
-            </a:r>
-            <a:r>
-              <a:rPr lang="en-US" sz="1400" dirty="0" smtClean="0"/>
-              <a:t>the</a:t>
+              <a:t>determines the clusters around the</a:t>
             </a:r>
             <a:r>
               <a:rPr lang="tr-TR" sz="1400" dirty="0" smtClean="0"/>
@@ -4444,11 +4436,7 @@
             </a:r>
             <a:r>
               <a:rPr lang="en-US" sz="1400" dirty="0" smtClean="0"/>
-              <a:t> </a:t>
-            </a:r>
-            <a:r>
-              <a:rPr lang="en-US" sz="1400" dirty="0" smtClean="0"/>
-              <a:t>beacons and provides the order for the </a:t>
+              <a:t> beacons and provides the order for the </a:t>
             </a:r>
             <a:r>
               <a:rPr lang="tr-TR" sz="1400" dirty="0" smtClean="0"/>
@@ -4530,23 +4518,11 @@
             </a:r>
             <a:r>
               <a:rPr lang="en-US" sz="1400" dirty="0" smtClean="0"/>
-              <a:t> </a:t>
-            </a:r>
-            <a:r>
-              <a:rPr lang="en-US" sz="1400" dirty="0" smtClean="0"/>
-              <a:t>the agents which don’t have position </a:t>
-            </a:r>
-            <a:r>
-              <a:rPr lang="en-US" sz="1400" dirty="0" smtClean="0"/>
-              <a:t>sensors</a:t>
+              <a:t> the agents which don’t have position sensors</a:t>
             </a:r>
             <a:r>
               <a:rPr lang="tr-TR" sz="1400" dirty="0" smtClean="0"/>
-              <a:t>  by using local </a:t>
-            </a:r>
-            <a:r>
-              <a:rPr lang="tr-TR" sz="1400" dirty="0" smtClean="0"/>
-              <a:t>neighbors.</a:t>
+              <a:t>  by using local neighbors.</a:t>
             </a:r>
             <a:endParaRPr lang="tr-TR" sz="1400" dirty="0"/>
           </a:p>
@@ -4651,7 +4627,7 @@
     </p:spTree>
     <p:extLst>
       <p:ext uri="{BB962C8B-B14F-4D97-AF65-F5344CB8AC3E}">
-        <p14:creationId xmlns="" xmlns:p14="http://schemas.microsoft.com/office/powerpoint/2010/main" val="1601229741"/>
+        <p14:creationId xmlns:p14="http://schemas.microsoft.com/office/powerpoint/2010/main" val="1601229741"/>
       </p:ext>
     </p:extLst>
   </p:cSld>
@@ -4806,11 +4782,7 @@
             </a:r>
             <a:r>
               <a:rPr lang="en-US" sz="1400" dirty="0" smtClean="0"/>
-              <a:t>Handles </a:t>
-            </a:r>
-            <a:r>
-              <a:rPr lang="en-US" sz="1400" dirty="0" smtClean="0"/>
-              <a:t>lost agents (agents do not have  three neighbors) </a:t>
+              <a:t>Handles lost agents (agents do not have  three neighbors) </a:t>
             </a:r>
           </a:p>
           <a:p>
@@ -5827,7 +5799,7 @@
     </p:spTree>
     <p:extLst>
       <p:ext uri="{BB962C8B-B14F-4D97-AF65-F5344CB8AC3E}">
-        <p14:creationId xmlns="" xmlns:p14="http://schemas.microsoft.com/office/powerpoint/2010/main" val="1601229741"/>
+        <p14:creationId xmlns:p14="http://schemas.microsoft.com/office/powerpoint/2010/main" val="1601229741"/>
       </p:ext>
     </p:extLst>
   </p:cSld>
@@ -5916,15 +5888,7 @@
             </a:r>
             <a:r>
               <a:rPr lang="en-US" sz="1600" dirty="0" smtClean="0"/>
-              <a:t> </a:t>
-            </a:r>
-            <a:r>
-              <a:rPr lang="en-US" sz="1600" dirty="0" smtClean="0"/>
-              <a:t>of the </a:t>
-            </a:r>
-            <a:r>
-              <a:rPr lang="en-US" sz="1600" dirty="0" smtClean="0"/>
-              <a:t>position(P(</a:t>
+              <a:t> of the position(P(</a:t>
             </a:r>
             <a:r>
               <a:rPr lang="en-US" sz="1600" dirty="0" err="1" smtClean="0"/>
@@ -5940,11 +5904,7 @@
             </a:r>
             <a:r>
               <a:rPr lang="en-US" sz="1600" dirty="0" smtClean="0"/>
-              <a:t>can </a:t>
-            </a:r>
-            <a:r>
-              <a:rPr lang="en-US" sz="1600" dirty="0" smtClean="0"/>
-              <a:t>be reduced to a problem of; </a:t>
+              <a:t>can be reduced to a problem of; </a:t>
             </a:r>
             <a:endParaRPr lang="tr-TR" sz="1600" dirty="0"/>
           </a:p>
@@ -5964,9 +5924,59 @@
         </p:xfrm>
         <a:graphic>
           <a:graphicData uri="http://schemas.openxmlformats.org/presentationml/2006/ole">
-            <p:oleObj spid="_x0000_s1026" name="Equation" r:id="rId3" imgW="469800" imgH="228600" progId="Equation.3">
-              <p:embed/>
-            </p:oleObj>
+            <mc:AlternateContent xmlns:mc="http://schemas.openxmlformats.org/markup-compatibility/2006">
+              <mc:Choice xmlns:v="urn:schemas-microsoft-com:vml" Requires="v">
+                <p:oleObj spid="_x0000_s1030" name="Equation" r:id="rId3" imgW="469800" imgH="228600" progId="Equation.3">
+                  <p:embed/>
+                </p:oleObj>
+              </mc:Choice>
+              <mc:Fallback>
+                <p:oleObj name="Equation" r:id="rId3" imgW="469800" imgH="228600" progId="Equation.3">
+                  <p:embed/>
+                  <p:pic>
+                    <p:nvPicPr>
+                      <p:cNvPr id="0" name="Picture 2"/>
+                      <p:cNvPicPr>
+                        <a:picLocks noChangeAspect="1" noChangeArrowheads="1"/>
+                      </p:cNvPicPr>
+                      <p:nvPr/>
+                    </p:nvPicPr>
+                    <p:blipFill>
+                      <a:blip r:embed="rId4">
+                        <a:extLst>
+                          <a:ext uri="{28A0092B-C50C-407E-A947-70E740481C1C}">
+                            <a14:useLocalDpi xmlns:a14="http://schemas.microsoft.com/office/drawing/2010/main" val="0"/>
+                          </a:ext>
+                        </a:extLst>
+                      </a:blip>
+                      <a:srcRect/>
+                      <a:stretch>
+                        <a:fillRect/>
+                      </a:stretch>
+                    </p:blipFill>
+                    <p:spPr bwMode="auto">
+                      <a:xfrm>
+                        <a:off x="3958431" y="2571750"/>
+                        <a:ext cx="998537" cy="485775"/>
+                      </a:xfrm>
+                      <a:prstGeom prst="rect">
+                        <a:avLst/>
+                      </a:prstGeom>
+                      <a:noFill/>
+                      <a:extLst>
+                        <a:ext uri="{909E8E84-426E-40DD-AFC4-6F175D3DCCD1}">
+                          <a14:hiddenFill xmlns:a14="http://schemas.microsoft.com/office/drawing/2010/main">
+                            <a:solidFill>
+                              <a:srgbClr val="FFFFFF"/>
+                            </a:solidFill>
+                          </a14:hiddenFill>
+                        </a:ext>
+                      </a:extLst>
+                    </p:spPr>
+                  </p:pic>
+                </p:oleObj>
+              </mc:Fallback>
+            </mc:AlternateContent>
           </a:graphicData>
         </a:graphic>
       </p:graphicFrame>
@@ -6012,15 +6022,7 @@
               </a:r>
               <a:r>
                 <a:rPr lang="en-US" sz="1600" dirty="0" smtClean="0"/>
-                <a:t>e </a:t>
-              </a:r>
-              <a:r>
-                <a:rPr lang="en-US" sz="1600" dirty="0" smtClean="0"/>
-                <a:t>have </a:t>
-              </a:r>
-              <a:r>
-                <a:rPr lang="en-US" sz="1600" dirty="0" smtClean="0"/>
-                <a:t>a</a:t>
+                <a:t>e have a</a:t>
               </a:r>
               <a:r>
                 <a:rPr lang="tr-TR" sz="1600" dirty="0" smtClean="0"/>
@@ -6028,11 +6030,7 @@
               </a:r>
               <a:r>
                 <a:rPr lang="en-US" sz="1600" dirty="0" smtClean="0"/>
-                <a:t> </a:t>
-              </a:r>
-              <a:r>
-                <a:rPr lang="en-US" sz="1600" dirty="0" smtClean="0"/>
-                <a:t>A matrix with a dimension of </a:t>
+                <a:t> A matrix with a dimension of </a:t>
               </a:r>
               <a:r>
                 <a:rPr lang="tr-TR" sz="1600" dirty="0" smtClean="0"/>
@@ -6048,15 +6046,7 @@
               </a:r>
               <a:r>
                 <a:rPr lang="en-US" sz="1600" dirty="0" smtClean="0"/>
-                <a:t> </a:t>
-              </a:r>
-              <a:r>
-                <a:rPr lang="en-US" sz="1600" dirty="0" smtClean="0"/>
-                <a:t>x </a:t>
-              </a:r>
-              <a:r>
-                <a:rPr lang="en-US" sz="1600" dirty="0" smtClean="0"/>
-                <a:t>2</a:t>
+                <a:t> x 2</a:t>
               </a:r>
               <a:r>
                 <a:rPr lang="tr-TR" sz="1600" dirty="0" smtClean="0"/>
@@ -6072,15 +6062,7 @@
               </a:r>
               <a:r>
                 <a:rPr lang="en-US" sz="1600" dirty="0" smtClean="0"/>
-                <a:t>here </a:t>
-              </a:r>
-              <a:r>
-                <a:rPr lang="en-US" sz="1600" dirty="0" smtClean="0"/>
-                <a:t>are three options </a:t>
-              </a:r>
-              <a:r>
-                <a:rPr lang="en-US" sz="1600" dirty="0" smtClean="0"/>
-                <a:t>for</a:t>
+                <a:t>here are three options for</a:t>
               </a:r>
               <a:r>
                 <a:rPr lang="tr-TR" sz="1600" dirty="0" smtClean="0"/>
@@ -6088,11 +6070,7 @@
               </a:r>
               <a:r>
                 <a:rPr lang="en-US" sz="1600" dirty="0" smtClean="0"/>
-                <a:t>he </a:t>
-              </a:r>
-              <a:r>
-                <a:rPr lang="en-US" sz="1600" dirty="0" smtClean="0"/>
-                <a:t>solution of the problem related with the condition of A matrix,</a:t>
+                <a:t>he solution of the problem related with the condition of A matrix,</a:t>
               </a:r>
             </a:p>
             <a:p>
@@ -6117,11 +6095,7 @@
               </a:r>
               <a:r>
                 <a:rPr lang="en-US" sz="1400" dirty="0" smtClean="0"/>
-                <a:t>unique </a:t>
-              </a:r>
-              <a:r>
-                <a:rPr lang="en-US" sz="1400" dirty="0" smtClean="0"/>
-                <a:t>solution </a:t>
+                <a:t>unique solution </a:t>
               </a:r>
               <a:r>
                 <a:rPr lang="tr-TR" sz="1400" dirty="0" smtClean="0"/>
@@ -6129,15 +6103,7 @@
               </a:r>
               <a:r>
                 <a:rPr lang="en-US" sz="1400" dirty="0" smtClean="0"/>
-                <a:t> </a:t>
-              </a:r>
-              <a:r>
-                <a:rPr lang="en-US" sz="1400" dirty="0" smtClean="0"/>
-                <a:t>3 neighbors and A is full column rank </a:t>
-              </a:r>
-              <a:r>
-                <a:rPr lang="en-US" sz="1400" dirty="0" smtClean="0"/>
-                <a:t>matrix</a:t>
+                <a:t> 3 neighbors and A is full column rank matrix</a:t>
               </a:r>
               <a:r>
                 <a:rPr lang="tr-TR" sz="1400" dirty="0" smtClean="0"/>
@@ -6152,11 +6118,7 @@
               </a:r>
               <a:r>
                 <a:rPr lang="en-US" dirty="0" smtClean="0"/>
-                <a:t>                         </a:t>
-              </a:r>
-              <a:r>
-                <a:rPr lang="en-US" dirty="0" smtClean="0"/>
-                <a:t>, </a:t>
+                <a:t>                         , </a:t>
               </a:r>
               <a:r>
                 <a:rPr lang="tr-TR" dirty="0" smtClean="0"/>
@@ -6164,11 +6126,7 @@
               </a:r>
               <a:r>
                 <a:rPr lang="en-US" sz="1400" dirty="0" smtClean="0"/>
-                <a:t>minimum </a:t>
-              </a:r>
-              <a:r>
-                <a:rPr lang="en-US" sz="1400" dirty="0" smtClean="0"/>
-                <a:t>norm solution </a:t>
+                <a:t>minimum norm solution </a:t>
               </a:r>
               <a:r>
                 <a:rPr lang="tr-TR" sz="1400" dirty="0" smtClean="0"/>
@@ -6176,11 +6134,7 @@
               </a:r>
               <a:r>
                 <a:rPr lang="en-US" sz="1400" dirty="0" smtClean="0"/>
-                <a:t>more </a:t>
-              </a:r>
-              <a:r>
-                <a:rPr lang="en-US" sz="1400" dirty="0" smtClean="0"/>
-                <a:t>neighbors and A is full column rank matrix</a:t>
+                <a:t>more neighbors and A is full column rank matrix</a:t>
               </a:r>
               <a:endParaRPr lang="en-US" dirty="0" smtClean="0"/>
             </a:p>
@@ -6199,15 +6153,7 @@
               </a:r>
               <a:r>
                 <a:rPr lang="en-US" sz="1400" dirty="0" smtClean="0"/>
-                <a:t>Find </a:t>
-              </a:r>
-              <a:r>
-                <a:rPr lang="en-US" sz="1400" dirty="0" smtClean="0"/>
-                <a:t>the minimum error/norm solution with nonlinear least squares </a:t>
-              </a:r>
-              <a:r>
-                <a:rPr lang="en-US" sz="1400" dirty="0" smtClean="0"/>
-                <a:t>method</a:t>
+                <a:t>Find the minimum error/norm solution with nonlinear least squares method</a:t>
               </a:r>
               <a:r>
                 <a:rPr lang="tr-TR" sz="1400" dirty="0" smtClean="0"/>
@@ -6236,7 +6182,7 @@
             <p:nvPr/>
           </p:nvPicPr>
           <p:blipFill>
-            <a:blip r:embed="rId4"/>
+            <a:blip r:embed="rId5"/>
             <a:srcRect/>
             <a:stretch>
               <a:fillRect/>
@@ -6269,7 +6215,7 @@
             <p:nvPr/>
           </p:nvPicPr>
           <p:blipFill>
-            <a:blip r:embed="rId5"/>
+            <a:blip r:embed="rId6"/>
             <a:srcRect/>
             <a:stretch>
               <a:fillRect/>
@@ -6339,7 +6285,7 @@
     </p:spTree>
     <p:extLst>
       <p:ext uri="{BB962C8B-B14F-4D97-AF65-F5344CB8AC3E}">
-        <p14:creationId xmlns="" xmlns:p14="http://schemas.microsoft.com/office/powerpoint/2010/main" val="1601229741"/>
+        <p14:creationId xmlns:p14="http://schemas.microsoft.com/office/powerpoint/2010/main" val="1601229741"/>
       </p:ext>
     </p:extLst>
   </p:cSld>
@@ -6451,11 +6397,7 @@
           <a:p>
             <a:r>
               <a:rPr lang="en-US" sz="1600" u="sng" dirty="0" smtClean="0"/>
-              <a:t>Lost agent handling </a:t>
-            </a:r>
-            <a:r>
-              <a:rPr lang="en-US" sz="1600" u="sng" dirty="0" smtClean="0"/>
-              <a:t>rules</a:t>
+              <a:t>Lost agent handling rules</a:t>
             </a:r>
             <a:r>
               <a:rPr lang="tr-TR" sz="1600" u="sng" dirty="0" smtClean="0"/>
@@ -6483,11 +6425,7 @@
             </a:pPr>
             <a:r>
               <a:rPr lang="en-US" sz="1400" dirty="0" smtClean="0"/>
-              <a:t>If an agent is lost it cannot enter the localization </a:t>
-            </a:r>
-            <a:r>
-              <a:rPr lang="en-US" sz="1400" dirty="0" smtClean="0"/>
-              <a:t>process</a:t>
+              <a:t>If an agent is lost it cannot enter the localization process</a:t>
             </a:r>
             <a:r>
               <a:rPr lang="tr-TR" sz="1400" dirty="0" smtClean="0"/>
@@ -6502,11 +6440,7 @@
             </a:pPr>
             <a:r>
               <a:rPr lang="en-US" sz="1400" dirty="0" smtClean="0"/>
-              <a:t>If an agent is missing the localization process for </a:t>
-            </a:r>
-            <a:r>
-              <a:rPr lang="en-US" sz="1400" dirty="0" smtClean="0"/>
-              <a:t>3 times</a:t>
+              <a:t>If an agent is missing the localization process for 3 times</a:t>
             </a:r>
             <a:r>
               <a:rPr lang="tr-TR" sz="1400" dirty="0" smtClean="0"/>
@@ -6526,19 +6460,11 @@
             </a:r>
             <a:r>
               <a:rPr lang="tr-TR" sz="1400" dirty="0" smtClean="0"/>
-              <a:t>mode</a:t>
-            </a:r>
-            <a:r>
-              <a:rPr lang="tr-TR" sz="1400" dirty="0" smtClean="0"/>
-              <a:t>’ in which </a:t>
+              <a:t>mode’ in which </a:t>
             </a:r>
             <a:r>
               <a:rPr lang="en-US" sz="1400" dirty="0" smtClean="0"/>
-              <a:t> </a:t>
-            </a:r>
-            <a:r>
-              <a:rPr lang="en-US" sz="1400" dirty="0" smtClean="0"/>
-              <a:t>it </a:t>
+              <a:t> it </a:t>
             </a:r>
             <a:r>
               <a:rPr lang="tr-TR" sz="1400" dirty="0" smtClean="0"/>
@@ -6546,15 +6472,7 @@
             </a:r>
             <a:r>
               <a:rPr lang="en-US" sz="1400" dirty="0" smtClean="0"/>
-              <a:t>to </a:t>
-            </a:r>
-            <a:r>
-              <a:rPr lang="en-US" sz="1400" dirty="0" smtClean="0"/>
-              <a:t>the formation shape center </a:t>
-            </a:r>
-            <a:r>
-              <a:rPr lang="en-US" sz="1400" dirty="0" smtClean="0"/>
-              <a:t> </a:t>
+              <a:t>to the formation shape center  </a:t>
             </a:r>
             <a:endParaRPr lang="tr-TR" sz="1400" dirty="0"/>
           </a:p>
@@ -6851,7 +6769,7 @@
     </p:spTree>
     <p:extLst>
       <p:ext uri="{BB962C8B-B14F-4D97-AF65-F5344CB8AC3E}">
-        <p14:creationId xmlns="" xmlns:p14="http://schemas.microsoft.com/office/powerpoint/2010/main" val="1601229741"/>
+        <p14:creationId xmlns:p14="http://schemas.microsoft.com/office/powerpoint/2010/main" val="1601229741"/>
       </p:ext>
     </p:extLst>
   </p:cSld>
@@ -9414,7 +9332,7 @@
     </p:spTree>
     <p:extLst>
       <p:ext uri="{BB962C8B-B14F-4D97-AF65-F5344CB8AC3E}">
-        <p14:creationId xmlns="" xmlns:p14="http://schemas.microsoft.com/office/powerpoint/2010/main" val="1601229741"/>
+        <p14:creationId xmlns:p14="http://schemas.microsoft.com/office/powerpoint/2010/main" val="1601229741"/>
       </p:ext>
     </p:extLst>
   </p:cSld>
@@ -9568,15 +9486,7 @@
             </a:r>
             <a:r>
               <a:rPr lang="en-US" sz="1600" dirty="0" smtClean="0"/>
-              <a:t>determines </a:t>
-            </a:r>
-            <a:r>
-              <a:rPr lang="en-US" sz="1600" dirty="0" smtClean="0"/>
-              <a:t>the clusters around position </a:t>
-            </a:r>
-            <a:r>
-              <a:rPr lang="en-US" sz="1600" dirty="0" smtClean="0"/>
-              <a:t>beacon</a:t>
+              <a:t>determines the clusters around position beacon</a:t>
             </a:r>
             <a:r>
               <a:rPr lang="tr-TR" sz="1600" dirty="0" smtClean="0"/>
@@ -9627,15 +9537,7 @@
             </a:r>
             <a:r>
               <a:rPr lang="en-US" sz="1600" dirty="0" smtClean="0"/>
-              <a:t>Destination-Sequenced </a:t>
-            </a:r>
-            <a:r>
-              <a:rPr lang="en-US" sz="1600" dirty="0" smtClean="0"/>
-              <a:t>Distance Vector Routing </a:t>
-            </a:r>
-            <a:r>
-              <a:rPr lang="en-US" sz="1600" dirty="0" smtClean="0"/>
-              <a:t>Protocol</a:t>
+              <a:t>Destination-Sequenced Distance Vector Routing Protocol</a:t>
             </a:r>
             <a:r>
               <a:rPr lang="tr-TR" sz="1600" dirty="0" smtClean="0"/>
@@ -9651,21 +9553,13 @@
             </a:r>
             <a:r>
               <a:rPr lang="en-US" sz="1600" dirty="0" smtClean="0"/>
-              <a:t> </a:t>
-            </a:r>
-            <a:r>
-              <a:rPr lang="en-US" sz="1600" dirty="0" smtClean="0"/>
-              <a:t>algorithms</a:t>
+              <a:t> algorithms</a:t>
             </a:r>
           </a:p>
           <a:p>
             <a:r>
               <a:rPr lang="en-US" sz="1600" dirty="0" smtClean="0"/>
-              <a:t>   are </a:t>
-            </a:r>
-            <a:r>
-              <a:rPr lang="en-US" sz="1600" dirty="0" smtClean="0"/>
-              <a:t>used</a:t>
+              <a:t>   are used</a:t>
             </a:r>
             <a:r>
               <a:rPr lang="tr-TR" sz="1600" dirty="0" smtClean="0"/>
@@ -9681,7 +9575,7 @@
     </p:spTree>
     <p:extLst>
       <p:ext uri="{BB962C8B-B14F-4D97-AF65-F5344CB8AC3E}">
-        <p14:creationId xmlns="" xmlns:p14="http://schemas.microsoft.com/office/powerpoint/2010/main" val="1601229741"/>
+        <p14:creationId xmlns:p14="http://schemas.microsoft.com/office/powerpoint/2010/main" val="1601229741"/>
       </p:ext>
     </p:extLst>
   </p:cSld>
@@ -9839,11 +9733,7 @@
             </a:r>
             <a:r>
               <a:rPr lang="en-US" sz="1600" dirty="0" smtClean="0"/>
-              <a:t> </a:t>
-            </a:r>
-            <a:r>
-              <a:rPr lang="en-US" sz="1600" dirty="0" smtClean="0"/>
-              <a:t>Ford algorithm</a:t>
+              <a:t> Ford algorithm</a:t>
             </a:r>
           </a:p>
           <a:p>
@@ -15021,7 +14911,7 @@
     </p:spTree>
     <p:extLst>
       <p:ext uri="{BB962C8B-B14F-4D97-AF65-F5344CB8AC3E}">
-        <p14:creationId xmlns="" xmlns:p14="http://schemas.microsoft.com/office/powerpoint/2010/main" val="1601229741"/>
+        <p14:creationId xmlns:p14="http://schemas.microsoft.com/office/powerpoint/2010/main" val="1601229741"/>
       </p:ext>
     </p:extLst>
   </p:cSld>
@@ -15141,15 +15031,7 @@
             </a:r>
             <a:r>
               <a:rPr lang="en-US" sz="1400" dirty="0" smtClean="0"/>
-              <a:t>Agents decide </a:t>
-            </a:r>
-            <a:r>
-              <a:rPr lang="en-US" sz="1400" dirty="0" smtClean="0"/>
-              <a:t>to join the cluster of position agent with minimum metric </a:t>
-            </a:r>
-            <a:r>
-              <a:rPr lang="en-US" sz="1400" dirty="0" smtClean="0"/>
-              <a:t>value</a:t>
+              <a:t>Agents decide to join the cluster of position agent with minimum metric value</a:t>
             </a:r>
             <a:r>
               <a:rPr lang="tr-TR" sz="1400" dirty="0" smtClean="0"/>
@@ -15172,11 +15054,7 @@
             </a:r>
             <a:r>
               <a:rPr lang="en-US" sz="1400" dirty="0" smtClean="0"/>
-              <a:t>error for </a:t>
-            </a:r>
-            <a:r>
-              <a:rPr lang="en-US" sz="1400" dirty="0" smtClean="0"/>
-              <a:t>the positions of agents which are relatively</a:t>
+              <a:t>error for the positions of agents which are relatively</a:t>
             </a:r>
           </a:p>
           <a:p>
@@ -15222,11 +15100,7 @@
           <a:p>
             <a:r>
               <a:rPr lang="en-US" sz="1600" u="sng" dirty="0" smtClean="0"/>
-              <a:t>Rules </a:t>
-            </a:r>
-            <a:r>
-              <a:rPr lang="en-US" sz="1600" u="sng" dirty="0" smtClean="0"/>
-              <a:t>for Localization Problem</a:t>
+              <a:t>Rules for Localization Problem</a:t>
             </a:r>
             <a:endParaRPr lang="tr-TR" sz="1600" u="sng" dirty="0"/>
           </a:p>
@@ -20851,7 +20725,7 @@
     </p:spTree>
     <p:extLst>
       <p:ext uri="{BB962C8B-B14F-4D97-AF65-F5344CB8AC3E}">
-        <p14:creationId xmlns="" xmlns:p14="http://schemas.microsoft.com/office/powerpoint/2010/main" val="1601229741"/>
+        <p14:creationId xmlns:p14="http://schemas.microsoft.com/office/powerpoint/2010/main" val="1601229741"/>
       </p:ext>
     </p:extLst>
   </p:cSld>
@@ -20902,484 +20776,9 @@
           <a:p>
             <a:r>
               <a:rPr lang="tr-TR" dirty="0" smtClean="0"/>
-              <a:t>References</a:t>
+              <a:t>Formation Control System</a:t>
             </a:r>
             <a:endParaRPr lang="tr-TR" dirty="0"/>
-          </a:p>
-        </p:txBody>
-      </p:sp>
-      <p:sp>
-        <p:nvSpPr>
-          <p:cNvPr id="3" name="Content Placeholder 2"/>
-          <p:cNvSpPr>
-            <a:spLocks noGrp="1"/>
-          </p:cNvSpPr>
-          <p:nvPr>
-            <p:ph idx="1"/>
-          </p:nvPr>
-        </p:nvSpPr>
-        <p:spPr/>
-        <p:txBody>
-          <a:bodyPr/>
-          <a:lstStyle/>
-          <a:p>
-            <a:pPr>
-              <a:buFont typeface="Arial" pitchFamily="34" charset="0"/>
-              <a:buChar char="•"/>
-            </a:pPr>
-            <a:r>
-              <a:rPr lang="tr-TR" sz="1100" dirty="0" smtClean="0"/>
-              <a:t>[1]</a:t>
-            </a:r>
-            <a:r>
-              <a:rPr lang="tr-TR" sz="1100" dirty="0" smtClean="0">
-                <a:hlinkClick r:id="rId2"/>
-              </a:rPr>
-              <a:t> </a:t>
-            </a:r>
-            <a:r>
-              <a:rPr lang="tr-TR" sz="1050" dirty="0" smtClean="0">
-                <a:hlinkClick r:id="rId2"/>
-              </a:rPr>
-              <a:t>http://www.eecs.harvard.edu/ssr/projects/progSA/kilobot.html</a:t>
-            </a:r>
-            <a:endParaRPr lang="tr-TR" sz="1100" dirty="0" smtClean="0"/>
-          </a:p>
-          <a:p>
-            <a:pPr>
-              <a:buFont typeface="Arial" pitchFamily="34" charset="0"/>
-              <a:buChar char="•"/>
-            </a:pPr>
-            <a:r>
-              <a:rPr lang="tr-TR" sz="1100" dirty="0" smtClean="0"/>
-              <a:t>[2] </a:t>
-            </a:r>
-            <a:r>
-              <a:rPr lang="tr-TR" sz="900" dirty="0" smtClean="0"/>
-              <a:t>Martin N, Klupar P, “</a:t>
-            </a:r>
-            <a:r>
-              <a:rPr lang="en-US" sz="900" dirty="0" err="1" smtClean="0"/>
-              <a:t>Techsat</a:t>
-            </a:r>
-            <a:r>
-              <a:rPr lang="en-US" sz="900" dirty="0" smtClean="0"/>
-              <a:t> 21 And Revolutionizing Space</a:t>
-            </a:r>
-            <a:r>
-              <a:rPr lang="tr-TR" sz="900" dirty="0" smtClean="0"/>
-              <a:t> M</a:t>
-            </a:r>
-            <a:r>
-              <a:rPr lang="en-US" sz="900" dirty="0" err="1" smtClean="0"/>
-              <a:t>issions</a:t>
-            </a:r>
-            <a:r>
-              <a:rPr lang="tr-TR" sz="900" dirty="0" smtClean="0"/>
-              <a:t> Using Mıcrosatellıtes”, </a:t>
-            </a:r>
-            <a:endParaRPr lang="tr-TR" sz="1100" dirty="0" smtClean="0"/>
-          </a:p>
-          <a:p>
-            <a:pPr>
-              <a:buFont typeface="Arial" pitchFamily="34" charset="0"/>
-              <a:buChar char="•"/>
-            </a:pPr>
-            <a:r>
-              <a:rPr lang="tr-TR" sz="1100" dirty="0" smtClean="0"/>
-              <a:t>[3]</a:t>
-            </a:r>
-            <a:r>
-              <a:rPr lang="tr-TR" sz="1100" dirty="0" smtClean="0">
-                <a:hlinkClick r:id="rId3"/>
-              </a:rPr>
-              <a:t> </a:t>
-            </a:r>
-            <a:r>
-              <a:rPr lang="tr-TR" sz="1050" dirty="0" smtClean="0">
-                <a:hlinkClick r:id="rId3"/>
-              </a:rPr>
-              <a:t>http://www.swarmanoid.org/swarmanoid_hardware.php.html</a:t>
-            </a:r>
-            <a:endParaRPr lang="tr-TR" sz="1050" dirty="0" smtClean="0"/>
-          </a:p>
-          <a:p>
-            <a:pPr>
-              <a:buFont typeface="Arial" pitchFamily="34" charset="0"/>
-              <a:buChar char="•"/>
-            </a:pPr>
-            <a:r>
-              <a:rPr lang="en-US" sz="1050" dirty="0" smtClean="0"/>
-              <a:t>[</a:t>
-            </a:r>
-            <a:r>
-              <a:rPr lang="tr-TR" sz="1050" dirty="0" smtClean="0"/>
-              <a:t>4</a:t>
-            </a:r>
-            <a:r>
-              <a:rPr lang="en-US" sz="1050" dirty="0" smtClean="0"/>
-              <a:t>] S </a:t>
-            </a:r>
-            <a:r>
-              <a:rPr lang="en-US" sz="1050" dirty="0" err="1" smtClean="0"/>
-              <a:t>Kornienki</a:t>
-            </a:r>
-            <a:r>
-              <a:rPr lang="en-US" sz="1050" dirty="0" smtClean="0"/>
-              <a:t>, O. </a:t>
-            </a:r>
-            <a:r>
-              <a:rPr lang="en-US" sz="1050" dirty="0" err="1" smtClean="0"/>
-              <a:t>Kornienko</a:t>
-            </a:r>
-            <a:r>
-              <a:rPr lang="en-US" sz="1050" dirty="0" smtClean="0"/>
-              <a:t>, and Levi. P. Minimalistic approach towards communication</a:t>
-            </a:r>
-          </a:p>
-          <a:p>
-            <a:r>
-              <a:rPr lang="en-US" sz="1050" dirty="0" smtClean="0"/>
-              <a:t>and perception in </a:t>
-            </a:r>
-            <a:r>
-              <a:rPr lang="en-US" sz="1050" dirty="0" err="1" smtClean="0"/>
-              <a:t>microrobotic</a:t>
-            </a:r>
-            <a:r>
-              <a:rPr lang="en-US" sz="1050" dirty="0" smtClean="0"/>
-              <a:t> swarms. In IEEE International Conference</a:t>
-            </a:r>
-            <a:r>
-              <a:rPr lang="tr-TR" sz="1050" dirty="0" smtClean="0"/>
-              <a:t> </a:t>
-            </a:r>
-            <a:r>
-              <a:rPr lang="en-US" sz="1050" dirty="0" smtClean="0"/>
-              <a:t>on Intelligent Robots and Systems, 2005.</a:t>
-            </a:r>
-            <a:endParaRPr lang="tr-TR" sz="1050" dirty="0" smtClean="0"/>
-          </a:p>
-          <a:p>
-            <a:pPr>
-              <a:buFont typeface="Arial" pitchFamily="34" charset="0"/>
-              <a:buChar char="•"/>
-            </a:pPr>
-            <a:r>
-              <a:rPr lang="tr-TR" sz="1050" dirty="0" smtClean="0"/>
-              <a:t>[5] Farshad Arvin, John Murray, Licheng Shi, Chun Zhang, and Shigang Yue. Development</a:t>
-            </a:r>
-          </a:p>
-          <a:p>
-            <a:r>
-              <a:rPr lang="en-US" sz="1050" dirty="0" smtClean="0"/>
-              <a:t>of an autonomous micro robot for swarm robotics. In IEEE International</a:t>
-            </a:r>
-            <a:r>
-              <a:rPr lang="tr-TR" sz="1050" dirty="0" smtClean="0"/>
-              <a:t> </a:t>
-            </a:r>
-            <a:r>
-              <a:rPr lang="en-US" sz="1050" dirty="0" smtClean="0"/>
-              <a:t>Conference on </a:t>
-            </a:r>
-            <a:r>
-              <a:rPr lang="en-US" sz="1050" dirty="0" err="1" smtClean="0"/>
-              <a:t>Mechatronics</a:t>
-            </a:r>
-            <a:r>
-              <a:rPr lang="en-US" sz="1050" dirty="0" smtClean="0"/>
-              <a:t> and Automation, 2014.</a:t>
-            </a:r>
-            <a:endParaRPr lang="tr-TR" sz="1050" dirty="0" smtClean="0"/>
-          </a:p>
-          <a:p>
-            <a:pPr>
-              <a:buFont typeface="Arial" pitchFamily="34" charset="0"/>
-              <a:buChar char="•"/>
-            </a:pPr>
-            <a:r>
-              <a:rPr lang="tr-TR" sz="1050" dirty="0" smtClean="0"/>
-              <a:t>[6]</a:t>
-            </a:r>
-            <a:r>
-              <a:rPr lang="it-IT" sz="1050" dirty="0" smtClean="0"/>
-              <a:t>Touraj Soleymani, Vito Trianni, Michael Bonani, Francesco Mondada, and</a:t>
-            </a:r>
-            <a:r>
-              <a:rPr lang="tr-TR" sz="1050" dirty="0" smtClean="0"/>
-              <a:t> </a:t>
-            </a:r>
-            <a:r>
-              <a:rPr lang="en-US" sz="1050" dirty="0" smtClean="0"/>
-              <a:t>Marco </a:t>
-            </a:r>
-            <a:r>
-              <a:rPr lang="en-US" sz="1050" dirty="0" err="1" smtClean="0"/>
-              <a:t>Dorigo</a:t>
-            </a:r>
-            <a:r>
-              <a:rPr lang="en-US" sz="1050" dirty="0" smtClean="0"/>
-              <a:t>. Bio-inspired construction with mobile robots and compliant</a:t>
-            </a:r>
-            <a:r>
-              <a:rPr lang="tr-TR" sz="1050" dirty="0" smtClean="0"/>
-              <a:t> </a:t>
-            </a:r>
-            <a:r>
-              <a:rPr lang="en-US" sz="1050" dirty="0" smtClean="0"/>
-              <a:t>pockets. Robotics and </a:t>
-            </a:r>
-            <a:r>
-              <a:rPr lang="en-US" sz="1050" dirty="0" err="1" smtClean="0"/>
-              <a:t>Autonomus</a:t>
-            </a:r>
-            <a:r>
-              <a:rPr lang="en-US" sz="1050" dirty="0" smtClean="0"/>
-              <a:t> Systems, 74:340–350, 2015.</a:t>
-            </a:r>
-            <a:endParaRPr lang="tr-TR" sz="1050" dirty="0" smtClean="0"/>
-          </a:p>
-          <a:p>
-            <a:pPr>
-              <a:buFont typeface="Arial" pitchFamily="34" charset="0"/>
-              <a:buChar char="•"/>
-            </a:pPr>
-            <a:r>
-              <a:rPr lang="tr-TR" sz="1050" dirty="0" smtClean="0"/>
-              <a:t>[7] Roderich Grof, Michael Bonani, Mondada Francesco, and Marco Dorigo. Autonomous</a:t>
-            </a:r>
-          </a:p>
-          <a:p>
-            <a:r>
-              <a:rPr lang="en-US" sz="1050" dirty="0" smtClean="0"/>
-              <a:t>self-assembly in a swarm-bot. 22:1115–1130, 2006.</a:t>
-            </a:r>
-            <a:endParaRPr lang="tr-TR" sz="1050" dirty="0" smtClean="0"/>
-          </a:p>
-          <a:p>
-            <a:r>
-              <a:rPr lang="tr-TR" sz="1050" dirty="0" smtClean="0"/>
-              <a:t>[8]</a:t>
-            </a:r>
-            <a:r>
-              <a:rPr lang="en-US" sz="1050" dirty="0" smtClean="0"/>
-              <a:t> S.P. </a:t>
-            </a:r>
-            <a:r>
-              <a:rPr lang="en-US" sz="1050" dirty="0" err="1" smtClean="0"/>
-              <a:t>Hou</a:t>
-            </a:r>
-            <a:r>
-              <a:rPr lang="en-US" sz="1050" dirty="0" smtClean="0"/>
-              <a:t>, C.C. </a:t>
-            </a:r>
-            <a:r>
-              <a:rPr lang="en-US" sz="1050" dirty="0" err="1" smtClean="0"/>
-              <a:t>Cheah</a:t>
-            </a:r>
-            <a:r>
-              <a:rPr lang="en-US" sz="1050" dirty="0" smtClean="0"/>
-              <a:t>, and J.J.E. </a:t>
-            </a:r>
-            <a:r>
-              <a:rPr lang="en-US" sz="1050" dirty="0" err="1" smtClean="0"/>
-              <a:t>Slotine</a:t>
-            </a:r>
-            <a:r>
-              <a:rPr lang="en-US" sz="1050" dirty="0" smtClean="0"/>
-              <a:t>. Dynamic region following </a:t>
-            </a:r>
-            <a:r>
-              <a:rPr lang="en-US" sz="1050" dirty="0" err="1" smtClean="0"/>
-              <a:t>formationcontrol</a:t>
-            </a:r>
-            <a:r>
-              <a:rPr lang="en-US" sz="1050" dirty="0" smtClean="0"/>
-              <a:t> for a swarm of robots. In ICRA, 2009.</a:t>
-            </a:r>
-            <a:r>
-              <a:rPr lang="tr-TR" sz="1050" dirty="0" smtClean="0"/>
-              <a:t>[10] </a:t>
-            </a:r>
-            <a:r>
-              <a:rPr lang="tr-TR" sz="1050" dirty="0" smtClean="0">
-                <a:hlinkClick r:id="rId4"/>
-              </a:rPr>
-              <a:t>http://electronicdesign.com/systems/advanced-robots-swarm-nyc-s-museum-math</a:t>
-            </a:r>
-            <a:endParaRPr lang="tr-TR" sz="1050" dirty="0" smtClean="0"/>
-          </a:p>
-          <a:p>
-            <a:r>
-              <a:rPr lang="tr-TR" sz="1050" dirty="0" smtClean="0"/>
-              <a:t>[9]</a:t>
-            </a:r>
-            <a:r>
-              <a:rPr lang="en-US" sz="1050" dirty="0" smtClean="0"/>
-              <a:t> </a:t>
-            </a:r>
-            <a:r>
-              <a:rPr lang="en-US" sz="1050" dirty="0" err="1" smtClean="0"/>
-              <a:t>Samitha</a:t>
-            </a:r>
-            <a:r>
-              <a:rPr lang="en-US" sz="1050" dirty="0" smtClean="0"/>
-              <a:t> </a:t>
-            </a:r>
-            <a:r>
-              <a:rPr lang="en-US" sz="1050" dirty="0" err="1" smtClean="0"/>
-              <a:t>Ekanayake</a:t>
-            </a:r>
-            <a:r>
-              <a:rPr lang="en-US" sz="1050" dirty="0" smtClean="0"/>
-              <a:t> and </a:t>
-            </a:r>
-            <a:r>
-              <a:rPr lang="en-US" sz="1050" dirty="0" err="1" smtClean="0"/>
-              <a:t>Pubudu</a:t>
-            </a:r>
-            <a:r>
-              <a:rPr lang="en-US" sz="1050" dirty="0" smtClean="0"/>
-              <a:t> </a:t>
-            </a:r>
-            <a:r>
-              <a:rPr lang="en-US" sz="1050" dirty="0" err="1" smtClean="0"/>
-              <a:t>Pathirana</a:t>
-            </a:r>
-            <a:r>
-              <a:rPr lang="en-US" sz="1050" dirty="0" smtClean="0"/>
-              <a:t>. Formations of robotic swarm: An</a:t>
-            </a:r>
-            <a:r>
-              <a:rPr lang="tr-TR" sz="1050" dirty="0" smtClean="0"/>
-              <a:t> </a:t>
-            </a:r>
-            <a:r>
-              <a:rPr lang="en-US" sz="1050" dirty="0" smtClean="0"/>
-              <a:t>artificial force based approach. International Journal of Advanced Robotic Systems,</a:t>
-            </a:r>
-            <a:r>
-              <a:rPr lang="tr-TR" sz="1050" dirty="0" smtClean="0"/>
-              <a:t>7:173–190, 2010</a:t>
-            </a:r>
-          </a:p>
-          <a:p>
-            <a:r>
-              <a:rPr lang="tr-TR" sz="1050" dirty="0" smtClean="0"/>
-              <a:t>[10] http://electronicdesign.com/systems/advanced-robots-swarm-nyc-s-museum-math</a:t>
-            </a:r>
-          </a:p>
-          <a:p>
-            <a:r>
-              <a:rPr lang="tr-TR" sz="1050" dirty="0" smtClean="0"/>
-              <a:t>[11]</a:t>
-            </a:r>
-            <a:r>
-              <a:rPr lang="de-DE" sz="1050" dirty="0" smtClean="0"/>
-              <a:t> Aveek Das, Rafael Fierro, Vijay Kumar, James Ostrowski, John Spletzer, and</a:t>
-            </a:r>
-            <a:r>
-              <a:rPr lang="tr-TR" sz="1050" dirty="0" smtClean="0"/>
-              <a:t> </a:t>
-            </a:r>
-            <a:r>
-              <a:rPr lang="en-US" sz="1050" dirty="0" smtClean="0"/>
-              <a:t>Camilla Taylor. A vision-based formation control framework. IEEE Transactions</a:t>
-            </a:r>
-            <a:r>
-              <a:rPr lang="tr-TR" sz="1050" dirty="0" smtClean="0"/>
-              <a:t> </a:t>
-            </a:r>
-            <a:r>
-              <a:rPr lang="en-US" sz="1050" dirty="0" smtClean="0"/>
-              <a:t>on Robotics and Automation, 18:813–825, 2002.</a:t>
-            </a:r>
-            <a:endParaRPr lang="tr-TR" sz="1050" dirty="0" smtClean="0"/>
-          </a:p>
-          <a:p>
-            <a:r>
-              <a:rPr lang="tr-TR" sz="1050" dirty="0" smtClean="0"/>
-              <a:t>[12]</a:t>
-            </a:r>
-            <a:r>
-              <a:rPr lang="en-US" sz="1050" dirty="0" smtClean="0"/>
-              <a:t> </a:t>
-            </a:r>
-            <a:r>
-              <a:rPr lang="en-US" sz="1050" dirty="0" err="1" smtClean="0"/>
-              <a:t>Yogeswaran</a:t>
-            </a:r>
-            <a:r>
-              <a:rPr lang="en-US" sz="1050" dirty="0" smtClean="0"/>
-              <a:t> Mohan and S.G. </a:t>
-            </a:r>
-            <a:r>
-              <a:rPr lang="en-US" sz="1050" dirty="0" err="1" smtClean="0"/>
-              <a:t>Ponnambalam</a:t>
-            </a:r>
-            <a:r>
-              <a:rPr lang="en-US" sz="1050" dirty="0" smtClean="0"/>
-              <a:t>. An extensive review of research</a:t>
-            </a:r>
-            <a:r>
-              <a:rPr lang="tr-TR" sz="1050" dirty="0" smtClean="0"/>
-              <a:t> </a:t>
-            </a:r>
-            <a:r>
-              <a:rPr lang="en-US" sz="1050" dirty="0" smtClean="0"/>
-              <a:t>in swarm robotics. In World Congress on Nature &amp; Biologically Inspired Computing,</a:t>
-            </a:r>
-            <a:r>
-              <a:rPr lang="tr-TR" sz="1050" dirty="0" smtClean="0"/>
-              <a:t> NaBIC, 2009.</a:t>
-            </a:r>
-          </a:p>
-          <a:p>
-            <a:pPr>
-              <a:buFont typeface="Arial" pitchFamily="34" charset="0"/>
-              <a:buChar char="•"/>
-            </a:pPr>
-            <a:endParaRPr lang="tr-TR" sz="1100" dirty="0" smtClean="0"/>
-          </a:p>
-          <a:p>
-            <a:endParaRPr lang="tr-TR" sz="1100" dirty="0" smtClean="0"/>
-          </a:p>
-          <a:p>
-            <a:r>
-              <a:rPr lang="tr-TR" sz="1100" dirty="0" smtClean="0"/>
-              <a:t>                           </a:t>
-            </a:r>
-            <a:endParaRPr lang="tr-TR" sz="1100" dirty="0"/>
-          </a:p>
-        </p:txBody>
-      </p:sp>
-      <p:sp>
-        <p:nvSpPr>
-          <p:cNvPr id="4" name="Slide Number Placeholder 3"/>
-          <p:cNvSpPr>
-            <a:spLocks noGrp="1"/>
-          </p:cNvSpPr>
-          <p:nvPr>
-            <p:ph type="sldNum" sz="quarter" idx="12"/>
-          </p:nvPr>
-        </p:nvSpPr>
-        <p:spPr/>
-        <p:txBody>
-          <a:bodyPr/>
-          <a:lstStyle/>
-          <a:p>
-            <a:pPr>
-              <a:defRPr/>
-            </a:pPr>
-            <a:fld id="{C878F797-6006-4DDA-AFE9-456F280FE6C5}" type="slidenum">
-              <a:rPr lang="en-US" smtClean="0"/>
-              <a:pPr>
-                <a:defRPr/>
-              </a:pPr>
-              <a:t>18</a:t>
-            </a:fld>
-            <a:endParaRPr lang="en-US" dirty="0"/>
           </a:p>
         </p:txBody>
       </p:sp>
@@ -21393,7 +20792,12 @@
             <p:ph type="dt" sz="half" idx="2"/>
           </p:nvPr>
         </p:nvSpPr>
-        <p:spPr/>
+        <p:spPr>
+          <a:xfrm>
+            <a:off x="457199" y="6494463"/>
+            <a:ext cx="4000501" cy="266700"/>
+          </a:xfrm>
+        </p:spPr>
         <p:txBody>
           <a:bodyPr/>
           <a:lstStyle/>
@@ -21409,10 +20813,423 @@
           </a:p>
         </p:txBody>
       </p:sp>
+      <p:sp>
+        <p:nvSpPr>
+          <p:cNvPr id="3" name="TextBox 2"/>
+          <p:cNvSpPr txBox="1"/>
+          <p:nvPr/>
+        </p:nvSpPr>
+        <p:spPr>
+          <a:xfrm>
+            <a:off x="675249" y="1491175"/>
+            <a:ext cx="7596554" cy="646331"/>
+          </a:xfrm>
+          <a:prstGeom prst="rect">
+            <a:avLst/>
+          </a:prstGeom>
+          <a:noFill/>
+        </p:spPr>
+        <p:txBody>
+          <a:bodyPr wrap="square" rtlCol="0">
+            <a:spAutoFit/>
+          </a:bodyPr>
+          <a:lstStyle/>
+          <a:p>
+            <a:pPr algn="just"/>
+            <a:r>
+              <a:rPr lang="tr-TR" dirty="0" smtClean="0"/>
+              <a:t>Three different approaches were used to design the formation control system in this thesis work.</a:t>
+            </a:r>
+            <a:endParaRPr lang="tr-TR" dirty="0"/>
+          </a:p>
+        </p:txBody>
+      </p:sp>
+      <p:cxnSp>
+        <p:nvCxnSpPr>
+          <p:cNvPr id="44" name="Straight Arrow Connector 43"/>
+          <p:cNvCxnSpPr/>
+          <p:nvPr/>
+        </p:nvCxnSpPr>
+        <p:spPr>
+          <a:xfrm flipH="1">
+            <a:off x="2236763" y="2489982"/>
+            <a:ext cx="2220937" cy="520504"/>
+          </a:xfrm>
+          <a:prstGeom prst="straightConnector1">
+            <a:avLst/>
+          </a:prstGeom>
+          <a:ln>
+            <a:tailEnd type="triangle"/>
+          </a:ln>
+        </p:spPr>
+        <p:style>
+          <a:lnRef idx="2">
+            <a:schemeClr val="accent1"/>
+          </a:lnRef>
+          <a:fillRef idx="0">
+            <a:schemeClr val="accent1"/>
+          </a:fillRef>
+          <a:effectRef idx="1">
+            <a:schemeClr val="accent1"/>
+          </a:effectRef>
+          <a:fontRef idx="minor">
+            <a:schemeClr val="tx1"/>
+          </a:fontRef>
+        </p:style>
+      </p:cxnSp>
+      <p:sp>
+        <p:nvSpPr>
+          <p:cNvPr id="46" name="TextBox 45"/>
+          <p:cNvSpPr txBox="1"/>
+          <p:nvPr/>
+        </p:nvSpPr>
+        <p:spPr>
+          <a:xfrm>
+            <a:off x="1195755" y="3010486"/>
+            <a:ext cx="1814731" cy="646331"/>
+          </a:xfrm>
+          <a:prstGeom prst="rect">
+            <a:avLst/>
+          </a:prstGeom>
+          <a:noFill/>
+        </p:spPr>
+        <p:txBody>
+          <a:bodyPr wrap="square" rtlCol="0">
+            <a:spAutoFit/>
+          </a:bodyPr>
+          <a:lstStyle/>
+          <a:p>
+            <a:pPr algn="just"/>
+            <a:r>
+              <a:rPr lang="tr-TR" dirty="0" smtClean="0"/>
+              <a:t>Potential  Field Based Approach</a:t>
+            </a:r>
+          </a:p>
+        </p:txBody>
+      </p:sp>
+      <p:cxnSp>
+        <p:nvCxnSpPr>
+          <p:cNvPr id="48" name="Straight Arrow Connector 47"/>
+          <p:cNvCxnSpPr/>
+          <p:nvPr/>
+        </p:nvCxnSpPr>
+        <p:spPr>
+          <a:xfrm>
+            <a:off x="4965895" y="2475914"/>
+            <a:ext cx="2067951" cy="520504"/>
+          </a:xfrm>
+          <a:prstGeom prst="straightConnector1">
+            <a:avLst/>
+          </a:prstGeom>
+          <a:ln>
+            <a:tailEnd type="triangle"/>
+          </a:ln>
+        </p:spPr>
+        <p:style>
+          <a:lnRef idx="2">
+            <a:schemeClr val="accent1"/>
+          </a:lnRef>
+          <a:fillRef idx="0">
+            <a:schemeClr val="accent1"/>
+          </a:fillRef>
+          <a:effectRef idx="1">
+            <a:schemeClr val="accent1"/>
+          </a:effectRef>
+          <a:fontRef idx="minor">
+            <a:schemeClr val="tx1"/>
+          </a:fontRef>
+        </p:style>
+      </p:cxnSp>
+      <p:sp>
+        <p:nvSpPr>
+          <p:cNvPr id="50" name="TextBox 49"/>
+          <p:cNvSpPr txBox="1"/>
+          <p:nvPr/>
+        </p:nvSpPr>
+        <p:spPr>
+          <a:xfrm>
+            <a:off x="5999870" y="3025728"/>
+            <a:ext cx="2032782" cy="646331"/>
+          </a:xfrm>
+          <a:prstGeom prst="rect">
+            <a:avLst/>
+          </a:prstGeom>
+          <a:noFill/>
+        </p:spPr>
+        <p:txBody>
+          <a:bodyPr wrap="square" rtlCol="0">
+            <a:spAutoFit/>
+          </a:bodyPr>
+          <a:lstStyle/>
+          <a:p>
+            <a:pPr algn="just"/>
+            <a:r>
+              <a:rPr lang="tr-TR" dirty="0" smtClean="0"/>
+              <a:t>Shape Partitioning Based Approaches</a:t>
+            </a:r>
+            <a:endParaRPr lang="tr-TR" dirty="0"/>
+          </a:p>
+        </p:txBody>
+      </p:sp>
+      <p:sp>
+        <p:nvSpPr>
+          <p:cNvPr id="49" name="TextBox 48"/>
+          <p:cNvSpPr txBox="1"/>
+          <p:nvPr/>
+        </p:nvSpPr>
+        <p:spPr>
+          <a:xfrm>
+            <a:off x="3173171" y="2122655"/>
+            <a:ext cx="3077253" cy="369332"/>
+          </a:xfrm>
+          <a:prstGeom prst="rect">
+            <a:avLst/>
+          </a:prstGeom>
+          <a:noFill/>
+        </p:spPr>
+        <p:txBody>
+          <a:bodyPr wrap="none" rtlCol="0">
+            <a:spAutoFit/>
+          </a:bodyPr>
+          <a:lstStyle/>
+          <a:p>
+            <a:r>
+              <a:rPr lang="tr-TR" dirty="0" smtClean="0"/>
+              <a:t>Formation Control Strategies</a:t>
+            </a:r>
+            <a:endParaRPr lang="tr-TR" dirty="0"/>
+          </a:p>
+        </p:txBody>
+      </p:sp>
+      <p:sp>
+        <p:nvSpPr>
+          <p:cNvPr id="52" name="TextBox 51"/>
+          <p:cNvSpPr txBox="1"/>
+          <p:nvPr/>
+        </p:nvSpPr>
+        <p:spPr>
+          <a:xfrm>
+            <a:off x="673842" y="4580090"/>
+            <a:ext cx="2858556" cy="738664"/>
+          </a:xfrm>
+          <a:prstGeom prst="rect">
+            <a:avLst/>
+          </a:prstGeom>
+          <a:noFill/>
+        </p:spPr>
+        <p:txBody>
+          <a:bodyPr wrap="square" rtlCol="0">
+            <a:spAutoFit/>
+          </a:bodyPr>
+          <a:lstStyle/>
+          <a:p>
+            <a:pPr marL="285750" indent="-285750" algn="just">
+              <a:buFont typeface="Arial" panose="020B0604020202020204" pitchFamily="34" charset="0"/>
+              <a:buChar char="•"/>
+            </a:pPr>
+            <a:r>
+              <a:rPr lang="tr-TR" sz="1400" dirty="0"/>
+              <a:t>Directly calculates control laws </a:t>
+            </a:r>
+            <a:r>
+              <a:rPr lang="tr-TR" sz="1400" dirty="0" smtClean="0"/>
+              <a:t>based </a:t>
+            </a:r>
+            <a:r>
+              <a:rPr lang="tr-TR" sz="1400" dirty="0"/>
+              <a:t>upon potential fields</a:t>
+            </a:r>
+          </a:p>
+          <a:p>
+            <a:pPr marL="285750" indent="-285750" algn="just">
+              <a:buFont typeface="Arial" panose="020B0604020202020204" pitchFamily="34" charset="0"/>
+              <a:buChar char="•"/>
+            </a:pPr>
+            <a:endParaRPr lang="tr-TR" sz="1400" dirty="0"/>
+          </a:p>
+        </p:txBody>
+      </p:sp>
+      <p:sp>
+        <p:nvSpPr>
+          <p:cNvPr id="53" name="TextBox 52"/>
+          <p:cNvSpPr txBox="1"/>
+          <p:nvPr/>
+        </p:nvSpPr>
+        <p:spPr>
+          <a:xfrm>
+            <a:off x="675249" y="3882683"/>
+            <a:ext cx="2511329" cy="338554"/>
+          </a:xfrm>
+          <a:prstGeom prst="rect">
+            <a:avLst/>
+          </a:prstGeom>
+          <a:noFill/>
+        </p:spPr>
+        <p:txBody>
+          <a:bodyPr wrap="none" rtlCol="0">
+            <a:spAutoFit/>
+          </a:bodyPr>
+          <a:lstStyle/>
+          <a:p>
+            <a:r>
+              <a:rPr lang="tr-TR" sz="1600" dirty="0" smtClean="0"/>
+              <a:t>1) Artificial Forces Method</a:t>
+            </a:r>
+            <a:endParaRPr lang="tr-TR" sz="1600" dirty="0"/>
+          </a:p>
+        </p:txBody>
+      </p:sp>
+      <p:sp>
+        <p:nvSpPr>
+          <p:cNvPr id="56" name="TextBox 55"/>
+          <p:cNvSpPr txBox="1"/>
+          <p:nvPr/>
+        </p:nvSpPr>
+        <p:spPr>
+          <a:xfrm>
+            <a:off x="5488533" y="3757632"/>
+            <a:ext cx="3007618" cy="584775"/>
+          </a:xfrm>
+          <a:prstGeom prst="rect">
+            <a:avLst/>
+          </a:prstGeom>
+          <a:noFill/>
+        </p:spPr>
+        <p:txBody>
+          <a:bodyPr wrap="none" rtlCol="0">
+            <a:spAutoFit/>
+          </a:bodyPr>
+          <a:lstStyle/>
+          <a:p>
+            <a:r>
+              <a:rPr lang="tr-TR" sz="1600" dirty="0" smtClean="0"/>
+              <a:t>2) Bubble Packing Method</a:t>
+            </a:r>
+          </a:p>
+          <a:p>
+            <a:r>
+              <a:rPr lang="tr-TR" sz="1600" dirty="0" smtClean="0"/>
+              <a:t>3) Randomized Fractals Method</a:t>
+            </a:r>
+            <a:endParaRPr lang="tr-TR" sz="1600" dirty="0"/>
+          </a:p>
+        </p:txBody>
+      </p:sp>
+      <p:sp>
+        <p:nvSpPr>
+          <p:cNvPr id="57" name="TextBox 56"/>
+          <p:cNvSpPr txBox="1"/>
+          <p:nvPr/>
+        </p:nvSpPr>
+        <p:spPr>
+          <a:xfrm>
+            <a:off x="5586983" y="4553521"/>
+            <a:ext cx="2978098" cy="1169551"/>
+          </a:xfrm>
+          <a:prstGeom prst="rect">
+            <a:avLst/>
+          </a:prstGeom>
+          <a:noFill/>
+        </p:spPr>
+        <p:txBody>
+          <a:bodyPr wrap="square" rtlCol="0">
+            <a:spAutoFit/>
+          </a:bodyPr>
+          <a:lstStyle/>
+          <a:p>
+            <a:pPr marL="285750" indent="-285750" algn="just">
+              <a:buFont typeface="Arial" panose="020B0604020202020204" pitchFamily="34" charset="0"/>
+              <a:buChar char="•"/>
+            </a:pPr>
+            <a:r>
+              <a:rPr lang="tr-TR" sz="1400" dirty="0" smtClean="0"/>
+              <a:t>Partitions the desired formation shape into goal states.</a:t>
+            </a:r>
+          </a:p>
+          <a:p>
+            <a:pPr marL="285750" indent="-285750" algn="just">
+              <a:buFont typeface="Arial" panose="020B0604020202020204" pitchFamily="34" charset="0"/>
+              <a:buChar char="•"/>
+            </a:pPr>
+            <a:r>
+              <a:rPr lang="tr-TR" sz="1400" dirty="0" smtClean="0"/>
+              <a:t>Control laws are implemented to reach these goal states.</a:t>
+            </a:r>
+            <a:endParaRPr lang="tr-TR" sz="1400" dirty="0"/>
+          </a:p>
+          <a:p>
+            <a:pPr marL="285750" indent="-285750" algn="just">
+              <a:buFont typeface="Arial" panose="020B0604020202020204" pitchFamily="34" charset="0"/>
+              <a:buChar char="•"/>
+            </a:pPr>
+            <a:endParaRPr lang="tr-TR" sz="1400" dirty="0"/>
+          </a:p>
+        </p:txBody>
+      </p:sp>
+      <p:cxnSp>
+        <p:nvCxnSpPr>
+          <p:cNvPr id="58" name="Straight Connector 57"/>
+          <p:cNvCxnSpPr/>
+          <p:nvPr/>
+        </p:nvCxnSpPr>
+        <p:spPr>
+          <a:xfrm flipH="1">
+            <a:off x="759661" y="4361914"/>
+            <a:ext cx="2574387" cy="0"/>
+          </a:xfrm>
+          <a:prstGeom prst="line">
+            <a:avLst/>
+          </a:prstGeom>
+        </p:spPr>
+        <p:style>
+          <a:lnRef idx="2">
+            <a:schemeClr val="accent1"/>
+          </a:lnRef>
+          <a:fillRef idx="0">
+            <a:schemeClr val="accent1"/>
+          </a:fillRef>
+          <a:effectRef idx="1">
+            <a:schemeClr val="accent1"/>
+          </a:effectRef>
+          <a:fontRef idx="minor">
+            <a:schemeClr val="tx1"/>
+          </a:fontRef>
+        </p:style>
+      </p:cxnSp>
+      <p:cxnSp>
+        <p:nvCxnSpPr>
+          <p:cNvPr id="60" name="Straight Connector 59"/>
+          <p:cNvCxnSpPr/>
+          <p:nvPr/>
+        </p:nvCxnSpPr>
+        <p:spPr>
+          <a:xfrm flipH="1">
+            <a:off x="5871152" y="4342407"/>
+            <a:ext cx="2574387" cy="0"/>
+          </a:xfrm>
+          <a:prstGeom prst="line">
+            <a:avLst/>
+          </a:prstGeom>
+        </p:spPr>
+        <p:style>
+          <a:lnRef idx="2">
+            <a:schemeClr val="accent1"/>
+          </a:lnRef>
+          <a:fillRef idx="0">
+            <a:schemeClr val="accent1"/>
+          </a:fillRef>
+          <a:effectRef idx="1">
+            <a:schemeClr val="accent1"/>
+          </a:effectRef>
+          <a:fontRef idx="minor">
+            <a:schemeClr val="tx1"/>
+          </a:fontRef>
+        </p:style>
+      </p:cxnSp>
     </p:spTree>
     <p:extLst>
       <p:ext uri="{BB962C8B-B14F-4D97-AF65-F5344CB8AC3E}">
-        <p14:creationId xmlns="" xmlns:p14="http://schemas.microsoft.com/office/powerpoint/2010/main" val="1601229741"/>
+        <p14:creationId xmlns:p14="http://schemas.microsoft.com/office/powerpoint/2010/main" val="215572797"/>
       </p:ext>
     </p:extLst>
   </p:cSld>
@@ -21446,10 +21263,111 @@
           <a:chExt cx="0" cy="0"/>
         </a:xfrm>
       </p:grpSpPr>
+      <p:sp>
+        <p:nvSpPr>
+          <p:cNvPr id="2" name="Title 1"/>
+          <p:cNvSpPr>
+            <a:spLocks noGrp="1"/>
+          </p:cNvSpPr>
+          <p:nvPr>
+            <p:ph type="title"/>
+          </p:nvPr>
+        </p:nvSpPr>
+        <p:spPr/>
+        <p:txBody>
+          <a:bodyPr/>
+          <a:lstStyle/>
+          <a:p>
+            <a:r>
+              <a:rPr lang="tr-TR" dirty="0" smtClean="0"/>
+              <a:t>Formation Control System</a:t>
+            </a:r>
+            <a:endParaRPr lang="tr-TR" dirty="0"/>
+          </a:p>
+        </p:txBody>
+      </p:sp>
+      <p:sp>
+        <p:nvSpPr>
+          <p:cNvPr id="5" name="Date Placeholder 4"/>
+          <p:cNvSpPr>
+            <a:spLocks noGrp="1"/>
+          </p:cNvSpPr>
+          <p:nvPr>
+            <p:ph type="dt" sz="half" idx="2"/>
+          </p:nvPr>
+        </p:nvSpPr>
+        <p:spPr>
+          <a:xfrm>
+            <a:off x="457199" y="6494463"/>
+            <a:ext cx="4000501" cy="266700"/>
+          </a:xfrm>
+        </p:spPr>
+        <p:txBody>
+          <a:bodyPr/>
+          <a:lstStyle/>
+          <a:p>
+            <a:pPr>
+              <a:defRPr/>
+            </a:pPr>
+            <a:r>
+              <a:rPr lang="tr-TR" smtClean="0"/>
+              <a:t>METU Electrical &amp; Electronics Engineering Department</a:t>
+            </a:r>
+            <a:endParaRPr lang="en-US" dirty="0"/>
+          </a:p>
+        </p:txBody>
+      </p:sp>
+      <p:sp>
+        <p:nvSpPr>
+          <p:cNvPr id="3" name="TextBox 2"/>
+          <p:cNvSpPr txBox="1"/>
+          <p:nvPr/>
+        </p:nvSpPr>
+        <p:spPr>
+          <a:xfrm>
+            <a:off x="675249" y="1491175"/>
+            <a:ext cx="7596554" cy="1200329"/>
+          </a:xfrm>
+          <a:prstGeom prst="rect">
+            <a:avLst/>
+          </a:prstGeom>
+          <a:noFill/>
+        </p:spPr>
+        <p:txBody>
+          <a:bodyPr wrap="square" rtlCol="0">
+            <a:spAutoFit/>
+          </a:bodyPr>
+          <a:lstStyle/>
+          <a:p>
+            <a:pPr marL="285750" indent="-285750" algn="just">
+              <a:buFont typeface="Arial" panose="020B0604020202020204" pitchFamily="34" charset="0"/>
+              <a:buChar char="•"/>
+            </a:pPr>
+            <a:r>
+              <a:rPr lang="tr-TR" dirty="0" smtClean="0"/>
+              <a:t>Artificial Forces Method</a:t>
+            </a:r>
+          </a:p>
+          <a:p>
+            <a:pPr marL="342900" indent="-342900" algn="just">
+              <a:buAutoNum type="arabicParenR"/>
+            </a:pPr>
+            <a:endParaRPr lang="tr-TR" dirty="0"/>
+          </a:p>
+          <a:p>
+            <a:pPr algn="just"/>
+            <a:r>
+              <a:rPr lang="tr-TR" dirty="0" smtClean="0"/>
+              <a:t>Directly defines the control for individuals with different potential field components.</a:t>
+            </a:r>
+            <a:endParaRPr lang="tr-TR" dirty="0"/>
+          </a:p>
+        </p:txBody>
+      </p:sp>
     </p:spTree>
     <p:extLst>
       <p:ext uri="{BB962C8B-B14F-4D97-AF65-F5344CB8AC3E}">
-        <p14:creationId xmlns="" xmlns:p14="http://schemas.microsoft.com/office/powerpoint/2010/main" val="3835474893"/>
+        <p14:creationId xmlns:p14="http://schemas.microsoft.com/office/powerpoint/2010/main" val="2182345034"/>
       </p:ext>
     </p:extLst>
   </p:cSld>
@@ -21486,13 +21404,1499 @@
     </p:spTree>
     <p:extLst>
       <p:ext uri="{BB962C8B-B14F-4D97-AF65-F5344CB8AC3E}">
-        <p14:creationId xmlns="" xmlns:p14="http://schemas.microsoft.com/office/powerpoint/2010/main" val="1031498753"/>
+        <p14:creationId xmlns:p14="http://schemas.microsoft.com/office/powerpoint/2010/main" val="1031498753"/>
       </p:ext>
     </p:extLst>
   </p:cSld>
   <p:clrMapOvr>
     <a:masterClrMapping/>
   </p:clrMapOvr>
+  <p:timing>
+    <p:tnLst>
+      <p:par>
+        <p:cTn id="1" dur="indefinite" restart="never" nodeType="tmRoot"/>
+      </p:par>
+    </p:tnLst>
+  </p:timing>
+</p:sld>
+</file>
+
+<file path=ppt/slides/slide20.xml><?xml version="1.0" encoding="utf-8"?>
+<p:sld xmlns:a="http://schemas.openxmlformats.org/drawingml/2006/main" xmlns:r="http://schemas.openxmlformats.org/officeDocument/2006/relationships" xmlns:p="http://schemas.openxmlformats.org/presentationml/2006/main">
+  <p:cSld>
+    <p:spTree>
+      <p:nvGrpSpPr>
+        <p:cNvPr id="1" name=""/>
+        <p:cNvGrpSpPr/>
+        <p:nvPr/>
+      </p:nvGrpSpPr>
+      <p:grpSpPr>
+        <a:xfrm>
+          <a:off x="0" y="0"/>
+          <a:ext cx="0" cy="0"/>
+          <a:chOff x="0" y="0"/>
+          <a:chExt cx="0" cy="0"/>
+        </a:xfrm>
+      </p:grpSpPr>
+      <p:sp>
+        <p:nvSpPr>
+          <p:cNvPr id="2" name="Title 1"/>
+          <p:cNvSpPr>
+            <a:spLocks noGrp="1"/>
+          </p:cNvSpPr>
+          <p:nvPr>
+            <p:ph type="title"/>
+          </p:nvPr>
+        </p:nvSpPr>
+        <p:spPr/>
+        <p:txBody>
+          <a:bodyPr/>
+          <a:lstStyle/>
+          <a:p>
+            <a:r>
+              <a:rPr lang="tr-TR" dirty="0" smtClean="0"/>
+              <a:t>Formation Control System</a:t>
+            </a:r>
+            <a:endParaRPr lang="tr-TR" dirty="0"/>
+          </a:p>
+        </p:txBody>
+      </p:sp>
+      <p:sp>
+        <p:nvSpPr>
+          <p:cNvPr id="5" name="Date Placeholder 4"/>
+          <p:cNvSpPr>
+            <a:spLocks noGrp="1"/>
+          </p:cNvSpPr>
+          <p:nvPr>
+            <p:ph type="dt" sz="half" idx="2"/>
+          </p:nvPr>
+        </p:nvSpPr>
+        <p:spPr>
+          <a:xfrm>
+            <a:off x="457199" y="6494463"/>
+            <a:ext cx="4000501" cy="266700"/>
+          </a:xfrm>
+        </p:spPr>
+        <p:txBody>
+          <a:bodyPr/>
+          <a:lstStyle/>
+          <a:p>
+            <a:pPr>
+              <a:defRPr/>
+            </a:pPr>
+            <a:r>
+              <a:rPr lang="tr-TR" smtClean="0"/>
+              <a:t>METU Electrical &amp; Electronics Engineering Department</a:t>
+            </a:r>
+            <a:endParaRPr lang="en-US" dirty="0"/>
+          </a:p>
+        </p:txBody>
+      </p:sp>
+      <p:sp>
+        <p:nvSpPr>
+          <p:cNvPr id="3" name="TextBox 2"/>
+          <p:cNvSpPr txBox="1"/>
+          <p:nvPr/>
+        </p:nvSpPr>
+        <p:spPr>
+          <a:xfrm>
+            <a:off x="675249" y="1491175"/>
+            <a:ext cx="7596554" cy="369332"/>
+          </a:xfrm>
+          <a:prstGeom prst="rect">
+            <a:avLst/>
+          </a:prstGeom>
+          <a:noFill/>
+        </p:spPr>
+        <p:txBody>
+          <a:bodyPr wrap="square" rtlCol="0">
+            <a:spAutoFit/>
+          </a:bodyPr>
+          <a:lstStyle/>
+          <a:p>
+            <a:pPr marL="285750" indent="-285750" algn="just">
+              <a:buFont typeface="Arial" panose="020B0604020202020204" pitchFamily="34" charset="0"/>
+              <a:buChar char="•"/>
+            </a:pPr>
+            <a:r>
+              <a:rPr lang="tr-TR" dirty="0" smtClean="0"/>
+              <a:t>Bubble Packing and Randomized Fractals Methods</a:t>
+            </a:r>
+          </a:p>
+        </p:txBody>
+      </p:sp>
+      <p:pic>
+        <p:nvPicPr>
+          <p:cNvPr id="4" name="Picture 3"/>
+          <p:cNvPicPr>
+            <a:picLocks noChangeAspect="1"/>
+          </p:cNvPicPr>
+          <p:nvPr/>
+        </p:nvPicPr>
+        <p:blipFill>
+          <a:blip r:embed="rId2">
+            <a:extLst>
+              <a:ext uri="{28A0092B-C50C-407E-A947-70E740481C1C}">
+                <a14:useLocalDpi xmlns:a14="http://schemas.microsoft.com/office/drawing/2010/main" val="0"/>
+              </a:ext>
+            </a:extLst>
+          </a:blip>
+          <a:stretch>
+            <a:fillRect/>
+          </a:stretch>
+        </p:blipFill>
+        <p:spPr>
+          <a:xfrm>
+            <a:off x="584082" y="3100381"/>
+            <a:ext cx="2700448" cy="1860043"/>
+          </a:xfrm>
+          <a:prstGeom prst="rect">
+            <a:avLst/>
+          </a:prstGeom>
+        </p:spPr>
+      </p:pic>
+      <p:pic>
+        <p:nvPicPr>
+          <p:cNvPr id="6" name="Picture 5"/>
+          <p:cNvPicPr>
+            <a:picLocks noChangeAspect="1"/>
+          </p:cNvPicPr>
+          <p:nvPr/>
+        </p:nvPicPr>
+        <p:blipFill>
+          <a:blip r:embed="rId3"/>
+          <a:stretch>
+            <a:fillRect/>
+          </a:stretch>
+        </p:blipFill>
+        <p:spPr>
+          <a:xfrm>
+            <a:off x="541604" y="5019085"/>
+            <a:ext cx="2678267" cy="1416716"/>
+          </a:xfrm>
+          <a:prstGeom prst="rect">
+            <a:avLst/>
+          </a:prstGeom>
+        </p:spPr>
+      </p:pic>
+      <p:pic>
+        <p:nvPicPr>
+          <p:cNvPr id="7" name="Picture 6"/>
+          <p:cNvPicPr>
+            <a:picLocks noChangeAspect="1"/>
+          </p:cNvPicPr>
+          <p:nvPr/>
+        </p:nvPicPr>
+        <p:blipFill>
+          <a:blip r:embed="rId4"/>
+          <a:stretch>
+            <a:fillRect/>
+          </a:stretch>
+        </p:blipFill>
+        <p:spPr>
+          <a:xfrm>
+            <a:off x="5630928" y="3180749"/>
+            <a:ext cx="2524477" cy="2381582"/>
+          </a:xfrm>
+          <a:prstGeom prst="rect">
+            <a:avLst/>
+          </a:prstGeom>
+        </p:spPr>
+      </p:pic>
+      <p:sp>
+        <p:nvSpPr>
+          <p:cNvPr id="9" name="TextBox 8"/>
+          <p:cNvSpPr txBox="1"/>
+          <p:nvPr/>
+        </p:nvSpPr>
+        <p:spPr>
+          <a:xfrm>
+            <a:off x="598150" y="1882811"/>
+            <a:ext cx="8412843" cy="584775"/>
+          </a:xfrm>
+          <a:prstGeom prst="rect">
+            <a:avLst/>
+          </a:prstGeom>
+          <a:noFill/>
+        </p:spPr>
+        <p:txBody>
+          <a:bodyPr wrap="square" rtlCol="0">
+            <a:spAutoFit/>
+          </a:bodyPr>
+          <a:lstStyle/>
+          <a:p>
+            <a:r>
+              <a:rPr lang="tr-TR" sz="1600" dirty="0" smtClean="0"/>
+              <a:t>These two methods partition the desired formation shape into goal states with different approaches. The procedure of the assignment of the agents to these goal states are identical.</a:t>
+            </a:r>
+            <a:endParaRPr lang="tr-TR" sz="1600" dirty="0"/>
+          </a:p>
+        </p:txBody>
+      </p:sp>
+      <p:sp>
+        <p:nvSpPr>
+          <p:cNvPr id="10" name="TextBox 9"/>
+          <p:cNvSpPr txBox="1"/>
+          <p:nvPr/>
+        </p:nvSpPr>
+        <p:spPr>
+          <a:xfrm>
+            <a:off x="598150" y="2621561"/>
+            <a:ext cx="1841081" cy="338554"/>
+          </a:xfrm>
+          <a:prstGeom prst="rect">
+            <a:avLst/>
+          </a:prstGeom>
+          <a:noFill/>
+        </p:spPr>
+        <p:txBody>
+          <a:bodyPr wrap="none" rtlCol="0">
+            <a:spAutoFit/>
+          </a:bodyPr>
+          <a:lstStyle/>
+          <a:p>
+            <a:pPr marL="285750" indent="-285750">
+              <a:buFont typeface="Wingdings" panose="05000000000000000000" pitchFamily="2" charset="2"/>
+              <a:buChar char="v"/>
+            </a:pPr>
+            <a:r>
+              <a:rPr lang="tr-TR" sz="1600" dirty="0" smtClean="0"/>
+              <a:t>Bubble Packing</a:t>
+            </a:r>
+            <a:endParaRPr lang="tr-TR" sz="1600" dirty="0"/>
+          </a:p>
+        </p:txBody>
+      </p:sp>
+      <p:sp>
+        <p:nvSpPr>
+          <p:cNvPr id="11" name="TextBox 10"/>
+          <p:cNvSpPr txBox="1"/>
+          <p:nvPr/>
+        </p:nvSpPr>
+        <p:spPr>
+          <a:xfrm>
+            <a:off x="5759130" y="2637543"/>
+            <a:ext cx="2252155" cy="338554"/>
+          </a:xfrm>
+          <a:prstGeom prst="rect">
+            <a:avLst/>
+          </a:prstGeom>
+          <a:noFill/>
+        </p:spPr>
+        <p:txBody>
+          <a:bodyPr wrap="none" rtlCol="0">
+            <a:spAutoFit/>
+          </a:bodyPr>
+          <a:lstStyle/>
+          <a:p>
+            <a:pPr marL="285750" indent="-285750">
+              <a:buFont typeface="Wingdings" panose="05000000000000000000" pitchFamily="2" charset="2"/>
+              <a:buChar char="v"/>
+            </a:pPr>
+            <a:r>
+              <a:rPr lang="tr-TR" sz="1600" dirty="0" smtClean="0"/>
+              <a:t>Randomized Factals</a:t>
+            </a:r>
+            <a:endParaRPr lang="tr-TR" sz="1600" dirty="0"/>
+          </a:p>
+        </p:txBody>
+      </p:sp>
+      <p:cxnSp>
+        <p:nvCxnSpPr>
+          <p:cNvPr id="13" name="Straight Connector 12"/>
+          <p:cNvCxnSpPr/>
+          <p:nvPr/>
+        </p:nvCxnSpPr>
+        <p:spPr>
+          <a:xfrm flipH="1">
+            <a:off x="4457700" y="2637543"/>
+            <a:ext cx="15826" cy="3636648"/>
+          </a:xfrm>
+          <a:prstGeom prst="line">
+            <a:avLst/>
+          </a:prstGeom>
+          <a:ln>
+            <a:solidFill>
+              <a:schemeClr val="tx1"/>
+            </a:solidFill>
+          </a:ln>
+        </p:spPr>
+        <p:style>
+          <a:lnRef idx="2">
+            <a:schemeClr val="accent1"/>
+          </a:lnRef>
+          <a:fillRef idx="0">
+            <a:schemeClr val="accent1"/>
+          </a:fillRef>
+          <a:effectRef idx="1">
+            <a:schemeClr val="accent1"/>
+          </a:effectRef>
+          <a:fontRef idx="minor">
+            <a:schemeClr val="tx1"/>
+          </a:fontRef>
+        </p:style>
+      </p:cxnSp>
+    </p:spTree>
+    <p:extLst>
+      <p:ext uri="{BB962C8B-B14F-4D97-AF65-F5344CB8AC3E}">
+        <p14:creationId xmlns:p14="http://schemas.microsoft.com/office/powerpoint/2010/main" val="2431369308"/>
+      </p:ext>
+    </p:extLst>
+  </p:cSld>
+  <p:clrMapOvr>
+    <a:masterClrMapping/>
+  </p:clrMapOvr>
+  <p:timing>
+    <p:tnLst>
+      <p:par>
+        <p:cTn id="1" dur="indefinite" restart="never" nodeType="tmRoot"/>
+      </p:par>
+    </p:tnLst>
+  </p:timing>
+</p:sld>
+</file>
+
+<file path=ppt/slides/slide21.xml><?xml version="1.0" encoding="utf-8"?>
+<p:sld xmlns:a="http://schemas.openxmlformats.org/drawingml/2006/main" xmlns:r="http://schemas.openxmlformats.org/officeDocument/2006/relationships" xmlns:p="http://schemas.openxmlformats.org/presentationml/2006/main">
+  <p:cSld>
+    <p:spTree>
+      <p:nvGrpSpPr>
+        <p:cNvPr id="1" name=""/>
+        <p:cNvGrpSpPr/>
+        <p:nvPr/>
+      </p:nvGrpSpPr>
+      <p:grpSpPr>
+        <a:xfrm>
+          <a:off x="0" y="0"/>
+          <a:ext cx="0" cy="0"/>
+          <a:chOff x="0" y="0"/>
+          <a:chExt cx="0" cy="0"/>
+        </a:xfrm>
+      </p:grpSpPr>
+      <p:sp>
+        <p:nvSpPr>
+          <p:cNvPr id="2" name="Title 1"/>
+          <p:cNvSpPr>
+            <a:spLocks noGrp="1"/>
+          </p:cNvSpPr>
+          <p:nvPr>
+            <p:ph type="title"/>
+          </p:nvPr>
+        </p:nvSpPr>
+        <p:spPr/>
+        <p:txBody>
+          <a:bodyPr/>
+          <a:lstStyle/>
+          <a:p>
+            <a:r>
+              <a:rPr lang="tr-TR" dirty="0" smtClean="0"/>
+              <a:t>Formation Control System</a:t>
+            </a:r>
+            <a:endParaRPr lang="tr-TR" dirty="0"/>
+          </a:p>
+        </p:txBody>
+      </p:sp>
+      <p:sp>
+        <p:nvSpPr>
+          <p:cNvPr id="3" name="TextBox 2"/>
+          <p:cNvSpPr txBox="1"/>
+          <p:nvPr/>
+        </p:nvSpPr>
+        <p:spPr>
+          <a:xfrm>
+            <a:off x="675249" y="1491175"/>
+            <a:ext cx="7596554" cy="369332"/>
+          </a:xfrm>
+          <a:prstGeom prst="rect">
+            <a:avLst/>
+          </a:prstGeom>
+          <a:noFill/>
+        </p:spPr>
+        <p:txBody>
+          <a:bodyPr wrap="square" rtlCol="0">
+            <a:spAutoFit/>
+          </a:bodyPr>
+          <a:lstStyle/>
+          <a:p>
+            <a:pPr marL="285750" indent="-285750" algn="just">
+              <a:buFont typeface="Arial" panose="020B0604020202020204" pitchFamily="34" charset="0"/>
+              <a:buChar char="•"/>
+            </a:pPr>
+            <a:r>
+              <a:rPr lang="tr-TR" dirty="0" smtClean="0"/>
+              <a:t>Bubble Packing and Randomized Fractals Methods</a:t>
+            </a:r>
+          </a:p>
+        </p:txBody>
+      </p:sp>
+      <p:sp>
+        <p:nvSpPr>
+          <p:cNvPr id="8" name="TextBox 7"/>
+          <p:cNvSpPr txBox="1"/>
+          <p:nvPr/>
+        </p:nvSpPr>
+        <p:spPr>
+          <a:xfrm>
+            <a:off x="3419366" y="2057893"/>
+            <a:ext cx="2220864" cy="338554"/>
+          </a:xfrm>
+          <a:prstGeom prst="rect">
+            <a:avLst/>
+          </a:prstGeom>
+          <a:noFill/>
+        </p:spPr>
+        <p:txBody>
+          <a:bodyPr wrap="none" rtlCol="0">
+            <a:spAutoFit/>
+          </a:bodyPr>
+          <a:lstStyle/>
+          <a:p>
+            <a:pPr algn="ctr"/>
+            <a:r>
+              <a:rPr lang="tr-TR" sz="1600" dirty="0" smtClean="0"/>
+              <a:t>Decision of Goal States</a:t>
+            </a:r>
+            <a:endParaRPr lang="tr-TR" sz="1600" dirty="0"/>
+          </a:p>
+        </p:txBody>
+      </p:sp>
+      <p:cxnSp>
+        <p:nvCxnSpPr>
+          <p:cNvPr id="14" name="Straight Connector 13"/>
+          <p:cNvCxnSpPr/>
+          <p:nvPr/>
+        </p:nvCxnSpPr>
+        <p:spPr>
+          <a:xfrm>
+            <a:off x="4473524" y="2489982"/>
+            <a:ext cx="0" cy="3727938"/>
+          </a:xfrm>
+          <a:prstGeom prst="line">
+            <a:avLst/>
+          </a:prstGeom>
+          <a:ln>
+            <a:solidFill>
+              <a:schemeClr val="tx1"/>
+            </a:solidFill>
+          </a:ln>
+        </p:spPr>
+        <p:style>
+          <a:lnRef idx="2">
+            <a:schemeClr val="accent1"/>
+          </a:lnRef>
+          <a:fillRef idx="0">
+            <a:schemeClr val="accent1"/>
+          </a:fillRef>
+          <a:effectRef idx="1">
+            <a:schemeClr val="accent1"/>
+          </a:effectRef>
+          <a:fontRef idx="minor">
+            <a:schemeClr val="tx1"/>
+          </a:fontRef>
+        </p:style>
+      </p:cxnSp>
+      <p:sp>
+        <p:nvSpPr>
+          <p:cNvPr id="15" name="TextBox 14"/>
+          <p:cNvSpPr txBox="1"/>
+          <p:nvPr/>
+        </p:nvSpPr>
+        <p:spPr>
+          <a:xfrm>
+            <a:off x="530021" y="2579132"/>
+            <a:ext cx="3331745" cy="307777"/>
+          </a:xfrm>
+          <a:prstGeom prst="rect">
+            <a:avLst/>
+          </a:prstGeom>
+          <a:noFill/>
+        </p:spPr>
+        <p:txBody>
+          <a:bodyPr wrap="none" rtlCol="0">
+            <a:spAutoFit/>
+          </a:bodyPr>
+          <a:lstStyle/>
+          <a:p>
+            <a:pPr algn="ctr"/>
+            <a:r>
+              <a:rPr lang="tr-TR" sz="1400" i="1" u="sng" dirty="0" smtClean="0"/>
+              <a:t>1)</a:t>
+            </a:r>
+            <a:r>
+              <a:rPr lang="en-US" sz="1400" i="1" u="sng" dirty="0" smtClean="0"/>
+              <a:t>Calculation of Free Configuration Space</a:t>
+            </a:r>
+            <a:endParaRPr lang="tr-TR" sz="1400" i="1" u="sng" dirty="0"/>
+          </a:p>
+        </p:txBody>
+      </p:sp>
+      <p:pic>
+        <p:nvPicPr>
+          <p:cNvPr id="16" name="Picture 2"/>
+          <p:cNvPicPr>
+            <a:picLocks noChangeAspect="1" noChangeArrowheads="1"/>
+          </p:cNvPicPr>
+          <p:nvPr/>
+        </p:nvPicPr>
+        <p:blipFill>
+          <a:blip r:embed="rId2"/>
+          <a:srcRect/>
+          <a:stretch>
+            <a:fillRect/>
+          </a:stretch>
+        </p:blipFill>
+        <p:spPr bwMode="auto">
+          <a:xfrm>
+            <a:off x="812995" y="2991969"/>
+            <a:ext cx="2819400" cy="399479"/>
+          </a:xfrm>
+          <a:prstGeom prst="rect">
+            <a:avLst/>
+          </a:prstGeom>
+          <a:noFill/>
+          <a:ln w="9525">
+            <a:noFill/>
+            <a:miter lim="800000"/>
+            <a:headEnd/>
+            <a:tailEnd/>
+          </a:ln>
+          <a:effectLst/>
+        </p:spPr>
+      </p:pic>
+      <p:sp>
+        <p:nvSpPr>
+          <p:cNvPr id="17" name="TextBox 16"/>
+          <p:cNvSpPr txBox="1"/>
+          <p:nvPr/>
+        </p:nvSpPr>
+        <p:spPr>
+          <a:xfrm>
+            <a:off x="-3954" y="3388244"/>
+            <a:ext cx="1605761" cy="307777"/>
+          </a:xfrm>
+          <a:prstGeom prst="rect">
+            <a:avLst/>
+          </a:prstGeom>
+          <a:noFill/>
+        </p:spPr>
+        <p:txBody>
+          <a:bodyPr wrap="none" rtlCol="0">
+            <a:spAutoFit/>
+          </a:bodyPr>
+          <a:lstStyle/>
+          <a:p>
+            <a:r>
+              <a:rPr lang="tr-TR" sz="1400" dirty="0" smtClean="0"/>
+              <a:t>Forbidden Space : </a:t>
+            </a:r>
+            <a:endParaRPr lang="tr-TR" sz="1400" dirty="0"/>
+          </a:p>
+        </p:txBody>
+      </p:sp>
+      <p:pic>
+        <p:nvPicPr>
+          <p:cNvPr id="18" name="Picture 3"/>
+          <p:cNvPicPr>
+            <a:picLocks noChangeAspect="1" noChangeArrowheads="1"/>
+          </p:cNvPicPr>
+          <p:nvPr/>
+        </p:nvPicPr>
+        <p:blipFill>
+          <a:blip r:embed="rId3"/>
+          <a:srcRect/>
+          <a:stretch>
+            <a:fillRect/>
+          </a:stretch>
+        </p:blipFill>
+        <p:spPr bwMode="auto">
+          <a:xfrm>
+            <a:off x="1511141" y="3379548"/>
+            <a:ext cx="2920182" cy="358677"/>
+          </a:xfrm>
+          <a:prstGeom prst="rect">
+            <a:avLst/>
+          </a:prstGeom>
+          <a:noFill/>
+          <a:ln w="9525">
+            <a:noFill/>
+            <a:miter lim="800000"/>
+            <a:headEnd/>
+            <a:tailEnd/>
+          </a:ln>
+          <a:effectLst/>
+        </p:spPr>
+      </p:pic>
+      <p:pic>
+        <p:nvPicPr>
+          <p:cNvPr id="19" name="Picture 4"/>
+          <p:cNvPicPr>
+            <a:picLocks noChangeAspect="1" noChangeArrowheads="1"/>
+          </p:cNvPicPr>
+          <p:nvPr/>
+        </p:nvPicPr>
+        <p:blipFill>
+          <a:blip r:embed="rId4"/>
+          <a:srcRect/>
+          <a:stretch>
+            <a:fillRect/>
+          </a:stretch>
+        </p:blipFill>
+        <p:spPr bwMode="auto">
+          <a:xfrm>
+            <a:off x="1375136" y="3870010"/>
+            <a:ext cx="1638300" cy="1837553"/>
+          </a:xfrm>
+          <a:prstGeom prst="rect">
+            <a:avLst/>
+          </a:prstGeom>
+          <a:noFill/>
+          <a:ln w="9525">
+            <a:noFill/>
+            <a:miter lim="800000"/>
+            <a:headEnd/>
+            <a:tailEnd/>
+          </a:ln>
+          <a:effectLst/>
+        </p:spPr>
+      </p:pic>
+      <p:sp>
+        <p:nvSpPr>
+          <p:cNvPr id="20" name="TextBox 19"/>
+          <p:cNvSpPr txBox="1"/>
+          <p:nvPr/>
+        </p:nvSpPr>
+        <p:spPr>
+          <a:xfrm>
+            <a:off x="1415149" y="5685459"/>
+            <a:ext cx="1473865" cy="307777"/>
+          </a:xfrm>
+          <a:prstGeom prst="rect">
+            <a:avLst/>
+          </a:prstGeom>
+          <a:noFill/>
+        </p:spPr>
+        <p:txBody>
+          <a:bodyPr wrap="none" rtlCol="0">
+            <a:spAutoFit/>
+          </a:bodyPr>
+          <a:lstStyle/>
+          <a:p>
+            <a:r>
+              <a:rPr lang="tr-TR" sz="1400" dirty="0" smtClean="0"/>
+              <a:t>Forbidden Space</a:t>
+            </a:r>
+            <a:endParaRPr lang="tr-TR" sz="1400" dirty="0"/>
+          </a:p>
+        </p:txBody>
+      </p:sp>
+      <p:sp>
+        <p:nvSpPr>
+          <p:cNvPr id="21" name="TextBox 20"/>
+          <p:cNvSpPr txBox="1"/>
+          <p:nvPr/>
+        </p:nvSpPr>
+        <p:spPr>
+          <a:xfrm>
+            <a:off x="6153409" y="2565063"/>
+            <a:ext cx="1603451" cy="307777"/>
+          </a:xfrm>
+          <a:prstGeom prst="rect">
+            <a:avLst/>
+          </a:prstGeom>
+          <a:noFill/>
+        </p:spPr>
+        <p:txBody>
+          <a:bodyPr wrap="none" rtlCol="0">
+            <a:spAutoFit/>
+          </a:bodyPr>
+          <a:lstStyle/>
+          <a:p>
+            <a:pPr algn="ctr"/>
+            <a:r>
+              <a:rPr lang="tr-TR" sz="1400" i="1" u="sng" dirty="0" smtClean="0"/>
+              <a:t>2)Visibility Graphs</a:t>
+            </a:r>
+            <a:endParaRPr lang="tr-TR" sz="1400" i="1" u="sng" dirty="0"/>
+          </a:p>
+        </p:txBody>
+      </p:sp>
+      <p:sp>
+        <p:nvSpPr>
+          <p:cNvPr id="22" name="Rectangle 21"/>
+          <p:cNvSpPr/>
+          <p:nvPr/>
+        </p:nvSpPr>
+        <p:spPr>
+          <a:xfrm>
+            <a:off x="4459455" y="2945129"/>
+            <a:ext cx="4698609" cy="461665"/>
+          </a:xfrm>
+          <a:prstGeom prst="rect">
+            <a:avLst/>
+          </a:prstGeom>
+        </p:spPr>
+        <p:txBody>
+          <a:bodyPr wrap="square">
+            <a:spAutoFit/>
+          </a:bodyPr>
+          <a:lstStyle/>
+          <a:p>
+            <a:pPr algn="just"/>
+            <a:r>
+              <a:rPr lang="en-US" sz="1200" dirty="0"/>
+              <a:t>The shortest path between </a:t>
+            </a:r>
+            <a:r>
+              <a:rPr lang="tr-TR" sz="1200" dirty="0" smtClean="0"/>
+              <a:t>a </a:t>
+            </a:r>
+            <a:r>
+              <a:rPr lang="en-US" sz="1200" dirty="0" smtClean="0"/>
+              <a:t>start</a:t>
+            </a:r>
+            <a:r>
+              <a:rPr lang="tr-TR" sz="1200" dirty="0" smtClean="0"/>
+              <a:t> </a:t>
+            </a:r>
+            <a:r>
+              <a:rPr lang="en-US" sz="1200" dirty="0"/>
+              <a:t>and </a:t>
+            </a:r>
+            <a:r>
+              <a:rPr lang="en-US" sz="1200" dirty="0" smtClean="0"/>
+              <a:t>goal </a:t>
+            </a:r>
+            <a:r>
+              <a:rPr lang="en-US" sz="1200" dirty="0"/>
+              <a:t>among a set S of augmented polygonal</a:t>
+            </a:r>
+            <a:r>
+              <a:rPr lang="tr-TR" sz="1200" dirty="0"/>
+              <a:t> </a:t>
+            </a:r>
+            <a:r>
+              <a:rPr lang="en-US" sz="1200" dirty="0"/>
+              <a:t>obstacles consists of arcs of the visibility</a:t>
+            </a:r>
+            <a:r>
+              <a:rPr lang="tr-TR" sz="1200" dirty="0"/>
+              <a:t> graph</a:t>
+            </a:r>
+            <a:endParaRPr lang="tr-TR" sz="1200" dirty="0"/>
+          </a:p>
+        </p:txBody>
+      </p:sp>
+      <p:pic>
+        <p:nvPicPr>
+          <p:cNvPr id="23" name="Picture 2"/>
+          <p:cNvPicPr>
+            <a:picLocks noChangeAspect="1" noChangeArrowheads="1"/>
+          </p:cNvPicPr>
+          <p:nvPr/>
+        </p:nvPicPr>
+        <p:blipFill>
+          <a:blip r:embed="rId5"/>
+          <a:srcRect/>
+          <a:stretch>
+            <a:fillRect/>
+          </a:stretch>
+        </p:blipFill>
+        <p:spPr bwMode="auto">
+          <a:xfrm>
+            <a:off x="5706533" y="3554260"/>
+            <a:ext cx="2497202" cy="240237"/>
+          </a:xfrm>
+          <a:prstGeom prst="rect">
+            <a:avLst/>
+          </a:prstGeom>
+          <a:noFill/>
+          <a:ln w="9525">
+            <a:noFill/>
+            <a:miter lim="800000"/>
+            <a:headEnd/>
+            <a:tailEnd/>
+          </a:ln>
+          <a:effectLst/>
+        </p:spPr>
+      </p:pic>
+      <p:pic>
+        <p:nvPicPr>
+          <p:cNvPr id="24" name="Picture 3"/>
+          <p:cNvPicPr>
+            <a:picLocks noChangeAspect="1" noChangeArrowheads="1"/>
+          </p:cNvPicPr>
+          <p:nvPr/>
+        </p:nvPicPr>
+        <p:blipFill>
+          <a:blip r:embed="rId6"/>
+          <a:srcRect/>
+          <a:stretch>
+            <a:fillRect/>
+          </a:stretch>
+        </p:blipFill>
+        <p:spPr bwMode="auto">
+          <a:xfrm>
+            <a:off x="6027098" y="3852432"/>
+            <a:ext cx="2176634" cy="2047875"/>
+          </a:xfrm>
+          <a:prstGeom prst="rect">
+            <a:avLst/>
+          </a:prstGeom>
+          <a:noFill/>
+          <a:ln w="9525">
+            <a:noFill/>
+            <a:miter lim="800000"/>
+            <a:headEnd/>
+            <a:tailEnd/>
+          </a:ln>
+          <a:effectLst/>
+        </p:spPr>
+      </p:pic>
+      <p:sp>
+        <p:nvSpPr>
+          <p:cNvPr id="25" name="TextBox 24"/>
+          <p:cNvSpPr txBox="1"/>
+          <p:nvPr/>
+        </p:nvSpPr>
+        <p:spPr>
+          <a:xfrm>
+            <a:off x="6493412" y="5735698"/>
+            <a:ext cx="1405128" cy="307777"/>
+          </a:xfrm>
+          <a:prstGeom prst="rect">
+            <a:avLst/>
+          </a:prstGeom>
+          <a:noFill/>
+        </p:spPr>
+        <p:txBody>
+          <a:bodyPr wrap="none" rtlCol="0">
+            <a:spAutoFit/>
+          </a:bodyPr>
+          <a:lstStyle/>
+          <a:p>
+            <a:r>
+              <a:rPr lang="tr-TR" sz="1400" dirty="0" smtClean="0"/>
+              <a:t>Visibility Graph</a:t>
+            </a:r>
+            <a:endParaRPr lang="tr-TR" sz="1400" dirty="0"/>
+          </a:p>
+        </p:txBody>
+      </p:sp>
+    </p:spTree>
+    <p:extLst>
+      <p:ext uri="{BB962C8B-B14F-4D97-AF65-F5344CB8AC3E}">
+        <p14:creationId xmlns:p14="http://schemas.microsoft.com/office/powerpoint/2010/main" val="2643796659"/>
+      </p:ext>
+    </p:extLst>
+  </p:cSld>
+  <p:clrMapOvr>
+    <a:masterClrMapping/>
+  </p:clrMapOvr>
+  <p:timing>
+    <p:tnLst>
+      <p:par>
+        <p:cTn id="1" dur="indefinite" restart="never" nodeType="tmRoot"/>
+      </p:par>
+    </p:tnLst>
+  </p:timing>
+</p:sld>
+</file>
+
+<file path=ppt/slides/slide22.xml><?xml version="1.0" encoding="utf-8"?>
+<p:sld xmlns:a="http://schemas.openxmlformats.org/drawingml/2006/main" xmlns:r="http://schemas.openxmlformats.org/officeDocument/2006/relationships" xmlns:p="http://schemas.openxmlformats.org/presentationml/2006/main">
+  <p:cSld>
+    <p:spTree>
+      <p:nvGrpSpPr>
+        <p:cNvPr id="1" name=""/>
+        <p:cNvGrpSpPr/>
+        <p:nvPr/>
+      </p:nvGrpSpPr>
+      <p:grpSpPr>
+        <a:xfrm>
+          <a:off x="0" y="0"/>
+          <a:ext cx="0" cy="0"/>
+          <a:chOff x="0" y="0"/>
+          <a:chExt cx="0" cy="0"/>
+        </a:xfrm>
+      </p:grpSpPr>
+      <p:sp>
+        <p:nvSpPr>
+          <p:cNvPr id="2" name="Title 1"/>
+          <p:cNvSpPr>
+            <a:spLocks noGrp="1"/>
+          </p:cNvSpPr>
+          <p:nvPr>
+            <p:ph type="title"/>
+          </p:nvPr>
+        </p:nvSpPr>
+        <p:spPr/>
+        <p:txBody>
+          <a:bodyPr/>
+          <a:lstStyle/>
+          <a:p>
+            <a:r>
+              <a:rPr lang="tr-TR" dirty="0" smtClean="0"/>
+              <a:t>References</a:t>
+            </a:r>
+            <a:endParaRPr lang="tr-TR" dirty="0"/>
+          </a:p>
+        </p:txBody>
+      </p:sp>
+      <p:sp>
+        <p:nvSpPr>
+          <p:cNvPr id="3" name="Content Placeholder 2"/>
+          <p:cNvSpPr>
+            <a:spLocks noGrp="1"/>
+          </p:cNvSpPr>
+          <p:nvPr>
+            <p:ph idx="1"/>
+          </p:nvPr>
+        </p:nvSpPr>
+        <p:spPr/>
+        <p:txBody>
+          <a:bodyPr/>
+          <a:lstStyle/>
+          <a:p>
+            <a:pPr>
+              <a:buFont typeface="Arial" pitchFamily="34" charset="0"/>
+              <a:buChar char="•"/>
+            </a:pPr>
+            <a:r>
+              <a:rPr lang="tr-TR" sz="1100" dirty="0" smtClean="0"/>
+              <a:t>[1]</a:t>
+            </a:r>
+            <a:r>
+              <a:rPr lang="tr-TR" sz="1100" dirty="0" smtClean="0">
+                <a:hlinkClick r:id="rId2"/>
+              </a:rPr>
+              <a:t> </a:t>
+            </a:r>
+            <a:r>
+              <a:rPr lang="tr-TR" sz="1050" dirty="0" smtClean="0">
+                <a:hlinkClick r:id="rId2"/>
+              </a:rPr>
+              <a:t>http://www.eecs.harvard.edu/ssr/projects/progSA/kilobot.html</a:t>
+            </a:r>
+            <a:endParaRPr lang="tr-TR" sz="1100" dirty="0" smtClean="0"/>
+          </a:p>
+          <a:p>
+            <a:pPr>
+              <a:buFont typeface="Arial" pitchFamily="34" charset="0"/>
+              <a:buChar char="•"/>
+            </a:pPr>
+            <a:r>
+              <a:rPr lang="tr-TR" sz="1100" dirty="0" smtClean="0"/>
+              <a:t>[2] </a:t>
+            </a:r>
+            <a:r>
+              <a:rPr lang="tr-TR" sz="900" dirty="0" smtClean="0"/>
+              <a:t>Martin N, Klupar P, “</a:t>
+            </a:r>
+            <a:r>
+              <a:rPr lang="en-US" sz="900" dirty="0" err="1" smtClean="0"/>
+              <a:t>Techsat</a:t>
+            </a:r>
+            <a:r>
+              <a:rPr lang="en-US" sz="900" dirty="0" smtClean="0"/>
+              <a:t> 21 And Revolutionizing Space</a:t>
+            </a:r>
+            <a:r>
+              <a:rPr lang="tr-TR" sz="900" dirty="0" smtClean="0"/>
+              <a:t> M</a:t>
+            </a:r>
+            <a:r>
+              <a:rPr lang="en-US" sz="900" dirty="0" err="1" smtClean="0"/>
+              <a:t>issions</a:t>
+            </a:r>
+            <a:r>
+              <a:rPr lang="tr-TR" sz="900" dirty="0" smtClean="0"/>
+              <a:t> Using Mıcrosatellıtes”, </a:t>
+            </a:r>
+            <a:endParaRPr lang="tr-TR" sz="1100" dirty="0" smtClean="0"/>
+          </a:p>
+          <a:p>
+            <a:pPr>
+              <a:buFont typeface="Arial" pitchFamily="34" charset="0"/>
+              <a:buChar char="•"/>
+            </a:pPr>
+            <a:r>
+              <a:rPr lang="tr-TR" sz="1100" dirty="0" smtClean="0"/>
+              <a:t>[3]</a:t>
+            </a:r>
+            <a:r>
+              <a:rPr lang="tr-TR" sz="1100" dirty="0" smtClean="0">
+                <a:hlinkClick r:id="rId3"/>
+              </a:rPr>
+              <a:t> </a:t>
+            </a:r>
+            <a:r>
+              <a:rPr lang="tr-TR" sz="1050" dirty="0" smtClean="0">
+                <a:hlinkClick r:id="rId3"/>
+              </a:rPr>
+              <a:t>http://www.swarmanoid.org/swarmanoid_hardware.php.html</a:t>
+            </a:r>
+            <a:endParaRPr lang="tr-TR" sz="1050" dirty="0" smtClean="0"/>
+          </a:p>
+          <a:p>
+            <a:pPr>
+              <a:buFont typeface="Arial" pitchFamily="34" charset="0"/>
+              <a:buChar char="•"/>
+            </a:pPr>
+            <a:r>
+              <a:rPr lang="en-US" sz="1050" dirty="0" smtClean="0"/>
+              <a:t>[</a:t>
+            </a:r>
+            <a:r>
+              <a:rPr lang="tr-TR" sz="1050" dirty="0" smtClean="0"/>
+              <a:t>4</a:t>
+            </a:r>
+            <a:r>
+              <a:rPr lang="en-US" sz="1050" dirty="0" smtClean="0"/>
+              <a:t>] S </a:t>
+            </a:r>
+            <a:r>
+              <a:rPr lang="en-US" sz="1050" dirty="0" err="1" smtClean="0"/>
+              <a:t>Kornienki</a:t>
+            </a:r>
+            <a:r>
+              <a:rPr lang="en-US" sz="1050" dirty="0" smtClean="0"/>
+              <a:t>, O. </a:t>
+            </a:r>
+            <a:r>
+              <a:rPr lang="en-US" sz="1050" dirty="0" err="1" smtClean="0"/>
+              <a:t>Kornienko</a:t>
+            </a:r>
+            <a:r>
+              <a:rPr lang="en-US" sz="1050" dirty="0" smtClean="0"/>
+              <a:t>, and Levi. P. Minimalistic approach towards communication</a:t>
+            </a:r>
+          </a:p>
+          <a:p>
+            <a:r>
+              <a:rPr lang="en-US" sz="1050" dirty="0" smtClean="0"/>
+              <a:t>and perception in </a:t>
+            </a:r>
+            <a:r>
+              <a:rPr lang="en-US" sz="1050" dirty="0" err="1" smtClean="0"/>
+              <a:t>microrobotic</a:t>
+            </a:r>
+            <a:r>
+              <a:rPr lang="en-US" sz="1050" dirty="0" smtClean="0"/>
+              <a:t> swarms. In IEEE International Conference</a:t>
+            </a:r>
+            <a:r>
+              <a:rPr lang="tr-TR" sz="1050" dirty="0" smtClean="0"/>
+              <a:t> </a:t>
+            </a:r>
+            <a:r>
+              <a:rPr lang="en-US" sz="1050" dirty="0" smtClean="0"/>
+              <a:t>on Intelligent Robots and Systems, 2005.</a:t>
+            </a:r>
+            <a:endParaRPr lang="tr-TR" sz="1050" dirty="0" smtClean="0"/>
+          </a:p>
+          <a:p>
+            <a:pPr>
+              <a:buFont typeface="Arial" pitchFamily="34" charset="0"/>
+              <a:buChar char="•"/>
+            </a:pPr>
+            <a:r>
+              <a:rPr lang="tr-TR" sz="1050" dirty="0" smtClean="0"/>
+              <a:t>[5] Farshad Arvin, John Murray, Licheng Shi, Chun Zhang, and Shigang Yue. Development</a:t>
+            </a:r>
+          </a:p>
+          <a:p>
+            <a:r>
+              <a:rPr lang="en-US" sz="1050" dirty="0" smtClean="0"/>
+              <a:t>of an autonomous micro robot for swarm robotics. In IEEE International</a:t>
+            </a:r>
+            <a:r>
+              <a:rPr lang="tr-TR" sz="1050" dirty="0" smtClean="0"/>
+              <a:t> </a:t>
+            </a:r>
+            <a:r>
+              <a:rPr lang="en-US" sz="1050" dirty="0" smtClean="0"/>
+              <a:t>Conference on </a:t>
+            </a:r>
+            <a:r>
+              <a:rPr lang="en-US" sz="1050" dirty="0" err="1" smtClean="0"/>
+              <a:t>Mechatronics</a:t>
+            </a:r>
+            <a:r>
+              <a:rPr lang="en-US" sz="1050" dirty="0" smtClean="0"/>
+              <a:t> and Automation, 2014.</a:t>
+            </a:r>
+            <a:endParaRPr lang="tr-TR" sz="1050" dirty="0" smtClean="0"/>
+          </a:p>
+          <a:p>
+            <a:pPr>
+              <a:buFont typeface="Arial" pitchFamily="34" charset="0"/>
+              <a:buChar char="•"/>
+            </a:pPr>
+            <a:r>
+              <a:rPr lang="tr-TR" sz="1050" dirty="0" smtClean="0"/>
+              <a:t>[6]</a:t>
+            </a:r>
+            <a:r>
+              <a:rPr lang="it-IT" sz="1050" dirty="0" smtClean="0"/>
+              <a:t>Touraj Soleymani, Vito Trianni, Michael Bonani, Francesco Mondada, and</a:t>
+            </a:r>
+            <a:r>
+              <a:rPr lang="tr-TR" sz="1050" dirty="0" smtClean="0"/>
+              <a:t> </a:t>
+            </a:r>
+            <a:r>
+              <a:rPr lang="en-US" sz="1050" dirty="0" smtClean="0"/>
+              <a:t>Marco </a:t>
+            </a:r>
+            <a:r>
+              <a:rPr lang="en-US" sz="1050" dirty="0" err="1" smtClean="0"/>
+              <a:t>Dorigo</a:t>
+            </a:r>
+            <a:r>
+              <a:rPr lang="en-US" sz="1050" dirty="0" smtClean="0"/>
+              <a:t>. Bio-inspired construction with mobile robots and compliant</a:t>
+            </a:r>
+            <a:r>
+              <a:rPr lang="tr-TR" sz="1050" dirty="0" smtClean="0"/>
+              <a:t> </a:t>
+            </a:r>
+            <a:r>
+              <a:rPr lang="en-US" sz="1050" dirty="0" smtClean="0"/>
+              <a:t>pockets. Robotics and </a:t>
+            </a:r>
+            <a:r>
+              <a:rPr lang="en-US" sz="1050" dirty="0" err="1" smtClean="0"/>
+              <a:t>Autonomus</a:t>
+            </a:r>
+            <a:r>
+              <a:rPr lang="en-US" sz="1050" dirty="0" smtClean="0"/>
+              <a:t> Systems, 74:340–350, 2015.</a:t>
+            </a:r>
+            <a:endParaRPr lang="tr-TR" sz="1050" dirty="0" smtClean="0"/>
+          </a:p>
+          <a:p>
+            <a:pPr>
+              <a:buFont typeface="Arial" pitchFamily="34" charset="0"/>
+              <a:buChar char="•"/>
+            </a:pPr>
+            <a:r>
+              <a:rPr lang="tr-TR" sz="1050" dirty="0" smtClean="0"/>
+              <a:t>[7] Roderich Grof, Michael Bonani, Mondada Francesco, and Marco Dorigo. Autonomous</a:t>
+            </a:r>
+          </a:p>
+          <a:p>
+            <a:r>
+              <a:rPr lang="en-US" sz="1050" dirty="0" smtClean="0"/>
+              <a:t>self-assembly in a swarm-bot. 22:1115–1130, 2006.</a:t>
+            </a:r>
+            <a:endParaRPr lang="tr-TR" sz="1050" dirty="0" smtClean="0"/>
+          </a:p>
+          <a:p>
+            <a:r>
+              <a:rPr lang="tr-TR" sz="1050" dirty="0" smtClean="0"/>
+              <a:t>[8]</a:t>
+            </a:r>
+            <a:r>
+              <a:rPr lang="en-US" sz="1050" dirty="0" smtClean="0"/>
+              <a:t> S.P. </a:t>
+            </a:r>
+            <a:r>
+              <a:rPr lang="en-US" sz="1050" dirty="0" err="1" smtClean="0"/>
+              <a:t>Hou</a:t>
+            </a:r>
+            <a:r>
+              <a:rPr lang="en-US" sz="1050" dirty="0" smtClean="0"/>
+              <a:t>, C.C. </a:t>
+            </a:r>
+            <a:r>
+              <a:rPr lang="en-US" sz="1050" dirty="0" err="1" smtClean="0"/>
+              <a:t>Cheah</a:t>
+            </a:r>
+            <a:r>
+              <a:rPr lang="en-US" sz="1050" dirty="0" smtClean="0"/>
+              <a:t>, and J.J.E. </a:t>
+            </a:r>
+            <a:r>
+              <a:rPr lang="en-US" sz="1050" dirty="0" err="1" smtClean="0"/>
+              <a:t>Slotine</a:t>
+            </a:r>
+            <a:r>
+              <a:rPr lang="en-US" sz="1050" dirty="0" smtClean="0"/>
+              <a:t>. Dynamic region following </a:t>
+            </a:r>
+            <a:r>
+              <a:rPr lang="en-US" sz="1050" dirty="0" err="1" smtClean="0"/>
+              <a:t>formationcontrol</a:t>
+            </a:r>
+            <a:r>
+              <a:rPr lang="en-US" sz="1050" dirty="0" smtClean="0"/>
+              <a:t> for a swarm of robots. In ICRA, 2009.</a:t>
+            </a:r>
+            <a:r>
+              <a:rPr lang="tr-TR" sz="1050" dirty="0" smtClean="0"/>
+              <a:t>[10] </a:t>
+            </a:r>
+            <a:r>
+              <a:rPr lang="tr-TR" sz="1050" dirty="0" smtClean="0">
+                <a:hlinkClick r:id="rId4"/>
+              </a:rPr>
+              <a:t>http://electronicdesign.com/systems/advanced-robots-swarm-nyc-s-museum-math</a:t>
+            </a:r>
+            <a:endParaRPr lang="tr-TR" sz="1050" dirty="0" smtClean="0"/>
+          </a:p>
+          <a:p>
+            <a:r>
+              <a:rPr lang="tr-TR" sz="1050" dirty="0" smtClean="0"/>
+              <a:t>[9]</a:t>
+            </a:r>
+            <a:r>
+              <a:rPr lang="en-US" sz="1050" dirty="0" smtClean="0"/>
+              <a:t> </a:t>
+            </a:r>
+            <a:r>
+              <a:rPr lang="en-US" sz="1050" dirty="0" err="1" smtClean="0"/>
+              <a:t>Samitha</a:t>
+            </a:r>
+            <a:r>
+              <a:rPr lang="en-US" sz="1050" dirty="0" smtClean="0"/>
+              <a:t> </a:t>
+            </a:r>
+            <a:r>
+              <a:rPr lang="en-US" sz="1050" dirty="0" err="1" smtClean="0"/>
+              <a:t>Ekanayake</a:t>
+            </a:r>
+            <a:r>
+              <a:rPr lang="en-US" sz="1050" dirty="0" smtClean="0"/>
+              <a:t> and </a:t>
+            </a:r>
+            <a:r>
+              <a:rPr lang="en-US" sz="1050" dirty="0" err="1" smtClean="0"/>
+              <a:t>Pubudu</a:t>
+            </a:r>
+            <a:r>
+              <a:rPr lang="en-US" sz="1050" dirty="0" smtClean="0"/>
+              <a:t> </a:t>
+            </a:r>
+            <a:r>
+              <a:rPr lang="en-US" sz="1050" dirty="0" err="1" smtClean="0"/>
+              <a:t>Pathirana</a:t>
+            </a:r>
+            <a:r>
+              <a:rPr lang="en-US" sz="1050" dirty="0" smtClean="0"/>
+              <a:t>. Formations of robotic swarm: An</a:t>
+            </a:r>
+            <a:r>
+              <a:rPr lang="tr-TR" sz="1050" dirty="0" smtClean="0"/>
+              <a:t> </a:t>
+            </a:r>
+            <a:r>
+              <a:rPr lang="en-US" sz="1050" dirty="0" smtClean="0"/>
+              <a:t>artificial force based approach. International Journal of Advanced Robotic Systems,</a:t>
+            </a:r>
+            <a:r>
+              <a:rPr lang="tr-TR" sz="1050" dirty="0" smtClean="0"/>
+              <a:t>7:173–190, 2010</a:t>
+            </a:r>
+          </a:p>
+          <a:p>
+            <a:r>
+              <a:rPr lang="tr-TR" sz="1050" dirty="0" smtClean="0"/>
+              <a:t>[10] http://electronicdesign.com/systems/advanced-robots-swarm-nyc-s-museum-math</a:t>
+            </a:r>
+          </a:p>
+          <a:p>
+            <a:r>
+              <a:rPr lang="tr-TR" sz="1050" dirty="0" smtClean="0"/>
+              <a:t>[11]</a:t>
+            </a:r>
+            <a:r>
+              <a:rPr lang="de-DE" sz="1050" dirty="0" smtClean="0"/>
+              <a:t> Aveek Das, Rafael Fierro, Vijay Kumar, James Ostrowski, John Spletzer, and</a:t>
+            </a:r>
+            <a:r>
+              <a:rPr lang="tr-TR" sz="1050" dirty="0" smtClean="0"/>
+              <a:t> </a:t>
+            </a:r>
+            <a:r>
+              <a:rPr lang="en-US" sz="1050" dirty="0" smtClean="0"/>
+              <a:t>Camilla Taylor. A vision-based formation control framework. IEEE Transactions</a:t>
+            </a:r>
+            <a:r>
+              <a:rPr lang="tr-TR" sz="1050" dirty="0" smtClean="0"/>
+              <a:t> </a:t>
+            </a:r>
+            <a:r>
+              <a:rPr lang="en-US" sz="1050" dirty="0" smtClean="0"/>
+              <a:t>on Robotics and Automation, 18:813–825, 2002.</a:t>
+            </a:r>
+            <a:endParaRPr lang="tr-TR" sz="1050" dirty="0" smtClean="0"/>
+          </a:p>
+          <a:p>
+            <a:r>
+              <a:rPr lang="tr-TR" sz="1050" dirty="0" smtClean="0"/>
+              <a:t>[12]</a:t>
+            </a:r>
+            <a:r>
+              <a:rPr lang="en-US" sz="1050" dirty="0" smtClean="0"/>
+              <a:t> </a:t>
+            </a:r>
+            <a:r>
+              <a:rPr lang="en-US" sz="1050" dirty="0" err="1" smtClean="0"/>
+              <a:t>Yogeswaran</a:t>
+            </a:r>
+            <a:r>
+              <a:rPr lang="en-US" sz="1050" dirty="0" smtClean="0"/>
+              <a:t> Mohan and S.G. </a:t>
+            </a:r>
+            <a:r>
+              <a:rPr lang="en-US" sz="1050" dirty="0" err="1" smtClean="0"/>
+              <a:t>Ponnambalam</a:t>
+            </a:r>
+            <a:r>
+              <a:rPr lang="en-US" sz="1050" dirty="0" smtClean="0"/>
+              <a:t>. An extensive review of research</a:t>
+            </a:r>
+            <a:r>
+              <a:rPr lang="tr-TR" sz="1050" dirty="0" smtClean="0"/>
+              <a:t> </a:t>
+            </a:r>
+            <a:r>
+              <a:rPr lang="en-US" sz="1050" dirty="0" smtClean="0"/>
+              <a:t>in swarm robotics. In World Congress on Nature &amp; Biologically Inspired Computing,</a:t>
+            </a:r>
+            <a:r>
+              <a:rPr lang="tr-TR" sz="1050" dirty="0" smtClean="0"/>
+              <a:t> NaBIC, 2009.</a:t>
+            </a:r>
+          </a:p>
+          <a:p>
+            <a:pPr>
+              <a:buFont typeface="Arial" pitchFamily="34" charset="0"/>
+              <a:buChar char="•"/>
+            </a:pPr>
+            <a:endParaRPr lang="tr-TR" sz="1100" dirty="0" smtClean="0"/>
+          </a:p>
+          <a:p>
+            <a:endParaRPr lang="tr-TR" sz="1100" dirty="0" smtClean="0"/>
+          </a:p>
+          <a:p>
+            <a:r>
+              <a:rPr lang="tr-TR" sz="1100" dirty="0" smtClean="0"/>
+              <a:t>                           </a:t>
+            </a:r>
+            <a:endParaRPr lang="tr-TR" sz="1100" dirty="0"/>
+          </a:p>
+        </p:txBody>
+      </p:sp>
+      <p:sp>
+        <p:nvSpPr>
+          <p:cNvPr id="4" name="Slide Number Placeholder 3"/>
+          <p:cNvSpPr>
+            <a:spLocks noGrp="1"/>
+          </p:cNvSpPr>
+          <p:nvPr>
+            <p:ph type="sldNum" sz="quarter" idx="12"/>
+          </p:nvPr>
+        </p:nvSpPr>
+        <p:spPr/>
+        <p:txBody>
+          <a:bodyPr/>
+          <a:lstStyle/>
+          <a:p>
+            <a:pPr>
+              <a:defRPr/>
+            </a:pPr>
+            <a:fld id="{C878F797-6006-4DDA-AFE9-456F280FE6C5}" type="slidenum">
+              <a:rPr lang="en-US" smtClean="0"/>
+              <a:pPr>
+                <a:defRPr/>
+              </a:pPr>
+              <a:t>22</a:t>
+            </a:fld>
+            <a:endParaRPr lang="en-US" dirty="0"/>
+          </a:p>
+        </p:txBody>
+      </p:sp>
+      <p:sp>
+        <p:nvSpPr>
+          <p:cNvPr id="5" name="Date Placeholder 4"/>
+          <p:cNvSpPr>
+            <a:spLocks noGrp="1"/>
+          </p:cNvSpPr>
+          <p:nvPr>
+            <p:ph type="dt" sz="half" idx="2"/>
+          </p:nvPr>
+        </p:nvSpPr>
+        <p:spPr/>
+        <p:txBody>
+          <a:bodyPr/>
+          <a:lstStyle/>
+          <a:p>
+            <a:pPr>
+              <a:defRPr/>
+            </a:pPr>
+            <a:r>
+              <a:rPr lang="tr-TR" smtClean="0"/>
+              <a:t>METU Electrical &amp; Electronics Engineering Department</a:t>
+            </a:r>
+            <a:endParaRPr lang="en-US" dirty="0"/>
+          </a:p>
+        </p:txBody>
+      </p:sp>
+    </p:spTree>
+    <p:extLst>
+      <p:ext uri="{BB962C8B-B14F-4D97-AF65-F5344CB8AC3E}">
+        <p14:creationId xmlns:p14="http://schemas.microsoft.com/office/powerpoint/2010/main" val="1601229741"/>
+      </p:ext>
+    </p:extLst>
+  </p:cSld>
+  <p:clrMapOvr>
+    <a:masterClrMapping/>
+  </p:clrMapOvr>
+  <p:timing>
+    <p:tnLst>
+      <p:par>
+        <p:cTn id="1" dur="indefinite" restart="never" nodeType="tmRoot"/>
+      </p:par>
+    </p:tnLst>
+  </p:timing>
+</p:sld>
+</file>
+
+<file path=ppt/slides/slide23.xml><?xml version="1.0" encoding="utf-8"?>
+<p:sld xmlns:a="http://schemas.openxmlformats.org/drawingml/2006/main" xmlns:r="http://schemas.openxmlformats.org/officeDocument/2006/relationships" xmlns:p="http://schemas.openxmlformats.org/presentationml/2006/main">
+  <p:cSld>
+    <p:spTree>
+      <p:nvGrpSpPr>
+        <p:cNvPr id="1" name=""/>
+        <p:cNvGrpSpPr/>
+        <p:nvPr/>
+      </p:nvGrpSpPr>
+      <p:grpSpPr>
+        <a:xfrm>
+          <a:off x="0" y="0"/>
+          <a:ext cx="0" cy="0"/>
+          <a:chOff x="0" y="0"/>
+          <a:chExt cx="0" cy="0"/>
+        </a:xfrm>
+      </p:grpSpPr>
+    </p:spTree>
+    <p:extLst>
+      <p:ext uri="{BB962C8B-B14F-4D97-AF65-F5344CB8AC3E}">
+        <p14:creationId xmlns:p14="http://schemas.microsoft.com/office/powerpoint/2010/main" val="3835474893"/>
+      </p:ext>
+    </p:extLst>
+  </p:cSld>
+  <p:clrMapOvr>
+    <a:masterClrMapping/>
+  </p:clrMapOvr>
+  <p:timing>
+    <p:tnLst>
+      <p:par>
+        <p:cTn id="1" dur="indefinite" restart="never" nodeType="tmRoot"/>
+      </p:par>
+    </p:tnLst>
+  </p:timing>
 </p:sld>
 </file>
 
@@ -21691,13 +23095,20 @@
     </p:spTree>
     <p:extLst>
       <p:ext uri="{BB962C8B-B14F-4D97-AF65-F5344CB8AC3E}">
-        <p14:creationId xmlns="" xmlns:p14="http://schemas.microsoft.com/office/powerpoint/2010/main" val="1601229741"/>
+        <p14:creationId xmlns:p14="http://schemas.microsoft.com/office/powerpoint/2010/main" val="1601229741"/>
       </p:ext>
     </p:extLst>
   </p:cSld>
   <p:clrMapOvr>
     <a:masterClrMapping/>
   </p:clrMapOvr>
+  <p:timing>
+    <p:tnLst>
+      <p:par>
+        <p:cTn id="1" dur="indefinite" restart="never" nodeType="tmRoot"/>
+      </p:par>
+    </p:tnLst>
+  </p:timing>
 </p:sld>
 </file>
 
@@ -22016,7 +23427,7 @@
     </p:spTree>
     <p:extLst>
       <p:ext uri="{BB962C8B-B14F-4D97-AF65-F5344CB8AC3E}">
-        <p14:creationId xmlns="" xmlns:p14="http://schemas.microsoft.com/office/powerpoint/2010/main" val="1601229741"/>
+        <p14:creationId xmlns:p14="http://schemas.microsoft.com/office/powerpoint/2010/main" val="1601229741"/>
       </p:ext>
     </p:extLst>
   </p:cSld>
@@ -22316,7 +23727,7 @@
     </p:spTree>
     <p:extLst>
       <p:ext uri="{BB962C8B-B14F-4D97-AF65-F5344CB8AC3E}">
-        <p14:creationId xmlns="" xmlns:p14="http://schemas.microsoft.com/office/powerpoint/2010/main" val="1601229741"/>
+        <p14:creationId xmlns:p14="http://schemas.microsoft.com/office/powerpoint/2010/main" val="1601229741"/>
       </p:ext>
     </p:extLst>
   </p:cSld>
@@ -22634,7 +24045,7 @@
     </p:spTree>
     <p:extLst>
       <p:ext uri="{BB962C8B-B14F-4D97-AF65-F5344CB8AC3E}">
-        <p14:creationId xmlns="" xmlns:p14="http://schemas.microsoft.com/office/powerpoint/2010/main" val="1601229741"/>
+        <p14:creationId xmlns:p14="http://schemas.microsoft.com/office/powerpoint/2010/main" val="1601229741"/>
       </p:ext>
     </p:extLst>
   </p:cSld>
@@ -22944,7 +24355,7 @@
     </p:spTree>
     <p:extLst>
       <p:ext uri="{BB962C8B-B14F-4D97-AF65-F5344CB8AC3E}">
-        <p14:creationId xmlns="" xmlns:p14="http://schemas.microsoft.com/office/powerpoint/2010/main" val="1601229741"/>
+        <p14:creationId xmlns:p14="http://schemas.microsoft.com/office/powerpoint/2010/main" val="1601229741"/>
       </p:ext>
     </p:extLst>
   </p:cSld>
@@ -24203,7 +25614,7 @@
     </p:spTree>
     <p:extLst>
       <p:ext uri="{BB962C8B-B14F-4D97-AF65-F5344CB8AC3E}">
-        <p14:creationId xmlns="" xmlns:p14="http://schemas.microsoft.com/office/powerpoint/2010/main" val="1601229741"/>
+        <p14:creationId xmlns:p14="http://schemas.microsoft.com/office/powerpoint/2010/main" val="1601229741"/>
       </p:ext>
     </p:extLst>
   </p:cSld>
@@ -27925,7 +29336,7 @@
     </p:spTree>
     <p:extLst>
       <p:ext uri="{BB962C8B-B14F-4D97-AF65-F5344CB8AC3E}">
-        <p14:creationId xmlns="" xmlns:p14="http://schemas.microsoft.com/office/powerpoint/2010/main" val="1601229741"/>
+        <p14:creationId xmlns:p14="http://schemas.microsoft.com/office/powerpoint/2010/main" val="1601229741"/>
       </p:ext>
     </p:extLst>
   </p:cSld>

--- a/juri_sunum.pptx
+++ b/juri_sunum.pptx
@@ -5,10 +5,10 @@
     <p:sldMasterId id="2147483886" r:id="rId1"/>
   </p:sldMasterIdLst>
   <p:notesMasterIdLst>
-    <p:notesMasterId r:id="rId25"/>
+    <p:notesMasterId r:id="rId28"/>
   </p:notesMasterIdLst>
   <p:handoutMasterIdLst>
-    <p:handoutMasterId r:id="rId26"/>
+    <p:handoutMasterId r:id="rId29"/>
   </p:handoutMasterIdLst>
   <p:sldIdLst>
     <p:sldId id="299" r:id="rId2"/>
@@ -32,8 +32,11 @@
     <p:sldId id="321" r:id="rId20"/>
     <p:sldId id="322" r:id="rId21"/>
     <p:sldId id="323" r:id="rId22"/>
-    <p:sldId id="305" r:id="rId23"/>
-    <p:sldId id="303" r:id="rId24"/>
+    <p:sldId id="324" r:id="rId23"/>
+    <p:sldId id="326" r:id="rId24"/>
+    <p:sldId id="325" r:id="rId25"/>
+    <p:sldId id="305" r:id="rId26"/>
+    <p:sldId id="303" r:id="rId27"/>
   </p:sldIdLst>
   <p:sldSz cx="9144000" cy="6858000" type="screen4x3"/>
   <p:notesSz cx="6858000" cy="9144000"/>
@@ -5926,7 +5929,7 @@
           <a:graphicData uri="http://schemas.openxmlformats.org/presentationml/2006/ole">
             <mc:AlternateContent xmlns:mc="http://schemas.openxmlformats.org/markup-compatibility/2006">
               <mc:Choice xmlns:v="urn:schemas-microsoft-com:vml" Requires="v">
-                <p:oleObj spid="_x0000_s1030" name="Equation" r:id="rId3" imgW="469800" imgH="228600" progId="Equation.3">
+                <p:oleObj spid="_x0000_s1033" name="Equation" r:id="rId3" imgW="469800" imgH="228600" progId="Equation.3">
                   <p:embed/>
                 </p:oleObj>
               </mc:Choice>
@@ -22182,7 +22185,6 @@
               <a:rPr lang="tr-TR" sz="1200" dirty="0"/>
               <a:t> graph</a:t>
             </a:r>
-            <a:endParaRPr lang="tr-TR" sz="1200" dirty="0"/>
           </a:p>
         </p:txBody>
       </p:sp>
@@ -22319,6 +22321,2643 @@
           <a:chExt cx="0" cy="0"/>
         </a:xfrm>
       </p:grpSpPr>
+      <p:pic>
+        <p:nvPicPr>
+          <p:cNvPr id="29" name="Picture 2"/>
+          <p:cNvPicPr>
+            <a:picLocks noChangeAspect="1" noChangeArrowheads="1"/>
+          </p:cNvPicPr>
+          <p:nvPr/>
+        </p:nvPicPr>
+        <p:blipFill>
+          <a:blip r:embed="rId2"/>
+          <a:srcRect/>
+          <a:stretch>
+            <a:fillRect/>
+          </a:stretch>
+        </p:blipFill>
+        <p:spPr bwMode="auto">
+          <a:xfrm>
+            <a:off x="4593060" y="3532197"/>
+            <a:ext cx="1490105" cy="2685723"/>
+          </a:xfrm>
+          <a:prstGeom prst="rect">
+            <a:avLst/>
+          </a:prstGeom>
+          <a:noFill/>
+          <a:ln w="9525">
+            <a:noFill/>
+            <a:miter lim="800000"/>
+            <a:headEnd/>
+            <a:tailEnd/>
+          </a:ln>
+          <a:effectLst/>
+        </p:spPr>
+      </p:pic>
+      <p:sp>
+        <p:nvSpPr>
+          <p:cNvPr id="2" name="Title 1"/>
+          <p:cNvSpPr>
+            <a:spLocks noGrp="1"/>
+          </p:cNvSpPr>
+          <p:nvPr>
+            <p:ph type="title"/>
+          </p:nvPr>
+        </p:nvSpPr>
+        <p:spPr/>
+        <p:txBody>
+          <a:bodyPr/>
+          <a:lstStyle/>
+          <a:p>
+            <a:r>
+              <a:rPr lang="tr-TR" dirty="0" smtClean="0"/>
+              <a:t>Formation Control System</a:t>
+            </a:r>
+            <a:endParaRPr lang="tr-TR" dirty="0"/>
+          </a:p>
+        </p:txBody>
+      </p:sp>
+      <p:sp>
+        <p:nvSpPr>
+          <p:cNvPr id="3" name="TextBox 2"/>
+          <p:cNvSpPr txBox="1"/>
+          <p:nvPr/>
+        </p:nvSpPr>
+        <p:spPr>
+          <a:xfrm>
+            <a:off x="675249" y="1491175"/>
+            <a:ext cx="7596554" cy="369332"/>
+          </a:xfrm>
+          <a:prstGeom prst="rect">
+            <a:avLst/>
+          </a:prstGeom>
+          <a:noFill/>
+        </p:spPr>
+        <p:txBody>
+          <a:bodyPr wrap="square" rtlCol="0">
+            <a:spAutoFit/>
+          </a:bodyPr>
+          <a:lstStyle/>
+          <a:p>
+            <a:pPr marL="285750" indent="-285750" algn="just">
+              <a:buFont typeface="Arial" panose="020B0604020202020204" pitchFamily="34" charset="0"/>
+              <a:buChar char="•"/>
+            </a:pPr>
+            <a:r>
+              <a:rPr lang="tr-TR" dirty="0" smtClean="0"/>
+              <a:t>Bubble Packing and Randomized Fractals Methods</a:t>
+            </a:r>
+          </a:p>
+        </p:txBody>
+      </p:sp>
+      <p:sp>
+        <p:nvSpPr>
+          <p:cNvPr id="8" name="TextBox 7"/>
+          <p:cNvSpPr txBox="1"/>
+          <p:nvPr/>
+        </p:nvSpPr>
+        <p:spPr>
+          <a:xfrm>
+            <a:off x="3419366" y="2057893"/>
+            <a:ext cx="2220864" cy="338554"/>
+          </a:xfrm>
+          <a:prstGeom prst="rect">
+            <a:avLst/>
+          </a:prstGeom>
+          <a:noFill/>
+        </p:spPr>
+        <p:txBody>
+          <a:bodyPr wrap="none" rtlCol="0">
+            <a:spAutoFit/>
+          </a:bodyPr>
+          <a:lstStyle/>
+          <a:p>
+            <a:pPr algn="ctr"/>
+            <a:r>
+              <a:rPr lang="tr-TR" sz="1600" dirty="0" smtClean="0"/>
+              <a:t>Decision of Goal States</a:t>
+            </a:r>
+            <a:endParaRPr lang="tr-TR" sz="1600" dirty="0"/>
+          </a:p>
+        </p:txBody>
+      </p:sp>
+      <p:cxnSp>
+        <p:nvCxnSpPr>
+          <p:cNvPr id="14" name="Straight Connector 13"/>
+          <p:cNvCxnSpPr/>
+          <p:nvPr/>
+        </p:nvCxnSpPr>
+        <p:spPr>
+          <a:xfrm>
+            <a:off x="4473524" y="2489982"/>
+            <a:ext cx="0" cy="3727938"/>
+          </a:xfrm>
+          <a:prstGeom prst="line">
+            <a:avLst/>
+          </a:prstGeom>
+          <a:ln>
+            <a:solidFill>
+              <a:schemeClr val="tx1"/>
+            </a:solidFill>
+          </a:ln>
+        </p:spPr>
+        <p:style>
+          <a:lnRef idx="2">
+            <a:schemeClr val="accent1"/>
+          </a:lnRef>
+          <a:fillRef idx="0">
+            <a:schemeClr val="accent1"/>
+          </a:fillRef>
+          <a:effectRef idx="1">
+            <a:schemeClr val="accent1"/>
+          </a:effectRef>
+          <a:fontRef idx="minor">
+            <a:schemeClr val="tx1"/>
+          </a:fontRef>
+        </p:style>
+      </p:cxnSp>
+      <p:sp>
+        <p:nvSpPr>
+          <p:cNvPr id="15" name="TextBox 14"/>
+          <p:cNvSpPr txBox="1"/>
+          <p:nvPr/>
+        </p:nvSpPr>
+        <p:spPr>
+          <a:xfrm>
+            <a:off x="1260192" y="2579132"/>
+            <a:ext cx="1871410" cy="307777"/>
+          </a:xfrm>
+          <a:prstGeom prst="rect">
+            <a:avLst/>
+          </a:prstGeom>
+          <a:noFill/>
+        </p:spPr>
+        <p:txBody>
+          <a:bodyPr wrap="none" rtlCol="0">
+            <a:spAutoFit/>
+          </a:bodyPr>
+          <a:lstStyle/>
+          <a:p>
+            <a:pPr algn="ctr"/>
+            <a:r>
+              <a:rPr lang="tr-TR" sz="1400" i="1" u="sng" dirty="0"/>
+              <a:t>3</a:t>
+            </a:r>
+            <a:r>
+              <a:rPr lang="tr-TR" sz="1400" i="1" u="sng" dirty="0" smtClean="0"/>
+              <a:t>)Dijkstra’s Algorithm</a:t>
+            </a:r>
+            <a:endParaRPr lang="tr-TR" sz="1400" i="1" u="sng" dirty="0"/>
+          </a:p>
+        </p:txBody>
+      </p:sp>
+      <p:sp>
+        <p:nvSpPr>
+          <p:cNvPr id="21" name="TextBox 20"/>
+          <p:cNvSpPr txBox="1"/>
+          <p:nvPr/>
+        </p:nvSpPr>
+        <p:spPr>
+          <a:xfrm>
+            <a:off x="4575707" y="2565063"/>
+            <a:ext cx="4590039" cy="307777"/>
+          </a:xfrm>
+          <a:prstGeom prst="rect">
+            <a:avLst/>
+          </a:prstGeom>
+          <a:noFill/>
+        </p:spPr>
+        <p:txBody>
+          <a:bodyPr wrap="none" rtlCol="0">
+            <a:spAutoFit/>
+          </a:bodyPr>
+          <a:lstStyle/>
+          <a:p>
+            <a:pPr algn="ctr"/>
+            <a:r>
+              <a:rPr lang="tr-TR" sz="1400" i="1" u="sng" dirty="0" smtClean="0"/>
+              <a:t>4)Hungarian </a:t>
+            </a:r>
+            <a:r>
+              <a:rPr lang="tr-TR" sz="1400" i="1" u="sng" dirty="0"/>
+              <a:t>Algorithm (Munkres Assignment Algorithm)</a:t>
+            </a:r>
+            <a:endParaRPr lang="tr-TR" sz="1400" i="1" u="sng" dirty="0"/>
+          </a:p>
+        </p:txBody>
+      </p:sp>
+      <p:sp>
+        <p:nvSpPr>
+          <p:cNvPr id="22" name="Rectangle 21"/>
+          <p:cNvSpPr/>
+          <p:nvPr/>
+        </p:nvSpPr>
+        <p:spPr>
+          <a:xfrm>
+            <a:off x="4459455" y="2945129"/>
+            <a:ext cx="4698609" cy="461665"/>
+          </a:xfrm>
+          <a:prstGeom prst="rect">
+            <a:avLst/>
+          </a:prstGeom>
+        </p:spPr>
+        <p:txBody>
+          <a:bodyPr wrap="square">
+            <a:spAutoFit/>
+          </a:bodyPr>
+          <a:lstStyle/>
+          <a:p>
+            <a:pPr algn="just"/>
+            <a:r>
+              <a:rPr lang="en-US" sz="1200" dirty="0"/>
+              <a:t>The shortest path between </a:t>
+            </a:r>
+            <a:r>
+              <a:rPr lang="tr-TR" sz="1200" dirty="0" smtClean="0"/>
+              <a:t>a </a:t>
+            </a:r>
+            <a:r>
+              <a:rPr lang="en-US" sz="1200" dirty="0" smtClean="0"/>
+              <a:t>start</a:t>
+            </a:r>
+            <a:r>
+              <a:rPr lang="tr-TR" sz="1200" dirty="0" smtClean="0"/>
+              <a:t> </a:t>
+            </a:r>
+            <a:r>
+              <a:rPr lang="en-US" sz="1200" dirty="0"/>
+              <a:t>and </a:t>
+            </a:r>
+            <a:r>
+              <a:rPr lang="en-US" sz="1200" dirty="0" smtClean="0"/>
+              <a:t>goal </a:t>
+            </a:r>
+            <a:r>
+              <a:rPr lang="en-US" sz="1200" dirty="0"/>
+              <a:t>among a set S of augmented polygonal</a:t>
+            </a:r>
+            <a:r>
+              <a:rPr lang="tr-TR" sz="1200" dirty="0"/>
+              <a:t> </a:t>
+            </a:r>
+            <a:r>
+              <a:rPr lang="en-US" sz="1200" dirty="0"/>
+              <a:t>obstacles consists of arcs of the visibility</a:t>
+            </a:r>
+            <a:r>
+              <a:rPr lang="tr-TR" sz="1200" dirty="0"/>
+              <a:t> graph</a:t>
+            </a:r>
+          </a:p>
+        </p:txBody>
+      </p:sp>
+      <p:sp>
+        <p:nvSpPr>
+          <p:cNvPr id="4" name="Rectangle 3"/>
+          <p:cNvSpPr/>
+          <p:nvPr/>
+        </p:nvSpPr>
+        <p:spPr>
+          <a:xfrm>
+            <a:off x="457200" y="2938252"/>
+            <a:ext cx="4572000" cy="461665"/>
+          </a:xfrm>
+          <a:prstGeom prst="rect">
+            <a:avLst/>
+          </a:prstGeom>
+        </p:spPr>
+        <p:txBody>
+          <a:bodyPr>
+            <a:spAutoFit/>
+          </a:bodyPr>
+          <a:lstStyle/>
+          <a:p>
+            <a:r>
+              <a:rPr lang="en-US" sz="1200" dirty="0"/>
+              <a:t>Dijkstra's algorithm is a</a:t>
+            </a:r>
+            <a:r>
+              <a:rPr lang="tr-TR" sz="1200" dirty="0"/>
+              <a:t> tree search</a:t>
+            </a:r>
+            <a:r>
+              <a:rPr lang="en-US" sz="1200" dirty="0"/>
+              <a:t> </a:t>
+            </a:r>
+            <a:r>
+              <a:rPr lang="tr-TR" sz="1200" dirty="0"/>
+              <a:t>algorithm </a:t>
+            </a:r>
+            <a:r>
+              <a:rPr lang="en-US" sz="1200" dirty="0"/>
+              <a:t>for finding the </a:t>
+            </a:r>
+            <a:r>
+              <a:rPr lang="tr-TR" sz="1200" dirty="0"/>
+              <a:t>shortest paths</a:t>
+            </a:r>
+            <a:r>
+              <a:rPr lang="en-US" sz="1200" dirty="0"/>
+              <a:t> between </a:t>
+            </a:r>
+            <a:r>
+              <a:rPr lang="tr-TR" sz="1200" dirty="0"/>
+              <a:t>nodes</a:t>
+            </a:r>
+            <a:r>
+              <a:rPr lang="en-US" sz="1200" dirty="0"/>
+              <a:t> in a graph</a:t>
+            </a:r>
+            <a:endParaRPr lang="tr-TR" sz="1200" dirty="0"/>
+          </a:p>
+        </p:txBody>
+      </p:sp>
+      <p:pic>
+        <p:nvPicPr>
+          <p:cNvPr id="26" name="Picture 2" descr="https://nevraa.files.wordpress.com/2012/08/ekran-alc4b1ntc4b1sc4b1.png"/>
+          <p:cNvPicPr>
+            <a:picLocks noChangeAspect="1" noChangeArrowheads="1"/>
+          </p:cNvPicPr>
+          <p:nvPr/>
+        </p:nvPicPr>
+        <p:blipFill>
+          <a:blip r:embed="rId3"/>
+          <a:srcRect/>
+          <a:stretch>
+            <a:fillRect/>
+          </a:stretch>
+        </p:blipFill>
+        <p:spPr bwMode="auto">
+          <a:xfrm>
+            <a:off x="241395" y="3753438"/>
+            <a:ext cx="4041412" cy="1221068"/>
+          </a:xfrm>
+          <a:prstGeom prst="rect">
+            <a:avLst/>
+          </a:prstGeom>
+          <a:noFill/>
+        </p:spPr>
+      </p:pic>
+      <p:sp>
+        <p:nvSpPr>
+          <p:cNvPr id="27" name="TextBox 26"/>
+          <p:cNvSpPr txBox="1"/>
+          <p:nvPr/>
+        </p:nvSpPr>
+        <p:spPr>
+          <a:xfrm>
+            <a:off x="121283" y="4974506"/>
+            <a:ext cx="4161524" cy="307777"/>
+          </a:xfrm>
+          <a:prstGeom prst="rect">
+            <a:avLst/>
+          </a:prstGeom>
+          <a:noFill/>
+        </p:spPr>
+        <p:txBody>
+          <a:bodyPr wrap="none" rtlCol="0">
+            <a:spAutoFit/>
+          </a:bodyPr>
+          <a:lstStyle/>
+          <a:p>
+            <a:r>
+              <a:rPr lang="tr-TR" sz="1400" dirty="0" smtClean="0"/>
+              <a:t>Calculation of Minimum Shortest Path From A to K</a:t>
+            </a:r>
+            <a:endParaRPr lang="tr-TR" sz="1400" dirty="0"/>
+          </a:p>
+        </p:txBody>
+      </p:sp>
+      <p:graphicFrame>
+        <p:nvGraphicFramePr>
+          <p:cNvPr id="28" name="Table 27"/>
+          <p:cNvGraphicFramePr>
+            <a:graphicFrameLocks noGrp="1"/>
+          </p:cNvGraphicFramePr>
+          <p:nvPr>
+            <p:extLst>
+              <p:ext uri="{D42A27DB-BD31-4B8C-83A1-F6EECF244321}">
+                <p14:modId xmlns:p14="http://schemas.microsoft.com/office/powerpoint/2010/main" val="1931656854"/>
+              </p:ext>
+            </p:extLst>
+          </p:nvPr>
+        </p:nvGraphicFramePr>
+        <p:xfrm>
+          <a:off x="6020973" y="4052709"/>
+          <a:ext cx="3074435" cy="1706340"/>
+        </p:xfrm>
+        <a:graphic>
+          <a:graphicData uri="http://schemas.openxmlformats.org/drawingml/2006/table">
+            <a:tbl>
+              <a:tblPr firstRow="1" bandRow="1">
+                <a:tableStyleId>{5C22544A-7EE6-4342-B048-85BDC9FD1C3A}</a:tableStyleId>
+              </a:tblPr>
+              <a:tblGrid>
+                <a:gridCol w="752429"/>
+                <a:gridCol w="893404"/>
+                <a:gridCol w="604996"/>
+                <a:gridCol w="823606"/>
+              </a:tblGrid>
+              <a:tr h="547434">
+                <a:tc>
+                  <a:txBody>
+                    <a:bodyPr/>
+                    <a:lstStyle/>
+                    <a:p>
+                      <a:pPr algn="ctr"/>
+                      <a:endParaRPr lang="tr-TR" sz="1000" dirty="0"/>
+                    </a:p>
+                  </a:txBody>
+                  <a:tcPr/>
+                </a:tc>
+                <a:tc>
+                  <a:txBody>
+                    <a:bodyPr/>
+                    <a:lstStyle/>
+                    <a:p>
+                      <a:pPr algn="ctr"/>
+                      <a:r>
+                        <a:rPr lang="tr-TR" sz="1000" dirty="0" smtClean="0"/>
+                        <a:t>Clean</a:t>
+                      </a:r>
+                    </a:p>
+                    <a:p>
+                      <a:pPr algn="ctr"/>
+                      <a:r>
+                        <a:rPr lang="tr-TR" sz="1000" dirty="0" smtClean="0"/>
+                        <a:t>Bathroom</a:t>
+                      </a:r>
+                      <a:endParaRPr lang="tr-TR" sz="1000" dirty="0"/>
+                    </a:p>
+                  </a:txBody>
+                  <a:tcPr/>
+                </a:tc>
+                <a:tc>
+                  <a:txBody>
+                    <a:bodyPr/>
+                    <a:lstStyle/>
+                    <a:p>
+                      <a:pPr algn="ctr"/>
+                      <a:r>
+                        <a:rPr lang="tr-TR" sz="1000" dirty="0" smtClean="0"/>
+                        <a:t>Sweep</a:t>
+                      </a:r>
+                    </a:p>
+                    <a:p>
+                      <a:pPr algn="ctr"/>
+                      <a:r>
+                        <a:rPr lang="tr-TR" sz="1000" dirty="0" smtClean="0"/>
+                        <a:t>Floors</a:t>
+                      </a:r>
+                      <a:endParaRPr lang="tr-TR" sz="1000" dirty="0"/>
+                    </a:p>
+                  </a:txBody>
+                  <a:tcPr/>
+                </a:tc>
+                <a:tc>
+                  <a:txBody>
+                    <a:bodyPr/>
+                    <a:lstStyle/>
+                    <a:p>
+                      <a:pPr algn="ctr"/>
+                      <a:r>
+                        <a:rPr lang="tr-TR" sz="1000" dirty="0" smtClean="0"/>
+                        <a:t>Wash</a:t>
+                      </a:r>
+                      <a:r>
+                        <a:rPr lang="tr-TR" sz="1000" baseline="0" dirty="0" smtClean="0"/>
+                        <a:t> Windows</a:t>
+                      </a:r>
+                      <a:endParaRPr lang="tr-TR" sz="1000" dirty="0"/>
+                    </a:p>
+                  </a:txBody>
+                  <a:tcPr/>
+                </a:tc>
+              </a:tr>
+              <a:tr h="386302">
+                <a:tc>
+                  <a:txBody>
+                    <a:bodyPr/>
+                    <a:lstStyle/>
+                    <a:p>
+                      <a:pPr algn="ctr"/>
+                      <a:r>
+                        <a:rPr lang="tr-TR" sz="1100" dirty="0" smtClean="0"/>
+                        <a:t>Jim</a:t>
+                      </a:r>
+                      <a:endParaRPr lang="tr-TR" sz="1100" dirty="0"/>
+                    </a:p>
+                  </a:txBody>
+                  <a:tcPr/>
+                </a:tc>
+                <a:tc>
+                  <a:txBody>
+                    <a:bodyPr/>
+                    <a:lstStyle/>
+                    <a:p>
+                      <a:pPr algn="ctr"/>
+                      <a:r>
+                        <a:rPr lang="tr-TR" sz="1100" dirty="0" smtClean="0"/>
+                        <a:t>$3</a:t>
+                      </a:r>
+                      <a:endParaRPr lang="tr-TR" sz="1100" dirty="0"/>
+                    </a:p>
+                  </a:txBody>
+                  <a:tcPr/>
+                </a:tc>
+                <a:tc>
+                  <a:txBody>
+                    <a:bodyPr/>
+                    <a:lstStyle/>
+                    <a:p>
+                      <a:pPr algn="ctr"/>
+                      <a:r>
+                        <a:rPr lang="tr-TR" sz="1100" dirty="0" smtClean="0"/>
+                        <a:t>$3</a:t>
+                      </a:r>
+                      <a:endParaRPr lang="tr-TR" sz="1100" dirty="0"/>
+                    </a:p>
+                  </a:txBody>
+                  <a:tcPr/>
+                </a:tc>
+                <a:tc>
+                  <a:txBody>
+                    <a:bodyPr/>
+                    <a:lstStyle/>
+                    <a:p>
+                      <a:pPr algn="ctr"/>
+                      <a:r>
+                        <a:rPr lang="tr-TR" sz="1100" dirty="0" smtClean="0"/>
+                        <a:t>$3</a:t>
+                      </a:r>
+                      <a:endParaRPr lang="tr-TR" sz="1100" dirty="0"/>
+                    </a:p>
+                  </a:txBody>
+                  <a:tcPr/>
+                </a:tc>
+              </a:tr>
+              <a:tr h="386302">
+                <a:tc>
+                  <a:txBody>
+                    <a:bodyPr/>
+                    <a:lstStyle/>
+                    <a:p>
+                      <a:pPr algn="ctr"/>
+                      <a:r>
+                        <a:rPr lang="tr-TR" sz="1100" dirty="0" smtClean="0"/>
+                        <a:t>Steve</a:t>
+                      </a:r>
+                      <a:endParaRPr lang="tr-TR" sz="1100" dirty="0"/>
+                    </a:p>
+                  </a:txBody>
+                  <a:tcPr/>
+                </a:tc>
+                <a:tc>
+                  <a:txBody>
+                    <a:bodyPr/>
+                    <a:lstStyle/>
+                    <a:p>
+                      <a:pPr algn="ctr"/>
+                      <a:r>
+                        <a:rPr lang="tr-TR" sz="1100" dirty="0" smtClean="0"/>
+                        <a:t>$3</a:t>
+                      </a:r>
+                      <a:endParaRPr lang="tr-TR" sz="1100" dirty="0"/>
+                    </a:p>
+                  </a:txBody>
+                  <a:tcPr/>
+                </a:tc>
+                <a:tc>
+                  <a:txBody>
+                    <a:bodyPr/>
+                    <a:lstStyle/>
+                    <a:p>
+                      <a:pPr algn="ctr"/>
+                      <a:r>
+                        <a:rPr lang="tr-TR" sz="1100" dirty="0" smtClean="0"/>
+                        <a:t>$2</a:t>
+                      </a:r>
+                      <a:endParaRPr lang="tr-TR" sz="1100" dirty="0"/>
+                    </a:p>
+                  </a:txBody>
+                  <a:tcPr/>
+                </a:tc>
+                <a:tc>
+                  <a:txBody>
+                    <a:bodyPr/>
+                    <a:lstStyle/>
+                    <a:p>
+                      <a:pPr algn="ctr"/>
+                      <a:r>
+                        <a:rPr lang="tr-TR" sz="1100" dirty="0" smtClean="0"/>
+                        <a:t>$3</a:t>
+                      </a:r>
+                      <a:endParaRPr lang="tr-TR" sz="1100" dirty="0"/>
+                    </a:p>
+                  </a:txBody>
+                  <a:tcPr/>
+                </a:tc>
+              </a:tr>
+              <a:tr h="386302">
+                <a:tc>
+                  <a:txBody>
+                    <a:bodyPr/>
+                    <a:lstStyle/>
+                    <a:p>
+                      <a:pPr algn="ctr"/>
+                      <a:r>
+                        <a:rPr lang="tr-TR" sz="1100" dirty="0" smtClean="0"/>
+                        <a:t>Alan</a:t>
+                      </a:r>
+                      <a:endParaRPr lang="tr-TR" sz="1100" dirty="0"/>
+                    </a:p>
+                  </a:txBody>
+                  <a:tcPr/>
+                </a:tc>
+                <a:tc>
+                  <a:txBody>
+                    <a:bodyPr/>
+                    <a:lstStyle/>
+                    <a:p>
+                      <a:pPr algn="ctr"/>
+                      <a:r>
+                        <a:rPr lang="tr-TR" sz="1100" dirty="0" smtClean="0"/>
+                        <a:t>$3</a:t>
+                      </a:r>
+                      <a:endParaRPr lang="tr-TR" sz="1100" dirty="0"/>
+                    </a:p>
+                  </a:txBody>
+                  <a:tcPr/>
+                </a:tc>
+                <a:tc>
+                  <a:txBody>
+                    <a:bodyPr/>
+                    <a:lstStyle/>
+                    <a:p>
+                      <a:pPr algn="ctr"/>
+                      <a:r>
+                        <a:rPr lang="tr-TR" sz="1100" dirty="0" smtClean="0"/>
+                        <a:t>$3</a:t>
+                      </a:r>
+                      <a:endParaRPr lang="tr-TR" sz="1100" dirty="0"/>
+                    </a:p>
+                  </a:txBody>
+                  <a:tcPr/>
+                </a:tc>
+                <a:tc>
+                  <a:txBody>
+                    <a:bodyPr/>
+                    <a:lstStyle/>
+                    <a:p>
+                      <a:pPr algn="ctr"/>
+                      <a:r>
+                        <a:rPr lang="tr-TR" sz="1100" dirty="0" smtClean="0"/>
+                        <a:t>$2</a:t>
+                      </a:r>
+                      <a:endParaRPr lang="tr-TR" sz="1100" dirty="0"/>
+                    </a:p>
+                  </a:txBody>
+                  <a:tcPr/>
+                </a:tc>
+              </a:tr>
+            </a:tbl>
+          </a:graphicData>
+        </a:graphic>
+      </p:graphicFrame>
+    </p:spTree>
+    <p:extLst>
+      <p:ext uri="{BB962C8B-B14F-4D97-AF65-F5344CB8AC3E}">
+        <p14:creationId xmlns:p14="http://schemas.microsoft.com/office/powerpoint/2010/main" val="2630215700"/>
+      </p:ext>
+    </p:extLst>
+  </p:cSld>
+  <p:clrMapOvr>
+    <a:masterClrMapping/>
+  </p:clrMapOvr>
+  <p:timing>
+    <p:tnLst>
+      <p:par>
+        <p:cTn id="1" dur="indefinite" restart="never" nodeType="tmRoot"/>
+      </p:par>
+    </p:tnLst>
+  </p:timing>
+</p:sld>
+</file>
+
+<file path=ppt/slides/slide23.xml><?xml version="1.0" encoding="utf-8"?>
+<p:sld xmlns:a="http://schemas.openxmlformats.org/drawingml/2006/main" xmlns:r="http://schemas.openxmlformats.org/officeDocument/2006/relationships" xmlns:p="http://schemas.openxmlformats.org/presentationml/2006/main">
+  <p:cSld>
+    <p:spTree>
+      <p:nvGrpSpPr>
+        <p:cNvPr id="1" name=""/>
+        <p:cNvGrpSpPr/>
+        <p:nvPr/>
+      </p:nvGrpSpPr>
+      <p:grpSpPr>
+        <a:xfrm>
+          <a:off x="0" y="0"/>
+          <a:ext cx="0" cy="0"/>
+          <a:chOff x="0" y="0"/>
+          <a:chExt cx="0" cy="0"/>
+        </a:xfrm>
+      </p:grpSpPr>
+      <p:sp>
+        <p:nvSpPr>
+          <p:cNvPr id="2" name="Title 1"/>
+          <p:cNvSpPr>
+            <a:spLocks noGrp="1"/>
+          </p:cNvSpPr>
+          <p:nvPr>
+            <p:ph type="title"/>
+          </p:nvPr>
+        </p:nvSpPr>
+        <p:spPr/>
+        <p:txBody>
+          <a:bodyPr/>
+          <a:lstStyle/>
+          <a:p>
+            <a:r>
+              <a:rPr lang="tr-TR" dirty="0" smtClean="0"/>
+              <a:t>Formation Control System</a:t>
+            </a:r>
+            <a:endParaRPr lang="tr-TR" dirty="0"/>
+          </a:p>
+        </p:txBody>
+      </p:sp>
+      <p:sp>
+        <p:nvSpPr>
+          <p:cNvPr id="3" name="TextBox 2"/>
+          <p:cNvSpPr txBox="1"/>
+          <p:nvPr/>
+        </p:nvSpPr>
+        <p:spPr>
+          <a:xfrm>
+            <a:off x="675249" y="1491175"/>
+            <a:ext cx="7596554" cy="369332"/>
+          </a:xfrm>
+          <a:prstGeom prst="rect">
+            <a:avLst/>
+          </a:prstGeom>
+          <a:noFill/>
+        </p:spPr>
+        <p:txBody>
+          <a:bodyPr wrap="square" rtlCol="0">
+            <a:spAutoFit/>
+          </a:bodyPr>
+          <a:lstStyle/>
+          <a:p>
+            <a:pPr marL="285750" indent="-285750" algn="just">
+              <a:buFont typeface="Arial" panose="020B0604020202020204" pitchFamily="34" charset="0"/>
+              <a:buChar char="•"/>
+            </a:pPr>
+            <a:r>
+              <a:rPr lang="tr-TR" dirty="0" smtClean="0"/>
+              <a:t>Bubble Packing and Randomized Fractals Methods</a:t>
+            </a:r>
+          </a:p>
+        </p:txBody>
+      </p:sp>
+      <p:sp>
+        <p:nvSpPr>
+          <p:cNvPr id="8" name="TextBox 7"/>
+          <p:cNvSpPr txBox="1"/>
+          <p:nvPr/>
+        </p:nvSpPr>
+        <p:spPr>
+          <a:xfrm>
+            <a:off x="3327105" y="2057893"/>
+            <a:ext cx="2405403" cy="338554"/>
+          </a:xfrm>
+          <a:prstGeom prst="rect">
+            <a:avLst/>
+          </a:prstGeom>
+          <a:noFill/>
+        </p:spPr>
+        <p:txBody>
+          <a:bodyPr wrap="none" rtlCol="0">
+            <a:spAutoFit/>
+          </a:bodyPr>
+          <a:lstStyle/>
+          <a:p>
+            <a:pPr algn="ctr"/>
+            <a:r>
+              <a:rPr lang="tr-TR" sz="1600" dirty="0" smtClean="0"/>
+              <a:t>Navigation to Goal States</a:t>
+            </a:r>
+            <a:endParaRPr lang="tr-TR" sz="1600" dirty="0"/>
+          </a:p>
+        </p:txBody>
+      </p:sp>
+      <p:sp>
+        <p:nvSpPr>
+          <p:cNvPr id="32" name="TextBox 31"/>
+          <p:cNvSpPr txBox="1"/>
+          <p:nvPr/>
+        </p:nvSpPr>
+        <p:spPr>
+          <a:xfrm>
+            <a:off x="2121188" y="2491127"/>
+            <a:ext cx="184730" cy="584775"/>
+          </a:xfrm>
+          <a:prstGeom prst="rect">
+            <a:avLst/>
+          </a:prstGeom>
+          <a:noFill/>
+        </p:spPr>
+        <p:txBody>
+          <a:bodyPr wrap="none" rtlCol="0">
+            <a:spAutoFit/>
+          </a:bodyPr>
+          <a:lstStyle/>
+          <a:p>
+            <a:pPr algn="ctr"/>
+            <a:endParaRPr lang="tr-TR" sz="1600" i="1" dirty="0" smtClean="0"/>
+          </a:p>
+          <a:p>
+            <a:pPr algn="ctr"/>
+            <a:endParaRPr lang="tr-TR" sz="1600" dirty="0" smtClean="0"/>
+          </a:p>
+        </p:txBody>
+      </p:sp>
+      <p:pic>
+        <p:nvPicPr>
+          <p:cNvPr id="15" name="Picture 4" descr="C:\Users\Kadir\Desktop\Formation Control\formation_control\Resim - Video\open_loop(23-237).png"/>
+          <p:cNvPicPr>
+            <a:picLocks noChangeAspect="1" noChangeArrowheads="1"/>
+          </p:cNvPicPr>
+          <p:nvPr/>
+        </p:nvPicPr>
+        <p:blipFill>
+          <a:blip r:embed="rId2"/>
+          <a:srcRect/>
+          <a:stretch>
+            <a:fillRect/>
+          </a:stretch>
+        </p:blipFill>
+        <p:spPr bwMode="auto">
+          <a:xfrm>
+            <a:off x="515244" y="4126226"/>
+            <a:ext cx="3440806" cy="2055294"/>
+          </a:xfrm>
+          <a:prstGeom prst="rect">
+            <a:avLst/>
+          </a:prstGeom>
+          <a:noFill/>
+        </p:spPr>
+      </p:pic>
+      <p:pic>
+        <p:nvPicPr>
+          <p:cNvPr id="16" name="Picture 5" descr="C:\Users\Kadir\Desktop\Formation Control\formation_control\Resim - Video\step(23-237).png"/>
+          <p:cNvPicPr>
+            <a:picLocks noChangeAspect="1" noChangeArrowheads="1"/>
+          </p:cNvPicPr>
+          <p:nvPr/>
+        </p:nvPicPr>
+        <p:blipFill>
+          <a:blip r:embed="rId3"/>
+          <a:srcRect/>
+          <a:stretch>
+            <a:fillRect/>
+          </a:stretch>
+        </p:blipFill>
+        <p:spPr bwMode="auto">
+          <a:xfrm>
+            <a:off x="5347239" y="4126225"/>
+            <a:ext cx="3406503" cy="2052446"/>
+          </a:xfrm>
+          <a:prstGeom prst="rect">
+            <a:avLst/>
+          </a:prstGeom>
+          <a:noFill/>
+        </p:spPr>
+      </p:pic>
+      <p:grpSp>
+        <p:nvGrpSpPr>
+          <p:cNvPr id="17" name="Group 16"/>
+          <p:cNvGrpSpPr/>
+          <p:nvPr/>
+        </p:nvGrpSpPr>
+        <p:grpSpPr>
+          <a:xfrm>
+            <a:off x="4097553" y="2512226"/>
+            <a:ext cx="4894052" cy="1348143"/>
+            <a:chOff x="871268" y="1138687"/>
+            <a:chExt cx="5676181" cy="1852597"/>
+          </a:xfrm>
+        </p:grpSpPr>
+        <p:sp>
+          <p:nvSpPr>
+            <p:cNvPr id="18" name="TextBox 17"/>
+            <p:cNvSpPr txBox="1"/>
+            <p:nvPr/>
+          </p:nvSpPr>
+          <p:spPr>
+            <a:xfrm>
+              <a:off x="4770408" y="1496837"/>
+              <a:ext cx="871268" cy="465236"/>
+            </a:xfrm>
+            <a:prstGeom prst="rect">
+              <a:avLst/>
+            </a:prstGeom>
+            <a:noFill/>
+            <a:ln w="15875">
+              <a:solidFill>
+                <a:schemeClr val="accent1"/>
+              </a:solidFill>
+            </a:ln>
+          </p:spPr>
+          <p:txBody>
+            <a:bodyPr wrap="square" rtlCol="0">
+              <a:spAutoFit/>
+            </a:bodyPr>
+            <a:lstStyle/>
+            <a:p>
+              <a:pPr algn="ctr"/>
+              <a:r>
+                <a:rPr lang="tr-TR" sz="1600" dirty="0" smtClean="0"/>
+                <a:t>Plant</a:t>
+              </a:r>
+              <a:endParaRPr lang="tr-TR" sz="1600" dirty="0"/>
+            </a:p>
+          </p:txBody>
+        </p:sp>
+        <p:cxnSp>
+          <p:nvCxnSpPr>
+            <p:cNvPr id="19" name="Straight Connector 18"/>
+            <p:cNvCxnSpPr>
+              <a:stCxn id="18" idx="2"/>
+            </p:cNvCxnSpPr>
+            <p:nvPr/>
+          </p:nvCxnSpPr>
+          <p:spPr>
+            <a:xfrm flipH="1">
+              <a:off x="5201728" y="1962072"/>
+              <a:ext cx="4315" cy="492296"/>
+            </a:xfrm>
+            <a:prstGeom prst="line">
+              <a:avLst/>
+            </a:prstGeom>
+          </p:spPr>
+          <p:style>
+            <a:lnRef idx="1">
+              <a:schemeClr val="accent1"/>
+            </a:lnRef>
+            <a:fillRef idx="0">
+              <a:schemeClr val="accent1"/>
+            </a:fillRef>
+            <a:effectRef idx="0">
+              <a:schemeClr val="accent1"/>
+            </a:effectRef>
+            <a:fontRef idx="minor">
+              <a:schemeClr val="tx1"/>
+            </a:fontRef>
+          </p:style>
+        </p:cxnSp>
+        <p:cxnSp>
+          <p:nvCxnSpPr>
+            <p:cNvPr id="20" name="Straight Connector 19"/>
+            <p:cNvCxnSpPr/>
+            <p:nvPr/>
+          </p:nvCxnSpPr>
+          <p:spPr>
+            <a:xfrm rot="10800000">
+              <a:off x="4649638" y="2460308"/>
+              <a:ext cx="552090" cy="1589"/>
+            </a:xfrm>
+            <a:prstGeom prst="line">
+              <a:avLst/>
+            </a:prstGeom>
+          </p:spPr>
+          <p:style>
+            <a:lnRef idx="1">
+              <a:schemeClr val="accent1"/>
+            </a:lnRef>
+            <a:fillRef idx="0">
+              <a:schemeClr val="accent1"/>
+            </a:fillRef>
+            <a:effectRef idx="0">
+              <a:schemeClr val="accent1"/>
+            </a:effectRef>
+            <a:fontRef idx="minor">
+              <a:schemeClr val="tx1"/>
+            </a:fontRef>
+          </p:style>
+        </p:cxnSp>
+        <p:sp>
+          <p:nvSpPr>
+            <p:cNvPr id="21" name="Isosceles Triangle 20"/>
+            <p:cNvSpPr/>
+            <p:nvPr/>
+          </p:nvSpPr>
+          <p:spPr>
+            <a:xfrm rot="16200000">
+              <a:off x="4123427" y="2156603"/>
+              <a:ext cx="500333" cy="569344"/>
+            </a:xfrm>
+            <a:prstGeom prst="triangle">
+              <a:avLst/>
+            </a:prstGeom>
+            <a:noFill/>
+          </p:spPr>
+          <p:style>
+            <a:lnRef idx="2">
+              <a:schemeClr val="accent1">
+                <a:shade val="50000"/>
+              </a:schemeClr>
+            </a:lnRef>
+            <a:fillRef idx="1">
+              <a:schemeClr val="accent1"/>
+            </a:fillRef>
+            <a:effectRef idx="0">
+              <a:schemeClr val="accent1"/>
+            </a:effectRef>
+            <a:fontRef idx="minor">
+              <a:schemeClr val="lt1"/>
+            </a:fontRef>
+          </p:style>
+          <p:txBody>
+            <a:bodyPr rtlCol="0" anchor="ctr"/>
+            <a:lstStyle/>
+            <a:p>
+              <a:pPr algn="ctr"/>
+              <a:endParaRPr lang="tr-TR"/>
+            </a:p>
+          </p:txBody>
+        </p:sp>
+        <p:sp>
+          <p:nvSpPr>
+            <p:cNvPr id="22" name="TextBox 21"/>
+            <p:cNvSpPr txBox="1"/>
+            <p:nvPr/>
+          </p:nvSpPr>
+          <p:spPr>
+            <a:xfrm>
+              <a:off x="4339088" y="2234242"/>
+              <a:ext cx="351757" cy="422942"/>
+            </a:xfrm>
+            <a:prstGeom prst="rect">
+              <a:avLst/>
+            </a:prstGeom>
+            <a:noFill/>
+          </p:spPr>
+          <p:txBody>
+            <a:bodyPr wrap="none" rtlCol="0">
+              <a:spAutoFit/>
+            </a:bodyPr>
+            <a:lstStyle/>
+            <a:p>
+              <a:r>
+                <a:rPr lang="tr-TR" sz="1400" dirty="0" smtClean="0"/>
+                <a:t>K</a:t>
+              </a:r>
+              <a:endParaRPr lang="tr-TR" sz="1400" dirty="0"/>
+            </a:p>
+          </p:txBody>
+        </p:sp>
+        <p:sp>
+          <p:nvSpPr>
+            <p:cNvPr id="23" name="TextBox 22"/>
+            <p:cNvSpPr txBox="1"/>
+            <p:nvPr/>
+          </p:nvSpPr>
+          <p:spPr>
+            <a:xfrm>
+              <a:off x="5172975" y="2024332"/>
+              <a:ext cx="314574" cy="422942"/>
+            </a:xfrm>
+            <a:prstGeom prst="rect">
+              <a:avLst/>
+            </a:prstGeom>
+            <a:noFill/>
+          </p:spPr>
+          <p:txBody>
+            <a:bodyPr wrap="none" rtlCol="0">
+              <a:spAutoFit/>
+            </a:bodyPr>
+            <a:lstStyle/>
+            <a:p>
+              <a:r>
+                <a:rPr lang="tr-TR" sz="1400" dirty="0" smtClean="0"/>
+                <a:t>x</a:t>
+              </a:r>
+              <a:endParaRPr lang="tr-TR" sz="1400" dirty="0"/>
+            </a:p>
+          </p:txBody>
+        </p:sp>
+        <p:cxnSp>
+          <p:nvCxnSpPr>
+            <p:cNvPr id="24" name="Shape 14"/>
+            <p:cNvCxnSpPr>
+              <a:stCxn id="21" idx="0"/>
+            </p:cNvCxnSpPr>
+            <p:nvPr/>
+          </p:nvCxnSpPr>
+          <p:spPr>
+            <a:xfrm rot="10800000">
+              <a:off x="3752492" y="1932317"/>
+              <a:ext cx="336431" cy="508958"/>
+            </a:xfrm>
+            <a:prstGeom prst="bentConnector2">
+              <a:avLst/>
+            </a:prstGeom>
+            <a:ln>
+              <a:tailEnd type="arrow"/>
+            </a:ln>
+          </p:spPr>
+          <p:style>
+            <a:lnRef idx="1">
+              <a:schemeClr val="accent1"/>
+            </a:lnRef>
+            <a:fillRef idx="0">
+              <a:schemeClr val="accent1"/>
+            </a:fillRef>
+            <a:effectRef idx="0">
+              <a:schemeClr val="accent1"/>
+            </a:effectRef>
+            <a:fontRef idx="minor">
+              <a:schemeClr val="tx1"/>
+            </a:fontRef>
+          </p:style>
+        </p:cxnSp>
+        <p:sp>
+          <p:nvSpPr>
+            <p:cNvPr id="25" name="Oval 24"/>
+            <p:cNvSpPr/>
+            <p:nvPr/>
+          </p:nvSpPr>
+          <p:spPr>
+            <a:xfrm>
+              <a:off x="3545457" y="1526875"/>
+              <a:ext cx="448574" cy="405442"/>
+            </a:xfrm>
+            <a:prstGeom prst="ellipse">
+              <a:avLst/>
+            </a:prstGeom>
+            <a:noFill/>
+          </p:spPr>
+          <p:style>
+            <a:lnRef idx="2">
+              <a:schemeClr val="accent1">
+                <a:shade val="50000"/>
+              </a:schemeClr>
+            </a:lnRef>
+            <a:fillRef idx="1">
+              <a:schemeClr val="accent1"/>
+            </a:fillRef>
+            <a:effectRef idx="0">
+              <a:schemeClr val="accent1"/>
+            </a:effectRef>
+            <a:fontRef idx="minor">
+              <a:schemeClr val="lt1"/>
+            </a:fontRef>
+          </p:style>
+          <p:txBody>
+            <a:bodyPr rtlCol="0" anchor="ctr"/>
+            <a:lstStyle/>
+            <a:p>
+              <a:pPr algn="ctr"/>
+              <a:endParaRPr lang="tr-TR"/>
+            </a:p>
+          </p:txBody>
+        </p:sp>
+        <p:cxnSp>
+          <p:nvCxnSpPr>
+            <p:cNvPr id="26" name="Straight Arrow Connector 25"/>
+            <p:cNvCxnSpPr>
+              <a:stCxn id="25" idx="6"/>
+              <a:endCxn id="18" idx="1"/>
+            </p:cNvCxnSpPr>
+            <p:nvPr/>
+          </p:nvCxnSpPr>
+          <p:spPr>
+            <a:xfrm flipV="1">
+              <a:off x="3994031" y="1729454"/>
+              <a:ext cx="776377" cy="142"/>
+            </a:xfrm>
+            <a:prstGeom prst="straightConnector1">
+              <a:avLst/>
+            </a:prstGeom>
+            <a:ln>
+              <a:tailEnd type="arrow"/>
+            </a:ln>
+          </p:spPr>
+          <p:style>
+            <a:lnRef idx="1">
+              <a:schemeClr val="accent1"/>
+            </a:lnRef>
+            <a:fillRef idx="0">
+              <a:schemeClr val="accent1"/>
+            </a:fillRef>
+            <a:effectRef idx="0">
+              <a:schemeClr val="accent1"/>
+            </a:effectRef>
+            <a:fontRef idx="minor">
+              <a:schemeClr val="tx1"/>
+            </a:fontRef>
+          </p:style>
+        </p:cxnSp>
+        <p:cxnSp>
+          <p:nvCxnSpPr>
+            <p:cNvPr id="27" name="Straight Arrow Connector 26"/>
+            <p:cNvCxnSpPr>
+              <a:endCxn id="25" idx="2"/>
+            </p:cNvCxnSpPr>
+            <p:nvPr/>
+          </p:nvCxnSpPr>
+          <p:spPr>
+            <a:xfrm flipV="1">
+              <a:off x="3036498" y="1729596"/>
+              <a:ext cx="508959" cy="4313"/>
+            </a:xfrm>
+            <a:prstGeom prst="straightConnector1">
+              <a:avLst/>
+            </a:prstGeom>
+            <a:ln>
+              <a:tailEnd type="arrow"/>
+            </a:ln>
+          </p:spPr>
+          <p:style>
+            <a:lnRef idx="1">
+              <a:schemeClr val="accent1"/>
+            </a:lnRef>
+            <a:fillRef idx="0">
+              <a:schemeClr val="accent1"/>
+            </a:fillRef>
+            <a:effectRef idx="0">
+              <a:schemeClr val="accent1"/>
+            </a:effectRef>
+            <a:fontRef idx="minor">
+              <a:schemeClr val="tx1"/>
+            </a:fontRef>
+          </p:style>
+        </p:cxnSp>
+        <p:sp>
+          <p:nvSpPr>
+            <p:cNvPr id="28" name="Oval 27"/>
+            <p:cNvSpPr/>
+            <p:nvPr/>
+          </p:nvSpPr>
+          <p:spPr>
+            <a:xfrm>
+              <a:off x="1653397" y="1521918"/>
+              <a:ext cx="448574" cy="405442"/>
+            </a:xfrm>
+            <a:prstGeom prst="ellipse">
+              <a:avLst/>
+            </a:prstGeom>
+            <a:noFill/>
+          </p:spPr>
+          <p:style>
+            <a:lnRef idx="2">
+              <a:schemeClr val="accent1">
+                <a:shade val="50000"/>
+              </a:schemeClr>
+            </a:lnRef>
+            <a:fillRef idx="1">
+              <a:schemeClr val="accent1"/>
+            </a:fillRef>
+            <a:effectRef idx="0">
+              <a:schemeClr val="accent1"/>
+            </a:effectRef>
+            <a:fontRef idx="minor">
+              <a:schemeClr val="lt1"/>
+            </a:fontRef>
+          </p:style>
+          <p:txBody>
+            <a:bodyPr rtlCol="0" anchor="ctr"/>
+            <a:lstStyle/>
+            <a:p>
+              <a:pPr algn="ctr"/>
+              <a:endParaRPr lang="tr-TR"/>
+            </a:p>
+          </p:txBody>
+        </p:sp>
+        <p:cxnSp>
+          <p:nvCxnSpPr>
+            <p:cNvPr id="29" name="Straight Arrow Connector 28"/>
+            <p:cNvCxnSpPr>
+              <a:stCxn id="18" idx="3"/>
+            </p:cNvCxnSpPr>
+            <p:nvPr/>
+          </p:nvCxnSpPr>
+          <p:spPr>
+            <a:xfrm flipV="1">
+              <a:off x="5641676" y="1723896"/>
+              <a:ext cx="905773" cy="5559"/>
+            </a:xfrm>
+            <a:prstGeom prst="straightConnector1">
+              <a:avLst/>
+            </a:prstGeom>
+            <a:ln>
+              <a:tailEnd type="arrow"/>
+            </a:ln>
+          </p:spPr>
+          <p:style>
+            <a:lnRef idx="1">
+              <a:schemeClr val="accent1"/>
+            </a:lnRef>
+            <a:fillRef idx="0">
+              <a:schemeClr val="accent1"/>
+            </a:fillRef>
+            <a:effectRef idx="0">
+              <a:schemeClr val="accent1"/>
+            </a:effectRef>
+            <a:fontRef idx="minor">
+              <a:schemeClr val="tx1"/>
+            </a:fontRef>
+          </p:style>
+        </p:cxnSp>
+        <p:cxnSp>
+          <p:nvCxnSpPr>
+            <p:cNvPr id="30" name="Straight Connector 29"/>
+            <p:cNvCxnSpPr/>
+            <p:nvPr/>
+          </p:nvCxnSpPr>
+          <p:spPr>
+            <a:xfrm rot="16200000" flipH="1">
+              <a:off x="5520906" y="2337759"/>
+              <a:ext cx="1259456" cy="17252"/>
+            </a:xfrm>
+            <a:prstGeom prst="line">
+              <a:avLst/>
+            </a:prstGeom>
+          </p:spPr>
+          <p:style>
+            <a:lnRef idx="1">
+              <a:schemeClr val="accent1"/>
+            </a:lnRef>
+            <a:fillRef idx="0">
+              <a:schemeClr val="accent1"/>
+            </a:fillRef>
+            <a:effectRef idx="0">
+              <a:schemeClr val="accent1"/>
+            </a:effectRef>
+            <a:fontRef idx="minor">
+              <a:schemeClr val="tx1"/>
+            </a:fontRef>
+          </p:style>
+        </p:cxnSp>
+        <p:cxnSp>
+          <p:nvCxnSpPr>
+            <p:cNvPr id="31" name="Straight Connector 30"/>
+            <p:cNvCxnSpPr/>
+            <p:nvPr/>
+          </p:nvCxnSpPr>
+          <p:spPr>
+            <a:xfrm rot="10800000" flipV="1">
+              <a:off x="1897812" y="2969470"/>
+              <a:ext cx="4261455" cy="17254"/>
+            </a:xfrm>
+            <a:prstGeom prst="line">
+              <a:avLst/>
+            </a:prstGeom>
+          </p:spPr>
+          <p:style>
+            <a:lnRef idx="1">
+              <a:schemeClr val="accent1"/>
+            </a:lnRef>
+            <a:fillRef idx="0">
+              <a:schemeClr val="accent1"/>
+            </a:fillRef>
+            <a:effectRef idx="0">
+              <a:schemeClr val="accent1"/>
+            </a:effectRef>
+            <a:fontRef idx="minor">
+              <a:schemeClr val="tx1"/>
+            </a:fontRef>
+          </p:style>
+        </p:cxnSp>
+        <p:cxnSp>
+          <p:nvCxnSpPr>
+            <p:cNvPr id="42" name="Straight Arrow Connector 41"/>
+            <p:cNvCxnSpPr/>
+            <p:nvPr/>
+          </p:nvCxnSpPr>
+          <p:spPr>
+            <a:xfrm rot="16200000" flipV="1">
+              <a:off x="1358208" y="2457884"/>
+              <a:ext cx="1063924" cy="2875"/>
+            </a:xfrm>
+            <a:prstGeom prst="straightConnector1">
+              <a:avLst/>
+            </a:prstGeom>
+            <a:ln>
+              <a:tailEnd type="arrow"/>
+            </a:ln>
+          </p:spPr>
+          <p:style>
+            <a:lnRef idx="1">
+              <a:schemeClr val="accent1"/>
+            </a:lnRef>
+            <a:fillRef idx="0">
+              <a:schemeClr val="accent1"/>
+            </a:fillRef>
+            <a:effectRef idx="0">
+              <a:schemeClr val="accent1"/>
+            </a:effectRef>
+            <a:fontRef idx="minor">
+              <a:schemeClr val="tx1"/>
+            </a:fontRef>
+          </p:style>
+        </p:cxnSp>
+        <p:cxnSp>
+          <p:nvCxnSpPr>
+            <p:cNvPr id="43" name="Straight Arrow Connector 42"/>
+            <p:cNvCxnSpPr/>
+            <p:nvPr/>
+          </p:nvCxnSpPr>
+          <p:spPr>
+            <a:xfrm flipV="1">
+              <a:off x="871268" y="1752600"/>
+              <a:ext cx="790755" cy="7188"/>
+            </a:xfrm>
+            <a:prstGeom prst="straightConnector1">
+              <a:avLst/>
+            </a:prstGeom>
+            <a:ln>
+              <a:tailEnd type="arrow"/>
+            </a:ln>
+          </p:spPr>
+          <p:style>
+            <a:lnRef idx="1">
+              <a:schemeClr val="accent1"/>
+            </a:lnRef>
+            <a:fillRef idx="0">
+              <a:schemeClr val="accent1"/>
+            </a:fillRef>
+            <a:effectRef idx="0">
+              <a:schemeClr val="accent1"/>
+            </a:effectRef>
+            <a:fontRef idx="minor">
+              <a:schemeClr val="tx1"/>
+            </a:fontRef>
+          </p:style>
+        </p:cxnSp>
+        <p:sp>
+          <p:nvSpPr>
+            <p:cNvPr id="44" name="TextBox 43"/>
+            <p:cNvSpPr txBox="1"/>
+            <p:nvPr/>
+          </p:nvSpPr>
+          <p:spPr>
+            <a:xfrm>
+              <a:off x="1236455" y="1408982"/>
+              <a:ext cx="294124" cy="422942"/>
+            </a:xfrm>
+            <a:prstGeom prst="rect">
+              <a:avLst/>
+            </a:prstGeom>
+            <a:noFill/>
+          </p:spPr>
+          <p:txBody>
+            <a:bodyPr wrap="none" rtlCol="0">
+              <a:spAutoFit/>
+            </a:bodyPr>
+            <a:lstStyle/>
+            <a:p>
+              <a:r>
+                <a:rPr lang="tr-TR" sz="1400" dirty="0" smtClean="0"/>
+                <a:t>r</a:t>
+              </a:r>
+              <a:endParaRPr lang="tr-TR" sz="1400" dirty="0"/>
+            </a:p>
+          </p:txBody>
+        </p:sp>
+        <p:sp>
+          <p:nvSpPr>
+            <p:cNvPr id="45" name="TextBox 44"/>
+            <p:cNvSpPr txBox="1"/>
+            <p:nvPr/>
+          </p:nvSpPr>
+          <p:spPr>
+            <a:xfrm>
+              <a:off x="6093127" y="1348596"/>
+              <a:ext cx="314574" cy="422942"/>
+            </a:xfrm>
+            <a:prstGeom prst="rect">
+              <a:avLst/>
+            </a:prstGeom>
+            <a:noFill/>
+          </p:spPr>
+          <p:txBody>
+            <a:bodyPr wrap="none" rtlCol="0">
+              <a:spAutoFit/>
+            </a:bodyPr>
+            <a:lstStyle/>
+            <a:p>
+              <a:r>
+                <a:rPr lang="tr-TR" sz="1400" dirty="0" smtClean="0"/>
+                <a:t>y</a:t>
+              </a:r>
+              <a:endParaRPr lang="tr-TR" sz="1400" dirty="0"/>
+            </a:p>
+          </p:txBody>
+        </p:sp>
+        <p:sp>
+          <p:nvSpPr>
+            <p:cNvPr id="46" name="Rectangle 45"/>
+            <p:cNvSpPr/>
+            <p:nvPr/>
+          </p:nvSpPr>
+          <p:spPr>
+            <a:xfrm>
+              <a:off x="3226279" y="1319842"/>
+              <a:ext cx="2674189" cy="1570007"/>
+            </a:xfrm>
+            <a:prstGeom prst="rect">
+              <a:avLst/>
+            </a:prstGeom>
+            <a:noFill/>
+            <a:ln w="19050">
+              <a:prstDash val="dash"/>
+            </a:ln>
+          </p:spPr>
+          <p:style>
+            <a:lnRef idx="2">
+              <a:schemeClr val="accent1">
+                <a:shade val="50000"/>
+              </a:schemeClr>
+            </a:lnRef>
+            <a:fillRef idx="1">
+              <a:schemeClr val="accent1"/>
+            </a:fillRef>
+            <a:effectRef idx="0">
+              <a:schemeClr val="accent1"/>
+            </a:effectRef>
+            <a:fontRef idx="minor">
+              <a:schemeClr val="lt1"/>
+            </a:fontRef>
+          </p:style>
+          <p:txBody>
+            <a:bodyPr rtlCol="0" anchor="ctr"/>
+            <a:lstStyle/>
+            <a:p>
+              <a:pPr algn="ctr"/>
+              <a:endParaRPr lang="tr-TR"/>
+            </a:p>
+          </p:txBody>
+        </p:sp>
+        <p:pic>
+          <p:nvPicPr>
+            <p:cNvPr id="47" name="Picture 1"/>
+            <p:cNvPicPr>
+              <a:picLocks noChangeAspect="1" noChangeArrowheads="1"/>
+            </p:cNvPicPr>
+            <p:nvPr/>
+          </p:nvPicPr>
+          <p:blipFill>
+            <a:blip r:embed="rId4">
+              <a:clrChange>
+                <a:clrFrom>
+                  <a:srgbClr val="FFFFFF"/>
+                </a:clrFrom>
+                <a:clrTo>
+                  <a:srgbClr val="FFFFFF">
+                    <a:alpha val="0"/>
+                  </a:srgbClr>
+                </a:clrTo>
+              </a:clrChange>
+            </a:blip>
+            <a:srcRect/>
+            <a:stretch>
+              <a:fillRect/>
+            </a:stretch>
+          </p:blipFill>
+          <p:spPr bwMode="auto">
+            <a:xfrm>
+              <a:off x="3968151" y="1138687"/>
+              <a:ext cx="1228725" cy="190500"/>
+            </a:xfrm>
+            <a:prstGeom prst="rect">
+              <a:avLst/>
+            </a:prstGeom>
+            <a:noFill/>
+          </p:spPr>
+        </p:pic>
+        <p:sp>
+          <p:nvSpPr>
+            <p:cNvPr id="48" name="TextBox 47"/>
+            <p:cNvSpPr txBox="1"/>
+            <p:nvPr/>
+          </p:nvSpPr>
+          <p:spPr>
+            <a:xfrm>
+              <a:off x="2490839" y="1530735"/>
+              <a:ext cx="546339" cy="380648"/>
+            </a:xfrm>
+            <a:prstGeom prst="rect">
+              <a:avLst/>
+            </a:prstGeom>
+            <a:noFill/>
+            <a:ln w="15875">
+              <a:solidFill>
+                <a:schemeClr val="accent1"/>
+              </a:solidFill>
+            </a:ln>
+          </p:spPr>
+          <p:txBody>
+            <a:bodyPr wrap="square" rtlCol="0">
+              <a:spAutoFit/>
+            </a:bodyPr>
+            <a:lstStyle/>
+            <a:p>
+              <a:pPr algn="ctr"/>
+              <a:r>
+                <a:rPr lang="tr-TR" sz="1200" dirty="0" smtClean="0"/>
+                <a:t>1/s</a:t>
+              </a:r>
+              <a:endParaRPr lang="tr-TR" sz="1200" dirty="0"/>
+            </a:p>
+          </p:txBody>
+        </p:sp>
+        <p:cxnSp>
+          <p:nvCxnSpPr>
+            <p:cNvPr id="49" name="Straight Arrow Connector 48"/>
+            <p:cNvCxnSpPr>
+              <a:stCxn id="28" idx="6"/>
+              <a:endCxn id="48" idx="1"/>
+            </p:cNvCxnSpPr>
+            <p:nvPr/>
+          </p:nvCxnSpPr>
+          <p:spPr>
+            <a:xfrm flipV="1">
+              <a:off x="2101970" y="1721060"/>
+              <a:ext cx="388869" cy="3580"/>
+            </a:xfrm>
+            <a:prstGeom prst="straightConnector1">
+              <a:avLst/>
+            </a:prstGeom>
+            <a:ln>
+              <a:tailEnd type="arrow"/>
+            </a:ln>
+          </p:spPr>
+          <p:style>
+            <a:lnRef idx="1">
+              <a:schemeClr val="accent1"/>
+            </a:lnRef>
+            <a:fillRef idx="0">
+              <a:schemeClr val="accent1"/>
+            </a:fillRef>
+            <a:effectRef idx="0">
+              <a:schemeClr val="accent1"/>
+            </a:effectRef>
+            <a:fontRef idx="minor">
+              <a:schemeClr val="tx1"/>
+            </a:fontRef>
+          </p:style>
+        </p:cxnSp>
+      </p:grpSp>
+      <p:sp>
+        <p:nvSpPr>
+          <p:cNvPr id="50" name="TextBox 49"/>
+          <p:cNvSpPr txBox="1"/>
+          <p:nvPr/>
+        </p:nvSpPr>
+        <p:spPr>
+          <a:xfrm>
+            <a:off x="1296766" y="6162085"/>
+            <a:ext cx="1866665" cy="307777"/>
+          </a:xfrm>
+          <a:prstGeom prst="rect">
+            <a:avLst/>
+          </a:prstGeom>
+          <a:noFill/>
+        </p:spPr>
+        <p:txBody>
+          <a:bodyPr wrap="none" rtlCol="0">
+            <a:spAutoFit/>
+          </a:bodyPr>
+          <a:lstStyle/>
+          <a:p>
+            <a:r>
+              <a:rPr lang="tr-TR" sz="1400" dirty="0" smtClean="0"/>
+              <a:t>Open </a:t>
+            </a:r>
+            <a:r>
+              <a:rPr lang="tr-TR" sz="1400" dirty="0" smtClean="0"/>
+              <a:t>loop </a:t>
+            </a:r>
+            <a:r>
+              <a:rPr lang="tr-TR" sz="1400" dirty="0" smtClean="0"/>
+              <a:t>Bode plots</a:t>
+            </a:r>
+            <a:endParaRPr lang="tr-TR" sz="1400" dirty="0"/>
+          </a:p>
+        </p:txBody>
+      </p:sp>
+      <p:sp>
+        <p:nvSpPr>
+          <p:cNvPr id="51" name="TextBox 50"/>
+          <p:cNvSpPr txBox="1"/>
+          <p:nvPr/>
+        </p:nvSpPr>
+        <p:spPr>
+          <a:xfrm>
+            <a:off x="6425671" y="6140068"/>
+            <a:ext cx="1249637" cy="307777"/>
+          </a:xfrm>
+          <a:prstGeom prst="rect">
+            <a:avLst/>
+          </a:prstGeom>
+          <a:noFill/>
+        </p:spPr>
+        <p:txBody>
+          <a:bodyPr wrap="none" rtlCol="0">
+            <a:spAutoFit/>
+          </a:bodyPr>
+          <a:lstStyle/>
+          <a:p>
+            <a:r>
+              <a:rPr lang="tr-TR" sz="1400" dirty="0" smtClean="0"/>
+              <a:t>Step response</a:t>
+            </a:r>
+            <a:endParaRPr lang="tr-TR" sz="1400" dirty="0"/>
+          </a:p>
+        </p:txBody>
+      </p:sp>
+      <p:grpSp>
+        <p:nvGrpSpPr>
+          <p:cNvPr id="52" name="Group 51"/>
+          <p:cNvGrpSpPr/>
+          <p:nvPr/>
+        </p:nvGrpSpPr>
+        <p:grpSpPr>
+          <a:xfrm>
+            <a:off x="556613" y="2729172"/>
+            <a:ext cx="3111958" cy="972262"/>
+            <a:chOff x="2355011" y="3165894"/>
+            <a:chExt cx="4267159" cy="1639019"/>
+          </a:xfrm>
+        </p:grpSpPr>
+        <p:sp>
+          <p:nvSpPr>
+            <p:cNvPr id="53" name="Oval 52"/>
+            <p:cNvSpPr/>
+            <p:nvPr/>
+          </p:nvSpPr>
+          <p:spPr>
+            <a:xfrm>
+              <a:off x="2355011" y="4235570"/>
+              <a:ext cx="638355" cy="569343"/>
+            </a:xfrm>
+            <a:prstGeom prst="ellipse">
+              <a:avLst/>
+            </a:prstGeom>
+            <a:noFill/>
+          </p:spPr>
+          <p:style>
+            <a:lnRef idx="2">
+              <a:schemeClr val="accent1">
+                <a:shade val="50000"/>
+              </a:schemeClr>
+            </a:lnRef>
+            <a:fillRef idx="1">
+              <a:schemeClr val="accent1"/>
+            </a:fillRef>
+            <a:effectRef idx="0">
+              <a:schemeClr val="accent1"/>
+            </a:effectRef>
+            <a:fontRef idx="minor">
+              <a:schemeClr val="lt1"/>
+            </a:fontRef>
+          </p:style>
+          <p:txBody>
+            <a:bodyPr rtlCol="0" anchor="ctr"/>
+            <a:lstStyle/>
+            <a:p>
+              <a:pPr algn="ctr"/>
+              <a:endParaRPr lang="tr-TR"/>
+            </a:p>
+          </p:txBody>
+        </p:sp>
+        <p:sp>
+          <p:nvSpPr>
+            <p:cNvPr id="54" name="TextBox 53"/>
+            <p:cNvSpPr txBox="1"/>
+            <p:nvPr/>
+          </p:nvSpPr>
+          <p:spPr>
+            <a:xfrm>
+              <a:off x="2435696" y="4296103"/>
+              <a:ext cx="336953" cy="276999"/>
+            </a:xfrm>
+            <a:prstGeom prst="rect">
+              <a:avLst/>
+            </a:prstGeom>
+            <a:noFill/>
+          </p:spPr>
+          <p:txBody>
+            <a:bodyPr wrap="none" rtlCol="0">
+              <a:spAutoFit/>
+            </a:bodyPr>
+            <a:lstStyle/>
+            <a:p>
+              <a:r>
+                <a:rPr lang="tr-TR" sz="1200" dirty="0" smtClean="0"/>
+                <a:t>A1</a:t>
+              </a:r>
+              <a:endParaRPr lang="tr-TR" sz="1200" dirty="0"/>
+            </a:p>
+          </p:txBody>
+        </p:sp>
+        <p:sp>
+          <p:nvSpPr>
+            <p:cNvPr id="55" name="Oval 54"/>
+            <p:cNvSpPr/>
+            <p:nvPr/>
+          </p:nvSpPr>
+          <p:spPr>
+            <a:xfrm>
+              <a:off x="5727940" y="3165894"/>
+              <a:ext cx="45719" cy="60385"/>
+            </a:xfrm>
+            <a:prstGeom prst="ellipse">
+              <a:avLst/>
+            </a:prstGeom>
+          </p:spPr>
+          <p:style>
+            <a:lnRef idx="2">
+              <a:schemeClr val="accent1">
+                <a:shade val="50000"/>
+              </a:schemeClr>
+            </a:lnRef>
+            <a:fillRef idx="1">
+              <a:schemeClr val="accent1"/>
+            </a:fillRef>
+            <a:effectRef idx="0">
+              <a:schemeClr val="accent1"/>
+            </a:effectRef>
+            <a:fontRef idx="minor">
+              <a:schemeClr val="lt1"/>
+            </a:fontRef>
+          </p:style>
+          <p:txBody>
+            <a:bodyPr rtlCol="0" anchor="ctr"/>
+            <a:lstStyle/>
+            <a:p>
+              <a:pPr algn="ctr"/>
+              <a:endParaRPr lang="tr-TR"/>
+            </a:p>
+          </p:txBody>
+        </p:sp>
+        <p:sp>
+          <p:nvSpPr>
+            <p:cNvPr id="56" name="TextBox 55"/>
+            <p:cNvSpPr txBox="1"/>
+            <p:nvPr/>
+          </p:nvSpPr>
+          <p:spPr>
+            <a:xfrm>
+              <a:off x="5511710" y="3201911"/>
+              <a:ext cx="1110460" cy="441017"/>
+            </a:xfrm>
+            <a:prstGeom prst="rect">
+              <a:avLst/>
+            </a:prstGeom>
+            <a:noFill/>
+          </p:spPr>
+          <p:txBody>
+            <a:bodyPr wrap="none" rtlCol="0">
+              <a:spAutoFit/>
+            </a:bodyPr>
+            <a:lstStyle/>
+            <a:p>
+              <a:r>
+                <a:rPr lang="tr-TR" sz="1100" dirty="0" smtClean="0"/>
+                <a:t>Goal State</a:t>
+              </a:r>
+              <a:endParaRPr lang="tr-TR" sz="1100" dirty="0"/>
+            </a:p>
+          </p:txBody>
+        </p:sp>
+        <p:cxnSp>
+          <p:nvCxnSpPr>
+            <p:cNvPr id="57" name="Straight Arrow Connector 56"/>
+            <p:cNvCxnSpPr>
+              <a:stCxn id="53" idx="7"/>
+            </p:cNvCxnSpPr>
+            <p:nvPr/>
+          </p:nvCxnSpPr>
+          <p:spPr>
+            <a:xfrm rot="5400000" flipH="1" flipV="1">
+              <a:off x="3733070" y="2375837"/>
+              <a:ext cx="1109922" cy="2776300"/>
+            </a:xfrm>
+            <a:prstGeom prst="straightConnector1">
+              <a:avLst/>
+            </a:prstGeom>
+            <a:ln>
+              <a:tailEnd type="arrow"/>
+            </a:ln>
+          </p:spPr>
+          <p:style>
+            <a:lnRef idx="1">
+              <a:schemeClr val="accent1"/>
+            </a:lnRef>
+            <a:fillRef idx="0">
+              <a:schemeClr val="accent1"/>
+            </a:fillRef>
+            <a:effectRef idx="0">
+              <a:schemeClr val="accent1"/>
+            </a:effectRef>
+            <a:fontRef idx="minor">
+              <a:schemeClr val="tx1"/>
+            </a:fontRef>
+          </p:style>
+        </p:cxnSp>
+        <p:sp>
+          <p:nvSpPr>
+            <p:cNvPr id="58" name="Freeform 57"/>
+            <p:cNvSpPr/>
+            <p:nvPr/>
+          </p:nvSpPr>
+          <p:spPr>
+            <a:xfrm>
+              <a:off x="3493698" y="4106174"/>
+              <a:ext cx="112143" cy="189781"/>
+            </a:xfrm>
+            <a:custGeom>
+              <a:avLst/>
+              <a:gdLst>
+                <a:gd name="connsiteX0" fmla="*/ 51759 w 112143"/>
+                <a:gd name="connsiteY0" fmla="*/ 189781 h 189781"/>
+                <a:gd name="connsiteX1" fmla="*/ 103517 w 112143"/>
+                <a:gd name="connsiteY1" fmla="*/ 69011 h 189781"/>
+                <a:gd name="connsiteX2" fmla="*/ 0 w 112143"/>
+                <a:gd name="connsiteY2" fmla="*/ 0 h 189781"/>
+                <a:gd name="connsiteX3" fmla="*/ 0 w 112143"/>
+                <a:gd name="connsiteY3" fmla="*/ 0 h 189781"/>
+              </a:gdLst>
+              <a:ahLst/>
+              <a:cxnLst>
+                <a:cxn ang="0">
+                  <a:pos x="connsiteX0" y="connsiteY0"/>
+                </a:cxn>
+                <a:cxn ang="0">
+                  <a:pos x="connsiteX1" y="connsiteY1"/>
+                </a:cxn>
+                <a:cxn ang="0">
+                  <a:pos x="connsiteX2" y="connsiteY2"/>
+                </a:cxn>
+                <a:cxn ang="0">
+                  <a:pos x="connsiteX3" y="connsiteY3"/>
+                </a:cxn>
+              </a:cxnLst>
+              <a:rect l="l" t="t" r="r" b="b"/>
+              <a:pathLst>
+                <a:path w="112143" h="189781">
+                  <a:moveTo>
+                    <a:pt x="51759" y="189781"/>
+                  </a:moveTo>
+                  <a:cubicBezTo>
+                    <a:pt x="81951" y="145211"/>
+                    <a:pt x="112143" y="100641"/>
+                    <a:pt x="103517" y="69011"/>
+                  </a:cubicBezTo>
+                  <a:cubicBezTo>
+                    <a:pt x="94891" y="37381"/>
+                    <a:pt x="0" y="0"/>
+                    <a:pt x="0" y="0"/>
+                  </a:cubicBezTo>
+                  <a:lnTo>
+                    <a:pt x="0" y="0"/>
+                  </a:lnTo>
+                </a:path>
+              </a:pathLst>
+            </a:custGeom>
+          </p:spPr>
+          <p:style>
+            <a:lnRef idx="1">
+              <a:schemeClr val="accent1"/>
+            </a:lnRef>
+            <a:fillRef idx="0">
+              <a:schemeClr val="accent1"/>
+            </a:fillRef>
+            <a:effectRef idx="0">
+              <a:schemeClr val="accent1"/>
+            </a:effectRef>
+            <a:fontRef idx="minor">
+              <a:schemeClr val="tx1"/>
+            </a:fontRef>
+          </p:style>
+          <p:txBody>
+            <a:bodyPr rtlCol="0" anchor="ctr"/>
+            <a:lstStyle/>
+            <a:p>
+              <a:pPr algn="ctr"/>
+              <a:endParaRPr lang="tr-TR"/>
+            </a:p>
+          </p:txBody>
+        </p:sp>
+        <p:cxnSp>
+          <p:nvCxnSpPr>
+            <p:cNvPr id="59" name="Straight Connector 58"/>
+            <p:cNvCxnSpPr>
+              <a:stCxn id="53" idx="7"/>
+            </p:cNvCxnSpPr>
+            <p:nvPr/>
+          </p:nvCxnSpPr>
+          <p:spPr>
+            <a:xfrm rot="5400000" flipH="1" flipV="1">
+              <a:off x="3418206" y="3769003"/>
+              <a:ext cx="31620" cy="1068270"/>
+            </a:xfrm>
+            <a:prstGeom prst="line">
+              <a:avLst/>
+            </a:prstGeom>
+          </p:spPr>
+          <p:style>
+            <a:lnRef idx="1">
+              <a:schemeClr val="accent1"/>
+            </a:lnRef>
+            <a:fillRef idx="0">
+              <a:schemeClr val="accent1"/>
+            </a:fillRef>
+            <a:effectRef idx="0">
+              <a:schemeClr val="accent1"/>
+            </a:effectRef>
+            <a:fontRef idx="minor">
+              <a:schemeClr val="tx1"/>
+            </a:fontRef>
+          </p:style>
+        </p:cxnSp>
+        <p:sp>
+          <p:nvSpPr>
+            <p:cNvPr id="60" name="TextBox 59"/>
+            <p:cNvSpPr txBox="1"/>
+            <p:nvPr/>
+          </p:nvSpPr>
+          <p:spPr>
+            <a:xfrm>
+              <a:off x="3605841" y="3983638"/>
+              <a:ext cx="1043876" cy="261609"/>
+            </a:xfrm>
+            <a:prstGeom prst="rect">
+              <a:avLst/>
+            </a:prstGeom>
+            <a:noFill/>
+          </p:spPr>
+          <p:txBody>
+            <a:bodyPr wrap="none" rtlCol="0">
+              <a:spAutoFit/>
+            </a:bodyPr>
+            <a:lstStyle/>
+            <a:p>
+              <a:r>
+                <a:rPr lang="tr-TR" sz="1050" dirty="0" smtClean="0"/>
+                <a:t>Bearing Angle</a:t>
+              </a:r>
+              <a:endParaRPr lang="tr-TR" sz="1050" dirty="0"/>
+            </a:p>
+          </p:txBody>
+        </p:sp>
+        <p:sp>
+          <p:nvSpPr>
+            <p:cNvPr id="61" name="TextBox 60"/>
+            <p:cNvSpPr txBox="1"/>
+            <p:nvPr/>
+          </p:nvSpPr>
+          <p:spPr>
+            <a:xfrm rot="20365342">
+              <a:off x="3720116" y="3534966"/>
+              <a:ext cx="777777" cy="246221"/>
+            </a:xfrm>
+            <a:prstGeom prst="rect">
+              <a:avLst/>
+            </a:prstGeom>
+            <a:noFill/>
+          </p:spPr>
+          <p:txBody>
+            <a:bodyPr wrap="none" rtlCol="0">
+              <a:spAutoFit/>
+            </a:bodyPr>
+            <a:lstStyle/>
+            <a:p>
+              <a:r>
+                <a:rPr lang="tr-TR" sz="1000" dirty="0" smtClean="0"/>
+                <a:t>Amplitude</a:t>
+              </a:r>
+              <a:endParaRPr lang="tr-TR" sz="1000" dirty="0"/>
+            </a:p>
+          </p:txBody>
+        </p:sp>
+      </p:grpSp>
+    </p:spTree>
+    <p:extLst>
+      <p:ext uri="{BB962C8B-B14F-4D97-AF65-F5344CB8AC3E}">
+        <p14:creationId xmlns:p14="http://schemas.microsoft.com/office/powerpoint/2010/main" val="1700721917"/>
+      </p:ext>
+    </p:extLst>
+  </p:cSld>
+  <p:clrMapOvr>
+    <a:masterClrMapping/>
+  </p:clrMapOvr>
+  <p:timing>
+    <p:tnLst>
+      <p:par>
+        <p:cTn id="1" dur="indefinite" restart="never" nodeType="tmRoot"/>
+      </p:par>
+    </p:tnLst>
+  </p:timing>
+</p:sld>
+</file>
+
+<file path=ppt/slides/slide24.xml><?xml version="1.0" encoding="utf-8"?>
+<p:sld xmlns:a="http://schemas.openxmlformats.org/drawingml/2006/main" xmlns:r="http://schemas.openxmlformats.org/officeDocument/2006/relationships" xmlns:p="http://schemas.openxmlformats.org/presentationml/2006/main">
+  <p:cSld>
+    <p:spTree>
+      <p:nvGrpSpPr>
+        <p:cNvPr id="1" name=""/>
+        <p:cNvGrpSpPr/>
+        <p:nvPr/>
+      </p:nvGrpSpPr>
+      <p:grpSpPr>
+        <a:xfrm>
+          <a:off x="0" y="0"/>
+          <a:ext cx="0" cy="0"/>
+          <a:chOff x="0" y="0"/>
+          <a:chExt cx="0" cy="0"/>
+        </a:xfrm>
+      </p:grpSpPr>
+      <p:sp>
+        <p:nvSpPr>
+          <p:cNvPr id="2" name="Title 1"/>
+          <p:cNvSpPr>
+            <a:spLocks noGrp="1"/>
+          </p:cNvSpPr>
+          <p:nvPr>
+            <p:ph type="title"/>
+          </p:nvPr>
+        </p:nvSpPr>
+        <p:spPr/>
+        <p:txBody>
+          <a:bodyPr/>
+          <a:lstStyle/>
+          <a:p>
+            <a:r>
+              <a:rPr lang="tr-TR" dirty="0" smtClean="0"/>
+              <a:t>Formation Control System</a:t>
+            </a:r>
+            <a:endParaRPr lang="tr-TR" dirty="0"/>
+          </a:p>
+        </p:txBody>
+      </p:sp>
+      <p:sp>
+        <p:nvSpPr>
+          <p:cNvPr id="3" name="TextBox 2"/>
+          <p:cNvSpPr txBox="1"/>
+          <p:nvPr/>
+        </p:nvSpPr>
+        <p:spPr>
+          <a:xfrm>
+            <a:off x="675249" y="1491175"/>
+            <a:ext cx="7596554" cy="369332"/>
+          </a:xfrm>
+          <a:prstGeom prst="rect">
+            <a:avLst/>
+          </a:prstGeom>
+          <a:noFill/>
+        </p:spPr>
+        <p:txBody>
+          <a:bodyPr wrap="square" rtlCol="0">
+            <a:spAutoFit/>
+          </a:bodyPr>
+          <a:lstStyle/>
+          <a:p>
+            <a:pPr marL="285750" indent="-285750" algn="just">
+              <a:buFont typeface="Arial" panose="020B0604020202020204" pitchFamily="34" charset="0"/>
+              <a:buChar char="•"/>
+            </a:pPr>
+            <a:r>
+              <a:rPr lang="tr-TR" dirty="0" smtClean="0"/>
+              <a:t>Bubble Packing and Randomized Fractals Methods</a:t>
+            </a:r>
+          </a:p>
+        </p:txBody>
+      </p:sp>
+      <p:sp>
+        <p:nvSpPr>
+          <p:cNvPr id="8" name="TextBox 7"/>
+          <p:cNvSpPr txBox="1"/>
+          <p:nvPr/>
+        </p:nvSpPr>
+        <p:spPr>
+          <a:xfrm>
+            <a:off x="3602240" y="2057893"/>
+            <a:ext cx="1855123" cy="338554"/>
+          </a:xfrm>
+          <a:prstGeom prst="rect">
+            <a:avLst/>
+          </a:prstGeom>
+          <a:noFill/>
+        </p:spPr>
+        <p:txBody>
+          <a:bodyPr wrap="none" rtlCol="0">
+            <a:spAutoFit/>
+          </a:bodyPr>
+          <a:lstStyle/>
+          <a:p>
+            <a:pPr algn="ctr"/>
+            <a:r>
+              <a:rPr lang="tr-TR" sz="1600" dirty="0" smtClean="0"/>
+              <a:t>Velocity Controller</a:t>
+            </a:r>
+            <a:endParaRPr lang="tr-TR" sz="1600" dirty="0"/>
+          </a:p>
+        </p:txBody>
+      </p:sp>
+      <p:sp>
+        <p:nvSpPr>
+          <p:cNvPr id="32" name="TextBox 31"/>
+          <p:cNvSpPr txBox="1"/>
+          <p:nvPr/>
+        </p:nvSpPr>
+        <p:spPr>
+          <a:xfrm>
+            <a:off x="2121188" y="2491127"/>
+            <a:ext cx="184730" cy="584775"/>
+          </a:xfrm>
+          <a:prstGeom prst="rect">
+            <a:avLst/>
+          </a:prstGeom>
+          <a:noFill/>
+        </p:spPr>
+        <p:txBody>
+          <a:bodyPr wrap="none" rtlCol="0">
+            <a:spAutoFit/>
+          </a:bodyPr>
+          <a:lstStyle/>
+          <a:p>
+            <a:pPr algn="ctr"/>
+            <a:endParaRPr lang="tr-TR" sz="1600" i="1" dirty="0" smtClean="0"/>
+          </a:p>
+          <a:p>
+            <a:pPr algn="ctr"/>
+            <a:endParaRPr lang="tr-TR" sz="1600" dirty="0" smtClean="0"/>
+          </a:p>
+        </p:txBody>
+      </p:sp>
+      <p:sp>
+        <p:nvSpPr>
+          <p:cNvPr id="33" name="TextBox 32"/>
+          <p:cNvSpPr txBox="1"/>
+          <p:nvPr/>
+        </p:nvSpPr>
+        <p:spPr>
+          <a:xfrm>
+            <a:off x="254878" y="2659086"/>
+            <a:ext cx="5460114" cy="738664"/>
+          </a:xfrm>
+          <a:prstGeom prst="rect">
+            <a:avLst/>
+          </a:prstGeom>
+          <a:noFill/>
+        </p:spPr>
+        <p:txBody>
+          <a:bodyPr wrap="square" rtlCol="0">
+            <a:spAutoFit/>
+          </a:bodyPr>
+          <a:lstStyle/>
+          <a:p>
+            <a:r>
+              <a:rPr lang="tr-TR" sz="1400" dirty="0" smtClean="0"/>
+              <a:t>The dynamical system of agents  is </a:t>
+            </a:r>
+            <a:r>
+              <a:rPr lang="tr-TR" sz="1400" dirty="0" smtClean="0"/>
+              <a:t>augmented with an artificial error state, </a:t>
+            </a:r>
+            <a:r>
+              <a:rPr lang="tr-TR" sz="1400" dirty="0" smtClean="0"/>
+              <a:t>to design an </a:t>
+            </a:r>
+            <a:r>
+              <a:rPr lang="tr-TR" sz="1400" dirty="0"/>
+              <a:t>State feedback with LQR controller;</a:t>
+            </a:r>
+          </a:p>
+          <a:p>
+            <a:endParaRPr lang="tr-TR" sz="1400" dirty="0"/>
+          </a:p>
+        </p:txBody>
+      </p:sp>
+      <p:pic>
+        <p:nvPicPr>
+          <p:cNvPr id="34" name="Picture 1"/>
+          <p:cNvPicPr>
+            <a:picLocks noChangeAspect="1" noChangeArrowheads="1"/>
+          </p:cNvPicPr>
+          <p:nvPr/>
+        </p:nvPicPr>
+        <p:blipFill>
+          <a:blip r:embed="rId2">
+            <a:clrChange>
+              <a:clrFrom>
+                <a:srgbClr val="FFFFFF"/>
+              </a:clrFrom>
+              <a:clrTo>
+                <a:srgbClr val="FFFFFF">
+                  <a:alpha val="0"/>
+                </a:srgbClr>
+              </a:clrTo>
+            </a:clrChange>
+          </a:blip>
+          <a:srcRect/>
+          <a:stretch>
+            <a:fillRect/>
+          </a:stretch>
+        </p:blipFill>
+        <p:spPr bwMode="auto">
+          <a:xfrm>
+            <a:off x="335391" y="3573744"/>
+            <a:ext cx="2976114" cy="454684"/>
+          </a:xfrm>
+          <a:prstGeom prst="rect">
+            <a:avLst/>
+          </a:prstGeom>
+          <a:noFill/>
+        </p:spPr>
+      </p:pic>
+      <p:pic>
+        <p:nvPicPr>
+          <p:cNvPr id="35" name="Picture 4"/>
+          <p:cNvPicPr>
+            <a:picLocks noChangeAspect="1" noChangeArrowheads="1"/>
+          </p:cNvPicPr>
+          <p:nvPr/>
+        </p:nvPicPr>
+        <p:blipFill>
+          <a:blip r:embed="rId3">
+            <a:clrChange>
+              <a:clrFrom>
+                <a:srgbClr val="FFFFFF"/>
+              </a:clrFrom>
+              <a:clrTo>
+                <a:srgbClr val="FFFFFF">
+                  <a:alpha val="0"/>
+                </a:srgbClr>
+              </a:clrTo>
+            </a:clrChange>
+          </a:blip>
+          <a:srcRect/>
+          <a:stretch>
+            <a:fillRect/>
+          </a:stretch>
+        </p:blipFill>
+        <p:spPr bwMode="auto">
+          <a:xfrm>
+            <a:off x="5200691" y="3536255"/>
+            <a:ext cx="1268082" cy="408604"/>
+          </a:xfrm>
+          <a:prstGeom prst="rect">
+            <a:avLst/>
+          </a:prstGeom>
+          <a:noFill/>
+        </p:spPr>
+      </p:pic>
+      <p:sp>
+        <p:nvSpPr>
+          <p:cNvPr id="36" name="TextBox 35"/>
+          <p:cNvSpPr txBox="1"/>
+          <p:nvPr/>
+        </p:nvSpPr>
+        <p:spPr>
+          <a:xfrm>
+            <a:off x="188742" y="4182237"/>
+            <a:ext cx="4149406" cy="307777"/>
+          </a:xfrm>
+          <a:prstGeom prst="rect">
+            <a:avLst/>
+          </a:prstGeom>
+          <a:noFill/>
+        </p:spPr>
+        <p:txBody>
+          <a:bodyPr wrap="none" rtlCol="0">
+            <a:spAutoFit/>
+          </a:bodyPr>
+          <a:lstStyle/>
+          <a:p>
+            <a:r>
+              <a:rPr lang="tr-TR" sz="1400" dirty="0" smtClean="0"/>
+              <a:t>Q and R matrices used in solving Riccati equations,</a:t>
+            </a:r>
+          </a:p>
+        </p:txBody>
+      </p:sp>
+      <p:pic>
+        <p:nvPicPr>
+          <p:cNvPr id="37" name="Picture 10"/>
+          <p:cNvPicPr>
+            <a:picLocks noChangeAspect="1" noChangeArrowheads="1"/>
+          </p:cNvPicPr>
+          <p:nvPr/>
+        </p:nvPicPr>
+        <p:blipFill>
+          <a:blip r:embed="rId4">
+            <a:clrChange>
+              <a:clrFrom>
+                <a:srgbClr val="FFFFFF"/>
+              </a:clrFrom>
+              <a:clrTo>
+                <a:srgbClr val="FFFFFF">
+                  <a:alpha val="0"/>
+                </a:srgbClr>
+              </a:clrTo>
+            </a:clrChange>
+          </a:blip>
+          <a:srcRect/>
+          <a:stretch>
+            <a:fillRect/>
+          </a:stretch>
+        </p:blipFill>
+        <p:spPr bwMode="auto">
+          <a:xfrm>
+            <a:off x="3139110" y="4535120"/>
+            <a:ext cx="4233460" cy="491705"/>
+          </a:xfrm>
+          <a:prstGeom prst="rect">
+            <a:avLst/>
+          </a:prstGeom>
+          <a:noFill/>
+        </p:spPr>
+      </p:pic>
+      <p:pic>
+        <p:nvPicPr>
+          <p:cNvPr id="38" name="Picture 13"/>
+          <p:cNvPicPr>
+            <a:picLocks noChangeAspect="1" noChangeArrowheads="1"/>
+          </p:cNvPicPr>
+          <p:nvPr/>
+        </p:nvPicPr>
+        <p:blipFill>
+          <a:blip r:embed="rId5">
+            <a:clrChange>
+              <a:clrFrom>
+                <a:srgbClr val="FFFFFF"/>
+              </a:clrFrom>
+              <a:clrTo>
+                <a:srgbClr val="FFFFFF">
+                  <a:alpha val="0"/>
+                </a:srgbClr>
+              </a:clrTo>
+            </a:clrChange>
+          </a:blip>
+          <a:srcRect/>
+          <a:stretch>
+            <a:fillRect/>
+          </a:stretch>
+        </p:blipFill>
+        <p:spPr bwMode="auto">
+          <a:xfrm>
+            <a:off x="404402" y="4623516"/>
+            <a:ext cx="1811548" cy="374378"/>
+          </a:xfrm>
+          <a:prstGeom prst="rect">
+            <a:avLst/>
+          </a:prstGeom>
+          <a:noFill/>
+        </p:spPr>
+      </p:pic>
+      <p:sp>
+        <p:nvSpPr>
+          <p:cNvPr id="39" name="TextBox 38"/>
+          <p:cNvSpPr txBox="1"/>
+          <p:nvPr/>
+        </p:nvSpPr>
+        <p:spPr>
+          <a:xfrm>
+            <a:off x="254878" y="5248238"/>
+            <a:ext cx="704488" cy="307777"/>
+          </a:xfrm>
+          <a:prstGeom prst="rect">
+            <a:avLst/>
+          </a:prstGeom>
+          <a:noFill/>
+        </p:spPr>
+        <p:txBody>
+          <a:bodyPr wrap="none" rtlCol="0">
+            <a:spAutoFit/>
+          </a:bodyPr>
+          <a:lstStyle/>
+          <a:p>
+            <a:r>
+              <a:rPr lang="tr-TR" sz="1400" dirty="0" smtClean="0"/>
+              <a:t>where,</a:t>
+            </a:r>
+          </a:p>
+        </p:txBody>
+      </p:sp>
+      <p:pic>
+        <p:nvPicPr>
+          <p:cNvPr id="40" name="Picture 16"/>
+          <p:cNvPicPr>
+            <a:picLocks noChangeAspect="1" noChangeArrowheads="1"/>
+          </p:cNvPicPr>
+          <p:nvPr/>
+        </p:nvPicPr>
+        <p:blipFill>
+          <a:blip r:embed="rId6">
+            <a:clrChange>
+              <a:clrFrom>
+                <a:srgbClr val="FFFFFF"/>
+              </a:clrFrom>
+              <a:clrTo>
+                <a:srgbClr val="FFFFFF">
+                  <a:alpha val="0"/>
+                </a:srgbClr>
+              </a:clrTo>
+            </a:clrChange>
+          </a:blip>
+          <a:srcRect/>
+          <a:stretch>
+            <a:fillRect/>
+          </a:stretch>
+        </p:blipFill>
+        <p:spPr bwMode="auto">
+          <a:xfrm>
+            <a:off x="487483" y="6038239"/>
+            <a:ext cx="2971718" cy="221770"/>
+          </a:xfrm>
+          <a:prstGeom prst="rect">
+            <a:avLst/>
+          </a:prstGeom>
+          <a:noFill/>
+        </p:spPr>
+      </p:pic>
+      <p:pic>
+        <p:nvPicPr>
+          <p:cNvPr id="41" name="Picture 21"/>
+          <p:cNvPicPr>
+            <a:picLocks noChangeAspect="1" noChangeArrowheads="1"/>
+          </p:cNvPicPr>
+          <p:nvPr/>
+        </p:nvPicPr>
+        <p:blipFill>
+          <a:blip r:embed="rId7">
+            <a:clrChange>
+              <a:clrFrom>
+                <a:srgbClr val="FFFFFF"/>
+              </a:clrFrom>
+              <a:clrTo>
+                <a:srgbClr val="FFFFFF">
+                  <a:alpha val="0"/>
+                </a:srgbClr>
+              </a:clrTo>
+            </a:clrChange>
+          </a:blip>
+          <a:srcRect/>
+          <a:stretch>
+            <a:fillRect/>
+          </a:stretch>
+        </p:blipFill>
+        <p:spPr bwMode="auto">
+          <a:xfrm>
+            <a:off x="482042" y="5773667"/>
+            <a:ext cx="2191108" cy="237460"/>
+          </a:xfrm>
+          <a:prstGeom prst="rect">
+            <a:avLst/>
+          </a:prstGeom>
+          <a:noFill/>
+        </p:spPr>
+      </p:pic>
+    </p:spTree>
+    <p:extLst>
+      <p:ext uri="{BB962C8B-B14F-4D97-AF65-F5344CB8AC3E}">
+        <p14:creationId xmlns:p14="http://schemas.microsoft.com/office/powerpoint/2010/main" val="125623688"/>
+      </p:ext>
+    </p:extLst>
+  </p:cSld>
+  <p:clrMapOvr>
+    <a:masterClrMapping/>
+  </p:clrMapOvr>
+  <p:timing>
+    <p:tnLst>
+      <p:par>
+        <p:cTn id="1" dur="indefinite" restart="never" nodeType="tmRoot"/>
+      </p:par>
+    </p:tnLst>
+  </p:timing>
+</p:sld>
+</file>
+
+<file path=ppt/slides/slide25.xml><?xml version="1.0" encoding="utf-8"?>
+<p:sld xmlns:a="http://schemas.openxmlformats.org/drawingml/2006/main" xmlns:r="http://schemas.openxmlformats.org/officeDocument/2006/relationships" xmlns:p="http://schemas.openxmlformats.org/presentationml/2006/main">
+  <p:cSld>
+    <p:spTree>
+      <p:nvGrpSpPr>
+        <p:cNvPr id="1" name=""/>
+        <p:cNvGrpSpPr/>
+        <p:nvPr/>
+      </p:nvGrpSpPr>
+      <p:grpSpPr>
+        <a:xfrm>
+          <a:off x="0" y="0"/>
+          <a:ext cx="0" cy="0"/>
+          <a:chOff x="0" y="0"/>
+          <a:chExt cx="0" cy="0"/>
+        </a:xfrm>
+      </p:grpSpPr>
       <p:sp>
         <p:nvSpPr>
           <p:cNvPr id="2" name="Title 1"/>
@@ -22811,7 +25450,7 @@
               <a:pPr>
                 <a:defRPr/>
               </a:pPr>
-              <a:t>22</a:t>
+              <a:t>25</a:t>
             </a:fld>
             <a:endParaRPr lang="en-US" dirty="0"/>
           </a:p>
@@ -22863,7 +25502,7 @@
 </p:sld>
 </file>
 
-<file path=ppt/slides/slide23.xml><?xml version="1.0" encoding="utf-8"?>
+<file path=ppt/slides/slide26.xml><?xml version="1.0" encoding="utf-8"?>
 <p:sld xmlns:a="http://schemas.openxmlformats.org/drawingml/2006/main" xmlns:r="http://schemas.openxmlformats.org/officeDocument/2006/relationships" xmlns:p="http://schemas.openxmlformats.org/presentationml/2006/main">
   <p:cSld>
     <p:spTree>

--- a/juri_sunum.pptx
+++ b/juri_sunum.pptx
@@ -167,7 +167,7 @@
   </p:defaultTextStyle>
   <p:extLst>
     <p:ext uri="{EFAFB233-063F-42B5-8137-9DF3F51BA10A}">
-      <p15:sldGuideLst xmlns:p15="http://schemas.microsoft.com/office/powerpoint/2012/main">
+      <p15:sldGuideLst xmlns:p15="http://schemas.microsoft.com/office/powerpoint/2012/main" xmlns="">
         <p15:guide id="1" orient="horz" pos="2160">
           <p15:clr>
             <a:srgbClr val="A4A3A4"/>
@@ -389,7 +389,7 @@
     </p:spTree>
     <p:extLst>
       <p:ext uri="{BB962C8B-B14F-4D97-AF65-F5344CB8AC3E}">
-        <p14:creationId xmlns:p14="http://schemas.microsoft.com/office/powerpoint/2010/main" val="2307124841"/>
+        <p14:creationId xmlns:p14="http://schemas.microsoft.com/office/powerpoint/2010/main" xmlns="" val="2307124841"/>
       </p:ext>
     </p:extLst>
   </p:cSld>
@@ -699,7 +699,7 @@
     </p:spTree>
     <p:extLst>
       <p:ext uri="{BB962C8B-B14F-4D97-AF65-F5344CB8AC3E}">
-        <p14:creationId xmlns:p14="http://schemas.microsoft.com/office/powerpoint/2010/main" val="733486758"/>
+        <p14:creationId xmlns:p14="http://schemas.microsoft.com/office/powerpoint/2010/main" xmlns="" val="733486758"/>
       </p:ext>
     </p:extLst>
   </p:cSld>
@@ -861,14 +861,14 @@
           <a:noFill/>
           <a:extLst>
             <a:ext uri="{909E8E84-426E-40DD-AFC4-6F175D3DCCD1}">
-              <a14:hiddenFill xmlns:a14="http://schemas.microsoft.com/office/drawing/2010/main">
+              <a14:hiddenFill xmlns:a14="http://schemas.microsoft.com/office/drawing/2010/main" xmlns="">
                 <a:solidFill>
                   <a:srgbClr val="FFFFFF"/>
                 </a:solidFill>
               </a14:hiddenFill>
             </a:ext>
             <a:ext uri="{91240B29-F687-4F45-9708-019B960494DF}">
-              <a14:hiddenLine xmlns:a14="http://schemas.microsoft.com/office/drawing/2010/main" w="9525">
+              <a14:hiddenLine xmlns:a14="http://schemas.microsoft.com/office/drawing/2010/main" xmlns="" w="9525">
                 <a:solidFill>
                   <a:srgbClr val="000000"/>
                 </a:solidFill>
@@ -1015,7 +1015,7 @@
           </a:ln>
           <a:extLst>
             <a:ext uri="{909E8E84-426E-40DD-AFC4-6F175D3DCCD1}">
-              <a14:hiddenFill xmlns:a14="http://schemas.microsoft.com/office/drawing/2010/main">
+              <a14:hiddenFill xmlns:a14="http://schemas.microsoft.com/office/drawing/2010/main" xmlns="">
                 <a:solidFill>
                   <a:srgbClr val="FFFFFF"/>
                 </a:solidFill>
@@ -1038,14 +1038,14 @@
           <a:noFill/>
           <a:extLst>
             <a:ext uri="{909E8E84-426E-40DD-AFC4-6F175D3DCCD1}">
-              <a14:hiddenFill xmlns:a14="http://schemas.microsoft.com/office/drawing/2010/main">
+              <a14:hiddenFill xmlns:a14="http://schemas.microsoft.com/office/drawing/2010/main" xmlns="">
                 <a:solidFill>
                   <a:srgbClr val="FFFFFF"/>
                 </a:solidFill>
               </a14:hiddenFill>
             </a:ext>
             <a:ext uri="{91240B29-F687-4F45-9708-019B960494DF}">
-              <a14:hiddenLine xmlns:a14="http://schemas.microsoft.com/office/drawing/2010/main" w="9525">
+              <a14:hiddenLine xmlns:a14="http://schemas.microsoft.com/office/drawing/2010/main" xmlns="" w="9525">
                 <a:solidFill>
                   <a:srgbClr val="000000"/>
                 </a:solidFill>
@@ -1080,7 +1080,7 @@
     </p:spTree>
     <p:extLst>
       <p:ext uri="{BB962C8B-B14F-4D97-AF65-F5344CB8AC3E}">
-        <p14:creationId xmlns:p14="http://schemas.microsoft.com/office/powerpoint/2010/main" val="1831345199"/>
+        <p14:creationId xmlns:p14="http://schemas.microsoft.com/office/powerpoint/2010/main" xmlns="" val="1831345199"/>
       </p:ext>
     </p:extLst>
   </p:cSld>
@@ -1119,7 +1119,7 @@
           <a:blip r:embed="rId2">
             <a:extLst>
               <a:ext uri="{28A0092B-C50C-407E-A947-70E740481C1C}">
-                <a14:useLocalDpi xmlns:a14="http://schemas.microsoft.com/office/drawing/2010/main" val="0"/>
+                <a14:useLocalDpi xmlns:a14="http://schemas.microsoft.com/office/drawing/2010/main" xmlns="" val="0"/>
               </a:ext>
             </a:extLst>
           </a:blip>
@@ -1142,14 +1142,14 @@
           </a:ln>
           <a:extLst>
             <a:ext uri="{909E8E84-426E-40DD-AFC4-6F175D3DCCD1}">
-              <a14:hiddenFill xmlns:a14="http://schemas.microsoft.com/office/drawing/2010/main">
+              <a14:hiddenFill xmlns:a14="http://schemas.microsoft.com/office/drawing/2010/main" xmlns="">
                 <a:solidFill>
                   <a:srgbClr val="FFFFFF"/>
                 </a:solidFill>
               </a14:hiddenFill>
             </a:ext>
             <a:ext uri="{91240B29-F687-4F45-9708-019B960494DF}">
-              <a14:hiddenLine xmlns:a14="http://schemas.microsoft.com/office/drawing/2010/main" w="9525">
+              <a14:hiddenLine xmlns:a14="http://schemas.microsoft.com/office/drawing/2010/main" xmlns="" w="9525">
                 <a:solidFill>
                   <a:srgbClr val="000000"/>
                 </a:solidFill>
@@ -1515,7 +1515,7 @@
     </p:spTree>
     <p:extLst>
       <p:ext uri="{BB962C8B-B14F-4D97-AF65-F5344CB8AC3E}">
-        <p14:creationId xmlns:p14="http://schemas.microsoft.com/office/powerpoint/2010/main" val="4044641051"/>
+        <p14:creationId xmlns:p14="http://schemas.microsoft.com/office/powerpoint/2010/main" xmlns="" val="4044641051"/>
       </p:ext>
     </p:extLst>
   </p:cSld>
@@ -1833,7 +1833,7 @@
     </p:spTree>
     <p:extLst>
       <p:ext uri="{BB962C8B-B14F-4D97-AF65-F5344CB8AC3E}">
-        <p14:creationId xmlns:p14="http://schemas.microsoft.com/office/powerpoint/2010/main" val="43940600"/>
+        <p14:creationId xmlns:p14="http://schemas.microsoft.com/office/powerpoint/2010/main" xmlns="" val="43940600"/>
       </p:ext>
     </p:extLst>
   </p:cSld>
@@ -2218,7 +2218,7 @@
     </p:spTree>
     <p:extLst>
       <p:ext uri="{BB962C8B-B14F-4D97-AF65-F5344CB8AC3E}">
-        <p14:creationId xmlns:p14="http://schemas.microsoft.com/office/powerpoint/2010/main" val="4116636478"/>
+        <p14:creationId xmlns:p14="http://schemas.microsoft.com/office/powerpoint/2010/main" xmlns="" val="4116636478"/>
       </p:ext>
     </p:extLst>
   </p:cSld>
@@ -2625,7 +2625,7 @@
     </p:spTree>
     <p:extLst>
       <p:ext uri="{BB962C8B-B14F-4D97-AF65-F5344CB8AC3E}">
-        <p14:creationId xmlns:p14="http://schemas.microsoft.com/office/powerpoint/2010/main" val="4111024574"/>
+        <p14:creationId xmlns:p14="http://schemas.microsoft.com/office/powerpoint/2010/main" xmlns="" val="4111024574"/>
       </p:ext>
     </p:extLst>
   </p:cSld>
@@ -2804,7 +2804,7 @@
     </p:spTree>
     <p:extLst>
       <p:ext uri="{BB962C8B-B14F-4D97-AF65-F5344CB8AC3E}">
-        <p14:creationId xmlns:p14="http://schemas.microsoft.com/office/powerpoint/2010/main" val="2069476619"/>
+        <p14:creationId xmlns:p14="http://schemas.microsoft.com/office/powerpoint/2010/main" xmlns="" val="2069476619"/>
       </p:ext>
     </p:extLst>
   </p:cSld>
@@ -2923,7 +2923,7 @@
     </p:spTree>
     <p:extLst>
       <p:ext uri="{BB962C8B-B14F-4D97-AF65-F5344CB8AC3E}">
-        <p14:creationId xmlns:p14="http://schemas.microsoft.com/office/powerpoint/2010/main" val="1462183360"/>
+        <p14:creationId xmlns:p14="http://schemas.microsoft.com/office/powerpoint/2010/main" xmlns="" val="1462183360"/>
       </p:ext>
     </p:extLst>
   </p:cSld>
@@ -2969,7 +2969,7 @@
           <a:blip r:embed="rId2">
             <a:extLst>
               <a:ext uri="{28A0092B-C50C-407E-A947-70E740481C1C}">
-                <a14:useLocalDpi xmlns:a14="http://schemas.microsoft.com/office/drawing/2010/main" val="0"/>
+                <a14:useLocalDpi xmlns:a14="http://schemas.microsoft.com/office/drawing/2010/main" xmlns="" val="0"/>
               </a:ext>
             </a:extLst>
           </a:blip>
@@ -2992,14 +2992,14 @@
           </a:ln>
           <a:extLst>
             <a:ext uri="{909E8E84-426E-40DD-AFC4-6F175D3DCCD1}">
-              <a14:hiddenFill xmlns:a14="http://schemas.microsoft.com/office/drawing/2010/main">
+              <a14:hiddenFill xmlns:a14="http://schemas.microsoft.com/office/drawing/2010/main" xmlns="">
                 <a:solidFill>
                   <a:srgbClr val="FFFFFF"/>
                 </a:solidFill>
               </a14:hiddenFill>
             </a:ext>
             <a:ext uri="{91240B29-F687-4F45-9708-019B960494DF}">
-              <a14:hiddenLine xmlns:a14="http://schemas.microsoft.com/office/drawing/2010/main" w="9525">
+              <a14:hiddenLine xmlns:a14="http://schemas.microsoft.com/office/drawing/2010/main" xmlns="" w="9525">
                 <a:solidFill>
                   <a:srgbClr val="000000"/>
                 </a:solidFill>
@@ -3033,14 +3033,14 @@
           </a:ln>
           <a:extLst>
             <a:ext uri="{909E8E84-426E-40DD-AFC4-6F175D3DCCD1}">
-              <a14:hiddenFill xmlns:a14="http://schemas.microsoft.com/office/drawing/2010/main">
+              <a14:hiddenFill xmlns:a14="http://schemas.microsoft.com/office/drawing/2010/main" xmlns="">
                 <a:solidFill>
                   <a:srgbClr val="FFFFFF"/>
                 </a:solidFill>
               </a14:hiddenFill>
             </a:ext>
             <a:ext uri="{91240B29-F687-4F45-9708-019B960494DF}">
-              <a14:hiddenLine xmlns:a14="http://schemas.microsoft.com/office/drawing/2010/main" w="9525">
+              <a14:hiddenLine xmlns:a14="http://schemas.microsoft.com/office/drawing/2010/main" xmlns="" w="9525">
                 <a:solidFill>
                   <a:srgbClr val="000000"/>
                 </a:solidFill>
@@ -3188,7 +3188,7 @@
     </p:spTree>
     <p:extLst>
       <p:ext uri="{BB962C8B-B14F-4D97-AF65-F5344CB8AC3E}">
-        <p14:creationId xmlns:p14="http://schemas.microsoft.com/office/powerpoint/2010/main" val="3245506927"/>
+        <p14:creationId xmlns:p14="http://schemas.microsoft.com/office/powerpoint/2010/main" xmlns="" val="3245506927"/>
       </p:ext>
     </p:extLst>
   </p:cSld>
@@ -3307,7 +3307,7 @@
             <a:blip r:embed="rId9">
               <a:extLst>
                 <a:ext uri="{28A0092B-C50C-407E-A947-70E740481C1C}">
-                  <a14:useLocalDpi xmlns:a14="http://schemas.microsoft.com/office/drawing/2010/main" val="0"/>
+                  <a14:useLocalDpi xmlns:a14="http://schemas.microsoft.com/office/drawing/2010/main" xmlns="" val="0"/>
                 </a:ext>
               </a:extLst>
             </a:blip>
@@ -3330,14 +3330,14 @@
             </a:ln>
             <a:extLst>
               <a:ext uri="{909E8E84-426E-40DD-AFC4-6F175D3DCCD1}">
-                <a14:hiddenFill xmlns:a14="http://schemas.microsoft.com/office/drawing/2010/main">
+                <a14:hiddenFill xmlns:a14="http://schemas.microsoft.com/office/drawing/2010/main" xmlns="">
                   <a:solidFill>
                     <a:srgbClr val="FFFFFF"/>
                   </a:solidFill>
                 </a14:hiddenFill>
               </a:ext>
               <a:ext uri="{91240B29-F687-4F45-9708-019B960494DF}">
-                <a14:hiddenLine xmlns:a14="http://schemas.microsoft.com/office/drawing/2010/main" w="9525">
+                <a14:hiddenLine xmlns:a14="http://schemas.microsoft.com/office/drawing/2010/main" xmlns="" w="9525">
                   <a:solidFill>
                     <a:srgbClr val="000000"/>
                   </a:solidFill>
@@ -3506,14 +3506,14 @@
           </a:ln>
           <a:extLst>
             <a:ext uri="{909E8E84-426E-40DD-AFC4-6F175D3DCCD1}">
-              <a14:hiddenFill xmlns:a14="http://schemas.microsoft.com/office/drawing/2010/main">
+              <a14:hiddenFill xmlns:a14="http://schemas.microsoft.com/office/drawing/2010/main" xmlns="">
                 <a:solidFill>
                   <a:srgbClr val="FFFFFF"/>
                 </a:solidFill>
               </a14:hiddenFill>
             </a:ext>
             <a:ext uri="{91240B29-F687-4F45-9708-019B960494DF}">
-              <a14:hiddenLine xmlns:a14="http://schemas.microsoft.com/office/drawing/2010/main" w="9525">
+              <a14:hiddenLine xmlns:a14="http://schemas.microsoft.com/office/drawing/2010/main" xmlns="" w="9525">
                 <a:solidFill>
                   <a:srgbClr val="000000"/>
                 </a:solidFill>
@@ -3597,14 +3597,14 @@
           </a:ln>
           <a:extLst>
             <a:ext uri="{909E8E84-426E-40DD-AFC4-6F175D3DCCD1}">
-              <a14:hiddenFill xmlns:a14="http://schemas.microsoft.com/office/drawing/2010/main">
+              <a14:hiddenFill xmlns:a14="http://schemas.microsoft.com/office/drawing/2010/main" xmlns="">
                 <a:solidFill>
                   <a:srgbClr val="FFFFFF"/>
                 </a:solidFill>
               </a14:hiddenFill>
             </a:ext>
             <a:ext uri="{91240B29-F687-4F45-9708-019B960494DF}">
-              <a14:hiddenLine xmlns:a14="http://schemas.microsoft.com/office/drawing/2010/main" w="9525">
+              <a14:hiddenLine xmlns:a14="http://schemas.microsoft.com/office/drawing/2010/main" xmlns="" w="9525">
                 <a:solidFill>
                   <a:srgbClr val="000000"/>
                 </a:solidFill>
@@ -4251,7 +4251,7 @@
           <a:blip r:embed="rId3">
             <a:extLst>
               <a:ext uri="{28A0092B-C50C-407E-A947-70E740481C1C}">
-                <a14:useLocalDpi xmlns:a14="http://schemas.microsoft.com/office/drawing/2010/main" val="0"/>
+                <a14:useLocalDpi xmlns:a14="http://schemas.microsoft.com/office/drawing/2010/main" xmlns="" val="0"/>
               </a:ext>
             </a:extLst>
           </a:blip>
@@ -4274,14 +4274,14 @@
           </a:ln>
           <a:extLst>
             <a:ext uri="{909E8E84-426E-40DD-AFC4-6F175D3DCCD1}">
-              <a14:hiddenFill xmlns:a14="http://schemas.microsoft.com/office/drawing/2010/main">
+              <a14:hiddenFill xmlns:a14="http://schemas.microsoft.com/office/drawing/2010/main" xmlns="">
                 <a:solidFill>
                   <a:srgbClr val="FFFFFF"/>
                 </a:solidFill>
               </a14:hiddenFill>
             </a:ext>
             <a:ext uri="{91240B29-F687-4F45-9708-019B960494DF}">
-              <a14:hiddenLine xmlns:a14="http://schemas.microsoft.com/office/drawing/2010/main" w="9525">
+              <a14:hiddenLine xmlns:a14="http://schemas.microsoft.com/office/drawing/2010/main" xmlns="" w="9525">
                 <a:solidFill>
                   <a:srgbClr val="000000"/>
                 </a:solidFill>
@@ -4630,7 +4630,7 @@
     </p:spTree>
     <p:extLst>
       <p:ext uri="{BB962C8B-B14F-4D97-AF65-F5344CB8AC3E}">
-        <p14:creationId xmlns:p14="http://schemas.microsoft.com/office/powerpoint/2010/main" val="1601229741"/>
+        <p14:creationId xmlns:p14="http://schemas.microsoft.com/office/powerpoint/2010/main" xmlns="" val="1601229741"/>
       </p:ext>
     </p:extLst>
   </p:cSld>
@@ -5802,7 +5802,7 @@
     </p:spTree>
     <p:extLst>
       <p:ext uri="{BB962C8B-B14F-4D97-AF65-F5344CB8AC3E}">
-        <p14:creationId xmlns:p14="http://schemas.microsoft.com/office/powerpoint/2010/main" val="1601229741"/>
+        <p14:creationId xmlns:p14="http://schemas.microsoft.com/office/powerpoint/2010/main" xmlns="" val="1601229741"/>
       </p:ext>
     </p:extLst>
   </p:cSld>
@@ -5927,59 +5927,9 @@
         </p:xfrm>
         <a:graphic>
           <a:graphicData uri="http://schemas.openxmlformats.org/presentationml/2006/ole">
-            <mc:AlternateContent xmlns:mc="http://schemas.openxmlformats.org/markup-compatibility/2006">
-              <mc:Choice xmlns:v="urn:schemas-microsoft-com:vml" Requires="v">
-                <p:oleObj spid="_x0000_s1033" name="Equation" r:id="rId3" imgW="469800" imgH="228600" progId="Equation.3">
-                  <p:embed/>
-                </p:oleObj>
-              </mc:Choice>
-              <mc:Fallback>
-                <p:oleObj name="Equation" r:id="rId3" imgW="469800" imgH="228600" progId="Equation.3">
-                  <p:embed/>
-                  <p:pic>
-                    <p:nvPicPr>
-                      <p:cNvPr id="0" name="Picture 2"/>
-                      <p:cNvPicPr>
-                        <a:picLocks noChangeAspect="1" noChangeArrowheads="1"/>
-                      </p:cNvPicPr>
-                      <p:nvPr/>
-                    </p:nvPicPr>
-                    <p:blipFill>
-                      <a:blip r:embed="rId4">
-                        <a:extLst>
-                          <a:ext uri="{28A0092B-C50C-407E-A947-70E740481C1C}">
-                            <a14:useLocalDpi xmlns:a14="http://schemas.microsoft.com/office/drawing/2010/main" val="0"/>
-                          </a:ext>
-                        </a:extLst>
-                      </a:blip>
-                      <a:srcRect/>
-                      <a:stretch>
-                        <a:fillRect/>
-                      </a:stretch>
-                    </p:blipFill>
-                    <p:spPr bwMode="auto">
-                      <a:xfrm>
-                        <a:off x="3958431" y="2571750"/>
-                        <a:ext cx="998537" cy="485775"/>
-                      </a:xfrm>
-                      <a:prstGeom prst="rect">
-                        <a:avLst/>
-                      </a:prstGeom>
-                      <a:noFill/>
-                      <a:extLst>
-                        <a:ext uri="{909E8E84-426E-40DD-AFC4-6F175D3DCCD1}">
-                          <a14:hiddenFill xmlns:a14="http://schemas.microsoft.com/office/drawing/2010/main">
-                            <a:solidFill>
-                              <a:srgbClr val="FFFFFF"/>
-                            </a:solidFill>
-                          </a14:hiddenFill>
-                        </a:ext>
-                      </a:extLst>
-                    </p:spPr>
-                  </p:pic>
-                </p:oleObj>
-              </mc:Fallback>
-            </mc:AlternateContent>
+            <p:oleObj spid="_x0000_s1033" name="Equation" r:id="rId3" imgW="469900" imgH="228600" progId="Equation.3">
+              <p:embed/>
+            </p:oleObj>
           </a:graphicData>
         </a:graphic>
       </p:graphicFrame>
@@ -6185,7 +6135,7 @@
             <p:nvPr/>
           </p:nvPicPr>
           <p:blipFill>
-            <a:blip r:embed="rId5"/>
+            <a:blip r:embed="rId4"/>
             <a:srcRect/>
             <a:stretch>
               <a:fillRect/>
@@ -6218,7 +6168,7 @@
             <p:nvPr/>
           </p:nvPicPr>
           <p:blipFill>
-            <a:blip r:embed="rId6"/>
+            <a:blip r:embed="rId5"/>
             <a:srcRect/>
             <a:stretch>
               <a:fillRect/>
@@ -6288,7 +6238,7 @@
     </p:spTree>
     <p:extLst>
       <p:ext uri="{BB962C8B-B14F-4D97-AF65-F5344CB8AC3E}">
-        <p14:creationId xmlns:p14="http://schemas.microsoft.com/office/powerpoint/2010/main" val="1601229741"/>
+        <p14:creationId xmlns:p14="http://schemas.microsoft.com/office/powerpoint/2010/main" xmlns="" val="1601229741"/>
       </p:ext>
     </p:extLst>
   </p:cSld>
@@ -6772,7 +6722,7 @@
     </p:spTree>
     <p:extLst>
       <p:ext uri="{BB962C8B-B14F-4D97-AF65-F5344CB8AC3E}">
-        <p14:creationId xmlns:p14="http://schemas.microsoft.com/office/powerpoint/2010/main" val="1601229741"/>
+        <p14:creationId xmlns:p14="http://schemas.microsoft.com/office/powerpoint/2010/main" xmlns="" val="1601229741"/>
       </p:ext>
     </p:extLst>
   </p:cSld>
@@ -9335,7 +9285,7 @@
     </p:spTree>
     <p:extLst>
       <p:ext uri="{BB962C8B-B14F-4D97-AF65-F5344CB8AC3E}">
-        <p14:creationId xmlns:p14="http://schemas.microsoft.com/office/powerpoint/2010/main" val="1601229741"/>
+        <p14:creationId xmlns:p14="http://schemas.microsoft.com/office/powerpoint/2010/main" xmlns="" val="1601229741"/>
       </p:ext>
     </p:extLst>
   </p:cSld>
@@ -9447,7 +9397,15 @@
           <a:p>
             <a:r>
               <a:rPr lang="tr-TR" u="sng" dirty="0" smtClean="0"/>
-              <a:t>1)Route Table Determination</a:t>
+              <a:t>2</a:t>
+            </a:r>
+            <a:r>
+              <a:rPr lang="tr-TR" u="sng" dirty="0" smtClean="0"/>
+              <a:t>)Route </a:t>
+            </a:r>
+            <a:r>
+              <a:rPr lang="tr-TR" u="sng" dirty="0" smtClean="0"/>
+              <a:t>Table Determination</a:t>
             </a:r>
             <a:endParaRPr lang="tr-TR" dirty="0"/>
           </a:p>
@@ -9578,7 +9536,7 @@
     </p:spTree>
     <p:extLst>
       <p:ext uri="{BB962C8B-B14F-4D97-AF65-F5344CB8AC3E}">
-        <p14:creationId xmlns:p14="http://schemas.microsoft.com/office/powerpoint/2010/main" val="1601229741"/>
+        <p14:creationId xmlns:p14="http://schemas.microsoft.com/office/powerpoint/2010/main" xmlns="" val="1601229741"/>
       </p:ext>
     </p:extLst>
   </p:cSld>
@@ -9690,7 +9648,15 @@
           <a:p>
             <a:r>
               <a:rPr lang="tr-TR" u="sng" dirty="0" smtClean="0"/>
-              <a:t>1)Route Table Determination</a:t>
+              <a:t>2</a:t>
+            </a:r>
+            <a:r>
+              <a:rPr lang="tr-TR" u="sng" dirty="0" smtClean="0"/>
+              <a:t>)Route </a:t>
+            </a:r>
+            <a:r>
+              <a:rPr lang="tr-TR" u="sng" dirty="0" smtClean="0"/>
+              <a:t>Table Determination</a:t>
             </a:r>
             <a:endParaRPr lang="tr-TR" dirty="0"/>
           </a:p>
@@ -14914,7 +14880,7 @@
     </p:spTree>
     <p:extLst>
       <p:ext uri="{BB962C8B-B14F-4D97-AF65-F5344CB8AC3E}">
-        <p14:creationId xmlns:p14="http://schemas.microsoft.com/office/powerpoint/2010/main" val="1601229741"/>
+        <p14:creationId xmlns:p14="http://schemas.microsoft.com/office/powerpoint/2010/main" xmlns="" val="1601229741"/>
       </p:ext>
     </p:extLst>
   </p:cSld>
@@ -20693,7 +20659,15 @@
           <a:p>
             <a:r>
               <a:rPr lang="tr-TR" u="sng" dirty="0" smtClean="0"/>
-              <a:t>1)Route Table Determination</a:t>
+              <a:t>2)</a:t>
+            </a:r>
+            <a:r>
+              <a:rPr lang="tr-TR" u="sng" dirty="0" smtClean="0"/>
+              <a:t>Route </a:t>
+            </a:r>
+            <a:r>
+              <a:rPr lang="tr-TR" u="sng" dirty="0" smtClean="0"/>
+              <a:t>Table Determination</a:t>
             </a:r>
             <a:endParaRPr lang="tr-TR" dirty="0"/>
           </a:p>
@@ -20728,7 +20702,7 @@
     </p:spTree>
     <p:extLst>
       <p:ext uri="{BB962C8B-B14F-4D97-AF65-F5344CB8AC3E}">
-        <p14:creationId xmlns:p14="http://schemas.microsoft.com/office/powerpoint/2010/main" val="1601229741"/>
+        <p14:creationId xmlns:p14="http://schemas.microsoft.com/office/powerpoint/2010/main" xmlns="" val="1601229741"/>
       </p:ext>
     </p:extLst>
   </p:cSld>
@@ -21232,7 +21206,7 @@
     </p:spTree>
     <p:extLst>
       <p:ext uri="{BB962C8B-B14F-4D97-AF65-F5344CB8AC3E}">
-        <p14:creationId xmlns:p14="http://schemas.microsoft.com/office/powerpoint/2010/main" val="215572797"/>
+        <p14:creationId xmlns:p14="http://schemas.microsoft.com/office/powerpoint/2010/main" xmlns="" val="215572797"/>
       </p:ext>
     </p:extLst>
   </p:cSld>
@@ -21266,6 +21240,32 @@
           <a:chExt cx="0" cy="0"/>
         </a:xfrm>
       </p:grpSpPr>
+      <p:pic>
+        <p:nvPicPr>
+          <p:cNvPr id="25604" name="Picture 4" descr="C:\Users\Kadir\Desktop\Seminer\intermember_forces.png"/>
+          <p:cNvPicPr>
+            <a:picLocks noChangeAspect="1" noChangeArrowheads="1"/>
+          </p:cNvPicPr>
+          <p:nvPr/>
+        </p:nvPicPr>
+        <p:blipFill>
+          <a:blip r:embed="rId2"/>
+          <a:srcRect/>
+          <a:stretch>
+            <a:fillRect/>
+          </a:stretch>
+        </p:blipFill>
+        <p:spPr bwMode="auto">
+          <a:xfrm>
+            <a:off x="6822848" y="2311762"/>
+            <a:ext cx="2053432" cy="1892567"/>
+          </a:xfrm>
+          <a:prstGeom prst="rect">
+            <a:avLst/>
+          </a:prstGeom>
+          <a:noFill/>
+        </p:spPr>
+      </p:pic>
       <p:sp>
         <p:nvSpPr>
           <p:cNvPr id="2" name="Title 1"/>
@@ -21329,7 +21329,7 @@
         <p:spPr>
           <a:xfrm>
             <a:off x="675249" y="1491175"/>
-            <a:ext cx="7596554" cy="1200329"/>
+            <a:ext cx="7596554" cy="646331"/>
           </a:xfrm>
           <a:prstGeom prst="rect">
             <a:avLst/>
@@ -21348,29 +21348,167 @@
             </a:pPr>
             <a:r>
               <a:rPr lang="tr-TR" dirty="0" smtClean="0"/>
-              <a:t>Artificial Forces Method</a:t>
+              <a:t>Artificial Forces </a:t>
+            </a:r>
+            <a:r>
+              <a:rPr lang="tr-TR" dirty="0" smtClean="0"/>
+              <a:t>Method</a:t>
             </a:r>
           </a:p>
           <a:p>
-            <a:pPr marL="342900" indent="-342900" algn="just">
-              <a:buAutoNum type="arabicParenR"/>
-            </a:pPr>
-            <a:endParaRPr lang="tr-TR" dirty="0"/>
-          </a:p>
-          <a:p>
-            <a:pPr algn="just"/>
-            <a:r>
-              <a:rPr lang="tr-TR" dirty="0" smtClean="0"/>
-              <a:t>Directly defines the control for individuals with different potential field components.</a:t>
-            </a:r>
+            <a:pPr marL="285750" indent="-285750" algn="just"/>
             <a:endParaRPr lang="tr-TR" dirty="0"/>
           </a:p>
         </p:txBody>
       </p:sp>
+      <p:pic>
+        <p:nvPicPr>
+          <p:cNvPr id="25602" name="Picture 2" descr="C:\Users\Kadir\Desktop\Seminer\attractive_forces.png"/>
+          <p:cNvPicPr>
+            <a:picLocks noChangeAspect="1" noChangeArrowheads="1"/>
+          </p:cNvPicPr>
+          <p:nvPr/>
+        </p:nvPicPr>
+        <p:blipFill>
+          <a:blip r:embed="rId3"/>
+          <a:srcRect/>
+          <a:stretch>
+            <a:fillRect/>
+          </a:stretch>
+        </p:blipFill>
+        <p:spPr bwMode="auto">
+          <a:xfrm>
+            <a:off x="0" y="2488304"/>
+            <a:ext cx="3036099" cy="1716025"/>
+          </a:xfrm>
+          <a:prstGeom prst="rect">
+            <a:avLst/>
+          </a:prstGeom>
+          <a:noFill/>
+        </p:spPr>
+      </p:pic>
+      <p:pic>
+        <p:nvPicPr>
+          <p:cNvPr id="25603" name="Picture 3" descr="C:\Users\Kadir\Desktop\Seminer\repulsive_forces.png"/>
+          <p:cNvPicPr>
+            <a:picLocks noChangeAspect="1" noChangeArrowheads="1"/>
+          </p:cNvPicPr>
+          <p:nvPr/>
+        </p:nvPicPr>
+        <p:blipFill>
+          <a:blip r:embed="rId4"/>
+          <a:srcRect/>
+          <a:stretch>
+            <a:fillRect/>
+          </a:stretch>
+        </p:blipFill>
+        <p:spPr bwMode="auto">
+          <a:xfrm>
+            <a:off x="537936" y="4493027"/>
+            <a:ext cx="2627312" cy="1709336"/>
+          </a:xfrm>
+          <a:prstGeom prst="rect">
+            <a:avLst/>
+          </a:prstGeom>
+          <a:noFill/>
+        </p:spPr>
+      </p:pic>
+      <p:sp>
+        <p:nvSpPr>
+          <p:cNvPr id="11" name="TextBox 10"/>
+          <p:cNvSpPr txBox="1"/>
+          <p:nvPr/>
+        </p:nvSpPr>
+        <p:spPr>
+          <a:xfrm>
+            <a:off x="675249" y="1845118"/>
+            <a:ext cx="8000588" cy="584775"/>
+          </a:xfrm>
+          <a:prstGeom prst="rect">
+            <a:avLst/>
+          </a:prstGeom>
+          <a:noFill/>
+        </p:spPr>
+        <p:txBody>
+          <a:bodyPr wrap="none" rtlCol="0">
+            <a:spAutoFit/>
+          </a:bodyPr>
+          <a:lstStyle/>
+          <a:p>
+            <a:r>
+              <a:rPr lang="tr-TR" sz="1600" dirty="0" smtClean="0"/>
+              <a:t>Directly defines the </a:t>
+            </a:r>
+            <a:r>
+              <a:rPr lang="tr-TR" sz="1600" dirty="0" smtClean="0"/>
+              <a:t>control law </a:t>
+            </a:r>
+            <a:r>
+              <a:rPr lang="tr-TR" sz="1600" dirty="0" smtClean="0"/>
+              <a:t>for individuals with different potential field components.</a:t>
+            </a:r>
+          </a:p>
+          <a:p>
+            <a:endParaRPr lang="tr-TR" sz="1600" dirty="0"/>
+          </a:p>
+        </p:txBody>
+      </p:sp>
+      <p:pic>
+        <p:nvPicPr>
+          <p:cNvPr id="25611" name="Picture 11" descr="C:\Users\Kadir\Desktop\Seminer\denklem.png"/>
+          <p:cNvPicPr>
+            <a:picLocks noChangeAspect="1" noChangeArrowheads="1"/>
+          </p:cNvPicPr>
+          <p:nvPr/>
+        </p:nvPicPr>
+        <p:blipFill>
+          <a:blip r:embed="rId5"/>
+          <a:srcRect/>
+          <a:stretch>
+            <a:fillRect/>
+          </a:stretch>
+        </p:blipFill>
+        <p:spPr bwMode="auto">
+          <a:xfrm>
+            <a:off x="3270023" y="3985254"/>
+            <a:ext cx="3552825" cy="438150"/>
+          </a:xfrm>
+          <a:prstGeom prst="rect">
+            <a:avLst/>
+          </a:prstGeom>
+          <a:noFill/>
+        </p:spPr>
+      </p:pic>
+      <p:pic>
+        <p:nvPicPr>
+          <p:cNvPr id="25612" name="Picture 12" descr="C:\Users\Kadir\Desktop\Seminer\obstacle_forces.png"/>
+          <p:cNvPicPr>
+            <a:picLocks noChangeAspect="1" noChangeArrowheads="1"/>
+          </p:cNvPicPr>
+          <p:nvPr/>
+        </p:nvPicPr>
+        <p:blipFill>
+          <a:blip r:embed="rId6"/>
+          <a:srcRect/>
+          <a:stretch>
+            <a:fillRect/>
+          </a:stretch>
+        </p:blipFill>
+        <p:spPr bwMode="auto">
+          <a:xfrm>
+            <a:off x="7137500" y="4204329"/>
+            <a:ext cx="1511200" cy="2290134"/>
+          </a:xfrm>
+          <a:prstGeom prst="rect">
+            <a:avLst/>
+          </a:prstGeom>
+          <a:noFill/>
+        </p:spPr>
+      </p:pic>
     </p:spTree>
     <p:extLst>
       <p:ext uri="{BB962C8B-B14F-4D97-AF65-F5344CB8AC3E}">
-        <p14:creationId xmlns:p14="http://schemas.microsoft.com/office/powerpoint/2010/main" val="2182345034"/>
+        <p14:creationId xmlns:p14="http://schemas.microsoft.com/office/powerpoint/2010/main" xmlns="" val="2182345034"/>
       </p:ext>
     </p:extLst>
   </p:cSld>
@@ -21407,7 +21545,7 @@
     </p:spTree>
     <p:extLst>
       <p:ext uri="{BB962C8B-B14F-4D97-AF65-F5344CB8AC3E}">
-        <p14:creationId xmlns:p14="http://schemas.microsoft.com/office/powerpoint/2010/main" val="1031498753"/>
+        <p14:creationId xmlns:p14="http://schemas.microsoft.com/office/powerpoint/2010/main" xmlns="" val="1031498753"/>
       </p:ext>
     </p:extLst>
   </p:cSld>
@@ -21540,7 +21678,7 @@
           <a:blip r:embed="rId2">
             <a:extLst>
               <a:ext uri="{28A0092B-C50C-407E-A947-70E740481C1C}">
-                <a14:useLocalDpi xmlns:a14="http://schemas.microsoft.com/office/drawing/2010/main" val="0"/>
+                <a14:useLocalDpi xmlns:a14="http://schemas.microsoft.com/office/drawing/2010/main" xmlns="" val="0"/>
               </a:ext>
             </a:extLst>
           </a:blip>
@@ -21739,10 +21877,78 @@
           </a:fontRef>
         </p:style>
       </p:cxnSp>
+      <p:sp>
+        <p:nvSpPr>
+          <p:cNvPr id="14" name="TextBox 13"/>
+          <p:cNvSpPr txBox="1"/>
+          <p:nvPr/>
+        </p:nvSpPr>
+        <p:spPr>
+          <a:xfrm>
+            <a:off x="2962988" y="4706508"/>
+            <a:ext cx="385042" cy="253916"/>
+          </a:xfrm>
+          <a:prstGeom prst="rect">
+            <a:avLst/>
+          </a:prstGeom>
+          <a:noFill/>
+        </p:spPr>
+        <p:txBody>
+          <a:bodyPr wrap="none" rtlCol="0">
+            <a:spAutoFit/>
+          </a:bodyPr>
+          <a:lstStyle/>
+          <a:p>
+            <a:r>
+              <a:rPr lang="tr-TR" sz="1050" dirty="0" smtClean="0"/>
+              <a:t>[</a:t>
+            </a:r>
+            <a:r>
+              <a:rPr lang="tr-TR" sz="1050" dirty="0" smtClean="0"/>
+              <a:t>12]</a:t>
+            </a:r>
+            <a:endParaRPr lang="tr-TR" sz="1050" dirty="0"/>
+          </a:p>
+        </p:txBody>
+      </p:sp>
+      <p:sp>
+        <p:nvSpPr>
+          <p:cNvPr id="15" name="TextBox 14"/>
+          <p:cNvSpPr txBox="1"/>
+          <p:nvPr/>
+        </p:nvSpPr>
+        <p:spPr>
+          <a:xfrm>
+            <a:off x="7626243" y="5019085"/>
+            <a:ext cx="380232" cy="253916"/>
+          </a:xfrm>
+          <a:prstGeom prst="rect">
+            <a:avLst/>
+          </a:prstGeom>
+          <a:noFill/>
+        </p:spPr>
+        <p:txBody>
+          <a:bodyPr wrap="none" rtlCol="0">
+            <a:spAutoFit/>
+          </a:bodyPr>
+          <a:lstStyle/>
+          <a:p>
+            <a:r>
+              <a:rPr lang="tr-TR" sz="1050" dirty="0" smtClean="0"/>
+              <a:t>[</a:t>
+            </a:r>
+            <a:r>
+              <a:rPr lang="tr-TR" sz="1050" dirty="0" smtClean="0"/>
+              <a:t>13]</a:t>
+            </a:r>
+            <a:endParaRPr lang="tr-TR" sz="1050" dirty="0"/>
+          </a:p>
+        </p:txBody>
+      </p:sp>
     </p:spTree>
     <p:extLst>
       <p:ext uri="{BB962C8B-B14F-4D97-AF65-F5344CB8AC3E}">
-        <p14:creationId xmlns:p14="http://schemas.microsoft.com/office/powerpoint/2010/main" val="2431369308"/>
+        <p14:creationId xmlns:p14="http://schemas.microsoft.com/office/powerpoint/2010/main" xmlns="" val="2431369308"/>
       </p:ext>
     </p:extLst>
   </p:cSld>
@@ -22284,10 +22490,78 @@
           </a:p>
         </p:txBody>
       </p:sp>
+      <p:sp>
+        <p:nvSpPr>
+          <p:cNvPr id="26" name="TextBox 25"/>
+          <p:cNvSpPr txBox="1"/>
+          <p:nvPr/>
+        </p:nvSpPr>
+        <p:spPr>
+          <a:xfrm>
+            <a:off x="2823320" y="5453647"/>
+            <a:ext cx="391454" cy="253916"/>
+          </a:xfrm>
+          <a:prstGeom prst="rect">
+            <a:avLst/>
+          </a:prstGeom>
+          <a:noFill/>
+        </p:spPr>
+        <p:txBody>
+          <a:bodyPr wrap="none" rtlCol="0">
+            <a:spAutoFit/>
+          </a:bodyPr>
+          <a:lstStyle/>
+          <a:p>
+            <a:r>
+              <a:rPr lang="tr-TR" sz="1050" dirty="0" smtClean="0"/>
+              <a:t>[</a:t>
+            </a:r>
+            <a:r>
+              <a:rPr lang="tr-TR" sz="1050" dirty="0" smtClean="0"/>
+              <a:t>14]</a:t>
+            </a:r>
+            <a:endParaRPr lang="tr-TR" sz="1050" dirty="0"/>
+          </a:p>
+        </p:txBody>
+      </p:sp>
+      <p:sp>
+        <p:nvSpPr>
+          <p:cNvPr id="27" name="TextBox 26"/>
+          <p:cNvSpPr txBox="1"/>
+          <p:nvPr/>
+        </p:nvSpPr>
+        <p:spPr>
+          <a:xfrm>
+            <a:off x="7812281" y="5453647"/>
+            <a:ext cx="391454" cy="253916"/>
+          </a:xfrm>
+          <a:prstGeom prst="rect">
+            <a:avLst/>
+          </a:prstGeom>
+          <a:noFill/>
+        </p:spPr>
+        <p:txBody>
+          <a:bodyPr wrap="none" rtlCol="0">
+            <a:spAutoFit/>
+          </a:bodyPr>
+          <a:lstStyle/>
+          <a:p>
+            <a:r>
+              <a:rPr lang="tr-TR" sz="1050" dirty="0" smtClean="0"/>
+              <a:t>[</a:t>
+            </a:r>
+            <a:r>
+              <a:rPr lang="tr-TR" sz="1050" dirty="0" smtClean="0"/>
+              <a:t>14]</a:t>
+            </a:r>
+            <a:endParaRPr lang="tr-TR" sz="1050" dirty="0"/>
+          </a:p>
+        </p:txBody>
+      </p:sp>
     </p:spTree>
     <p:extLst>
       <p:ext uri="{BB962C8B-B14F-4D97-AF65-F5344CB8AC3E}">
-        <p14:creationId xmlns:p14="http://schemas.microsoft.com/office/powerpoint/2010/main" val="2643796659"/>
+        <p14:creationId xmlns:p14="http://schemas.microsoft.com/office/powerpoint/2010/main" xmlns="" val="2643796659"/>
       </p:ext>
     </p:extLst>
   </p:cSld>
@@ -22542,7 +22816,6 @@
               <a:rPr lang="tr-TR" sz="1400" i="1" u="sng" dirty="0"/>
               <a:t>Algorithm (Munkres Assignment Algorithm)</a:t>
             </a:r>
-            <a:endParaRPr lang="tr-TR" sz="1400" i="1" u="sng" dirty="0"/>
           </a:p>
         </p:txBody>
       </p:sp>
@@ -22737,7 +23010,7 @@
           <p:nvPr>
             <p:extLst>
               <p:ext uri="{D42A27DB-BD31-4B8C-83A1-F6EECF244321}">
-                <p14:modId xmlns:p14="http://schemas.microsoft.com/office/powerpoint/2010/main" val="1931656854"/>
+                <p14:modId xmlns:p14="http://schemas.microsoft.com/office/powerpoint/2010/main" xmlns="" val="1931656854"/>
               </p:ext>
             </p:extLst>
           </p:nvPr>
@@ -23024,10 +23297,78 @@
           </a:graphicData>
         </a:graphic>
       </p:graphicFrame>
+      <p:sp>
+        <p:nvSpPr>
+          <p:cNvPr id="16" name="TextBox 15"/>
+          <p:cNvSpPr txBox="1"/>
+          <p:nvPr/>
+        </p:nvSpPr>
+        <p:spPr>
+          <a:xfrm>
+            <a:off x="5259998" y="6090962"/>
+            <a:ext cx="391454" cy="253916"/>
+          </a:xfrm>
+          <a:prstGeom prst="rect">
+            <a:avLst/>
+          </a:prstGeom>
+          <a:noFill/>
+        </p:spPr>
+        <p:txBody>
+          <a:bodyPr wrap="none" rtlCol="0">
+            <a:spAutoFit/>
+          </a:bodyPr>
+          <a:lstStyle/>
+          <a:p>
+            <a:r>
+              <a:rPr lang="tr-TR" sz="1050" dirty="0" smtClean="0"/>
+              <a:t>[</a:t>
+            </a:r>
+            <a:r>
+              <a:rPr lang="tr-TR" sz="1050" dirty="0" smtClean="0"/>
+              <a:t>16]</a:t>
+            </a:r>
+            <a:endParaRPr lang="tr-TR" sz="1050" dirty="0"/>
+          </a:p>
+        </p:txBody>
+      </p:sp>
+      <p:sp>
+        <p:nvSpPr>
+          <p:cNvPr id="17" name="TextBox 16"/>
+          <p:cNvSpPr txBox="1"/>
+          <p:nvPr/>
+        </p:nvSpPr>
+        <p:spPr>
+          <a:xfrm>
+            <a:off x="3583646" y="4720590"/>
+            <a:ext cx="383438" cy="253916"/>
+          </a:xfrm>
+          <a:prstGeom prst="rect">
+            <a:avLst/>
+          </a:prstGeom>
+          <a:noFill/>
+        </p:spPr>
+        <p:txBody>
+          <a:bodyPr wrap="none" rtlCol="0">
+            <a:spAutoFit/>
+          </a:bodyPr>
+          <a:lstStyle/>
+          <a:p>
+            <a:r>
+              <a:rPr lang="tr-TR" sz="1050" dirty="0" smtClean="0"/>
+              <a:t>[</a:t>
+            </a:r>
+            <a:r>
+              <a:rPr lang="tr-TR" sz="1050" dirty="0" smtClean="0"/>
+              <a:t>15]</a:t>
+            </a:r>
+            <a:endParaRPr lang="tr-TR" sz="1050" dirty="0"/>
+          </a:p>
+        </p:txBody>
+      </p:sp>
     </p:spTree>
     <p:extLst>
       <p:ext uri="{BB962C8B-B14F-4D97-AF65-F5344CB8AC3E}">
-        <p14:creationId xmlns:p14="http://schemas.microsoft.com/office/powerpoint/2010/main" val="2630215700"/>
+        <p14:creationId xmlns:p14="http://schemas.microsoft.com/office/powerpoint/2010/main" xmlns="" val="2630215700"/>
       </p:ext>
     </p:extLst>
   </p:cSld>
@@ -24031,15 +24372,7 @@
           <a:p>
             <a:r>
               <a:rPr lang="tr-TR" sz="1400" dirty="0" smtClean="0"/>
-              <a:t>Open </a:t>
-            </a:r>
-            <a:r>
-              <a:rPr lang="tr-TR" sz="1400" dirty="0" smtClean="0"/>
-              <a:t>loop </a:t>
-            </a:r>
-            <a:r>
-              <a:rPr lang="tr-TR" sz="1400" dirty="0" smtClean="0"/>
-              <a:t>Bode plots</a:t>
+              <a:t>Open loop Bode plots</a:t>
             </a:r>
             <a:endParaRPr lang="tr-TR" sz="1400" dirty="0"/>
           </a:p>
@@ -24445,7 +24778,7 @@
     </p:spTree>
     <p:extLst>
       <p:ext uri="{BB962C8B-B14F-4D97-AF65-F5344CB8AC3E}">
-        <p14:creationId xmlns:p14="http://schemas.microsoft.com/office/powerpoint/2010/main" val="1700721917"/>
+        <p14:creationId xmlns:p14="http://schemas.microsoft.com/office/powerpoint/2010/main" xmlns="" val="1700721917"/>
       </p:ext>
     </p:extLst>
   </p:cSld>
@@ -24621,15 +24954,7 @@
           <a:p>
             <a:r>
               <a:rPr lang="tr-TR" sz="1400" dirty="0" smtClean="0"/>
-              <a:t>The dynamical system of agents  is </a:t>
-            </a:r>
-            <a:r>
-              <a:rPr lang="tr-TR" sz="1400" dirty="0" smtClean="0"/>
-              <a:t>augmented with an artificial error state, </a:t>
-            </a:r>
-            <a:r>
-              <a:rPr lang="tr-TR" sz="1400" dirty="0" smtClean="0"/>
-              <a:t>to design an </a:t>
+              <a:t>The dynamical system of agents  is augmented with an artificial error state, to design an </a:t>
             </a:r>
             <a:r>
               <a:rPr lang="tr-TR" sz="1400" dirty="0"/>
@@ -24924,7 +25249,7 @@
     </p:spTree>
     <p:extLst>
       <p:ext uri="{BB962C8B-B14F-4D97-AF65-F5344CB8AC3E}">
-        <p14:creationId xmlns:p14="http://schemas.microsoft.com/office/powerpoint/2010/main" val="125623688"/>
+        <p14:creationId xmlns:p14="http://schemas.microsoft.com/office/powerpoint/2010/main" xmlns="" val="125623688"/>
       </p:ext>
     </p:extLst>
   </p:cSld>
@@ -25269,144 +25594,266 @@
             </a:r>
             <a:r>
               <a:rPr lang="en-US" sz="1050" dirty="0" smtClean="0"/>
-              <a:t> for a swarm of robots. In ICRA, 2009.</a:t>
+              <a:t> for a swarm of robots. In ICRA, 2009</a:t>
+            </a:r>
+            <a:r>
+              <a:rPr lang="en-US" sz="1050" dirty="0" smtClean="0"/>
+              <a:t>.</a:t>
             </a:r>
             <a:r>
               <a:rPr lang="tr-TR" sz="1050" dirty="0" smtClean="0"/>
-              <a:t>[10] </a:t>
-            </a:r>
-            <a:r>
-              <a:rPr lang="tr-TR" sz="1050" dirty="0" smtClean="0">
-                <a:hlinkClick r:id="rId4"/>
-              </a:rPr>
-              <a:t>http://electronicdesign.com/systems/advanced-robots-swarm-nyc-s-museum-math</a:t>
+              <a:t> [</a:t>
+            </a:r>
+            <a:r>
+              <a:rPr lang="tr-TR" sz="1050" dirty="0" smtClean="0"/>
+              <a:t>9]</a:t>
+            </a:r>
+            <a:r>
+              <a:rPr lang="en-US" sz="1050" dirty="0" smtClean="0"/>
+              <a:t> </a:t>
+            </a:r>
+            <a:r>
+              <a:rPr lang="en-US" sz="1050" dirty="0" err="1" smtClean="0"/>
+              <a:t>Samitha</a:t>
+            </a:r>
+            <a:r>
+              <a:rPr lang="en-US" sz="1050" dirty="0" smtClean="0"/>
+              <a:t> </a:t>
+            </a:r>
+            <a:r>
+              <a:rPr lang="en-US" sz="1050" dirty="0" err="1" smtClean="0"/>
+              <a:t>Ekanayake</a:t>
+            </a:r>
+            <a:r>
+              <a:rPr lang="en-US" sz="1050" dirty="0" smtClean="0"/>
+              <a:t> and </a:t>
+            </a:r>
+            <a:r>
+              <a:rPr lang="en-US" sz="1050" dirty="0" err="1" smtClean="0"/>
+              <a:t>Pubudu</a:t>
+            </a:r>
+            <a:r>
+              <a:rPr lang="en-US" sz="1050" dirty="0" smtClean="0"/>
+              <a:t> </a:t>
+            </a:r>
+            <a:r>
+              <a:rPr lang="en-US" sz="1050" dirty="0" err="1" smtClean="0"/>
+              <a:t>Pathirana</a:t>
+            </a:r>
+            <a:r>
+              <a:rPr lang="en-US" sz="1050" dirty="0" smtClean="0"/>
+              <a:t>. Formations of robotic swarm: An</a:t>
+            </a:r>
+            <a:r>
+              <a:rPr lang="tr-TR" sz="1050" dirty="0" smtClean="0"/>
+              <a:t> </a:t>
+            </a:r>
+            <a:r>
+              <a:rPr lang="en-US" sz="1050" dirty="0" smtClean="0"/>
+              <a:t>artificial force based approach. International Journal of Advanced Robotic Systems,</a:t>
+            </a:r>
+            <a:r>
+              <a:rPr lang="tr-TR" sz="1050" dirty="0" smtClean="0"/>
+              <a:t>7:173–190, 2010</a:t>
+            </a:r>
+          </a:p>
+          <a:p>
+            <a:r>
+              <a:rPr lang="tr-TR" sz="1050" dirty="0" smtClean="0"/>
+              <a:t>[10] http://electronicdesign.com/systems/advanced-robots-swarm-nyc-s-museum-math</a:t>
+            </a:r>
+          </a:p>
+          <a:p>
+            <a:r>
+              <a:rPr lang="tr-TR" sz="1050" dirty="0" smtClean="0"/>
+              <a:t>[11]</a:t>
+            </a:r>
+            <a:r>
+              <a:rPr lang="de-DE" sz="1050" dirty="0" smtClean="0"/>
+              <a:t> Aveek Das, Rafael Fierro, Vijay Kumar, James Ostrowski, John Spletzer, and</a:t>
+            </a:r>
+            <a:r>
+              <a:rPr lang="tr-TR" sz="1050" dirty="0" smtClean="0"/>
+              <a:t> </a:t>
+            </a:r>
+            <a:r>
+              <a:rPr lang="en-US" sz="1050" dirty="0" smtClean="0"/>
+              <a:t>Camilla Taylor. A vision-based formation control framework. IEEE Transactions</a:t>
+            </a:r>
+            <a:r>
+              <a:rPr lang="tr-TR" sz="1050" dirty="0" smtClean="0"/>
+              <a:t> </a:t>
+            </a:r>
+            <a:r>
+              <a:rPr lang="en-US" sz="1050" dirty="0" smtClean="0"/>
+              <a:t>on Robotics and Automation, 18:813–825, 2002.</a:t>
             </a:r>
             <a:endParaRPr lang="tr-TR" sz="1050" dirty="0" smtClean="0"/>
           </a:p>
           <a:p>
             <a:r>
               <a:rPr lang="tr-TR" sz="1050" dirty="0" smtClean="0"/>
-              <a:t>[9]</a:t>
+              <a:t>[12] Kenji </a:t>
+            </a:r>
+            <a:r>
+              <a:rPr lang="tr-TR" sz="1050" dirty="0" smtClean="0"/>
+              <a:t>Shimada and David Gossard. Bubble mesh: Automated triangular </a:t>
+            </a:r>
+            <a:r>
+              <a:rPr lang="tr-TR" sz="1050" dirty="0" smtClean="0"/>
+              <a:t>meshing </a:t>
             </a:r>
             <a:r>
               <a:rPr lang="en-US" sz="1050" dirty="0" smtClean="0"/>
-              <a:t> </a:t>
-            </a:r>
-            <a:r>
-              <a:rPr lang="en-US" sz="1050" dirty="0" err="1" smtClean="0"/>
-              <a:t>Samitha</a:t>
+              <a:t>of </a:t>
             </a:r>
             <a:r>
               <a:rPr lang="en-US" sz="1050" dirty="0" smtClean="0"/>
-              <a:t> </a:t>
-            </a:r>
-            <a:r>
-              <a:rPr lang="en-US" sz="1050" dirty="0" err="1" smtClean="0"/>
-              <a:t>Ekanayake</a:t>
+              <a:t>non-manifold geometry by sphere </a:t>
             </a:r>
             <a:r>
               <a:rPr lang="en-US" sz="1050" dirty="0" smtClean="0"/>
-              <a:t> and </a:t>
-            </a:r>
-            <a:r>
-              <a:rPr lang="en-US" sz="1050" dirty="0" err="1" smtClean="0"/>
-              <a:t>Pubudu</a:t>
+              <a:t>packing</a:t>
             </a:r>
             <a:r>
               <a:rPr lang="en-US" sz="1050" dirty="0" smtClean="0"/>
-              <a:t> </a:t>
-            </a:r>
-            <a:r>
-              <a:rPr lang="en-US" sz="1050" dirty="0" err="1" smtClean="0"/>
-              <a:t>Pathirana</a:t>
+              <a:t>. In ACM Symposium on </a:t>
             </a:r>
             <a:r>
               <a:rPr lang="en-US" sz="1050" dirty="0" smtClean="0"/>
-              <a:t>. Formations of robotic swarm: An</a:t>
+              <a:t>Solid</a:t>
             </a:r>
             <a:r>
               <a:rPr lang="tr-TR" sz="1050" dirty="0" smtClean="0"/>
-              <a:t> </a:t>
-            </a:r>
-            <a:r>
-              <a:rPr lang="en-US" sz="1050" dirty="0" smtClean="0"/>
-              <a:t>artificial force based approach. International Journal of Advanced Robotic Systems,</a:t>
+              <a:t> Modeling </a:t>
             </a:r>
             <a:r>
               <a:rPr lang="tr-TR" sz="1050" dirty="0" smtClean="0"/>
-              <a:t>7:173–190, 2010</a:t>
+              <a:t>and Applications, 1995</a:t>
+            </a:r>
+            <a:r>
+              <a:rPr lang="tr-TR" sz="1050" dirty="0" smtClean="0"/>
+              <a:t>.</a:t>
             </a:r>
           </a:p>
           <a:p>
             <a:r>
               <a:rPr lang="tr-TR" sz="1050" dirty="0" smtClean="0"/>
-              <a:t>[10] http://electronicdesign.com/systems/advanced-robots-swarm-nyc-s-museum-math</a:t>
-            </a:r>
-          </a:p>
-          <a:p>
-            <a:r>
-              <a:rPr lang="tr-TR" sz="1050" dirty="0" smtClean="0"/>
-              <a:t>[11]</a:t>
+              <a:t>[13]</a:t>
+            </a:r>
+            <a:r>
+              <a:rPr lang="en-US" sz="1050" dirty="0" smtClean="0"/>
+              <a:t>John </a:t>
+            </a:r>
+            <a:r>
+              <a:rPr lang="en-US" sz="1050" dirty="0" smtClean="0"/>
+              <a:t>Shier and Paul Bourke. An algorithm for random fractal filling of </a:t>
+            </a:r>
+            <a:r>
+              <a:rPr lang="en-US" sz="1050" dirty="0" smtClean="0"/>
+              <a:t>space.</a:t>
             </a:r>
             <a:r>
               <a:rPr lang="de-DE" sz="1050" dirty="0" smtClean="0"/>
-              <a:t> Aveek Das, Rafael Fierro, Vijay Kumar, James Ostrowski, John Spletzer, and</a:t>
-            </a:r>
-            <a:r>
-              <a:rPr lang="tr-TR" sz="1050" dirty="0" smtClean="0"/>
-              <a:t> </a:t>
-            </a:r>
-            <a:r>
-              <a:rPr lang="en-US" sz="1050" dirty="0" smtClean="0"/>
-              <a:t>Camilla Taylor. A vision-based formation control framework. IEEE Transactions</a:t>
-            </a:r>
-            <a:r>
-              <a:rPr lang="tr-TR" sz="1050" dirty="0" smtClean="0"/>
-              <a:t> </a:t>
-            </a:r>
-            <a:r>
-              <a:rPr lang="en-US" sz="1050" dirty="0" smtClean="0"/>
-              <a:t>on Robotics and Automation, 18:813–825, 2002.</a:t>
+              <a:t>Computer </a:t>
+            </a:r>
+            <a:r>
+              <a:rPr lang="de-DE" sz="1050" dirty="0" smtClean="0"/>
+              <a:t>Graphics Forum, 32:89–97, 2013</a:t>
+            </a:r>
+            <a:r>
+              <a:rPr lang="de-DE" sz="1050" dirty="0" smtClean="0"/>
+              <a:t>.</a:t>
             </a:r>
             <a:endParaRPr lang="tr-TR" sz="1050" dirty="0" smtClean="0"/>
           </a:p>
           <a:p>
             <a:r>
               <a:rPr lang="tr-TR" sz="1050" dirty="0" smtClean="0"/>
-              <a:t>[12]</a:t>
+              <a:t>[14]</a:t>
             </a:r>
             <a:r>
               <a:rPr lang="en-US" sz="1050" dirty="0" smtClean="0"/>
-              <a:t> </a:t>
+              <a:t> Mark Berg, </a:t>
             </a:r>
             <a:r>
               <a:rPr lang="en-US" sz="1050" dirty="0" err="1" smtClean="0"/>
-              <a:t>Yogeswaran</a:t>
+              <a:t>Otfried</a:t>
             </a:r>
             <a:r>
               <a:rPr lang="en-US" sz="1050" dirty="0" smtClean="0"/>
-              <a:t> Mohan and S.G. </a:t>
+              <a:t> Cheong, </a:t>
             </a:r>
             <a:r>
               <a:rPr lang="en-US" sz="1050" dirty="0" err="1" smtClean="0"/>
-              <a:t>Ponnambalam</a:t>
+              <a:t>Kreveld</a:t>
             </a:r>
             <a:r>
               <a:rPr lang="en-US" sz="1050" dirty="0" smtClean="0"/>
-              <a:t>. An extensive review of research</a:t>
+              <a:t>. Marc, and Marc </a:t>
+            </a:r>
+            <a:r>
+              <a:rPr lang="en-US" sz="1050" dirty="0" err="1" smtClean="0"/>
+              <a:t>Overmars</a:t>
+            </a:r>
+            <a:r>
+              <a:rPr lang="en-US" sz="1050" dirty="0" smtClean="0"/>
+              <a:t>. </a:t>
+            </a:r>
+            <a:r>
+              <a:rPr lang="en-US" sz="1050" dirty="0" smtClean="0"/>
+              <a:t>Computational</a:t>
             </a:r>
             <a:r>
               <a:rPr lang="tr-TR" sz="1050" dirty="0" smtClean="0"/>
-              <a:t> </a:t>
+              <a:t>Geometry</a:t>
+            </a:r>
+            <a:r>
+              <a:rPr lang="tr-TR" sz="1050" dirty="0" smtClean="0"/>
+              <a:t>. Springer, 1998</a:t>
+            </a:r>
+            <a:r>
+              <a:rPr lang="tr-TR" sz="1050" dirty="0" smtClean="0"/>
+              <a:t>.</a:t>
+            </a:r>
+          </a:p>
+          <a:p>
+            <a:r>
+              <a:rPr lang="tr-TR" sz="1050" dirty="0" smtClean="0"/>
+              <a:t>[15] </a:t>
+            </a:r>
+            <a:r>
+              <a:rPr lang="tr-TR" sz="1050" dirty="0" smtClean="0"/>
+              <a:t> https</a:t>
+            </a:r>
+            <a:r>
+              <a:rPr lang="tr-TR" sz="1050" dirty="0" smtClean="0"/>
+              <a:t>://nevraa.wordpress.com/2012/08/08/dijkstra-algoritmasi-ile-en-kisa-yol-bulma/</a:t>
+            </a:r>
+            <a:endParaRPr lang="tr-TR" sz="1050" dirty="0" smtClean="0"/>
+          </a:p>
+          <a:p>
+            <a:r>
+              <a:rPr lang="tr-TR" sz="1050" dirty="0" smtClean="0"/>
+              <a:t>[16]</a:t>
+            </a:r>
+            <a:r>
+              <a:rPr lang="tr-TR" sz="1050" dirty="0" smtClean="0"/>
+              <a:t> Jop Frederik Sibeyn. Graph algorithms. https://www8.cs.umu.se/ </a:t>
+            </a:r>
+            <a:r>
+              <a:rPr lang="tr-TR" sz="1050" dirty="0" smtClean="0"/>
+              <a:t>jopsi/dinf504/</a:t>
             </a:r>
             <a:r>
               <a:rPr lang="en-US" sz="1050" dirty="0" smtClean="0"/>
-              <a:t>in swarm robotics. In World Congress on Nature &amp; Biologically Inspired Computing,</a:t>
-            </a:r>
-            <a:r>
-              <a:rPr lang="tr-TR" sz="1050" dirty="0" smtClean="0"/>
-              <a:t> NaBIC, 2009.</a:t>
-            </a:r>
+              <a:t>chap14.shtml</a:t>
+            </a:r>
+            <a:r>
+              <a:rPr lang="en-US" sz="1050" dirty="0" smtClean="0"/>
+              <a:t>, last visited on April 2016.</a:t>
+            </a:r>
+            <a:endParaRPr lang="tr-TR" sz="1050" dirty="0" smtClean="0"/>
           </a:p>
           <a:p>
             <a:pPr>
@@ -25485,7 +25932,7 @@
     </p:spTree>
     <p:extLst>
       <p:ext uri="{BB962C8B-B14F-4D97-AF65-F5344CB8AC3E}">
-        <p14:creationId xmlns:p14="http://schemas.microsoft.com/office/powerpoint/2010/main" val="1601229741"/>
+        <p14:creationId xmlns:p14="http://schemas.microsoft.com/office/powerpoint/2010/main" xmlns="" val="1601229741"/>
       </p:ext>
     </p:extLst>
   </p:cSld>
@@ -25522,7 +25969,7 @@
     </p:spTree>
     <p:extLst>
       <p:ext uri="{BB962C8B-B14F-4D97-AF65-F5344CB8AC3E}">
-        <p14:creationId xmlns:p14="http://schemas.microsoft.com/office/powerpoint/2010/main" val="3835474893"/>
+        <p14:creationId xmlns:p14="http://schemas.microsoft.com/office/powerpoint/2010/main" xmlns="" val="3835474893"/>
       </p:ext>
     </p:extLst>
   </p:cSld>
@@ -25734,7 +26181,7 @@
     </p:spTree>
     <p:extLst>
       <p:ext uri="{BB962C8B-B14F-4D97-AF65-F5344CB8AC3E}">
-        <p14:creationId xmlns:p14="http://schemas.microsoft.com/office/powerpoint/2010/main" val="1601229741"/>
+        <p14:creationId xmlns:p14="http://schemas.microsoft.com/office/powerpoint/2010/main" xmlns="" val="1601229741"/>
       </p:ext>
     </p:extLst>
   </p:cSld>
@@ -26066,7 +26513,7 @@
     </p:spTree>
     <p:extLst>
       <p:ext uri="{BB962C8B-B14F-4D97-AF65-F5344CB8AC3E}">
-        <p14:creationId xmlns:p14="http://schemas.microsoft.com/office/powerpoint/2010/main" val="1601229741"/>
+        <p14:creationId xmlns:p14="http://schemas.microsoft.com/office/powerpoint/2010/main" xmlns="" val="1601229741"/>
       </p:ext>
     </p:extLst>
   </p:cSld>
@@ -26366,7 +26813,7 @@
     </p:spTree>
     <p:extLst>
       <p:ext uri="{BB962C8B-B14F-4D97-AF65-F5344CB8AC3E}">
-        <p14:creationId xmlns:p14="http://schemas.microsoft.com/office/powerpoint/2010/main" val="1601229741"/>
+        <p14:creationId xmlns:p14="http://schemas.microsoft.com/office/powerpoint/2010/main" xmlns="" val="1601229741"/>
       </p:ext>
     </p:extLst>
   </p:cSld>
@@ -26684,7 +27131,7 @@
     </p:spTree>
     <p:extLst>
       <p:ext uri="{BB962C8B-B14F-4D97-AF65-F5344CB8AC3E}">
-        <p14:creationId xmlns:p14="http://schemas.microsoft.com/office/powerpoint/2010/main" val="1601229741"/>
+        <p14:creationId xmlns:p14="http://schemas.microsoft.com/office/powerpoint/2010/main" xmlns="" val="1601229741"/>
       </p:ext>
     </p:extLst>
   </p:cSld>
@@ -26994,7 +27441,7 @@
     </p:spTree>
     <p:extLst>
       <p:ext uri="{BB962C8B-B14F-4D97-AF65-F5344CB8AC3E}">
-        <p14:creationId xmlns:p14="http://schemas.microsoft.com/office/powerpoint/2010/main" val="1601229741"/>
+        <p14:creationId xmlns:p14="http://schemas.microsoft.com/office/powerpoint/2010/main" xmlns="" val="1601229741"/>
       </p:ext>
     </p:extLst>
   </p:cSld>
@@ -28253,7 +28700,7 @@
     </p:spTree>
     <p:extLst>
       <p:ext uri="{BB962C8B-B14F-4D97-AF65-F5344CB8AC3E}">
-        <p14:creationId xmlns:p14="http://schemas.microsoft.com/office/powerpoint/2010/main" val="1601229741"/>
+        <p14:creationId xmlns:p14="http://schemas.microsoft.com/office/powerpoint/2010/main" xmlns="" val="1601229741"/>
       </p:ext>
     </p:extLst>
   </p:cSld>
@@ -31975,7 +32422,7 @@
     </p:spTree>
     <p:extLst>
       <p:ext uri="{BB962C8B-B14F-4D97-AF65-F5344CB8AC3E}">
-        <p14:creationId xmlns:p14="http://schemas.microsoft.com/office/powerpoint/2010/main" val="1601229741"/>
+        <p14:creationId xmlns:p14="http://schemas.microsoft.com/office/powerpoint/2010/main" xmlns="" val="1601229741"/>
       </p:ext>
     </p:extLst>
   </p:cSld>
